--- a/Artefatos/15. Arquitetura de negócio para cada cenário.pptx
+++ b/Artefatos/15. Arquitetura de negócio para cada cenário.pptx
@@ -807,7 +807,7 @@
   <p:cSld>
     <p:spTree>
       <p:nvGrpSpPr>
-        <p:cNvPr id="64" name="Shape 64"/>
+        <p:cNvPr id="61" name="Shape 61"/>
         <p:cNvGrpSpPr/>
         <p:nvPr/>
       </p:nvGrpSpPr>
@@ -821,7 +821,7 @@
       </p:grpSpPr>
       <p:sp>
         <p:nvSpPr>
-          <p:cNvPr id="65" name="Google Shape;65;g94ec6afc1e_1_23:notes"/>
+          <p:cNvPr id="62" name="Google Shape;62;g94ec6afc1e_1_23:notes"/>
           <p:cNvSpPr/>
           <p:nvPr>
             <p:ph idx="2" type="sldImg"/>
@@ -856,7 +856,7 @@
       </p:sp>
       <p:sp>
         <p:nvSpPr>
-          <p:cNvPr id="66" name="Google Shape;66;g94ec6afc1e_1_23:notes"/>
+          <p:cNvPr id="63" name="Google Shape;63;g94ec6afc1e_1_23:notes"/>
           <p:cNvSpPr txBox="1"/>
           <p:nvPr>
             <p:ph idx="1" type="body"/>
@@ -907,7 +907,7 @@
   <p:cSld>
     <p:spTree>
       <p:nvGrpSpPr>
-        <p:cNvPr id="76" name="Shape 76"/>
+        <p:cNvPr id="74" name="Shape 74"/>
         <p:cNvGrpSpPr/>
         <p:nvPr/>
       </p:nvGrpSpPr>
@@ -921,7 +921,7 @@
       </p:grpSpPr>
       <p:sp>
         <p:nvSpPr>
-          <p:cNvPr id="77" name="Google Shape;77;g94ec6afc1e_1_7:notes"/>
+          <p:cNvPr id="75" name="Google Shape;75;g965e56543e_0_10:notes"/>
           <p:cNvSpPr/>
           <p:nvPr>
             <p:ph idx="2" type="sldImg"/>
@@ -956,7 +956,7 @@
       </p:sp>
       <p:sp>
         <p:nvSpPr>
-          <p:cNvPr id="78" name="Google Shape;78;g94ec6afc1e_1_7:notes"/>
+          <p:cNvPr id="76" name="Google Shape;76;g965e56543e_0_10:notes"/>
           <p:cNvSpPr txBox="1"/>
           <p:nvPr>
             <p:ph idx="1" type="body"/>
@@ -1006,7 +1006,7 @@
   <p:cSld>
     <p:spTree>
       <p:nvGrpSpPr>
-        <p:cNvPr id="88" name="Shape 88"/>
+        <p:cNvPr id="87" name="Shape 87"/>
         <p:cNvGrpSpPr/>
         <p:nvPr/>
       </p:nvGrpSpPr>
@@ -1020,7 +1020,7 @@
       </p:grpSpPr>
       <p:sp>
         <p:nvSpPr>
-          <p:cNvPr id="89" name="Google Shape;89;g94ec6afc1e_1_36:notes"/>
+          <p:cNvPr id="88" name="Google Shape;88;g965e56543e_0_27:notes"/>
           <p:cNvSpPr/>
           <p:nvPr>
             <p:ph idx="2" type="sldImg"/>
@@ -1055,7 +1055,7 @@
       </p:sp>
       <p:sp>
         <p:nvSpPr>
-          <p:cNvPr id="90" name="Google Shape;90;g94ec6afc1e_1_36:notes"/>
+          <p:cNvPr id="89" name="Google Shape;89;g965e56543e_0_27:notes"/>
           <p:cNvSpPr txBox="1"/>
           <p:nvPr>
             <p:ph idx="1" type="body"/>
@@ -1105,7 +1105,7 @@
   <p:cSld>
     <p:spTree>
       <p:nvGrpSpPr>
-        <p:cNvPr id="100" name="Shape 100"/>
+        <p:cNvPr id="99" name="Shape 99"/>
         <p:cNvGrpSpPr/>
         <p:nvPr/>
       </p:nvGrpSpPr>
@@ -1119,7 +1119,7 @@
       </p:grpSpPr>
       <p:sp>
         <p:nvSpPr>
-          <p:cNvPr id="101" name="Google Shape;101;g963b1679a8_3_0:notes"/>
+          <p:cNvPr id="100" name="Google Shape;100;g965e56543e_0_41:notes"/>
           <p:cNvSpPr/>
           <p:nvPr>
             <p:ph idx="2" type="sldImg"/>
@@ -1154,7 +1154,7 @@
       </p:sp>
       <p:sp>
         <p:nvSpPr>
-          <p:cNvPr id="102" name="Google Shape;102;g963b1679a8_3_0:notes"/>
+          <p:cNvPr id="101" name="Google Shape;101;g965e56543e_0_41:notes"/>
           <p:cNvSpPr txBox="1"/>
           <p:nvPr>
             <p:ph idx="1" type="body"/>
@@ -1218,7 +1218,7 @@
       </p:grpSpPr>
       <p:sp>
         <p:nvSpPr>
-          <p:cNvPr id="113" name="Google Shape;113;g94ec6afc1e_1_53:notes"/>
+          <p:cNvPr id="113" name="Google Shape;113;g965e56543e_0_58:notes"/>
           <p:cNvSpPr/>
           <p:nvPr>
             <p:ph idx="2" type="sldImg"/>
@@ -1253,7 +1253,7 @@
       </p:sp>
       <p:sp>
         <p:nvSpPr>
-          <p:cNvPr id="114" name="Google Shape;114;g94ec6afc1e_1_53:notes"/>
+          <p:cNvPr id="114" name="Google Shape;114;g965e56543e_0_58:notes"/>
           <p:cNvSpPr txBox="1"/>
           <p:nvPr>
             <p:ph idx="1" type="body"/>
@@ -1303,7 +1303,7 @@
   <p:cSld>
     <p:spTree>
       <p:nvGrpSpPr>
-        <p:cNvPr id="124" name="Shape 124"/>
+        <p:cNvPr id="125" name="Shape 125"/>
         <p:cNvGrpSpPr/>
         <p:nvPr/>
       </p:nvGrpSpPr>
@@ -1317,7 +1317,7 @@
       </p:grpSpPr>
       <p:sp>
         <p:nvSpPr>
-          <p:cNvPr id="125" name="Google Shape;125;g963b1679a8_2_1:notes"/>
+          <p:cNvPr id="126" name="Google Shape;126;g963b1679a8_2_1:notes"/>
           <p:cNvSpPr/>
           <p:nvPr>
             <p:ph idx="2" type="sldImg"/>
@@ -1352,7 +1352,7 @@
       </p:sp>
       <p:sp>
         <p:nvSpPr>
-          <p:cNvPr id="126" name="Google Shape;126;g963b1679a8_2_1:notes"/>
+          <p:cNvPr id="127" name="Google Shape;127;g963b1679a8_2_1:notes"/>
           <p:cNvSpPr txBox="1"/>
           <p:nvPr>
             <p:ph idx="1" type="body"/>
@@ -1402,7 +1402,7 @@
   <p:cSld>
     <p:spTree>
       <p:nvGrpSpPr>
-        <p:cNvPr id="137" name="Shape 137"/>
+        <p:cNvPr id="140" name="Shape 140"/>
         <p:cNvGrpSpPr/>
         <p:nvPr/>
       </p:nvGrpSpPr>
@@ -1416,7 +1416,7 @@
       </p:grpSpPr>
       <p:sp>
         <p:nvSpPr>
-          <p:cNvPr id="138" name="Google Shape;138;g963b1679a8_3_13:notes"/>
+          <p:cNvPr id="141" name="Google Shape;141;g963b1679a8_3_13:notes"/>
           <p:cNvSpPr/>
           <p:nvPr>
             <p:ph idx="2" type="sldImg"/>
@@ -1451,7 +1451,7 @@
       </p:sp>
       <p:sp>
         <p:nvSpPr>
-          <p:cNvPr id="139" name="Google Shape;139;g963b1679a8_3_13:notes"/>
+          <p:cNvPr id="142" name="Google Shape;142;g963b1679a8_3_13:notes"/>
           <p:cNvSpPr txBox="1"/>
           <p:nvPr>
             <p:ph idx="1" type="body"/>
@@ -6188,6 +6188,13 @@
             <a:headEnd len="sm" w="sm" type="none"/>
             <a:tailEnd len="sm" w="sm" type="none"/>
           </a:ln>
+          <a:effectLst>
+            <a:outerShdw blurRad="114300" rotWithShape="0" algn="bl" dir="6540000" dist="57150">
+              <a:srgbClr val="000000">
+                <a:alpha val="50000"/>
+              </a:srgbClr>
+            </a:outerShdw>
+          </a:effectLst>
         </p:spPr>
         <p:txBody>
           <a:bodyPr anchorCtr="0" anchor="ctr" bIns="91425" lIns="91425" spcFirstLastPara="1" rIns="91425" wrap="square" tIns="91425">
@@ -6219,7 +6226,7 @@
         </p:nvSpPr>
         <p:spPr>
           <a:xfrm>
-            <a:off x="246575" y="263325"/>
+            <a:off x="520050" y="242125"/>
             <a:ext cx="2567100" cy="554700"/>
           </a:xfrm>
           <a:prstGeom prst="rect">
@@ -6246,76 +6253,37 @@
               <a:buNone/>
             </a:pPr>
             <a:r>
-              <a:rPr b="1" lang="pt-BR" sz="1700"/>
-              <a:t>Contexto de negócio</a:t>
+              <a:rPr b="1" lang="pt-BR" sz="2000">
+                <a:latin typeface="Times New Roman"/>
+                <a:ea typeface="Times New Roman"/>
+                <a:cs typeface="Times New Roman"/>
+                <a:sym typeface="Times New Roman"/>
+              </a:rPr>
+              <a:t>Contexto </a:t>
             </a:r>
-            <a:endParaRPr b="1" sz="1700"/>
-          </a:p>
-        </p:txBody>
-      </p:sp>
-      <p:sp>
-        <p:nvSpPr>
-          <p:cNvPr id="56" name="Google Shape;56;p13"/>
-          <p:cNvSpPr/>
-          <p:nvPr/>
-        </p:nvSpPr>
-        <p:spPr>
-          <a:xfrm>
-            <a:off x="693125" y="1820775"/>
-            <a:ext cx="1674000" cy="1043700"/>
-          </a:xfrm>
-          <a:prstGeom prst="rect">
-            <a:avLst/>
-          </a:prstGeom>
-          <a:solidFill>
-            <a:srgbClr val="0000FF"/>
-          </a:solidFill>
-          <a:ln cap="flat" cmpd="sng" w="9525">
-            <a:solidFill>
-              <a:schemeClr val="dk2"/>
-            </a:solidFill>
-            <a:prstDash val="solid"/>
-            <a:round/>
-            <a:headEnd len="sm" w="sm" type="none"/>
-            <a:tailEnd len="sm" w="sm" type="none"/>
-          </a:ln>
-        </p:spPr>
-        <p:txBody>
-          <a:bodyPr anchorCtr="0" anchor="ctr" bIns="91425" lIns="91425" spcFirstLastPara="1" rIns="91425" wrap="square" tIns="91425">
-            <a:noAutofit/>
-          </a:bodyPr>
-          <a:lstStyle/>
-          <a:p>
-            <a:pPr indent="0" lvl="0" marL="0" rtl="0" algn="ctr">
-              <a:spcBef>
-                <a:spcPts val="0"/>
-              </a:spcBef>
-              <a:spcAft>
-                <a:spcPts val="0"/>
-              </a:spcAft>
-              <a:buNone/>
-            </a:pPr>
             <a:r>
-              <a:rPr lang="pt-BR">
-                <a:solidFill>
-                  <a:srgbClr val="FFFFFF"/>
-                </a:solidFill>
+              <a:rPr b="1" lang="pt-BR" sz="2100">
+                <a:latin typeface="Times New Roman"/>
+                <a:ea typeface="Times New Roman"/>
+                <a:cs typeface="Times New Roman"/>
+                <a:sym typeface="Times New Roman"/>
               </a:rPr>
-              <a:t>Aluno</a:t>
+              <a:t>de negócio</a:t>
             </a:r>
-            <a:endParaRPr>
-              <a:solidFill>
-                <a:srgbClr val="FFFFFF"/>
-              </a:solidFill>
+            <a:endParaRPr b="1" sz="2100">
+              <a:latin typeface="Times New Roman"/>
+              <a:ea typeface="Times New Roman"/>
+              <a:cs typeface="Times New Roman"/>
+              <a:sym typeface="Times New Roman"/>
             </a:endParaRPr>
           </a:p>
         </p:txBody>
       </p:sp>
       <p:cxnSp>
         <p:nvCxnSpPr>
-          <p:cNvPr id="57" name="Google Shape;57;p13"/>
+          <p:cNvPr id="56" name="Google Shape;56;p13"/>
           <p:cNvCxnSpPr>
-            <a:stCxn id="56" idx="3"/>
+            <a:stCxn id="57" idx="3"/>
           </p:cNvCxnSpPr>
           <p:nvPr/>
         </p:nvCxnSpPr>
@@ -6347,237 +6315,7 @@
         </p:nvSpPr>
         <p:spPr>
           <a:xfrm>
-            <a:off x="2417850" y="1284325"/>
-            <a:ext cx="2292300" cy="421200"/>
-          </a:xfrm>
-          <a:prstGeom prst="rect">
-            <a:avLst/>
-          </a:prstGeom>
-          <a:noFill/>
-          <a:ln>
-            <a:noFill/>
-          </a:ln>
-        </p:spPr>
-        <p:txBody>
-          <a:bodyPr anchorCtr="0" anchor="t" bIns="91425" lIns="91425" spcFirstLastPara="1" rIns="91425" wrap="square" tIns="91425">
-            <a:noAutofit/>
-          </a:bodyPr>
-          <a:lstStyle/>
-          <a:p>
-            <a:pPr indent="0" lvl="0" marL="0" rtl="0" algn="l">
-              <a:spcBef>
-                <a:spcPts val="0"/>
-              </a:spcBef>
-              <a:spcAft>
-                <a:spcPts val="0"/>
-              </a:spcAft>
-              <a:buNone/>
-            </a:pPr>
-            <a:r>
-              <a:rPr lang="pt-BR" sz="1100"/>
-              <a:t>1. Realiza matrícula.</a:t>
-            </a:r>
-            <a:endParaRPr sz="1100"/>
-          </a:p>
-        </p:txBody>
-      </p:sp>
-      <p:sp>
-        <p:nvSpPr>
-          <p:cNvPr id="59" name="Google Shape;59;p13"/>
-          <p:cNvSpPr txBox="1"/>
-          <p:nvPr/>
-        </p:nvSpPr>
-        <p:spPr>
-          <a:xfrm>
-            <a:off x="2417850" y="1500150"/>
-            <a:ext cx="2292300" cy="421200"/>
-          </a:xfrm>
-          <a:prstGeom prst="rect">
-            <a:avLst/>
-          </a:prstGeom>
-          <a:noFill/>
-          <a:ln>
-            <a:noFill/>
-          </a:ln>
-        </p:spPr>
-        <p:txBody>
-          <a:bodyPr anchorCtr="0" anchor="t" bIns="91425" lIns="91425" spcFirstLastPara="1" rIns="91425" wrap="square" tIns="91425">
-            <a:noAutofit/>
-          </a:bodyPr>
-          <a:lstStyle/>
-          <a:p>
-            <a:pPr indent="0" lvl="0" marL="0" rtl="0" algn="l">
-              <a:spcBef>
-                <a:spcPts val="0"/>
-              </a:spcBef>
-              <a:spcAft>
-                <a:spcPts val="0"/>
-              </a:spcAft>
-              <a:buNone/>
-            </a:pPr>
-            <a:r>
-              <a:rPr lang="pt-BR" sz="1100"/>
-              <a:t>2</a:t>
-            </a:r>
-            <a:r>
-              <a:rPr lang="pt-BR" sz="1100"/>
-              <a:t>. </a:t>
-            </a:r>
-            <a:r>
-              <a:rPr lang="pt-BR" sz="1100"/>
-              <a:t>Assiste</a:t>
-            </a:r>
-            <a:r>
-              <a:rPr lang="pt-BR" sz="1100"/>
-              <a:t> aula.</a:t>
-            </a:r>
-            <a:endParaRPr sz="1100"/>
-          </a:p>
-        </p:txBody>
-      </p:sp>
-      <p:sp>
-        <p:nvSpPr>
-          <p:cNvPr id="60" name="Google Shape;60;p13"/>
-          <p:cNvSpPr txBox="1"/>
-          <p:nvPr/>
-        </p:nvSpPr>
-        <p:spPr>
-          <a:xfrm>
-            <a:off x="2417850" y="1705513"/>
-            <a:ext cx="2292300" cy="421200"/>
-          </a:xfrm>
-          <a:prstGeom prst="rect">
-            <a:avLst/>
-          </a:prstGeom>
-          <a:noFill/>
-          <a:ln>
-            <a:noFill/>
-          </a:ln>
-        </p:spPr>
-        <p:txBody>
-          <a:bodyPr anchorCtr="0" anchor="t" bIns="91425" lIns="91425" spcFirstLastPara="1" rIns="91425" wrap="square" tIns="91425">
-            <a:noAutofit/>
-          </a:bodyPr>
-          <a:lstStyle/>
-          <a:p>
-            <a:pPr indent="0" lvl="0" marL="0" rtl="0" algn="l">
-              <a:spcBef>
-                <a:spcPts val="0"/>
-              </a:spcBef>
-              <a:spcAft>
-                <a:spcPts val="0"/>
-              </a:spcAft>
-              <a:buNone/>
-            </a:pPr>
-            <a:r>
-              <a:rPr lang="pt-BR" sz="1100"/>
-              <a:t>3</a:t>
-            </a:r>
-            <a:r>
-              <a:rPr lang="pt-BR" sz="1100"/>
-              <a:t>. Tranca matrícula.</a:t>
-            </a:r>
-            <a:endParaRPr sz="1100"/>
-          </a:p>
-        </p:txBody>
-      </p:sp>
-      <p:sp>
-        <p:nvSpPr>
-          <p:cNvPr id="61" name="Google Shape;61;p13"/>
-          <p:cNvSpPr txBox="1"/>
-          <p:nvPr/>
-        </p:nvSpPr>
-        <p:spPr>
-          <a:xfrm>
-            <a:off x="2417850" y="2077975"/>
-            <a:ext cx="2292300" cy="421200"/>
-          </a:xfrm>
-          <a:prstGeom prst="rect">
-            <a:avLst/>
-          </a:prstGeom>
-          <a:noFill/>
-          <a:ln>
-            <a:noFill/>
-          </a:ln>
-        </p:spPr>
-        <p:txBody>
-          <a:bodyPr anchorCtr="0" anchor="t" bIns="91425" lIns="91425" spcFirstLastPara="1" rIns="91425" wrap="square" tIns="91425">
-            <a:noAutofit/>
-          </a:bodyPr>
-          <a:lstStyle/>
-          <a:p>
-            <a:pPr indent="0" lvl="0" marL="0" rtl="0" algn="l">
-              <a:spcBef>
-                <a:spcPts val="0"/>
-              </a:spcBef>
-              <a:spcAft>
-                <a:spcPts val="0"/>
-              </a:spcAft>
-              <a:buNone/>
-            </a:pPr>
-            <a:r>
-              <a:rPr lang="pt-BR" sz="1100"/>
-              <a:t>5</a:t>
-            </a:r>
-            <a:r>
-              <a:rPr lang="pt-BR" sz="1100"/>
-              <a:t>. Solicite transferência.</a:t>
-            </a:r>
-            <a:endParaRPr sz="1100"/>
-          </a:p>
-        </p:txBody>
-      </p:sp>
-      <p:sp>
-        <p:nvSpPr>
-          <p:cNvPr id="62" name="Google Shape;62;p13"/>
-          <p:cNvSpPr txBox="1"/>
-          <p:nvPr/>
-        </p:nvSpPr>
-        <p:spPr>
-          <a:xfrm>
-            <a:off x="2417850" y="1896963"/>
-            <a:ext cx="2292300" cy="421200"/>
-          </a:xfrm>
-          <a:prstGeom prst="rect">
-            <a:avLst/>
-          </a:prstGeom>
-          <a:noFill/>
-          <a:ln>
-            <a:noFill/>
-          </a:ln>
-        </p:spPr>
-        <p:txBody>
-          <a:bodyPr anchorCtr="0" anchor="t" bIns="91425" lIns="91425" spcFirstLastPara="1" rIns="91425" wrap="square" tIns="91425">
-            <a:noAutofit/>
-          </a:bodyPr>
-          <a:lstStyle/>
-          <a:p>
-            <a:pPr indent="0" lvl="0" marL="0" rtl="0" algn="l">
-              <a:spcBef>
-                <a:spcPts val="0"/>
-              </a:spcBef>
-              <a:spcAft>
-                <a:spcPts val="0"/>
-              </a:spcAft>
-              <a:buNone/>
-            </a:pPr>
-            <a:r>
-              <a:rPr lang="pt-BR" sz="1100"/>
-              <a:t>4. Reabre a matrícula</a:t>
-            </a:r>
-            <a:endParaRPr sz="1100"/>
-          </a:p>
-        </p:txBody>
-      </p:sp>
-      <p:sp>
-        <p:nvSpPr>
-          <p:cNvPr id="63" name="Google Shape;63;p13"/>
-          <p:cNvSpPr txBox="1"/>
-          <p:nvPr/>
-        </p:nvSpPr>
-        <p:spPr>
-          <a:xfrm>
-            <a:off x="6246850" y="946825"/>
+            <a:off x="6136525" y="796825"/>
             <a:ext cx="1398900" cy="337500"/>
           </a:xfrm>
           <a:prstGeom prst="rect">
@@ -6604,10 +6342,259 @@
               <a:buNone/>
             </a:pPr>
             <a:r>
-              <a:rPr lang="pt-BR"/>
+              <a:rPr b="1" lang="pt-BR" sz="1600">
+                <a:latin typeface="Times New Roman"/>
+                <a:ea typeface="Times New Roman"/>
+                <a:cs typeface="Times New Roman"/>
+                <a:sym typeface="Times New Roman"/>
+              </a:rPr>
               <a:t>Escola</a:t>
             </a:r>
-            <a:endParaRPr/>
+            <a:endParaRPr b="1" sz="1600">
+              <a:latin typeface="Times New Roman"/>
+              <a:ea typeface="Times New Roman"/>
+              <a:cs typeface="Times New Roman"/>
+              <a:sym typeface="Times New Roman"/>
+            </a:endParaRPr>
+          </a:p>
+        </p:txBody>
+      </p:sp>
+      <p:sp>
+        <p:nvSpPr>
+          <p:cNvPr id="59" name="Google Shape;59;p13"/>
+          <p:cNvSpPr/>
+          <p:nvPr/>
+        </p:nvSpPr>
+        <p:spPr>
+          <a:xfrm>
+            <a:off x="636425" y="1766725"/>
+            <a:ext cx="1674000" cy="1043700"/>
+          </a:xfrm>
+          <a:prstGeom prst="rect">
+            <a:avLst/>
+          </a:prstGeom>
+          <a:solidFill>
+            <a:srgbClr val="0000FF"/>
+          </a:solidFill>
+          <a:ln cap="flat" cmpd="sng" w="9525">
+            <a:solidFill>
+              <a:schemeClr val="dk2"/>
+            </a:solidFill>
+            <a:prstDash val="solid"/>
+            <a:round/>
+            <a:headEnd len="sm" w="sm" type="none"/>
+            <a:tailEnd len="sm" w="sm" type="none"/>
+          </a:ln>
+          <a:effectLst>
+            <a:outerShdw blurRad="57150" rotWithShape="0" algn="bl" dir="5400000" dist="57150">
+              <a:srgbClr val="000000">
+                <a:alpha val="50000"/>
+              </a:srgbClr>
+            </a:outerShdw>
+          </a:effectLst>
+        </p:spPr>
+        <p:txBody>
+          <a:bodyPr anchorCtr="0" anchor="ctr" bIns="91425" lIns="91425" spcFirstLastPara="1" rIns="91425" wrap="square" tIns="91425">
+            <a:noAutofit/>
+          </a:bodyPr>
+          <a:lstStyle/>
+          <a:p>
+            <a:pPr indent="0" lvl="0" marL="0" rtl="0" algn="ctr">
+              <a:spcBef>
+                <a:spcPts val="0"/>
+              </a:spcBef>
+              <a:spcAft>
+                <a:spcPts val="0"/>
+              </a:spcAft>
+              <a:buNone/>
+            </a:pPr>
+            <a:r>
+              <a:rPr lang="pt-BR" sz="1600">
+                <a:solidFill>
+                  <a:srgbClr val="FFFFFF"/>
+                </a:solidFill>
+                <a:latin typeface="Times New Roman"/>
+                <a:ea typeface="Times New Roman"/>
+                <a:cs typeface="Times New Roman"/>
+                <a:sym typeface="Times New Roman"/>
+              </a:rPr>
+              <a:t>Aluno</a:t>
+            </a:r>
+            <a:endParaRPr sz="1600">
+              <a:solidFill>
+                <a:srgbClr val="FFFFFF"/>
+              </a:solidFill>
+              <a:latin typeface="Times New Roman"/>
+              <a:ea typeface="Times New Roman"/>
+              <a:cs typeface="Times New Roman"/>
+              <a:sym typeface="Times New Roman"/>
+            </a:endParaRPr>
+          </a:p>
+        </p:txBody>
+      </p:sp>
+      <p:sp>
+        <p:nvSpPr>
+          <p:cNvPr id="60" name="Google Shape;60;p13"/>
+          <p:cNvSpPr txBox="1"/>
+          <p:nvPr/>
+        </p:nvSpPr>
+        <p:spPr>
+          <a:xfrm>
+            <a:off x="2310425" y="1134325"/>
+            <a:ext cx="2292300" cy="1104300"/>
+          </a:xfrm>
+          <a:prstGeom prst="rect">
+            <a:avLst/>
+          </a:prstGeom>
+          <a:noFill/>
+          <a:ln>
+            <a:noFill/>
+          </a:ln>
+        </p:spPr>
+        <p:txBody>
+          <a:bodyPr anchorCtr="0" anchor="t" bIns="91425" lIns="91425" spcFirstLastPara="1" rIns="91425" wrap="square" tIns="91425">
+            <a:noAutofit/>
+          </a:bodyPr>
+          <a:lstStyle/>
+          <a:p>
+            <a:pPr indent="-317500" lvl="0" marL="457200" rtl="0" algn="just">
+              <a:spcBef>
+                <a:spcPts val="0"/>
+              </a:spcBef>
+              <a:spcAft>
+                <a:spcPts val="0"/>
+              </a:spcAft>
+              <a:buSzPts val="1400"/>
+              <a:buFont typeface="Times New Roman"/>
+              <a:buAutoNum type="arabicPeriod"/>
+            </a:pPr>
+            <a:r>
+              <a:rPr lang="pt-BR">
+                <a:latin typeface="Times New Roman"/>
+                <a:ea typeface="Times New Roman"/>
+                <a:cs typeface="Times New Roman"/>
+                <a:sym typeface="Times New Roman"/>
+              </a:rPr>
+              <a:t>Realizar Matrícula</a:t>
+            </a:r>
+            <a:endParaRPr>
+              <a:latin typeface="Times New Roman"/>
+              <a:ea typeface="Times New Roman"/>
+              <a:cs typeface="Times New Roman"/>
+              <a:sym typeface="Times New Roman"/>
+            </a:endParaRPr>
+          </a:p>
+          <a:p>
+            <a:pPr indent="-317500" lvl="0" marL="457200" rtl="0" algn="just">
+              <a:spcBef>
+                <a:spcPts val="0"/>
+              </a:spcBef>
+              <a:spcAft>
+                <a:spcPts val="0"/>
+              </a:spcAft>
+              <a:buSzPts val="1400"/>
+              <a:buFont typeface="Times New Roman"/>
+              <a:buAutoNum type="arabicPeriod"/>
+            </a:pPr>
+            <a:r>
+              <a:rPr lang="pt-BR">
+                <a:latin typeface="Times New Roman"/>
+                <a:ea typeface="Times New Roman"/>
+                <a:cs typeface="Times New Roman"/>
+                <a:sym typeface="Times New Roman"/>
+              </a:rPr>
+              <a:t>Assistir Aula</a:t>
+            </a:r>
+            <a:endParaRPr>
+              <a:latin typeface="Times New Roman"/>
+              <a:ea typeface="Times New Roman"/>
+              <a:cs typeface="Times New Roman"/>
+              <a:sym typeface="Times New Roman"/>
+            </a:endParaRPr>
+          </a:p>
+          <a:p>
+            <a:pPr indent="-317500" lvl="0" marL="457200" rtl="0" algn="just">
+              <a:spcBef>
+                <a:spcPts val="0"/>
+              </a:spcBef>
+              <a:spcAft>
+                <a:spcPts val="0"/>
+              </a:spcAft>
+              <a:buSzPts val="1400"/>
+              <a:buFont typeface="Times New Roman"/>
+              <a:buAutoNum type="arabicPeriod"/>
+            </a:pPr>
+            <a:r>
+              <a:rPr lang="pt-BR">
+                <a:latin typeface="Times New Roman"/>
+                <a:ea typeface="Times New Roman"/>
+                <a:cs typeface="Times New Roman"/>
+                <a:sym typeface="Times New Roman"/>
+              </a:rPr>
+              <a:t>Trancar Matrícula</a:t>
+            </a:r>
+            <a:endParaRPr>
+              <a:latin typeface="Times New Roman"/>
+              <a:ea typeface="Times New Roman"/>
+              <a:cs typeface="Times New Roman"/>
+              <a:sym typeface="Times New Roman"/>
+            </a:endParaRPr>
+          </a:p>
+          <a:p>
+            <a:pPr indent="-317500" lvl="0" marL="457200" rtl="0" algn="just">
+              <a:spcBef>
+                <a:spcPts val="0"/>
+              </a:spcBef>
+              <a:spcAft>
+                <a:spcPts val="0"/>
+              </a:spcAft>
+              <a:buSzPts val="1400"/>
+              <a:buFont typeface="Times New Roman"/>
+              <a:buAutoNum type="arabicPeriod"/>
+            </a:pPr>
+            <a:r>
+              <a:rPr lang="pt-BR">
+                <a:latin typeface="Times New Roman"/>
+                <a:ea typeface="Times New Roman"/>
+                <a:cs typeface="Times New Roman"/>
+                <a:sym typeface="Times New Roman"/>
+              </a:rPr>
+              <a:t>Reabrir Matrícula</a:t>
+            </a:r>
+            <a:endParaRPr>
+              <a:latin typeface="Times New Roman"/>
+              <a:ea typeface="Times New Roman"/>
+              <a:cs typeface="Times New Roman"/>
+              <a:sym typeface="Times New Roman"/>
+            </a:endParaRPr>
+          </a:p>
+          <a:p>
+            <a:pPr indent="-317500" lvl="0" marL="457200" rtl="0" algn="just">
+              <a:spcBef>
+                <a:spcPts val="0"/>
+              </a:spcBef>
+              <a:spcAft>
+                <a:spcPts val="0"/>
+              </a:spcAft>
+              <a:buSzPts val="1400"/>
+              <a:buFont typeface="Times New Roman"/>
+              <a:buAutoNum type="arabicPeriod"/>
+            </a:pPr>
+            <a:r>
+              <a:rPr lang="pt-BR">
+                <a:latin typeface="Times New Roman"/>
+                <a:ea typeface="Times New Roman"/>
+                <a:cs typeface="Times New Roman"/>
+                <a:sym typeface="Times New Roman"/>
+              </a:rPr>
+              <a:t>Solicitar Transferência</a:t>
+            </a:r>
+            <a:endParaRPr>
+              <a:latin typeface="Times New Roman"/>
+              <a:ea typeface="Times New Roman"/>
+              <a:cs typeface="Times New Roman"/>
+              <a:sym typeface="Times New Roman"/>
+            </a:endParaRPr>
           </a:p>
         </p:txBody>
       </p:sp>
@@ -6624,7 +6611,7 @@
   <p:cSld>
     <p:spTree>
       <p:nvGrpSpPr>
-        <p:cNvPr id="67" name="Shape 67"/>
+        <p:cNvPr id="64" name="Shape 64"/>
         <p:cNvGrpSpPr/>
         <p:nvPr/>
       </p:nvGrpSpPr>
@@ -6638,7 +6625,7 @@
       </p:grpSpPr>
       <p:sp>
         <p:nvSpPr>
-          <p:cNvPr id="68" name="Google Shape;68;p14"/>
+          <p:cNvPr id="65" name="Google Shape;65;p14"/>
           <p:cNvSpPr/>
           <p:nvPr/>
         </p:nvSpPr>
@@ -6662,6 +6649,13 @@
             <a:headEnd len="sm" w="sm" type="none"/>
             <a:tailEnd len="sm" w="sm" type="none"/>
           </a:ln>
+          <a:effectLst>
+            <a:outerShdw blurRad="114300" rotWithShape="0" algn="bl" dir="6540000" dist="57150">
+              <a:srgbClr val="000000">
+                <a:alpha val="50000"/>
+              </a:srgbClr>
+            </a:outerShdw>
+          </a:effectLst>
         </p:spPr>
         <p:txBody>
           <a:bodyPr anchorCtr="0" anchor="ctr" bIns="91425" lIns="91425" spcFirstLastPara="1" rIns="91425" wrap="square" tIns="91425">
@@ -6687,13 +6681,13 @@
       </p:sp>
       <p:sp>
         <p:nvSpPr>
-          <p:cNvPr id="69" name="Google Shape;69;p14"/>
+          <p:cNvPr id="66" name="Google Shape;66;p14"/>
           <p:cNvSpPr txBox="1"/>
           <p:nvPr/>
         </p:nvSpPr>
         <p:spPr>
           <a:xfrm>
-            <a:off x="246575" y="263325"/>
+            <a:off x="488500" y="242125"/>
             <a:ext cx="3469800" cy="554700"/>
           </a:xfrm>
           <a:prstGeom prst="rect">
@@ -6720,22 +6714,32 @@
               <a:buNone/>
             </a:pPr>
             <a:r>
-              <a:rPr b="1" lang="pt-BR" sz="1700"/>
-              <a:t>Cenário: Realização matrícula.</a:t>
+              <a:rPr b="1" lang="pt-BR" sz="2000">
+                <a:latin typeface="Times New Roman"/>
+                <a:ea typeface="Times New Roman"/>
+                <a:cs typeface="Times New Roman"/>
+                <a:sym typeface="Times New Roman"/>
+              </a:rPr>
+              <a:t>Cenário: Realizar Matrícula</a:t>
             </a:r>
-            <a:endParaRPr b="1" sz="1700"/>
+            <a:endParaRPr b="1" sz="2000">
+              <a:latin typeface="Times New Roman"/>
+              <a:ea typeface="Times New Roman"/>
+              <a:cs typeface="Times New Roman"/>
+              <a:sym typeface="Times New Roman"/>
+            </a:endParaRPr>
           </a:p>
         </p:txBody>
       </p:sp>
       <p:sp>
         <p:nvSpPr>
-          <p:cNvPr id="70" name="Google Shape;70;p14"/>
+          <p:cNvPr id="67" name="Google Shape;67;p14"/>
           <p:cNvSpPr/>
           <p:nvPr/>
         </p:nvSpPr>
         <p:spPr>
           <a:xfrm>
-            <a:off x="437175" y="1285925"/>
+            <a:off x="677825" y="1657925"/>
             <a:ext cx="1674000" cy="1043700"/>
           </a:xfrm>
           <a:prstGeom prst="rect">
@@ -6753,6 +6757,13 @@
             <a:headEnd len="sm" w="sm" type="none"/>
             <a:tailEnd len="sm" w="sm" type="none"/>
           </a:ln>
+          <a:effectLst>
+            <a:outerShdw blurRad="57150" rotWithShape="0" algn="bl" dir="5400000" dist="57150">
+              <a:srgbClr val="000000">
+                <a:alpha val="50000"/>
+              </a:srgbClr>
+            </a:outerShdw>
+          </a:effectLst>
         </p:spPr>
         <p:txBody>
           <a:bodyPr anchorCtr="0" anchor="ctr" bIns="91425" lIns="91425" spcFirstLastPara="1" rIns="91425" wrap="square" tIns="91425">
@@ -6770,31 +6781,39 @@
               <a:buNone/>
             </a:pPr>
             <a:r>
-              <a:rPr lang="pt-BR">
+              <a:rPr lang="pt-BR" sz="1600">
                 <a:solidFill>
                   <a:srgbClr val="FFFFFF"/>
                 </a:solidFill>
+                <a:latin typeface="Times New Roman"/>
+                <a:ea typeface="Times New Roman"/>
+                <a:cs typeface="Times New Roman"/>
+                <a:sym typeface="Times New Roman"/>
               </a:rPr>
               <a:t>Aluno</a:t>
             </a:r>
-            <a:endParaRPr>
+            <a:endParaRPr sz="1600">
               <a:solidFill>
                 <a:srgbClr val="FFFFFF"/>
               </a:solidFill>
+              <a:latin typeface="Times New Roman"/>
+              <a:ea typeface="Times New Roman"/>
+              <a:cs typeface="Times New Roman"/>
+              <a:sym typeface="Times New Roman"/>
             </a:endParaRPr>
           </a:p>
         </p:txBody>
       </p:sp>
       <p:sp>
         <p:nvSpPr>
-          <p:cNvPr id="71" name="Google Shape;71;p14"/>
+          <p:cNvPr id="68" name="Google Shape;68;p14"/>
           <p:cNvSpPr txBox="1"/>
           <p:nvPr/>
         </p:nvSpPr>
         <p:spPr>
           <a:xfrm>
-            <a:off x="2111175" y="1530425"/>
-            <a:ext cx="2292300" cy="421200"/>
+            <a:off x="6426925" y="796825"/>
+            <a:ext cx="818100" cy="354900"/>
           </a:xfrm>
           <a:prstGeom prst="rect">
             <a:avLst/>
@@ -6820,65 +6839,33 @@
               <a:buNone/>
             </a:pPr>
             <a:r>
-              <a:rPr lang="pt-BR" sz="1100"/>
-              <a:t>1. Realiza matrícula.</a:t>
+              <a:rPr b="1" lang="pt-BR" sz="1600">
+                <a:latin typeface="Times New Roman"/>
+                <a:ea typeface="Times New Roman"/>
+                <a:cs typeface="Times New Roman"/>
+                <a:sym typeface="Times New Roman"/>
+              </a:rPr>
+              <a:t>Escola </a:t>
             </a:r>
-            <a:endParaRPr sz="1100"/>
+            <a:endParaRPr b="1" sz="1600">
+              <a:latin typeface="Times New Roman"/>
+              <a:ea typeface="Times New Roman"/>
+              <a:cs typeface="Times New Roman"/>
+              <a:sym typeface="Times New Roman"/>
+            </a:endParaRPr>
           </a:p>
         </p:txBody>
       </p:sp>
       <p:sp>
         <p:nvSpPr>
-          <p:cNvPr id="72" name="Google Shape;72;p14"/>
-          <p:cNvSpPr txBox="1"/>
-          <p:nvPr/>
-        </p:nvSpPr>
-        <p:spPr>
-          <a:xfrm>
-            <a:off x="6568075" y="1073000"/>
-            <a:ext cx="736200" cy="631800"/>
-          </a:xfrm>
-          <a:prstGeom prst="rect">
-            <a:avLst/>
-          </a:prstGeom>
-          <a:noFill/>
-          <a:ln>
-            <a:noFill/>
-          </a:ln>
-        </p:spPr>
-        <p:txBody>
-          <a:bodyPr anchorCtr="0" anchor="t" bIns="91425" lIns="91425" spcFirstLastPara="1" rIns="91425" wrap="square" tIns="91425">
-            <a:noAutofit/>
-          </a:bodyPr>
-          <a:lstStyle/>
-          <a:p>
-            <a:pPr indent="0" lvl="0" marL="0" rtl="0" algn="l">
-              <a:spcBef>
-                <a:spcPts val="0"/>
-              </a:spcBef>
-              <a:spcAft>
-                <a:spcPts val="0"/>
-              </a:spcAft>
-              <a:buNone/>
-            </a:pPr>
-            <a:r>
-              <a:rPr lang="pt-BR"/>
-              <a:t>Escola </a:t>
-            </a:r>
-            <a:endParaRPr/>
-          </a:p>
-        </p:txBody>
-      </p:sp>
-      <p:sp>
-        <p:nvSpPr>
-          <p:cNvPr id="73" name="Google Shape;73;p14"/>
+          <p:cNvPr id="69" name="Google Shape;69;p14"/>
           <p:cNvSpPr/>
           <p:nvPr/>
         </p:nvSpPr>
         <p:spPr>
           <a:xfrm>
-            <a:off x="6117075" y="1530425"/>
-            <a:ext cx="1391700" cy="554700"/>
+            <a:off x="5882275" y="1835225"/>
+            <a:ext cx="1907400" cy="554700"/>
           </a:xfrm>
           <a:prstGeom prst="cube">
             <a:avLst>
@@ -6914,31 +6901,149 @@
               <a:buNone/>
             </a:pPr>
             <a:r>
-              <a:rPr lang="pt-BR">
+              <a:rPr lang="pt-BR" sz="1600">
                 <a:solidFill>
                   <a:srgbClr val="FFFFFF"/>
                 </a:solidFill>
+                <a:latin typeface="Times New Roman"/>
+                <a:ea typeface="Times New Roman"/>
+                <a:cs typeface="Times New Roman"/>
+                <a:sym typeface="Times New Roman"/>
               </a:rPr>
-              <a:t>Secretária</a:t>
+              <a:t>Secretaria</a:t>
             </a:r>
-            <a:endParaRPr>
+            <a:br>
+              <a:rPr lang="pt-BR" sz="1600">
+                <a:solidFill>
+                  <a:srgbClr val="FFFFFF"/>
+                </a:solidFill>
+                <a:latin typeface="Times New Roman"/>
+                <a:ea typeface="Times New Roman"/>
+                <a:cs typeface="Times New Roman"/>
+                <a:sym typeface="Times New Roman"/>
+              </a:rPr>
+            </a:br>
+            <a:r>
+              <a:rPr lang="pt-BR" sz="1600">
+                <a:solidFill>
+                  <a:srgbClr val="FFFFFF"/>
+                </a:solidFill>
+                <a:latin typeface="Times New Roman"/>
+                <a:ea typeface="Times New Roman"/>
+                <a:cs typeface="Times New Roman"/>
+                <a:sym typeface="Times New Roman"/>
+              </a:rPr>
+              <a:t>(Nó-Operacional)</a:t>
+            </a:r>
+            <a:endParaRPr sz="1600">
               <a:solidFill>
                 <a:srgbClr val="FFFFFF"/>
               </a:solidFill>
+              <a:latin typeface="Times New Roman"/>
+              <a:ea typeface="Times New Roman"/>
+              <a:cs typeface="Times New Roman"/>
+              <a:sym typeface="Times New Roman"/>
             </a:endParaRPr>
           </a:p>
         </p:txBody>
       </p:sp>
       <p:sp>
         <p:nvSpPr>
-          <p:cNvPr id="74" name="Google Shape;74;p14"/>
+          <p:cNvPr id="70" name="Google Shape;70;p14"/>
+          <p:cNvSpPr/>
+          <p:nvPr/>
+        </p:nvSpPr>
+        <p:spPr>
+          <a:xfrm>
+            <a:off x="6099750" y="3009475"/>
+            <a:ext cx="1504500" cy="554700"/>
+          </a:xfrm>
+          <a:prstGeom prst="roundRect">
+            <a:avLst>
+              <a:gd fmla="val 16667" name="adj"/>
+            </a:avLst>
+          </a:prstGeom>
+          <a:solidFill>
+            <a:srgbClr val="B6D7A8"/>
+          </a:solidFill>
+          <a:ln cap="flat" cmpd="sng" w="9525">
+            <a:solidFill>
+              <a:schemeClr val="dk2"/>
+            </a:solidFill>
+            <a:prstDash val="solid"/>
+            <a:round/>
+            <a:headEnd len="sm" w="sm" type="none"/>
+            <a:tailEnd len="sm" w="sm" type="none"/>
+          </a:ln>
+          <a:effectLst>
+            <a:outerShdw blurRad="57150" rotWithShape="0" algn="bl" dir="5400000" dist="19050">
+              <a:srgbClr val="000000">
+                <a:alpha val="50000"/>
+              </a:srgbClr>
+            </a:outerShdw>
+          </a:effectLst>
+        </p:spPr>
+        <p:txBody>
+          <a:bodyPr anchorCtr="0" anchor="ctr" bIns="91425" lIns="91425" spcFirstLastPara="1" rIns="91425" wrap="square" tIns="91425">
+            <a:noAutofit/>
+          </a:bodyPr>
+          <a:lstStyle/>
+          <a:p>
+            <a:pPr indent="0" lvl="0" marL="0" rtl="0" algn="l">
+              <a:spcBef>
+                <a:spcPts val="0"/>
+              </a:spcBef>
+              <a:spcAft>
+                <a:spcPts val="0"/>
+              </a:spcAft>
+              <a:buNone/>
+            </a:pPr>
+            <a:r>
+              <a:t/>
+            </a:r>
+            <a:endParaRPr/>
+          </a:p>
+        </p:txBody>
+      </p:sp>
+      <p:cxnSp>
+        <p:nvCxnSpPr>
+          <p:cNvPr id="71" name="Google Shape;71;p14"/>
+          <p:cNvCxnSpPr>
+            <a:stCxn id="67" idx="3"/>
+            <a:endCxn id="69" idx="2"/>
+          </p:cNvCxnSpPr>
+          <p:nvPr/>
+        </p:nvCxnSpPr>
+        <p:spPr>
+          <a:xfrm>
+            <a:off x="2351825" y="2179775"/>
+            <a:ext cx="3530400" cy="2100"/>
+          </a:xfrm>
+          <a:prstGeom prst="straightConnector1">
+            <a:avLst/>
+          </a:prstGeom>
+          <a:noFill/>
+          <a:ln cap="flat" cmpd="sng" w="9525">
+            <a:solidFill>
+              <a:srgbClr val="0000FF"/>
+            </a:solidFill>
+            <a:prstDash val="solid"/>
+            <a:round/>
+            <a:headEnd len="med" w="med" type="none"/>
+            <a:tailEnd len="med" w="med" type="none"/>
+          </a:ln>
+        </p:spPr>
+      </p:cxnSp>
+      <p:sp>
+        <p:nvSpPr>
+          <p:cNvPr id="72" name="Google Shape;72;p14"/>
           <p:cNvSpPr txBox="1"/>
           <p:nvPr/>
         </p:nvSpPr>
         <p:spPr>
           <a:xfrm>
-            <a:off x="5760600" y="2286350"/>
-            <a:ext cx="2590200" cy="631800"/>
+            <a:off x="6022725" y="3009475"/>
+            <a:ext cx="1674000" cy="554700"/>
           </a:xfrm>
           <a:prstGeom prst="rect">
             <a:avLst/>
@@ -6954,7 +7059,7 @@
           </a:bodyPr>
           <a:lstStyle/>
           <a:p>
-            <a:pPr indent="0" lvl="0" marL="0" rtl="0" algn="just">
+            <a:pPr indent="0" lvl="0" marL="0" rtl="0" algn="ctr">
               <a:spcBef>
                 <a:spcPts val="0"/>
               </a:spcBef>
@@ -6964,54 +7069,35 @@
               <a:buNone/>
             </a:pPr>
             <a:r>
-              <a:rPr lang="pt-BR" sz="1200"/>
-              <a:t>Aprova o pagamento da matrícula.</a:t>
+              <a:rPr lang="pt-BR">
+                <a:latin typeface="Times New Roman"/>
+                <a:ea typeface="Times New Roman"/>
+                <a:cs typeface="Times New Roman"/>
+                <a:sym typeface="Times New Roman"/>
+              </a:rPr>
+              <a:t>Realizar a Matrícula do Aluno</a:t>
             </a:r>
-            <a:endParaRPr sz="1200"/>
-          </a:p>
-          <a:p>
-            <a:pPr indent="0" lvl="0" marL="0" rtl="0" algn="just">
-              <a:spcBef>
-                <a:spcPts val="0"/>
-              </a:spcBef>
-              <a:spcAft>
-                <a:spcPts val="0"/>
-              </a:spcAft>
-              <a:buNone/>
-            </a:pPr>
-            <a:r>
-              <a:t/>
-            </a:r>
-            <a:endParaRPr sz="1200"/>
-          </a:p>
-          <a:p>
-            <a:pPr indent="0" lvl="0" marL="0" rtl="0" algn="just">
-              <a:spcBef>
-                <a:spcPts val="0"/>
-              </a:spcBef>
-              <a:spcAft>
-                <a:spcPts val="0"/>
-              </a:spcAft>
-              <a:buNone/>
-            </a:pPr>
-            <a:r>
-              <a:rPr lang="pt-BR" sz="1200"/>
-              <a:t>Inclusão do aluno na turma.</a:t>
-            </a:r>
-            <a:endParaRPr sz="1200"/>
+            <a:endParaRPr>
+              <a:latin typeface="Times New Roman"/>
+              <a:ea typeface="Times New Roman"/>
+              <a:cs typeface="Times New Roman"/>
+              <a:sym typeface="Times New Roman"/>
+            </a:endParaRPr>
           </a:p>
         </p:txBody>
       </p:sp>
       <p:cxnSp>
         <p:nvCxnSpPr>
-          <p:cNvPr id="75" name="Google Shape;75;p14"/>
-          <p:cNvCxnSpPr/>
+          <p:cNvPr id="73" name="Google Shape;73;p14"/>
+          <p:cNvCxnSpPr>
+            <a:endCxn id="72" idx="0"/>
+          </p:cNvCxnSpPr>
           <p:nvPr/>
         </p:nvCxnSpPr>
         <p:spPr>
-          <a:xfrm flipH="1" rot="10800000">
-            <a:off x="2111175" y="1798913"/>
-            <a:ext cx="4005900" cy="17700"/>
+          <a:xfrm>
+            <a:off x="6859725" y="2389975"/>
+            <a:ext cx="0" cy="619500"/>
           </a:xfrm>
           <a:prstGeom prst="straightConnector1">
             <a:avLst/>
@@ -7041,7 +7127,7 @@
   <p:cSld>
     <p:spTree>
       <p:nvGrpSpPr>
-        <p:cNvPr id="79" name="Shape 79"/>
+        <p:cNvPr id="77" name="Shape 77"/>
         <p:cNvGrpSpPr/>
         <p:nvPr/>
       </p:nvGrpSpPr>
@@ -7055,7 +7141,7 @@
       </p:grpSpPr>
       <p:sp>
         <p:nvSpPr>
-          <p:cNvPr id="80" name="Google Shape;80;p15"/>
+          <p:cNvPr id="78" name="Google Shape;78;p15"/>
           <p:cNvSpPr/>
           <p:nvPr/>
         </p:nvSpPr>
@@ -7079,6 +7165,13 @@
             <a:headEnd len="sm" w="sm" type="none"/>
             <a:tailEnd len="sm" w="sm" type="none"/>
           </a:ln>
+          <a:effectLst>
+            <a:outerShdw blurRad="114300" rotWithShape="0" algn="bl" dir="6540000" dist="57150">
+              <a:srgbClr val="000000">
+                <a:alpha val="50000"/>
+              </a:srgbClr>
+            </a:outerShdw>
+          </a:effectLst>
         </p:spPr>
         <p:txBody>
           <a:bodyPr anchorCtr="0" anchor="ctr" bIns="91425" lIns="91425" spcFirstLastPara="1" rIns="91425" wrap="square" tIns="91425">
@@ -7104,13 +7197,13 @@
       </p:sp>
       <p:sp>
         <p:nvSpPr>
-          <p:cNvPr id="81" name="Google Shape;81;p15"/>
+          <p:cNvPr id="79" name="Google Shape;79;p15"/>
           <p:cNvSpPr txBox="1"/>
           <p:nvPr/>
         </p:nvSpPr>
         <p:spPr>
           <a:xfrm>
-            <a:off x="246575" y="263325"/>
+            <a:off x="488500" y="242125"/>
             <a:ext cx="3469800" cy="554700"/>
           </a:xfrm>
           <a:prstGeom prst="rect">
@@ -7137,22 +7230,32 @@
               <a:buNone/>
             </a:pPr>
             <a:r>
-              <a:rPr b="1" lang="pt-BR" sz="1700"/>
-              <a:t>Cenário: Assiste aula.</a:t>
+              <a:rPr b="1" lang="pt-BR" sz="2000">
+                <a:latin typeface="Times New Roman"/>
+                <a:ea typeface="Times New Roman"/>
+                <a:cs typeface="Times New Roman"/>
+                <a:sym typeface="Times New Roman"/>
+              </a:rPr>
+              <a:t>Cenário: Assistir Aula</a:t>
             </a:r>
-            <a:endParaRPr b="1" sz="1700"/>
+            <a:endParaRPr b="1" sz="2000">
+              <a:latin typeface="Times New Roman"/>
+              <a:ea typeface="Times New Roman"/>
+              <a:cs typeface="Times New Roman"/>
+              <a:sym typeface="Times New Roman"/>
+            </a:endParaRPr>
           </a:p>
         </p:txBody>
       </p:sp>
       <p:sp>
         <p:nvSpPr>
-          <p:cNvPr id="82" name="Google Shape;82;p15"/>
+          <p:cNvPr id="80" name="Google Shape;80;p15"/>
           <p:cNvSpPr/>
           <p:nvPr/>
         </p:nvSpPr>
         <p:spPr>
           <a:xfrm>
-            <a:off x="483375" y="1309263"/>
+            <a:off x="677825" y="1734125"/>
             <a:ext cx="1674000" cy="1043700"/>
           </a:xfrm>
           <a:prstGeom prst="rect">
@@ -7170,6 +7273,13 @@
             <a:headEnd len="sm" w="sm" type="none"/>
             <a:tailEnd len="sm" w="sm" type="none"/>
           </a:ln>
+          <a:effectLst>
+            <a:outerShdw blurRad="57150" rotWithShape="0" algn="bl" dir="5400000" dist="57150">
+              <a:srgbClr val="000000">
+                <a:alpha val="50000"/>
+              </a:srgbClr>
+            </a:outerShdw>
+          </a:effectLst>
         </p:spPr>
         <p:txBody>
           <a:bodyPr anchorCtr="0" anchor="ctr" bIns="91425" lIns="91425" spcFirstLastPara="1" rIns="91425" wrap="square" tIns="91425">
@@ -7187,59 +7297,39 @@
               <a:buNone/>
             </a:pPr>
             <a:r>
-              <a:rPr lang="pt-BR">
+              <a:rPr lang="pt-BR" sz="1600">
                 <a:solidFill>
                   <a:srgbClr val="FFFFFF"/>
                 </a:solidFill>
+                <a:latin typeface="Times New Roman"/>
+                <a:ea typeface="Times New Roman"/>
+                <a:cs typeface="Times New Roman"/>
+                <a:sym typeface="Times New Roman"/>
               </a:rPr>
               <a:t>Aluno</a:t>
             </a:r>
-            <a:endParaRPr>
+            <a:endParaRPr sz="1600">
               <a:solidFill>
                 <a:srgbClr val="FFFFFF"/>
               </a:solidFill>
+              <a:latin typeface="Times New Roman"/>
+              <a:ea typeface="Times New Roman"/>
+              <a:cs typeface="Times New Roman"/>
+              <a:sym typeface="Times New Roman"/>
             </a:endParaRPr>
           </a:p>
         </p:txBody>
       </p:sp>
-      <p:cxnSp>
-        <p:nvCxnSpPr>
-          <p:cNvPr id="83" name="Google Shape;83;p15"/>
-          <p:cNvCxnSpPr>
-            <a:stCxn id="82" idx="3"/>
-          </p:cNvCxnSpPr>
-          <p:nvPr/>
-        </p:nvCxnSpPr>
-        <p:spPr>
-          <a:xfrm flipH="1" rot="10800000">
-            <a:off x="2157375" y="1797213"/>
-            <a:ext cx="4362000" cy="33900"/>
-          </a:xfrm>
-          <a:prstGeom prst="straightConnector1">
-            <a:avLst/>
-          </a:prstGeom>
-          <a:noFill/>
-          <a:ln cap="flat" cmpd="sng" w="9525">
-            <a:solidFill>
-              <a:srgbClr val="0000FF"/>
-            </a:solidFill>
-            <a:prstDash val="solid"/>
-            <a:round/>
-            <a:headEnd len="med" w="med" type="none"/>
-            <a:tailEnd len="med" w="med" type="none"/>
-          </a:ln>
-        </p:spPr>
-      </p:cxnSp>
       <p:sp>
         <p:nvSpPr>
-          <p:cNvPr id="84" name="Google Shape;84;p15"/>
+          <p:cNvPr id="81" name="Google Shape;81;p15"/>
           <p:cNvSpPr txBox="1"/>
           <p:nvPr/>
         </p:nvSpPr>
         <p:spPr>
           <a:xfrm>
-            <a:off x="2157375" y="1559000"/>
-            <a:ext cx="2292300" cy="421200"/>
+            <a:off x="6451075" y="796825"/>
+            <a:ext cx="769800" cy="354900"/>
           </a:xfrm>
           <a:prstGeom prst="rect">
             <a:avLst/>
@@ -7265,69 +7355,33 @@
               <a:buNone/>
             </a:pPr>
             <a:r>
-              <a:rPr lang="pt-BR" sz="1100"/>
-              <a:t>2</a:t>
+              <a:rPr b="1" lang="pt-BR" sz="1600">
+                <a:latin typeface="Times New Roman"/>
+                <a:ea typeface="Times New Roman"/>
+                <a:cs typeface="Times New Roman"/>
+                <a:sym typeface="Times New Roman"/>
+              </a:rPr>
+              <a:t>Escola </a:t>
             </a:r>
-            <a:r>
-              <a:rPr lang="pt-BR" sz="1100"/>
-              <a:t>. Assiste aula.</a:t>
-            </a:r>
-            <a:endParaRPr sz="1100"/>
+            <a:endParaRPr b="1" sz="1600">
+              <a:latin typeface="Times New Roman"/>
+              <a:ea typeface="Times New Roman"/>
+              <a:cs typeface="Times New Roman"/>
+              <a:sym typeface="Times New Roman"/>
+            </a:endParaRPr>
           </a:p>
         </p:txBody>
       </p:sp>
       <p:sp>
         <p:nvSpPr>
-          <p:cNvPr id="85" name="Google Shape;85;p15"/>
-          <p:cNvSpPr txBox="1"/>
-          <p:nvPr/>
-        </p:nvSpPr>
-        <p:spPr>
-          <a:xfrm>
-            <a:off x="6713525" y="986163"/>
-            <a:ext cx="736200" cy="631800"/>
-          </a:xfrm>
-          <a:prstGeom prst="rect">
-            <a:avLst/>
-          </a:prstGeom>
-          <a:noFill/>
-          <a:ln>
-            <a:noFill/>
-          </a:ln>
-        </p:spPr>
-        <p:txBody>
-          <a:bodyPr anchorCtr="0" anchor="t" bIns="91425" lIns="91425" spcFirstLastPara="1" rIns="91425" wrap="square" tIns="91425">
-            <a:noAutofit/>
-          </a:bodyPr>
-          <a:lstStyle/>
-          <a:p>
-            <a:pPr indent="0" lvl="0" marL="0" rtl="0" algn="l">
-              <a:spcBef>
-                <a:spcPts val="0"/>
-              </a:spcBef>
-              <a:spcAft>
-                <a:spcPts val="0"/>
-              </a:spcAft>
-              <a:buNone/>
-            </a:pPr>
-            <a:r>
-              <a:rPr lang="pt-BR"/>
-              <a:t>Escola </a:t>
-            </a:r>
-            <a:endParaRPr/>
-          </a:p>
-        </p:txBody>
-      </p:sp>
-      <p:sp>
-        <p:nvSpPr>
-          <p:cNvPr id="86" name="Google Shape;86;p15"/>
+          <p:cNvPr id="82" name="Google Shape;82;p15"/>
           <p:cNvSpPr/>
           <p:nvPr/>
         </p:nvSpPr>
         <p:spPr>
           <a:xfrm>
-            <a:off x="6385775" y="1482800"/>
-            <a:ext cx="1391700" cy="554700"/>
+            <a:off x="5882275" y="1911425"/>
+            <a:ext cx="1907400" cy="554700"/>
           </a:xfrm>
           <a:prstGeom prst="cube">
             <a:avLst>
@@ -7363,31 +7417,149 @@
               <a:buNone/>
             </a:pPr>
             <a:r>
-              <a:rPr lang="pt-BR">
+              <a:rPr lang="pt-BR" sz="1600">
                 <a:solidFill>
                   <a:srgbClr val="FFFFFF"/>
                 </a:solidFill>
+                <a:latin typeface="Times New Roman"/>
+                <a:ea typeface="Times New Roman"/>
+                <a:cs typeface="Times New Roman"/>
+                <a:sym typeface="Times New Roman"/>
               </a:rPr>
-              <a:t>Professor</a:t>
+              <a:t>Setor Acadêmico</a:t>
             </a:r>
-            <a:endParaRPr>
+            <a:br>
+              <a:rPr lang="pt-BR" sz="1600">
+                <a:solidFill>
+                  <a:srgbClr val="FFFFFF"/>
+                </a:solidFill>
+                <a:latin typeface="Times New Roman"/>
+                <a:ea typeface="Times New Roman"/>
+                <a:cs typeface="Times New Roman"/>
+                <a:sym typeface="Times New Roman"/>
+              </a:rPr>
+            </a:br>
+            <a:r>
+              <a:rPr lang="pt-BR" sz="1600">
+                <a:solidFill>
+                  <a:srgbClr val="FFFFFF"/>
+                </a:solidFill>
+                <a:latin typeface="Times New Roman"/>
+                <a:ea typeface="Times New Roman"/>
+                <a:cs typeface="Times New Roman"/>
+                <a:sym typeface="Times New Roman"/>
+              </a:rPr>
+              <a:t>(Nó-Operacional)</a:t>
+            </a:r>
+            <a:endParaRPr sz="1600">
               <a:solidFill>
                 <a:srgbClr val="FFFFFF"/>
               </a:solidFill>
+              <a:latin typeface="Times New Roman"/>
+              <a:ea typeface="Times New Roman"/>
+              <a:cs typeface="Times New Roman"/>
+              <a:sym typeface="Times New Roman"/>
             </a:endParaRPr>
           </a:p>
         </p:txBody>
       </p:sp>
       <p:sp>
         <p:nvSpPr>
-          <p:cNvPr id="87" name="Google Shape;87;p15"/>
+          <p:cNvPr id="83" name="Google Shape;83;p15"/>
+          <p:cNvSpPr/>
+          <p:nvPr/>
+        </p:nvSpPr>
+        <p:spPr>
+          <a:xfrm>
+            <a:off x="6099750" y="3085675"/>
+            <a:ext cx="1504500" cy="554700"/>
+          </a:xfrm>
+          <a:prstGeom prst="roundRect">
+            <a:avLst>
+              <a:gd fmla="val 16667" name="adj"/>
+            </a:avLst>
+          </a:prstGeom>
+          <a:solidFill>
+            <a:srgbClr val="B6D7A8"/>
+          </a:solidFill>
+          <a:ln cap="flat" cmpd="sng" w="9525">
+            <a:solidFill>
+              <a:schemeClr val="dk2"/>
+            </a:solidFill>
+            <a:prstDash val="solid"/>
+            <a:round/>
+            <a:headEnd len="sm" w="sm" type="none"/>
+            <a:tailEnd len="sm" w="sm" type="none"/>
+          </a:ln>
+          <a:effectLst>
+            <a:outerShdw blurRad="57150" rotWithShape="0" algn="bl" dir="5400000" dist="19050">
+              <a:srgbClr val="000000">
+                <a:alpha val="50000"/>
+              </a:srgbClr>
+            </a:outerShdw>
+          </a:effectLst>
+        </p:spPr>
+        <p:txBody>
+          <a:bodyPr anchorCtr="0" anchor="ctr" bIns="91425" lIns="91425" spcFirstLastPara="1" rIns="91425" wrap="square" tIns="91425">
+            <a:noAutofit/>
+          </a:bodyPr>
+          <a:lstStyle/>
+          <a:p>
+            <a:pPr indent="0" lvl="0" marL="0" rtl="0" algn="l">
+              <a:spcBef>
+                <a:spcPts val="0"/>
+              </a:spcBef>
+              <a:spcAft>
+                <a:spcPts val="0"/>
+              </a:spcAft>
+              <a:buNone/>
+            </a:pPr>
+            <a:r>
+              <a:t/>
+            </a:r>
+            <a:endParaRPr/>
+          </a:p>
+        </p:txBody>
+      </p:sp>
+      <p:cxnSp>
+        <p:nvCxnSpPr>
+          <p:cNvPr id="84" name="Google Shape;84;p15"/>
+          <p:cNvCxnSpPr>
+            <a:stCxn id="80" idx="3"/>
+            <a:endCxn id="82" idx="2"/>
+          </p:cNvCxnSpPr>
+          <p:nvPr/>
+        </p:nvCxnSpPr>
+        <p:spPr>
+          <a:xfrm>
+            <a:off x="2351825" y="2255975"/>
+            <a:ext cx="3530400" cy="2100"/>
+          </a:xfrm>
+          <a:prstGeom prst="straightConnector1">
+            <a:avLst/>
+          </a:prstGeom>
+          <a:noFill/>
+          <a:ln cap="flat" cmpd="sng" w="9525">
+            <a:solidFill>
+              <a:srgbClr val="0000FF"/>
+            </a:solidFill>
+            <a:prstDash val="solid"/>
+            <a:round/>
+            <a:headEnd len="med" w="med" type="none"/>
+            <a:tailEnd len="med" w="med" type="none"/>
+          </a:ln>
+        </p:spPr>
+      </p:cxnSp>
+      <p:sp>
+        <p:nvSpPr>
+          <p:cNvPr id="85" name="Google Shape;85;p15"/>
           <p:cNvSpPr txBox="1"/>
           <p:nvPr/>
         </p:nvSpPr>
         <p:spPr>
           <a:xfrm>
-            <a:off x="6044000" y="2110950"/>
-            <a:ext cx="2604600" cy="460800"/>
+            <a:off x="6083725" y="3074425"/>
+            <a:ext cx="1504500" cy="424800"/>
           </a:xfrm>
           <a:prstGeom prst="rect">
             <a:avLst/>
@@ -7403,7 +7575,7 @@
           </a:bodyPr>
           <a:lstStyle/>
           <a:p>
-            <a:pPr indent="0" lvl="0" marL="0" rtl="0" algn="l">
+            <a:pPr indent="0" lvl="0" marL="0" rtl="0" algn="ctr">
               <a:spcBef>
                 <a:spcPts val="0"/>
               </a:spcBef>
@@ -7413,75 +7585,49 @@
               <a:buNone/>
             </a:pPr>
             <a:r>
-              <a:rPr lang="pt-BR" sz="1200"/>
-              <a:t>Lançamento de notas</a:t>
+              <a:rPr lang="pt-BR">
+                <a:latin typeface="Times New Roman"/>
+                <a:ea typeface="Times New Roman"/>
+                <a:cs typeface="Times New Roman"/>
+                <a:sym typeface="Times New Roman"/>
+              </a:rPr>
+              <a:t>Ministrar Aulas ao Aluno</a:t>
             </a:r>
-            <a:endParaRPr sz="1200"/>
-          </a:p>
-          <a:p>
-            <a:pPr indent="0" lvl="0" marL="0" rtl="0" algn="l">
-              <a:spcBef>
-                <a:spcPts val="0"/>
-              </a:spcBef>
-              <a:spcAft>
-                <a:spcPts val="0"/>
-              </a:spcAft>
-              <a:buNone/>
-            </a:pPr>
-            <a:r>
-              <a:t/>
-            </a:r>
-            <a:endParaRPr sz="1200"/>
-          </a:p>
-          <a:p>
-            <a:pPr indent="0" lvl="0" marL="0" rtl="0" algn="l">
-              <a:spcBef>
-                <a:spcPts val="0"/>
-              </a:spcBef>
-              <a:spcAft>
-                <a:spcPts val="0"/>
-              </a:spcAft>
-              <a:buNone/>
-            </a:pPr>
-            <a:r>
-              <a:rPr lang="pt-BR" sz="1200"/>
-              <a:t>Lançamento de Presenças</a:t>
-            </a:r>
-            <a:endParaRPr sz="1200"/>
-          </a:p>
-          <a:p>
-            <a:pPr indent="0" lvl="0" marL="0" rtl="0" algn="l">
-              <a:spcBef>
-                <a:spcPts val="0"/>
-              </a:spcBef>
-              <a:spcAft>
-                <a:spcPts val="0"/>
-              </a:spcAft>
-              <a:buNone/>
-            </a:pPr>
-            <a:r>
-              <a:t/>
-            </a:r>
-            <a:endParaRPr sz="1200"/>
-          </a:p>
-          <a:p>
-            <a:pPr indent="0" lvl="0" marL="0" rtl="0" algn="l">
-              <a:spcBef>
-                <a:spcPts val="0"/>
-              </a:spcBef>
-              <a:spcAft>
-                <a:spcPts val="0"/>
-              </a:spcAft>
-              <a:buNone/>
-            </a:pPr>
-            <a:r>
-              <a:rPr lang="pt-BR" sz="1200"/>
-              <a:t>Ministra aulas</a:t>
-            </a:r>
-            <a:endParaRPr sz="1200"/>
+            <a:endParaRPr>
+              <a:latin typeface="Times New Roman"/>
+              <a:ea typeface="Times New Roman"/>
+              <a:cs typeface="Times New Roman"/>
+              <a:sym typeface="Times New Roman"/>
+            </a:endParaRPr>
           </a:p>
         </p:txBody>
       </p:sp>
+      <p:cxnSp>
+        <p:nvCxnSpPr>
+          <p:cNvPr id="86" name="Google Shape;86;p15"/>
+          <p:cNvCxnSpPr/>
+          <p:nvPr/>
+        </p:nvCxnSpPr>
+        <p:spPr>
+          <a:xfrm>
+            <a:off x="6835975" y="2454925"/>
+            <a:ext cx="0" cy="619500"/>
+          </a:xfrm>
+          <a:prstGeom prst="straightConnector1">
+            <a:avLst/>
+          </a:prstGeom>
+          <a:noFill/>
+          <a:ln cap="flat" cmpd="sng" w="9525">
+            <a:solidFill>
+              <a:srgbClr val="0000FF"/>
+            </a:solidFill>
+            <a:prstDash val="solid"/>
+            <a:round/>
+            <a:headEnd len="med" w="med" type="none"/>
+            <a:tailEnd len="med" w="med" type="none"/>
+          </a:ln>
+        </p:spPr>
+      </p:cxnSp>
     </p:spTree>
   </p:cSld>
   <p:clrMapOvr>
@@ -7495,7 +7641,7 @@
   <p:cSld>
     <p:spTree>
       <p:nvGrpSpPr>
-        <p:cNvPr id="91" name="Shape 91"/>
+        <p:cNvPr id="90" name="Shape 90"/>
         <p:cNvGrpSpPr/>
         <p:nvPr/>
       </p:nvGrpSpPr>
@@ -7509,7 +7655,7 @@
       </p:grpSpPr>
       <p:sp>
         <p:nvSpPr>
-          <p:cNvPr id="92" name="Google Shape;92;p16"/>
+          <p:cNvPr id="91" name="Google Shape;91;p16"/>
           <p:cNvSpPr/>
           <p:nvPr/>
         </p:nvSpPr>
@@ -7533,6 +7679,13 @@
             <a:headEnd len="sm" w="sm" type="none"/>
             <a:tailEnd len="sm" w="sm" type="none"/>
           </a:ln>
+          <a:effectLst>
+            <a:outerShdw blurRad="114300" rotWithShape="0" algn="bl" dir="6540000" dist="57150">
+              <a:srgbClr val="000000">
+                <a:alpha val="50000"/>
+              </a:srgbClr>
+            </a:outerShdw>
+          </a:effectLst>
         </p:spPr>
         <p:txBody>
           <a:bodyPr anchorCtr="0" anchor="ctr" bIns="91425" lIns="91425" spcFirstLastPara="1" rIns="91425" wrap="square" tIns="91425">
@@ -7558,14 +7711,14 @@
       </p:sp>
       <p:sp>
         <p:nvSpPr>
-          <p:cNvPr id="93" name="Google Shape;93;p16"/>
+          <p:cNvPr id="92" name="Google Shape;92;p16"/>
           <p:cNvSpPr txBox="1"/>
           <p:nvPr/>
         </p:nvSpPr>
         <p:spPr>
           <a:xfrm>
-            <a:off x="246575" y="263325"/>
-            <a:ext cx="4925400" cy="554700"/>
+            <a:off x="488500" y="242125"/>
+            <a:ext cx="3469800" cy="554700"/>
           </a:xfrm>
           <a:prstGeom prst="rect">
             <a:avLst/>
@@ -7591,41 +7744,32 @@
               <a:buNone/>
             </a:pPr>
             <a:r>
-              <a:rPr b="1" lang="pt-BR" sz="1700"/>
-              <a:t>Cenário:</a:t>
+              <a:rPr b="1" lang="pt-BR" sz="2000">
+                <a:latin typeface="Times New Roman"/>
+                <a:ea typeface="Times New Roman"/>
+                <a:cs typeface="Times New Roman"/>
+                <a:sym typeface="Times New Roman"/>
+              </a:rPr>
+              <a:t>Cenário: Trancar Matrícula</a:t>
             </a:r>
-            <a:r>
-              <a:rPr b="1" lang="pt-BR" sz="1700"/>
-              <a:t> Tranca matrícula.</a:t>
-            </a:r>
-            <a:endParaRPr b="1" sz="1700"/>
-          </a:p>
-          <a:p>
-            <a:pPr indent="0" lvl="0" marL="0" rtl="0" algn="l">
-              <a:spcBef>
-                <a:spcPts val="0"/>
-              </a:spcBef>
-              <a:spcAft>
-                <a:spcPts val="0"/>
-              </a:spcAft>
-              <a:buNone/>
-            </a:pPr>
-            <a:r>
-              <a:t/>
-            </a:r>
-            <a:endParaRPr b="1" sz="1700"/>
+            <a:endParaRPr b="1" sz="2000">
+              <a:latin typeface="Times New Roman"/>
+              <a:ea typeface="Times New Roman"/>
+              <a:cs typeface="Times New Roman"/>
+              <a:sym typeface="Times New Roman"/>
+            </a:endParaRPr>
           </a:p>
         </p:txBody>
       </p:sp>
       <p:sp>
         <p:nvSpPr>
-          <p:cNvPr id="94" name="Google Shape;94;p16"/>
+          <p:cNvPr id="93" name="Google Shape;93;p16"/>
           <p:cNvSpPr/>
           <p:nvPr/>
         </p:nvSpPr>
         <p:spPr>
           <a:xfrm>
-            <a:off x="581575" y="1362200"/>
+            <a:off x="677825" y="1734125"/>
             <a:ext cx="1674000" cy="1043700"/>
           </a:xfrm>
           <a:prstGeom prst="rect">
@@ -7643,6 +7787,13 @@
             <a:headEnd len="sm" w="sm" type="none"/>
             <a:tailEnd len="sm" w="sm" type="none"/>
           </a:ln>
+          <a:effectLst>
+            <a:outerShdw blurRad="57150" rotWithShape="0" algn="bl" dir="5400000" dist="57150">
+              <a:srgbClr val="000000">
+                <a:alpha val="50000"/>
+              </a:srgbClr>
+            </a:outerShdw>
+          </a:effectLst>
         </p:spPr>
         <p:txBody>
           <a:bodyPr anchorCtr="0" anchor="ctr" bIns="91425" lIns="91425" spcFirstLastPara="1" rIns="91425" wrap="square" tIns="91425">
@@ -7660,31 +7811,39 @@
               <a:buNone/>
             </a:pPr>
             <a:r>
-              <a:rPr lang="pt-BR">
+              <a:rPr lang="pt-BR" sz="1600">
                 <a:solidFill>
                   <a:srgbClr val="FFFFFF"/>
                 </a:solidFill>
+                <a:latin typeface="Times New Roman"/>
+                <a:ea typeface="Times New Roman"/>
+                <a:cs typeface="Times New Roman"/>
+                <a:sym typeface="Times New Roman"/>
               </a:rPr>
               <a:t>Aluno</a:t>
             </a:r>
-            <a:endParaRPr>
+            <a:endParaRPr sz="1600">
               <a:solidFill>
                 <a:srgbClr val="FFFFFF"/>
               </a:solidFill>
+              <a:latin typeface="Times New Roman"/>
+              <a:ea typeface="Times New Roman"/>
+              <a:cs typeface="Times New Roman"/>
+              <a:sym typeface="Times New Roman"/>
             </a:endParaRPr>
           </a:p>
         </p:txBody>
       </p:sp>
       <p:sp>
         <p:nvSpPr>
-          <p:cNvPr id="95" name="Google Shape;95;p16"/>
+          <p:cNvPr id="94" name="Google Shape;94;p16"/>
           <p:cNvSpPr txBox="1"/>
           <p:nvPr/>
         </p:nvSpPr>
         <p:spPr>
           <a:xfrm>
-            <a:off x="2255575" y="1606625"/>
-            <a:ext cx="2292300" cy="421200"/>
+            <a:off x="6451075" y="796825"/>
+            <a:ext cx="769800" cy="354900"/>
           </a:xfrm>
           <a:prstGeom prst="rect">
             <a:avLst/>
@@ -7707,96 +7866,36 @@
               <a:spcAft>
                 <a:spcPts val="0"/>
               </a:spcAft>
-              <a:buClr>
-                <a:schemeClr val="dk1"/>
-              </a:buClr>
-              <a:buSzPts val="1100"/>
-              <a:buFont typeface="Arial"/>
               <a:buNone/>
             </a:pPr>
             <a:r>
-              <a:rPr lang="pt-BR" sz="1100">
-                <a:solidFill>
-                  <a:schemeClr val="dk1"/>
-                </a:solidFill>
+              <a:rPr b="1" lang="pt-BR" sz="1600">
+                <a:latin typeface="Times New Roman"/>
+                <a:ea typeface="Times New Roman"/>
+                <a:cs typeface="Times New Roman"/>
+                <a:sym typeface="Times New Roman"/>
               </a:rPr>
-              <a:t>3. Tranca matrícula.</a:t>
+              <a:t>Escola </a:t>
             </a:r>
-            <a:endParaRPr sz="1100">
-              <a:solidFill>
-                <a:schemeClr val="dk1"/>
-              </a:solidFill>
+            <a:endParaRPr b="1" sz="1600">
+              <a:latin typeface="Times New Roman"/>
+              <a:ea typeface="Times New Roman"/>
+              <a:cs typeface="Times New Roman"/>
+              <a:sym typeface="Times New Roman"/>
             </a:endParaRPr>
-          </a:p>
-          <a:p>
-            <a:pPr indent="0" lvl="0" marL="0" rtl="0" algn="l">
-              <a:spcBef>
-                <a:spcPts val="0"/>
-              </a:spcBef>
-              <a:spcAft>
-                <a:spcPts val="0"/>
-              </a:spcAft>
-              <a:buNone/>
-            </a:pPr>
-            <a:r>
-              <a:t/>
-            </a:r>
-            <a:endParaRPr sz="1100"/>
           </a:p>
         </p:txBody>
       </p:sp>
       <p:sp>
         <p:nvSpPr>
-          <p:cNvPr id="96" name="Google Shape;96;p16"/>
-          <p:cNvSpPr txBox="1"/>
-          <p:nvPr/>
-        </p:nvSpPr>
-        <p:spPr>
-          <a:xfrm>
-            <a:off x="6568075" y="1073000"/>
-            <a:ext cx="736200" cy="631800"/>
-          </a:xfrm>
-          <a:prstGeom prst="rect">
-            <a:avLst/>
-          </a:prstGeom>
-          <a:noFill/>
-          <a:ln>
-            <a:noFill/>
-          </a:ln>
-        </p:spPr>
-        <p:txBody>
-          <a:bodyPr anchorCtr="0" anchor="t" bIns="91425" lIns="91425" spcFirstLastPara="1" rIns="91425" wrap="square" tIns="91425">
-            <a:noAutofit/>
-          </a:bodyPr>
-          <a:lstStyle/>
-          <a:p>
-            <a:pPr indent="0" lvl="0" marL="0" rtl="0" algn="l">
-              <a:spcBef>
-                <a:spcPts val="0"/>
-              </a:spcBef>
-              <a:spcAft>
-                <a:spcPts val="0"/>
-              </a:spcAft>
-              <a:buNone/>
-            </a:pPr>
-            <a:r>
-              <a:rPr lang="pt-BR"/>
-              <a:t>Escola </a:t>
-            </a:r>
-            <a:endParaRPr/>
-          </a:p>
-        </p:txBody>
-      </p:sp>
-      <p:sp>
-        <p:nvSpPr>
-          <p:cNvPr id="97" name="Google Shape;97;p16"/>
+          <p:cNvPr id="95" name="Google Shape;95;p16"/>
           <p:cNvSpPr/>
           <p:nvPr/>
         </p:nvSpPr>
         <p:spPr>
           <a:xfrm>
-            <a:off x="6292475" y="1530425"/>
-            <a:ext cx="1391700" cy="554700"/>
+            <a:off x="5882275" y="1911425"/>
+            <a:ext cx="1907400" cy="554700"/>
           </a:xfrm>
           <a:prstGeom prst="cube">
             <a:avLst>
@@ -7832,47 +7931,95 @@
               <a:buNone/>
             </a:pPr>
             <a:r>
-              <a:rPr lang="pt-BR">
+              <a:rPr lang="pt-BR" sz="1600">
                 <a:solidFill>
                   <a:srgbClr val="FFFFFF"/>
                 </a:solidFill>
+                <a:latin typeface="Times New Roman"/>
+                <a:ea typeface="Times New Roman"/>
+                <a:cs typeface="Times New Roman"/>
+                <a:sym typeface="Times New Roman"/>
               </a:rPr>
-              <a:t>Secretária</a:t>
+              <a:t>Secretaria</a:t>
             </a:r>
-            <a:endParaRPr>
+            <a:br>
+              <a:rPr lang="pt-BR" sz="1600">
+                <a:solidFill>
+                  <a:srgbClr val="FFFFFF"/>
+                </a:solidFill>
+                <a:latin typeface="Times New Roman"/>
+                <a:ea typeface="Times New Roman"/>
+                <a:cs typeface="Times New Roman"/>
+                <a:sym typeface="Times New Roman"/>
+              </a:rPr>
+            </a:br>
+            <a:r>
+              <a:rPr lang="pt-BR" sz="1600">
+                <a:solidFill>
+                  <a:srgbClr val="FFFFFF"/>
+                </a:solidFill>
+                <a:latin typeface="Times New Roman"/>
+                <a:ea typeface="Times New Roman"/>
+                <a:cs typeface="Times New Roman"/>
+                <a:sym typeface="Times New Roman"/>
+              </a:rPr>
+              <a:t>(Nó-Operacional)</a:t>
+            </a:r>
+            <a:endParaRPr sz="1600">
               <a:solidFill>
                 <a:srgbClr val="FFFFFF"/>
               </a:solidFill>
+              <a:latin typeface="Times New Roman"/>
+              <a:ea typeface="Times New Roman"/>
+              <a:cs typeface="Times New Roman"/>
+              <a:sym typeface="Times New Roman"/>
             </a:endParaRPr>
           </a:p>
         </p:txBody>
       </p:sp>
       <p:sp>
         <p:nvSpPr>
-          <p:cNvPr id="98" name="Google Shape;98;p16"/>
-          <p:cNvSpPr txBox="1"/>
+          <p:cNvPr id="96" name="Google Shape;96;p16"/>
+          <p:cNvSpPr/>
           <p:nvPr/>
         </p:nvSpPr>
         <p:spPr>
           <a:xfrm>
-            <a:off x="6023550" y="2212725"/>
-            <a:ext cx="2604600" cy="460800"/>
+            <a:off x="6009500" y="3085675"/>
+            <a:ext cx="1764300" cy="554700"/>
           </a:xfrm>
-          <a:prstGeom prst="rect">
-            <a:avLst/>
+          <a:prstGeom prst="roundRect">
+            <a:avLst>
+              <a:gd fmla="val 16667" name="adj"/>
+            </a:avLst>
           </a:prstGeom>
-          <a:noFill/>
-          <a:ln>
-            <a:noFill/>
+          <a:solidFill>
+            <a:srgbClr val="B6D7A8"/>
+          </a:solidFill>
+          <a:ln cap="flat" cmpd="sng" w="9525">
+            <a:solidFill>
+              <a:schemeClr val="dk2"/>
+            </a:solidFill>
+            <a:prstDash val="solid"/>
+            <a:round/>
+            <a:headEnd len="sm" w="sm" type="none"/>
+            <a:tailEnd len="sm" w="sm" type="none"/>
           </a:ln>
+          <a:effectLst>
+            <a:outerShdw blurRad="57150" rotWithShape="0" algn="bl" dir="5400000" dist="19050">
+              <a:srgbClr val="000000">
+                <a:alpha val="50000"/>
+              </a:srgbClr>
+            </a:outerShdw>
+          </a:effectLst>
         </p:spPr>
         <p:txBody>
-          <a:bodyPr anchorCtr="0" anchor="t" bIns="91425" lIns="91425" spcFirstLastPara="1" rIns="91425" wrap="square" tIns="91425">
+          <a:bodyPr anchorCtr="0" anchor="ctr" bIns="91425" lIns="91425" spcFirstLastPara="1" rIns="91425" wrap="square" tIns="91425">
             <a:noAutofit/>
           </a:bodyPr>
           <a:lstStyle/>
           <a:p>
-            <a:pPr indent="0" lvl="0" marL="0" rtl="0" algn="l">
+            <a:pPr indent="0" lvl="0" marL="0" rtl="0" algn="ctr">
               <a:spcBef>
                 <a:spcPts val="0"/>
               </a:spcBef>
@@ -7882,57 +8029,71 @@
               <a:buNone/>
             </a:pPr>
             <a:r>
-              <a:rPr lang="pt-BR" sz="1200"/>
-              <a:t>Suspensão do pagamentos das próximas mensalidades.</a:t>
+              <a:rPr lang="pt-BR" sz="1500">
+                <a:latin typeface="Times New Roman"/>
+                <a:ea typeface="Times New Roman"/>
+                <a:cs typeface="Times New Roman"/>
+                <a:sym typeface="Times New Roman"/>
+              </a:rPr>
+              <a:t>Trancar </a:t>
             </a:r>
-            <a:endParaRPr sz="1200"/>
-          </a:p>
-          <a:p>
-            <a:pPr indent="0" lvl="0" marL="0" rtl="0" algn="l">
-              <a:spcBef>
-                <a:spcPts val="0"/>
-              </a:spcBef>
-              <a:spcAft>
-                <a:spcPts val="0"/>
-              </a:spcAft>
-              <a:buNone/>
-            </a:pPr>
             <a:r>
-              <a:t/>
+              <a:rPr lang="pt-BR" sz="1500">
+                <a:latin typeface="Times New Roman"/>
+                <a:ea typeface="Times New Roman"/>
+                <a:cs typeface="Times New Roman"/>
+                <a:sym typeface="Times New Roman"/>
+              </a:rPr>
+              <a:t>a matrícula do Aluno</a:t>
             </a:r>
-            <a:endParaRPr sz="1200"/>
-          </a:p>
-          <a:p>
-            <a:pPr indent="0" lvl="0" marL="0" rtl="0" algn="l">
-              <a:spcBef>
-                <a:spcPts val="0"/>
-              </a:spcBef>
-              <a:spcAft>
-                <a:spcPts val="0"/>
-              </a:spcAft>
-              <a:buNone/>
-            </a:pPr>
-            <a:r>
-              <a:rPr lang="pt-BR" sz="1200"/>
-              <a:t>Retirada do aluno da turma do curso.</a:t>
-            </a:r>
-            <a:endParaRPr sz="1200"/>
+            <a:endParaRPr sz="1500">
+              <a:latin typeface="Times New Roman"/>
+              <a:ea typeface="Times New Roman"/>
+              <a:cs typeface="Times New Roman"/>
+              <a:sym typeface="Times New Roman"/>
+            </a:endParaRPr>
           </a:p>
         </p:txBody>
       </p:sp>
       <p:cxnSp>
         <p:nvCxnSpPr>
-          <p:cNvPr id="99" name="Google Shape;99;p16"/>
+          <p:cNvPr id="97" name="Google Shape;97;p16"/>
           <p:cNvCxnSpPr>
-            <a:stCxn id="94" idx="3"/>
-            <a:endCxn id="97" idx="2"/>
+            <a:stCxn id="93" idx="3"/>
+            <a:endCxn id="95" idx="2"/>
           </p:cNvCxnSpPr>
           <p:nvPr/>
         </p:nvCxnSpPr>
         <p:spPr>
-          <a:xfrm flipH="1" rot="10800000">
-            <a:off x="2255575" y="1877150"/>
-            <a:ext cx="4036800" cy="6900"/>
+          <a:xfrm>
+            <a:off x="2351825" y="2255975"/>
+            <a:ext cx="3530400" cy="2100"/>
+          </a:xfrm>
+          <a:prstGeom prst="straightConnector1">
+            <a:avLst/>
+          </a:prstGeom>
+          <a:noFill/>
+          <a:ln cap="flat" cmpd="sng" w="9525">
+            <a:solidFill>
+              <a:srgbClr val="0000FF"/>
+            </a:solidFill>
+            <a:prstDash val="solid"/>
+            <a:round/>
+            <a:headEnd len="med" w="med" type="none"/>
+            <a:tailEnd len="med" w="med" type="none"/>
+          </a:ln>
+        </p:spPr>
+      </p:cxnSp>
+      <p:cxnSp>
+        <p:nvCxnSpPr>
+          <p:cNvPr id="98" name="Google Shape;98;p16"/>
+          <p:cNvCxnSpPr/>
+          <p:nvPr/>
+        </p:nvCxnSpPr>
+        <p:spPr>
+          <a:xfrm>
+            <a:off x="6835975" y="2454925"/>
+            <a:ext cx="0" cy="619500"/>
           </a:xfrm>
           <a:prstGeom prst="straightConnector1">
             <a:avLst/>
@@ -7962,7 +8123,7 @@
   <p:cSld>
     <p:spTree>
       <p:nvGrpSpPr>
-        <p:cNvPr id="103" name="Shape 103"/>
+        <p:cNvPr id="102" name="Shape 102"/>
         <p:cNvGrpSpPr/>
         <p:nvPr/>
       </p:nvGrpSpPr>
@@ -7976,200 +8137,7 @@
       </p:grpSpPr>
       <p:sp>
         <p:nvSpPr>
-          <p:cNvPr id="104" name="Google Shape;104;p17"/>
-          <p:cNvSpPr txBox="1"/>
-          <p:nvPr/>
-        </p:nvSpPr>
-        <p:spPr>
-          <a:xfrm>
-            <a:off x="246575" y="263325"/>
-            <a:ext cx="4925400" cy="554700"/>
-          </a:xfrm>
-          <a:prstGeom prst="rect">
-            <a:avLst/>
-          </a:prstGeom>
-          <a:noFill/>
-          <a:ln>
-            <a:noFill/>
-          </a:ln>
-        </p:spPr>
-        <p:txBody>
-          <a:bodyPr anchorCtr="0" anchor="t" bIns="91425" lIns="91425" spcFirstLastPara="1" rIns="91425" wrap="square" tIns="91425">
-            <a:noAutofit/>
-          </a:bodyPr>
-          <a:lstStyle/>
-          <a:p>
-            <a:pPr indent="0" lvl="0" marL="0" rtl="0" algn="l">
-              <a:spcBef>
-                <a:spcPts val="0"/>
-              </a:spcBef>
-              <a:spcAft>
-                <a:spcPts val="0"/>
-              </a:spcAft>
-              <a:buNone/>
-            </a:pPr>
-            <a:r>
-              <a:rPr b="1" lang="pt-BR" sz="1700"/>
-              <a:t>Cenário: Reabre matrícula.</a:t>
-            </a:r>
-            <a:endParaRPr b="1" sz="1700"/>
-          </a:p>
-          <a:p>
-            <a:pPr indent="0" lvl="0" marL="0" rtl="0" algn="l">
-              <a:spcBef>
-                <a:spcPts val="0"/>
-              </a:spcBef>
-              <a:spcAft>
-                <a:spcPts val="0"/>
-              </a:spcAft>
-              <a:buNone/>
-            </a:pPr>
-            <a:r>
-              <a:t/>
-            </a:r>
-            <a:endParaRPr b="1" sz="1700"/>
-          </a:p>
-        </p:txBody>
-      </p:sp>
-      <p:sp>
-        <p:nvSpPr>
-          <p:cNvPr id="105" name="Google Shape;105;p17"/>
-          <p:cNvSpPr/>
-          <p:nvPr/>
-        </p:nvSpPr>
-        <p:spPr>
-          <a:xfrm>
-            <a:off x="581575" y="1362200"/>
-            <a:ext cx="1674000" cy="1043700"/>
-          </a:xfrm>
-          <a:prstGeom prst="rect">
-            <a:avLst/>
-          </a:prstGeom>
-          <a:solidFill>
-            <a:srgbClr val="0000FF"/>
-          </a:solidFill>
-          <a:ln cap="flat" cmpd="sng" w="9525">
-            <a:solidFill>
-              <a:schemeClr val="dk2"/>
-            </a:solidFill>
-            <a:prstDash val="solid"/>
-            <a:round/>
-            <a:headEnd len="sm" w="sm" type="none"/>
-            <a:tailEnd len="sm" w="sm" type="none"/>
-          </a:ln>
-        </p:spPr>
-        <p:txBody>
-          <a:bodyPr anchorCtr="0" anchor="ctr" bIns="91425" lIns="91425" spcFirstLastPara="1" rIns="91425" wrap="square" tIns="91425">
-            <a:noAutofit/>
-          </a:bodyPr>
-          <a:lstStyle/>
-          <a:p>
-            <a:pPr indent="0" lvl="0" marL="0" rtl="0" algn="ctr">
-              <a:spcBef>
-                <a:spcPts val="0"/>
-              </a:spcBef>
-              <a:spcAft>
-                <a:spcPts val="0"/>
-              </a:spcAft>
-              <a:buNone/>
-            </a:pPr>
-            <a:r>
-              <a:rPr lang="pt-BR">
-                <a:solidFill>
-                  <a:srgbClr val="FFFFFF"/>
-                </a:solidFill>
-              </a:rPr>
-              <a:t>Aluno</a:t>
-            </a:r>
-            <a:endParaRPr>
-              <a:solidFill>
-                <a:srgbClr val="FFFFFF"/>
-              </a:solidFill>
-            </a:endParaRPr>
-          </a:p>
-        </p:txBody>
-      </p:sp>
-      <p:sp>
-        <p:nvSpPr>
-          <p:cNvPr id="106" name="Google Shape;106;p17"/>
-          <p:cNvSpPr txBox="1"/>
-          <p:nvPr/>
-        </p:nvSpPr>
-        <p:spPr>
-          <a:xfrm>
-            <a:off x="2255575" y="1606625"/>
-            <a:ext cx="2292300" cy="421200"/>
-          </a:xfrm>
-          <a:prstGeom prst="rect">
-            <a:avLst/>
-          </a:prstGeom>
-          <a:noFill/>
-          <a:ln>
-            <a:noFill/>
-          </a:ln>
-        </p:spPr>
-        <p:txBody>
-          <a:bodyPr anchorCtr="0" anchor="t" bIns="91425" lIns="91425" spcFirstLastPara="1" rIns="91425" wrap="square" tIns="91425">
-            <a:noAutofit/>
-          </a:bodyPr>
-          <a:lstStyle/>
-          <a:p>
-            <a:pPr indent="0" lvl="0" marL="0" rtl="0" algn="l">
-              <a:spcBef>
-                <a:spcPts val="0"/>
-              </a:spcBef>
-              <a:spcAft>
-                <a:spcPts val="0"/>
-              </a:spcAft>
-              <a:buClr>
-                <a:schemeClr val="dk1"/>
-              </a:buClr>
-              <a:buSzPts val="1100"/>
-              <a:buFont typeface="Arial"/>
-              <a:buNone/>
-            </a:pPr>
-            <a:r>
-              <a:rPr lang="pt-BR" sz="1100">
-                <a:solidFill>
-                  <a:schemeClr val="dk1"/>
-                </a:solidFill>
-              </a:rPr>
-              <a:t>4</a:t>
-            </a:r>
-            <a:r>
-              <a:rPr lang="pt-BR" sz="1100">
-                <a:solidFill>
-                  <a:schemeClr val="dk1"/>
-                </a:solidFill>
-              </a:rPr>
-              <a:t>. Reabre a matrícula.</a:t>
-            </a:r>
-            <a:endParaRPr sz="1100">
-              <a:solidFill>
-                <a:schemeClr val="dk1"/>
-              </a:solidFill>
-            </a:endParaRPr>
-          </a:p>
-          <a:p>
-            <a:pPr indent="0" lvl="0" marL="0" rtl="0" algn="l">
-              <a:spcBef>
-                <a:spcPts val="0"/>
-              </a:spcBef>
-              <a:spcAft>
-                <a:spcPts val="0"/>
-              </a:spcAft>
-              <a:buNone/>
-            </a:pPr>
-            <a:r>
-              <a:t/>
-            </a:r>
-            <a:endParaRPr sz="1100"/>
-          </a:p>
-        </p:txBody>
-      </p:sp>
-      <p:sp>
-        <p:nvSpPr>
-          <p:cNvPr id="107" name="Google Shape;107;p17"/>
+          <p:cNvPr id="103" name="Google Shape;103;p17"/>
           <p:cNvSpPr/>
           <p:nvPr/>
         </p:nvSpPr>
@@ -8193,6 +8161,13 @@
             <a:headEnd len="sm" w="sm" type="none"/>
             <a:tailEnd len="sm" w="sm" type="none"/>
           </a:ln>
+          <a:effectLst>
+            <a:outerShdw blurRad="114300" rotWithShape="0" algn="bl" dir="6540000" dist="57150">
+              <a:srgbClr val="000000">
+                <a:alpha val="50000"/>
+              </a:srgbClr>
+            </a:outerShdw>
+          </a:effectLst>
         </p:spPr>
         <p:txBody>
           <a:bodyPr anchorCtr="0" anchor="ctr" bIns="91425" lIns="91425" spcFirstLastPara="1" rIns="91425" wrap="square" tIns="91425">
@@ -8218,14 +8193,14 @@
       </p:sp>
       <p:sp>
         <p:nvSpPr>
-          <p:cNvPr id="108" name="Google Shape;108;p17"/>
+          <p:cNvPr id="104" name="Google Shape;104;p17"/>
           <p:cNvSpPr txBox="1"/>
           <p:nvPr/>
         </p:nvSpPr>
         <p:spPr>
           <a:xfrm>
-            <a:off x="6568075" y="1073000"/>
-            <a:ext cx="736200" cy="631800"/>
+            <a:off x="488500" y="242125"/>
+            <a:ext cx="3469800" cy="554700"/>
           </a:xfrm>
           <a:prstGeom prst="rect">
             <a:avLst/>
@@ -8251,23 +8226,158 @@
               <a:buNone/>
             </a:pPr>
             <a:r>
-              <a:rPr lang="pt-BR"/>
-              <a:t>Escola </a:t>
+              <a:rPr b="1" lang="pt-BR" sz="2000">
+                <a:latin typeface="Times New Roman"/>
+                <a:ea typeface="Times New Roman"/>
+                <a:cs typeface="Times New Roman"/>
+                <a:sym typeface="Times New Roman"/>
+              </a:rPr>
+              <a:t>Cenário: Reabrir Matrícula</a:t>
             </a:r>
-            <a:endParaRPr/>
+            <a:endParaRPr b="1" sz="2000">
+              <a:latin typeface="Times New Roman"/>
+              <a:ea typeface="Times New Roman"/>
+              <a:cs typeface="Times New Roman"/>
+              <a:sym typeface="Times New Roman"/>
+            </a:endParaRPr>
           </a:p>
         </p:txBody>
       </p:sp>
       <p:sp>
         <p:nvSpPr>
-          <p:cNvPr id="109" name="Google Shape;109;p17"/>
+          <p:cNvPr id="105" name="Google Shape;105;p17"/>
           <p:cNvSpPr/>
           <p:nvPr/>
         </p:nvSpPr>
         <p:spPr>
           <a:xfrm>
-            <a:off x="6292475" y="1530425"/>
-            <a:ext cx="1391700" cy="554700"/>
+            <a:off x="677825" y="1734125"/>
+            <a:ext cx="1674000" cy="1043700"/>
+          </a:xfrm>
+          <a:prstGeom prst="rect">
+            <a:avLst/>
+          </a:prstGeom>
+          <a:solidFill>
+            <a:srgbClr val="0000FF"/>
+          </a:solidFill>
+          <a:ln cap="flat" cmpd="sng" w="9525">
+            <a:solidFill>
+              <a:schemeClr val="dk2"/>
+            </a:solidFill>
+            <a:prstDash val="solid"/>
+            <a:round/>
+            <a:headEnd len="sm" w="sm" type="none"/>
+            <a:tailEnd len="sm" w="sm" type="none"/>
+          </a:ln>
+          <a:effectLst>
+            <a:outerShdw blurRad="57150" rotWithShape="0" algn="bl" dir="5400000" dist="57150">
+              <a:srgbClr val="000000">
+                <a:alpha val="50000"/>
+              </a:srgbClr>
+            </a:outerShdw>
+          </a:effectLst>
+        </p:spPr>
+        <p:txBody>
+          <a:bodyPr anchorCtr="0" anchor="ctr" bIns="91425" lIns="91425" spcFirstLastPara="1" rIns="91425" wrap="square" tIns="91425">
+            <a:noAutofit/>
+          </a:bodyPr>
+          <a:lstStyle/>
+          <a:p>
+            <a:pPr indent="0" lvl="0" marL="0" rtl="0" algn="ctr">
+              <a:spcBef>
+                <a:spcPts val="0"/>
+              </a:spcBef>
+              <a:spcAft>
+                <a:spcPts val="0"/>
+              </a:spcAft>
+              <a:buNone/>
+            </a:pPr>
+            <a:r>
+              <a:rPr lang="pt-BR" sz="1600">
+                <a:solidFill>
+                  <a:srgbClr val="FFFFFF"/>
+                </a:solidFill>
+                <a:latin typeface="Times New Roman"/>
+                <a:ea typeface="Times New Roman"/>
+                <a:cs typeface="Times New Roman"/>
+                <a:sym typeface="Times New Roman"/>
+              </a:rPr>
+              <a:t>Aluno</a:t>
+            </a:r>
+            <a:endParaRPr sz="1600">
+              <a:solidFill>
+                <a:srgbClr val="FFFFFF"/>
+              </a:solidFill>
+              <a:latin typeface="Times New Roman"/>
+              <a:ea typeface="Times New Roman"/>
+              <a:cs typeface="Times New Roman"/>
+              <a:sym typeface="Times New Roman"/>
+            </a:endParaRPr>
+          </a:p>
+        </p:txBody>
+      </p:sp>
+      <p:sp>
+        <p:nvSpPr>
+          <p:cNvPr id="106" name="Google Shape;106;p17"/>
+          <p:cNvSpPr txBox="1"/>
+          <p:nvPr/>
+        </p:nvSpPr>
+        <p:spPr>
+          <a:xfrm>
+            <a:off x="6451075" y="796825"/>
+            <a:ext cx="769800" cy="354900"/>
+          </a:xfrm>
+          <a:prstGeom prst="rect">
+            <a:avLst/>
+          </a:prstGeom>
+          <a:noFill/>
+          <a:ln>
+            <a:noFill/>
+          </a:ln>
+        </p:spPr>
+        <p:txBody>
+          <a:bodyPr anchorCtr="0" anchor="t" bIns="91425" lIns="91425" spcFirstLastPara="1" rIns="91425" wrap="square" tIns="91425">
+            <a:noAutofit/>
+          </a:bodyPr>
+          <a:lstStyle/>
+          <a:p>
+            <a:pPr indent="0" lvl="0" marL="0" rtl="0" algn="l">
+              <a:spcBef>
+                <a:spcPts val="0"/>
+              </a:spcBef>
+              <a:spcAft>
+                <a:spcPts val="0"/>
+              </a:spcAft>
+              <a:buNone/>
+            </a:pPr>
+            <a:r>
+              <a:rPr b="1" lang="pt-BR" sz="1600">
+                <a:latin typeface="Times New Roman"/>
+                <a:ea typeface="Times New Roman"/>
+                <a:cs typeface="Times New Roman"/>
+                <a:sym typeface="Times New Roman"/>
+              </a:rPr>
+              <a:t>Escola </a:t>
+            </a:r>
+            <a:endParaRPr b="1" sz="1600">
+              <a:latin typeface="Times New Roman"/>
+              <a:ea typeface="Times New Roman"/>
+              <a:cs typeface="Times New Roman"/>
+              <a:sym typeface="Times New Roman"/>
+            </a:endParaRPr>
+          </a:p>
+        </p:txBody>
+      </p:sp>
+      <p:sp>
+        <p:nvSpPr>
+          <p:cNvPr id="107" name="Google Shape;107;p17"/>
+          <p:cNvSpPr/>
+          <p:nvPr/>
+        </p:nvSpPr>
+        <p:spPr>
+          <a:xfrm>
+            <a:off x="5882275" y="1911425"/>
+            <a:ext cx="1907400" cy="554700"/>
           </a:xfrm>
           <a:prstGeom prst="cube">
             <a:avLst>
@@ -8303,21 +8413,139 @@
               <a:buNone/>
             </a:pPr>
             <a:r>
-              <a:rPr lang="pt-BR">
+              <a:rPr lang="pt-BR" sz="1600">
                 <a:solidFill>
                   <a:srgbClr val="FFFFFF"/>
                 </a:solidFill>
+                <a:latin typeface="Times New Roman"/>
+                <a:ea typeface="Times New Roman"/>
+                <a:cs typeface="Times New Roman"/>
+                <a:sym typeface="Times New Roman"/>
               </a:rPr>
-              <a:t>Secretária</a:t>
+              <a:t>Secretaria</a:t>
             </a:r>
-            <a:endParaRPr>
+            <a:br>
+              <a:rPr lang="pt-BR" sz="1600">
+                <a:solidFill>
+                  <a:srgbClr val="FFFFFF"/>
+                </a:solidFill>
+                <a:latin typeface="Times New Roman"/>
+                <a:ea typeface="Times New Roman"/>
+                <a:cs typeface="Times New Roman"/>
+                <a:sym typeface="Times New Roman"/>
+              </a:rPr>
+            </a:br>
+            <a:r>
+              <a:rPr lang="pt-BR" sz="1600">
+                <a:solidFill>
+                  <a:srgbClr val="FFFFFF"/>
+                </a:solidFill>
+                <a:latin typeface="Times New Roman"/>
+                <a:ea typeface="Times New Roman"/>
+                <a:cs typeface="Times New Roman"/>
+                <a:sym typeface="Times New Roman"/>
+              </a:rPr>
+              <a:t>(Nó-Operacional)</a:t>
+            </a:r>
+            <a:endParaRPr sz="1600">
               <a:solidFill>
                 <a:srgbClr val="FFFFFF"/>
               </a:solidFill>
+              <a:latin typeface="Times New Roman"/>
+              <a:ea typeface="Times New Roman"/>
+              <a:cs typeface="Times New Roman"/>
+              <a:sym typeface="Times New Roman"/>
             </a:endParaRPr>
           </a:p>
         </p:txBody>
       </p:sp>
+      <p:sp>
+        <p:nvSpPr>
+          <p:cNvPr id="108" name="Google Shape;108;p17"/>
+          <p:cNvSpPr/>
+          <p:nvPr/>
+        </p:nvSpPr>
+        <p:spPr>
+          <a:xfrm>
+            <a:off x="5961325" y="3117250"/>
+            <a:ext cx="1674000" cy="717000"/>
+          </a:xfrm>
+          <a:prstGeom prst="roundRect">
+            <a:avLst>
+              <a:gd fmla="val 16667" name="adj"/>
+            </a:avLst>
+          </a:prstGeom>
+          <a:solidFill>
+            <a:srgbClr val="B6D7A8"/>
+          </a:solidFill>
+          <a:ln cap="flat" cmpd="sng" w="9525">
+            <a:solidFill>
+              <a:schemeClr val="dk2"/>
+            </a:solidFill>
+            <a:prstDash val="solid"/>
+            <a:round/>
+            <a:headEnd len="sm" w="sm" type="none"/>
+            <a:tailEnd len="sm" w="sm" type="none"/>
+          </a:ln>
+          <a:effectLst>
+            <a:outerShdw blurRad="57150" rotWithShape="0" algn="bl" dir="5400000" dist="19050">
+              <a:srgbClr val="000000">
+                <a:alpha val="50000"/>
+              </a:srgbClr>
+            </a:outerShdw>
+          </a:effectLst>
+        </p:spPr>
+        <p:txBody>
+          <a:bodyPr anchorCtr="0" anchor="ctr" bIns="91425" lIns="91425" spcFirstLastPara="1" rIns="91425" wrap="square" tIns="91425">
+            <a:noAutofit/>
+          </a:bodyPr>
+          <a:lstStyle/>
+          <a:p>
+            <a:pPr indent="0" lvl="0" marL="0" rtl="0" algn="l">
+              <a:spcBef>
+                <a:spcPts val="0"/>
+              </a:spcBef>
+              <a:spcAft>
+                <a:spcPts val="0"/>
+              </a:spcAft>
+              <a:buNone/>
+            </a:pPr>
+            <a:r>
+              <a:t/>
+            </a:r>
+            <a:endParaRPr/>
+          </a:p>
+        </p:txBody>
+      </p:sp>
+      <p:cxnSp>
+        <p:nvCxnSpPr>
+          <p:cNvPr id="109" name="Google Shape;109;p17"/>
+          <p:cNvCxnSpPr>
+            <a:stCxn id="105" idx="3"/>
+            <a:endCxn id="107" idx="2"/>
+          </p:cNvCxnSpPr>
+          <p:nvPr/>
+        </p:nvCxnSpPr>
+        <p:spPr>
+          <a:xfrm>
+            <a:off x="2351825" y="2255975"/>
+            <a:ext cx="3530400" cy="2100"/>
+          </a:xfrm>
+          <a:prstGeom prst="straightConnector1">
+            <a:avLst/>
+          </a:prstGeom>
+          <a:noFill/>
+          <a:ln cap="flat" cmpd="sng" w="9525">
+            <a:solidFill>
+              <a:srgbClr val="0000FF"/>
+            </a:solidFill>
+            <a:prstDash val="solid"/>
+            <a:round/>
+            <a:headEnd len="med" w="med" type="none"/>
+            <a:tailEnd len="med" w="med" type="none"/>
+          </a:ln>
+        </p:spPr>
+      </p:cxnSp>
       <p:sp>
         <p:nvSpPr>
           <p:cNvPr id="110" name="Google Shape;110;p17"/>
@@ -8326,8 +8554,8 @@
         </p:nvSpPr>
         <p:spPr>
           <a:xfrm>
-            <a:off x="5686025" y="2085850"/>
-            <a:ext cx="2604600" cy="460800"/>
+            <a:off x="5965075" y="3041050"/>
+            <a:ext cx="1674000" cy="450600"/>
           </a:xfrm>
           <a:prstGeom prst="rect">
             <a:avLst/>
@@ -8343,7 +8571,7 @@
           </a:bodyPr>
           <a:lstStyle/>
           <a:p>
-            <a:pPr indent="0" lvl="0" marL="0" rtl="0" algn="just">
+            <a:pPr indent="0" lvl="0" marL="0" rtl="0" algn="ctr">
               <a:spcBef>
                 <a:spcPts val="0"/>
               </a:spcBef>
@@ -8353,21 +8581,23 @@
               <a:buNone/>
             </a:pPr>
             <a:r>
-              <a:rPr lang="pt-BR" sz="1200">
-                <a:solidFill>
-                  <a:schemeClr val="dk1"/>
-                </a:solidFill>
+              <a:rPr lang="pt-BR">
+                <a:latin typeface="Times New Roman"/>
+                <a:ea typeface="Times New Roman"/>
+                <a:cs typeface="Times New Roman"/>
+                <a:sym typeface="Times New Roman"/>
               </a:rPr>
-              <a:t>Análise do cronograma das aulas de acordo com os módulos pendentes do aluno.</a:t>
+              <a:t>Realização da </a:t>
             </a:r>
-            <a:endParaRPr sz="1200">
-              <a:solidFill>
-                <a:schemeClr val="dk1"/>
-              </a:solidFill>
+            <a:endParaRPr>
+              <a:latin typeface="Times New Roman"/>
+              <a:ea typeface="Times New Roman"/>
+              <a:cs typeface="Times New Roman"/>
+              <a:sym typeface="Times New Roman"/>
             </a:endParaRPr>
           </a:p>
           <a:p>
-            <a:pPr indent="0" lvl="0" marL="0" rtl="0" algn="just">
+            <a:pPr indent="0" lvl="0" marL="0" rtl="0" algn="ctr">
               <a:spcBef>
                 <a:spcPts val="0"/>
               </a:spcBef>
@@ -8377,16 +8607,23 @@
               <a:buNone/>
             </a:pPr>
             <a:r>
-              <a:t/>
+              <a:rPr lang="pt-BR">
+                <a:latin typeface="Times New Roman"/>
+                <a:ea typeface="Times New Roman"/>
+                <a:cs typeface="Times New Roman"/>
+                <a:sym typeface="Times New Roman"/>
+              </a:rPr>
+              <a:t>reabertura</a:t>
             </a:r>
-            <a:endParaRPr sz="1200">
-              <a:solidFill>
-                <a:schemeClr val="dk1"/>
-              </a:solidFill>
+            <a:endParaRPr>
+              <a:latin typeface="Times New Roman"/>
+              <a:ea typeface="Times New Roman"/>
+              <a:cs typeface="Times New Roman"/>
+              <a:sym typeface="Times New Roman"/>
             </a:endParaRPr>
           </a:p>
           <a:p>
-            <a:pPr indent="0" lvl="0" marL="0" rtl="0" algn="just">
+            <a:pPr indent="0" lvl="0" marL="0" rtl="0" algn="ctr">
               <a:spcBef>
                 <a:spcPts val="0"/>
               </a:spcBef>
@@ -8396,154 +8633,19 @@
               <a:buNone/>
             </a:pPr>
             <a:r>
-              <a:rPr lang="pt-BR" sz="1200">
-                <a:solidFill>
-                  <a:schemeClr val="dk1"/>
-                </a:solidFill>
+              <a:rPr lang="pt-BR">
+                <a:latin typeface="Times New Roman"/>
+                <a:ea typeface="Times New Roman"/>
+                <a:cs typeface="Times New Roman"/>
+                <a:sym typeface="Times New Roman"/>
               </a:rPr>
-              <a:t>Emissão das futuras mensalidades</a:t>
+              <a:t>de matrícula</a:t>
             </a:r>
-            <a:endParaRPr sz="1200">
-              <a:solidFill>
-                <a:schemeClr val="dk1"/>
-              </a:solidFill>
-            </a:endParaRPr>
-          </a:p>
-          <a:p>
-            <a:pPr indent="0" lvl="0" marL="0" rtl="0" algn="just">
-              <a:spcBef>
-                <a:spcPts val="0"/>
-              </a:spcBef>
-              <a:spcAft>
-                <a:spcPts val="0"/>
-              </a:spcAft>
-              <a:buNone/>
-            </a:pPr>
-            <a:r>
-              <a:t/>
-            </a:r>
-            <a:endParaRPr sz="1200">
-              <a:solidFill>
-                <a:schemeClr val="dk1"/>
-              </a:solidFill>
-            </a:endParaRPr>
-          </a:p>
-          <a:p>
-            <a:pPr indent="0" lvl="0" marL="0" rtl="0" algn="just">
-              <a:spcBef>
-                <a:spcPts val="0"/>
-              </a:spcBef>
-              <a:spcAft>
-                <a:spcPts val="0"/>
-              </a:spcAft>
-              <a:buNone/>
-            </a:pPr>
-            <a:r>
-              <a:rPr lang="pt-BR" sz="1200">
-                <a:solidFill>
-                  <a:schemeClr val="dk1"/>
-                </a:solidFill>
-              </a:rPr>
-              <a:t>Aprovação do pagamento da </a:t>
-            </a:r>
-            <a:r>
-              <a:rPr lang="pt-BR" sz="1200">
-                <a:solidFill>
-                  <a:schemeClr val="dk1"/>
-                </a:solidFill>
-              </a:rPr>
-              <a:t>rematrícula</a:t>
-            </a:r>
-            <a:endParaRPr sz="1200">
-              <a:solidFill>
-                <a:schemeClr val="dk1"/>
-              </a:solidFill>
-            </a:endParaRPr>
-          </a:p>
-          <a:p>
-            <a:pPr indent="0" lvl="0" marL="0" rtl="0" algn="just">
-              <a:spcBef>
-                <a:spcPts val="0"/>
-              </a:spcBef>
-              <a:spcAft>
-                <a:spcPts val="0"/>
-              </a:spcAft>
-              <a:buNone/>
-            </a:pPr>
-            <a:r>
-              <a:t/>
-            </a:r>
-            <a:endParaRPr sz="1200">
-              <a:solidFill>
-                <a:schemeClr val="dk1"/>
-              </a:solidFill>
-            </a:endParaRPr>
-          </a:p>
-          <a:p>
-            <a:pPr indent="0" lvl="0" marL="0" rtl="0" algn="just">
-              <a:spcBef>
-                <a:spcPts val="0"/>
-              </a:spcBef>
-              <a:spcAft>
-                <a:spcPts val="0"/>
-              </a:spcAft>
-              <a:buNone/>
-            </a:pPr>
-            <a:r>
-              <a:rPr lang="pt-BR" sz="1200">
-                <a:solidFill>
-                  <a:schemeClr val="dk1"/>
-                </a:solidFill>
-              </a:rPr>
-              <a:t>Inclusão do aluno da turma no curso</a:t>
-            </a:r>
-            <a:endParaRPr sz="1200">
-              <a:solidFill>
-                <a:schemeClr val="dk1"/>
-              </a:solidFill>
-            </a:endParaRPr>
-          </a:p>
-          <a:p>
-            <a:pPr indent="0" lvl="0" marL="0" rtl="0" algn="l">
-              <a:spcBef>
-                <a:spcPts val="0"/>
-              </a:spcBef>
-              <a:spcAft>
-                <a:spcPts val="0"/>
-              </a:spcAft>
-              <a:buNone/>
-            </a:pPr>
-            <a:r>
-              <a:t/>
-            </a:r>
-            <a:endParaRPr sz="1200">
-              <a:solidFill>
-                <a:schemeClr val="dk1"/>
-              </a:solidFill>
-            </a:endParaRPr>
-          </a:p>
-          <a:p>
-            <a:pPr indent="0" lvl="0" marL="0" rtl="0" algn="l">
-              <a:spcBef>
-                <a:spcPts val="0"/>
-              </a:spcBef>
-              <a:spcAft>
-                <a:spcPts val="0"/>
-              </a:spcAft>
-              <a:buClr>
-                <a:schemeClr val="dk1"/>
-              </a:buClr>
-              <a:buSzPts val="1100"/>
-              <a:buFont typeface="Arial"/>
-              <a:buNone/>
-            </a:pPr>
-            <a:r>
-              <a:t/>
-            </a:r>
-            <a:endParaRPr sz="1200">
-              <a:solidFill>
-                <a:schemeClr val="dk1"/>
-              </a:solidFill>
+            <a:endParaRPr>
+              <a:latin typeface="Times New Roman"/>
+              <a:ea typeface="Times New Roman"/>
+              <a:cs typeface="Times New Roman"/>
+              <a:sym typeface="Times New Roman"/>
             </a:endParaRPr>
           </a:p>
         </p:txBody>
@@ -8551,16 +8653,13 @@
       <p:cxnSp>
         <p:nvCxnSpPr>
           <p:cNvPr id="111" name="Google Shape;111;p17"/>
-          <p:cNvCxnSpPr>
-            <a:stCxn id="105" idx="3"/>
-            <a:endCxn id="109" idx="2"/>
-          </p:cNvCxnSpPr>
+          <p:cNvCxnSpPr/>
           <p:nvPr/>
         </p:nvCxnSpPr>
         <p:spPr>
-          <a:xfrm flipH="1" rot="10800000">
-            <a:off x="2255575" y="1877150"/>
-            <a:ext cx="4036800" cy="6900"/>
+          <a:xfrm>
+            <a:off x="6830725" y="2487525"/>
+            <a:ext cx="10500" cy="641700"/>
           </a:xfrm>
           <a:prstGeom prst="straightConnector1">
             <a:avLst/>
@@ -8610,7 +8709,7 @@
         </p:nvSpPr>
         <p:spPr>
           <a:xfrm>
-            <a:off x="4817575" y="818025"/>
+            <a:off x="4817575" y="796825"/>
             <a:ext cx="4036800" cy="3650700"/>
           </a:xfrm>
           <a:prstGeom prst="rect">
@@ -8628,6 +8727,13 @@
             <a:headEnd len="sm" w="sm" type="none"/>
             <a:tailEnd len="sm" w="sm" type="none"/>
           </a:ln>
+          <a:effectLst>
+            <a:outerShdw blurRad="114300" rotWithShape="0" algn="bl" dir="6540000" dist="57150">
+              <a:srgbClr val="000000">
+                <a:alpha val="50000"/>
+              </a:srgbClr>
+            </a:outerShdw>
+          </a:effectLst>
         </p:spPr>
         <p:txBody>
           <a:bodyPr anchorCtr="0" anchor="ctr" bIns="91425" lIns="91425" spcFirstLastPara="1" rIns="91425" wrap="square" tIns="91425">
@@ -8659,8 +8765,8 @@
         </p:nvSpPr>
         <p:spPr>
           <a:xfrm>
-            <a:off x="246575" y="263325"/>
-            <a:ext cx="4925400" cy="554700"/>
+            <a:off x="488500" y="242125"/>
+            <a:ext cx="3749400" cy="554700"/>
           </a:xfrm>
           <a:prstGeom prst="rect">
             <a:avLst/>
@@ -8686,29 +8792,20 @@
               <a:buNone/>
             </a:pPr>
             <a:r>
-              <a:rPr b="1" lang="pt-BR" sz="1700"/>
-              <a:t>Cenário: </a:t>
+              <a:rPr b="1" lang="pt-BR" sz="2000">
+                <a:latin typeface="Times New Roman"/>
+                <a:ea typeface="Times New Roman"/>
+                <a:cs typeface="Times New Roman"/>
+                <a:sym typeface="Times New Roman"/>
+              </a:rPr>
+              <a:t>Cenário: Solicitar Transferência</a:t>
             </a:r>
-            <a:r>
-              <a:rPr b="1" lang="pt-BR" sz="1700"/>
-              <a:t>Solicita transferência.</a:t>
-            </a:r>
-            <a:endParaRPr b="1" sz="1700"/>
-          </a:p>
-          <a:p>
-            <a:pPr indent="0" lvl="0" marL="0" rtl="0" algn="l">
-              <a:spcBef>
-                <a:spcPts val="0"/>
-              </a:spcBef>
-              <a:spcAft>
-                <a:spcPts val="0"/>
-              </a:spcAft>
-              <a:buNone/>
-            </a:pPr>
-            <a:r>
-              <a:t/>
-            </a:r>
-            <a:endParaRPr b="1" sz="1700"/>
+            <a:endParaRPr b="1" sz="2000">
+              <a:latin typeface="Times New Roman"/>
+              <a:ea typeface="Times New Roman"/>
+              <a:cs typeface="Times New Roman"/>
+              <a:sym typeface="Times New Roman"/>
+            </a:endParaRPr>
           </a:p>
         </p:txBody>
       </p:sp>
@@ -8720,7 +8817,7 @@
         </p:nvSpPr>
         <p:spPr>
           <a:xfrm>
-            <a:off x="432875" y="1349800"/>
+            <a:off x="677825" y="1734125"/>
             <a:ext cx="1674000" cy="1043700"/>
           </a:xfrm>
           <a:prstGeom prst="rect">
@@ -8738,6 +8835,13 @@
             <a:headEnd len="sm" w="sm" type="none"/>
             <a:tailEnd len="sm" w="sm" type="none"/>
           </a:ln>
+          <a:effectLst>
+            <a:outerShdw blurRad="57150" rotWithShape="0" algn="bl" dir="5400000" dist="57150">
+              <a:srgbClr val="000000">
+                <a:alpha val="50000"/>
+              </a:srgbClr>
+            </a:outerShdw>
+          </a:effectLst>
         </p:spPr>
         <p:txBody>
           <a:bodyPr anchorCtr="0" anchor="ctr" bIns="91425" lIns="91425" spcFirstLastPara="1" rIns="91425" wrap="square" tIns="91425">
@@ -8755,17 +8859,25 @@
               <a:buNone/>
             </a:pPr>
             <a:r>
-              <a:rPr lang="pt-BR">
+              <a:rPr lang="pt-BR" sz="1600">
                 <a:solidFill>
                   <a:srgbClr val="FFFFFF"/>
                 </a:solidFill>
+                <a:latin typeface="Times New Roman"/>
+                <a:ea typeface="Times New Roman"/>
+                <a:cs typeface="Times New Roman"/>
+                <a:sym typeface="Times New Roman"/>
               </a:rPr>
               <a:t>Aluno</a:t>
             </a:r>
-            <a:endParaRPr>
+            <a:endParaRPr sz="1600">
               <a:solidFill>
                 <a:srgbClr val="FFFFFF"/>
               </a:solidFill>
+              <a:latin typeface="Times New Roman"/>
+              <a:ea typeface="Times New Roman"/>
+              <a:cs typeface="Times New Roman"/>
+              <a:sym typeface="Times New Roman"/>
             </a:endParaRPr>
           </a:p>
         </p:txBody>
@@ -8778,8 +8890,8 @@
         </p:nvSpPr>
         <p:spPr>
           <a:xfrm>
-            <a:off x="2106875" y="1597175"/>
-            <a:ext cx="2292300" cy="421200"/>
+            <a:off x="6451075" y="796825"/>
+            <a:ext cx="769800" cy="354900"/>
           </a:xfrm>
           <a:prstGeom prst="rect">
             <a:avLst/>
@@ -8805,96 +8917,33 @@
               <a:buNone/>
             </a:pPr>
             <a:r>
-              <a:rPr lang="pt-BR" sz="1100">
-                <a:solidFill>
-                  <a:schemeClr val="dk1"/>
-                </a:solidFill>
+              <a:rPr b="1" lang="pt-BR" sz="1600">
+                <a:latin typeface="Times New Roman"/>
+                <a:ea typeface="Times New Roman"/>
+                <a:cs typeface="Times New Roman"/>
+                <a:sym typeface="Times New Roman"/>
               </a:rPr>
-              <a:t>5. </a:t>
+              <a:t>Escola </a:t>
             </a:r>
-            <a:r>
-              <a:rPr lang="pt-BR" sz="1100">
-                <a:solidFill>
-                  <a:schemeClr val="dk1"/>
-                </a:solidFill>
-              </a:rPr>
-              <a:t>Solicita transferência.</a:t>
-            </a:r>
-            <a:endParaRPr sz="1100">
-              <a:solidFill>
-                <a:schemeClr val="dk1"/>
-              </a:solidFill>
+            <a:endParaRPr b="1" sz="1600">
+              <a:latin typeface="Times New Roman"/>
+              <a:ea typeface="Times New Roman"/>
+              <a:cs typeface="Times New Roman"/>
+              <a:sym typeface="Times New Roman"/>
             </a:endParaRPr>
-          </a:p>
-          <a:p>
-            <a:pPr indent="0" lvl="0" marL="0" rtl="0" algn="l">
-              <a:spcBef>
-                <a:spcPts val="0"/>
-              </a:spcBef>
-              <a:spcAft>
-                <a:spcPts val="0"/>
-              </a:spcAft>
-              <a:buNone/>
-            </a:pPr>
-            <a:r>
-              <a:t/>
-            </a:r>
-            <a:endParaRPr sz="1100"/>
           </a:p>
         </p:txBody>
       </p:sp>
       <p:sp>
         <p:nvSpPr>
           <p:cNvPr id="120" name="Google Shape;120;p18"/>
-          <p:cNvSpPr txBox="1"/>
-          <p:nvPr/>
-        </p:nvSpPr>
-        <p:spPr>
-          <a:xfrm>
-            <a:off x="6568075" y="1073000"/>
-            <a:ext cx="736200" cy="631800"/>
-          </a:xfrm>
-          <a:prstGeom prst="rect">
-            <a:avLst/>
-          </a:prstGeom>
-          <a:noFill/>
-          <a:ln>
-            <a:noFill/>
-          </a:ln>
-        </p:spPr>
-        <p:txBody>
-          <a:bodyPr anchorCtr="0" anchor="t" bIns="91425" lIns="91425" spcFirstLastPara="1" rIns="91425" wrap="square" tIns="91425">
-            <a:noAutofit/>
-          </a:bodyPr>
-          <a:lstStyle/>
-          <a:p>
-            <a:pPr indent="0" lvl="0" marL="0" rtl="0" algn="l">
-              <a:spcBef>
-                <a:spcPts val="0"/>
-              </a:spcBef>
-              <a:spcAft>
-                <a:spcPts val="0"/>
-              </a:spcAft>
-              <a:buNone/>
-            </a:pPr>
-            <a:r>
-              <a:rPr lang="pt-BR"/>
-              <a:t>Escola </a:t>
-            </a:r>
-            <a:endParaRPr/>
-          </a:p>
-        </p:txBody>
-      </p:sp>
-      <p:sp>
-        <p:nvSpPr>
-          <p:cNvPr id="121" name="Google Shape;121;p18"/>
           <p:cNvSpPr/>
           <p:nvPr/>
         </p:nvSpPr>
         <p:spPr>
           <a:xfrm>
-            <a:off x="6292475" y="1530425"/>
-            <a:ext cx="1391700" cy="554700"/>
+            <a:off x="5882275" y="1911425"/>
+            <a:ext cx="1907400" cy="554700"/>
           </a:xfrm>
           <a:prstGeom prst="cube">
             <a:avLst>
@@ -8930,31 +8979,149 @@
               <a:buNone/>
             </a:pPr>
             <a:r>
-              <a:rPr lang="pt-BR">
+              <a:rPr lang="pt-BR" sz="1600">
                 <a:solidFill>
                   <a:srgbClr val="FFFFFF"/>
                 </a:solidFill>
+                <a:latin typeface="Times New Roman"/>
+                <a:ea typeface="Times New Roman"/>
+                <a:cs typeface="Times New Roman"/>
+                <a:sym typeface="Times New Roman"/>
               </a:rPr>
-              <a:t>Secretária</a:t>
+              <a:t>Secretaria</a:t>
             </a:r>
-            <a:endParaRPr>
+            <a:br>
+              <a:rPr lang="pt-BR" sz="1600">
+                <a:solidFill>
+                  <a:srgbClr val="FFFFFF"/>
+                </a:solidFill>
+                <a:latin typeface="Times New Roman"/>
+                <a:ea typeface="Times New Roman"/>
+                <a:cs typeface="Times New Roman"/>
+                <a:sym typeface="Times New Roman"/>
+              </a:rPr>
+            </a:br>
+            <a:r>
+              <a:rPr lang="pt-BR" sz="1600">
+                <a:solidFill>
+                  <a:srgbClr val="FFFFFF"/>
+                </a:solidFill>
+                <a:latin typeface="Times New Roman"/>
+                <a:ea typeface="Times New Roman"/>
+                <a:cs typeface="Times New Roman"/>
+                <a:sym typeface="Times New Roman"/>
+              </a:rPr>
+              <a:t>(Nó-Operacional)</a:t>
+            </a:r>
+            <a:endParaRPr sz="1600">
               <a:solidFill>
                 <a:srgbClr val="FFFFFF"/>
               </a:solidFill>
+              <a:latin typeface="Times New Roman"/>
+              <a:ea typeface="Times New Roman"/>
+              <a:cs typeface="Times New Roman"/>
+              <a:sym typeface="Times New Roman"/>
             </a:endParaRPr>
           </a:p>
         </p:txBody>
       </p:sp>
       <p:sp>
         <p:nvSpPr>
+          <p:cNvPr id="121" name="Google Shape;121;p18"/>
+          <p:cNvSpPr/>
+          <p:nvPr/>
+        </p:nvSpPr>
+        <p:spPr>
+          <a:xfrm>
+            <a:off x="6036625" y="3117250"/>
+            <a:ext cx="1598700" cy="717000"/>
+          </a:xfrm>
+          <a:prstGeom prst="roundRect">
+            <a:avLst>
+              <a:gd fmla="val 16667" name="adj"/>
+            </a:avLst>
+          </a:prstGeom>
+          <a:solidFill>
+            <a:srgbClr val="B6D7A8"/>
+          </a:solidFill>
+          <a:ln cap="flat" cmpd="sng" w="9525">
+            <a:solidFill>
+              <a:schemeClr val="dk2"/>
+            </a:solidFill>
+            <a:prstDash val="solid"/>
+            <a:round/>
+            <a:headEnd len="sm" w="sm" type="none"/>
+            <a:tailEnd len="sm" w="sm" type="none"/>
+          </a:ln>
+          <a:effectLst>
+            <a:outerShdw blurRad="57150" rotWithShape="0" algn="bl" dir="5400000" dist="19050">
+              <a:srgbClr val="000000">
+                <a:alpha val="50000"/>
+              </a:srgbClr>
+            </a:outerShdw>
+          </a:effectLst>
+        </p:spPr>
+        <p:txBody>
+          <a:bodyPr anchorCtr="0" anchor="ctr" bIns="91425" lIns="91425" spcFirstLastPara="1" rIns="91425" wrap="square" tIns="91425">
+            <a:noAutofit/>
+          </a:bodyPr>
+          <a:lstStyle/>
+          <a:p>
+            <a:pPr indent="0" lvl="0" marL="0" rtl="0" algn="l">
+              <a:spcBef>
+                <a:spcPts val="0"/>
+              </a:spcBef>
+              <a:spcAft>
+                <a:spcPts val="0"/>
+              </a:spcAft>
+              <a:buNone/>
+            </a:pPr>
+            <a:r>
+              <a:t/>
+            </a:r>
+            <a:endParaRPr/>
+          </a:p>
+        </p:txBody>
+      </p:sp>
+      <p:cxnSp>
+        <p:nvCxnSpPr>
           <p:cNvPr id="122" name="Google Shape;122;p18"/>
+          <p:cNvCxnSpPr>
+            <a:stCxn id="118" idx="3"/>
+            <a:endCxn id="120" idx="2"/>
+          </p:cNvCxnSpPr>
+          <p:nvPr/>
+        </p:nvCxnSpPr>
+        <p:spPr>
+          <a:xfrm>
+            <a:off x="2351825" y="2255975"/>
+            <a:ext cx="3530400" cy="2100"/>
+          </a:xfrm>
+          <a:prstGeom prst="straightConnector1">
+            <a:avLst/>
+          </a:prstGeom>
+          <a:noFill/>
+          <a:ln cap="flat" cmpd="sng" w="9525">
+            <a:solidFill>
+              <a:srgbClr val="0000FF"/>
+            </a:solidFill>
+            <a:prstDash val="solid"/>
+            <a:round/>
+            <a:headEnd len="med" w="med" type="none"/>
+            <a:tailEnd len="med" w="med" type="none"/>
+          </a:ln>
+        </p:spPr>
+      </p:cxnSp>
+      <p:sp>
+        <p:nvSpPr>
+          <p:cNvPr id="123" name="Google Shape;123;p18"/>
           <p:cNvSpPr txBox="1"/>
           <p:nvPr/>
         </p:nvSpPr>
         <p:spPr>
           <a:xfrm>
-            <a:off x="5760600" y="2286350"/>
-            <a:ext cx="2604600" cy="727200"/>
+            <a:off x="5882275" y="3056900"/>
+            <a:ext cx="1795200" cy="424800"/>
           </a:xfrm>
           <a:prstGeom prst="rect">
             <a:avLst/>
@@ -8970,7 +9137,7 @@
           </a:bodyPr>
           <a:lstStyle/>
           <a:p>
-            <a:pPr indent="0" lvl="0" marL="0" rtl="0" algn="just">
+            <a:pPr indent="0" lvl="0" marL="0" rtl="0" algn="ctr">
               <a:spcBef>
                 <a:spcPts val="0"/>
               </a:spcBef>
@@ -8980,21 +9147,23 @@
               <a:buNone/>
             </a:pPr>
             <a:r>
-              <a:rPr lang="pt-BR" sz="1200"/>
-              <a:t>Defere ou indefere a solicitação de acordo com a </a:t>
+              <a:rPr lang="pt-BR">
+                <a:latin typeface="Times New Roman"/>
+                <a:ea typeface="Times New Roman"/>
+                <a:cs typeface="Times New Roman"/>
+                <a:sym typeface="Times New Roman"/>
+              </a:rPr>
+              <a:t>Realização da Transferência </a:t>
             </a:r>
-            <a:r>
-              <a:rPr lang="pt-BR" sz="1200"/>
-              <a:t>possibilidade</a:t>
-            </a:r>
-            <a:r>
-              <a:rPr lang="pt-BR" sz="1200"/>
-              <a:t> analisada no sistema.</a:t>
-            </a:r>
-            <a:endParaRPr sz="1200"/>
+            <a:endParaRPr>
+              <a:latin typeface="Times New Roman"/>
+              <a:ea typeface="Times New Roman"/>
+              <a:cs typeface="Times New Roman"/>
+              <a:sym typeface="Times New Roman"/>
+            </a:endParaRPr>
           </a:p>
           <a:p>
-            <a:pPr indent="0" lvl="0" marL="0" rtl="0" algn="l">
+            <a:pPr indent="0" lvl="0" marL="0" rtl="0" algn="ctr">
               <a:spcBef>
                 <a:spcPts val="0"/>
               </a:spcBef>
@@ -9004,40 +9173,33 @@
               <a:buNone/>
             </a:pPr>
             <a:r>
-              <a:t/>
+              <a:rPr lang="pt-BR">
+                <a:latin typeface="Times New Roman"/>
+                <a:ea typeface="Times New Roman"/>
+                <a:cs typeface="Times New Roman"/>
+                <a:sym typeface="Times New Roman"/>
+              </a:rPr>
+              <a:t>do Aluno</a:t>
             </a:r>
-            <a:endParaRPr sz="1200"/>
-          </a:p>
-          <a:p>
-            <a:pPr indent="0" lvl="0" marL="0" rtl="0" algn="l">
-              <a:spcBef>
-                <a:spcPts val="0"/>
-              </a:spcBef>
-              <a:spcAft>
-                <a:spcPts val="0"/>
-              </a:spcAft>
-              <a:buNone/>
-            </a:pPr>
-            <a:r>
-              <a:t/>
-            </a:r>
-            <a:endParaRPr sz="1200"/>
+            <a:endParaRPr>
+              <a:latin typeface="Times New Roman"/>
+              <a:ea typeface="Times New Roman"/>
+              <a:cs typeface="Times New Roman"/>
+              <a:sym typeface="Times New Roman"/>
+            </a:endParaRPr>
           </a:p>
         </p:txBody>
       </p:sp>
       <p:cxnSp>
         <p:nvCxnSpPr>
-          <p:cNvPr id="123" name="Google Shape;123;p18"/>
-          <p:cNvCxnSpPr>
-            <a:stCxn id="118" idx="3"/>
-            <a:endCxn id="121" idx="2"/>
-          </p:cNvCxnSpPr>
+          <p:cNvPr id="124" name="Google Shape;124;p18"/>
+          <p:cNvCxnSpPr/>
           <p:nvPr/>
         </p:nvCxnSpPr>
         <p:spPr>
           <a:xfrm>
-            <a:off x="2106875" y="1871650"/>
-            <a:ext cx="4185600" cy="5400"/>
+            <a:off x="6779875" y="2476088"/>
+            <a:ext cx="0" cy="631200"/>
           </a:xfrm>
           <a:prstGeom prst="straightConnector1">
             <a:avLst/>
@@ -9067,7 +9229,7 @@
   <p:cSld>
     <p:spTree>
       <p:nvGrpSpPr>
-        <p:cNvPr id="127" name="Shape 127"/>
+        <p:cNvPr id="128" name="Shape 128"/>
         <p:cNvGrpSpPr/>
         <p:nvPr/>
       </p:nvGrpSpPr>
@@ -9081,14 +9243,14 @@
       </p:grpSpPr>
       <p:sp>
         <p:nvSpPr>
-          <p:cNvPr id="128" name="Google Shape;128;p19"/>
+          <p:cNvPr id="129" name="Google Shape;129;p19"/>
           <p:cNvSpPr txBox="1"/>
           <p:nvPr/>
         </p:nvSpPr>
         <p:spPr>
           <a:xfrm>
-            <a:off x="246575" y="785500"/>
-            <a:ext cx="4925400" cy="554700"/>
+            <a:off x="246575" y="310250"/>
+            <a:ext cx="1111500" cy="554700"/>
           </a:xfrm>
           <a:prstGeom prst="rect">
             <a:avLst/>
@@ -9111,30 +9273,1032 @@
               <a:spcAft>
                 <a:spcPts val="0"/>
               </a:spcAft>
+              <a:buClr>
+                <a:schemeClr val="dk1"/>
+              </a:buClr>
+              <a:buSzPts val="1100"/>
+              <a:buFont typeface="Arial"/>
               <a:buNone/>
             </a:pPr>
             <a:r>
-              <a:rPr b="1" lang="pt-BR">
+              <a:rPr b="1" lang="pt-BR" sz="2100">
                 <a:solidFill>
                   <a:schemeClr val="dk1"/>
                 </a:solidFill>
+                <a:latin typeface="Times New Roman"/>
+                <a:ea typeface="Times New Roman"/>
+                <a:cs typeface="Times New Roman"/>
+                <a:sym typeface="Times New Roman"/>
               </a:rPr>
-              <a:t>Cenário: Realiza Matrícula</a:t>
+              <a:t>Resumo</a:t>
             </a:r>
-            <a:endParaRPr sz="1100"/>
+            <a:endParaRPr sz="2100">
+              <a:latin typeface="Times New Roman"/>
+              <a:ea typeface="Times New Roman"/>
+              <a:cs typeface="Times New Roman"/>
+              <a:sym typeface="Times New Roman"/>
+            </a:endParaRPr>
           </a:p>
         </p:txBody>
       </p:sp>
+      <p:grpSp>
+        <p:nvGrpSpPr>
+          <p:cNvPr id="130" name="Google Shape;130;p19"/>
+          <p:cNvGrpSpPr/>
+          <p:nvPr/>
+        </p:nvGrpSpPr>
+        <p:grpSpPr>
+          <a:xfrm>
+            <a:off x="224650" y="2829797"/>
+            <a:ext cx="7726750" cy="1148229"/>
+            <a:chOff x="224650" y="2294400"/>
+            <a:chExt cx="7726750" cy="1214800"/>
+          </a:xfrm>
+        </p:grpSpPr>
+        <p:sp>
+          <p:nvSpPr>
+            <p:cNvPr id="131" name="Google Shape;131;p19"/>
+            <p:cNvSpPr txBox="1"/>
+            <p:nvPr/>
+          </p:nvSpPr>
+          <p:spPr>
+            <a:xfrm>
+              <a:off x="246575" y="2294400"/>
+              <a:ext cx="2783100" cy="554700"/>
+            </a:xfrm>
+            <a:prstGeom prst="rect">
+              <a:avLst/>
+            </a:prstGeom>
+            <a:noFill/>
+            <a:ln>
+              <a:noFill/>
+            </a:ln>
+          </p:spPr>
+          <p:txBody>
+            <a:bodyPr anchorCtr="0" anchor="t" bIns="91425" lIns="91425" spcFirstLastPara="1" rIns="91425" wrap="square" tIns="91425">
+              <a:noAutofit/>
+            </a:bodyPr>
+            <a:lstStyle/>
+            <a:p>
+              <a:pPr indent="0" lvl="0" marL="0" rtl="0" algn="l">
+                <a:spcBef>
+                  <a:spcPts val="0"/>
+                </a:spcBef>
+                <a:spcAft>
+                  <a:spcPts val="0"/>
+                </a:spcAft>
+                <a:buNone/>
+              </a:pPr>
+              <a:r>
+                <a:rPr b="1" lang="pt-BR" sz="1700">
+                  <a:latin typeface="Times New Roman"/>
+                  <a:ea typeface="Times New Roman"/>
+                  <a:cs typeface="Times New Roman"/>
+                  <a:sym typeface="Times New Roman"/>
+                </a:rPr>
+                <a:t>Cenário: Trancar matrícula</a:t>
+              </a:r>
+              <a:endParaRPr b="1" sz="1700">
+                <a:latin typeface="Times New Roman"/>
+                <a:ea typeface="Times New Roman"/>
+                <a:cs typeface="Times New Roman"/>
+                <a:sym typeface="Times New Roman"/>
+              </a:endParaRPr>
+            </a:p>
+            <a:p>
+              <a:pPr indent="0" lvl="0" marL="0" rtl="0" algn="l">
+                <a:spcBef>
+                  <a:spcPts val="0"/>
+                </a:spcBef>
+                <a:spcAft>
+                  <a:spcPts val="0"/>
+                </a:spcAft>
+                <a:buNone/>
+              </a:pPr>
+              <a:r>
+                <a:t/>
+              </a:r>
+              <a:endParaRPr b="1"/>
+            </a:p>
+          </p:txBody>
+        </p:sp>
+        <p:sp>
+          <p:nvSpPr>
+            <p:cNvPr id="132" name="Google Shape;132;p19"/>
+            <p:cNvSpPr txBox="1"/>
+            <p:nvPr/>
+          </p:nvSpPr>
+          <p:spPr>
+            <a:xfrm>
+              <a:off x="5168300" y="2294400"/>
+              <a:ext cx="2783100" cy="554700"/>
+            </a:xfrm>
+            <a:prstGeom prst="rect">
+              <a:avLst/>
+            </a:prstGeom>
+            <a:noFill/>
+            <a:ln>
+              <a:noFill/>
+            </a:ln>
+          </p:spPr>
+          <p:txBody>
+            <a:bodyPr anchorCtr="0" anchor="t" bIns="91425" lIns="91425" spcFirstLastPara="1" rIns="91425" wrap="square" tIns="91425">
+              <a:noAutofit/>
+            </a:bodyPr>
+            <a:lstStyle/>
+            <a:p>
+              <a:pPr indent="0" lvl="0" marL="0" rtl="0" algn="l">
+                <a:spcBef>
+                  <a:spcPts val="0"/>
+                </a:spcBef>
+                <a:spcAft>
+                  <a:spcPts val="0"/>
+                </a:spcAft>
+                <a:buNone/>
+              </a:pPr>
+              <a:r>
+                <a:rPr b="1" lang="pt-BR" sz="1700">
+                  <a:latin typeface="Times New Roman"/>
+                  <a:ea typeface="Times New Roman"/>
+                  <a:cs typeface="Times New Roman"/>
+                  <a:sym typeface="Times New Roman"/>
+                </a:rPr>
+                <a:t>Cenário: Reabrir matrícula</a:t>
+              </a:r>
+              <a:endParaRPr b="1" sz="1700">
+                <a:latin typeface="Times New Roman"/>
+                <a:ea typeface="Times New Roman"/>
+                <a:cs typeface="Times New Roman"/>
+                <a:sym typeface="Times New Roman"/>
+              </a:endParaRPr>
+            </a:p>
+          </p:txBody>
+        </p:sp>
+        <p:sp>
+          <p:nvSpPr>
+            <p:cNvPr id="133" name="Google Shape;133;p19"/>
+            <p:cNvSpPr txBox="1"/>
+            <p:nvPr/>
+          </p:nvSpPr>
+          <p:spPr>
+            <a:xfrm>
+              <a:off x="224650" y="2664700"/>
+              <a:ext cx="2451600" cy="844500"/>
+            </a:xfrm>
+            <a:prstGeom prst="rect">
+              <a:avLst/>
+            </a:prstGeom>
+            <a:noFill/>
+            <a:ln>
+              <a:noFill/>
+            </a:ln>
+          </p:spPr>
+          <p:txBody>
+            <a:bodyPr anchorCtr="0" anchor="t" bIns="91425" lIns="91425" spcFirstLastPara="1" rIns="91425" wrap="square" tIns="91425">
+              <a:noAutofit/>
+            </a:bodyPr>
+            <a:lstStyle/>
+            <a:p>
+              <a:pPr indent="0" lvl="0" marL="0" rtl="0" algn="just">
+                <a:spcBef>
+                  <a:spcPts val="0"/>
+                </a:spcBef>
+                <a:spcAft>
+                  <a:spcPts val="0"/>
+                </a:spcAft>
+                <a:buClr>
+                  <a:schemeClr val="dk1"/>
+                </a:buClr>
+                <a:buSzPts val="1100"/>
+                <a:buFont typeface="Arial"/>
+                <a:buNone/>
+              </a:pPr>
+              <a:r>
+                <a:rPr lang="pt-BR">
+                  <a:solidFill>
+                    <a:schemeClr val="dk1"/>
+                  </a:solidFill>
+                  <a:latin typeface="Times New Roman"/>
+                  <a:ea typeface="Times New Roman"/>
+                  <a:cs typeface="Times New Roman"/>
+                  <a:sym typeface="Times New Roman"/>
+                </a:rPr>
+                <a:t>Nó operacional: Secretaria</a:t>
+              </a:r>
+              <a:endParaRPr>
+                <a:solidFill>
+                  <a:schemeClr val="dk1"/>
+                </a:solidFill>
+                <a:latin typeface="Times New Roman"/>
+                <a:ea typeface="Times New Roman"/>
+                <a:cs typeface="Times New Roman"/>
+                <a:sym typeface="Times New Roman"/>
+              </a:endParaRPr>
+            </a:p>
+            <a:p>
+              <a:pPr indent="0" lvl="0" marL="0" rtl="0" algn="just">
+                <a:spcBef>
+                  <a:spcPts val="0"/>
+                </a:spcBef>
+                <a:spcAft>
+                  <a:spcPts val="0"/>
+                </a:spcAft>
+                <a:buNone/>
+              </a:pPr>
+              <a:r>
+                <a:rPr lang="pt-BR">
+                  <a:latin typeface="Times New Roman"/>
+                  <a:ea typeface="Times New Roman"/>
+                  <a:cs typeface="Times New Roman"/>
+                  <a:sym typeface="Times New Roman"/>
+                </a:rPr>
+                <a:t>Capacidades:</a:t>
+              </a:r>
+              <a:endParaRPr>
+                <a:latin typeface="Times New Roman"/>
+                <a:ea typeface="Times New Roman"/>
+                <a:cs typeface="Times New Roman"/>
+                <a:sym typeface="Times New Roman"/>
+              </a:endParaRPr>
+            </a:p>
+            <a:p>
+              <a:pPr indent="-317500" lvl="0" marL="457200" rtl="0" algn="just">
+                <a:spcBef>
+                  <a:spcPts val="0"/>
+                </a:spcBef>
+                <a:spcAft>
+                  <a:spcPts val="0"/>
+                </a:spcAft>
+                <a:buSzPts val="1400"/>
+                <a:buFont typeface="Times New Roman"/>
+                <a:buChar char="-"/>
+              </a:pPr>
+              <a:r>
+                <a:rPr lang="pt-BR">
+                  <a:solidFill>
+                    <a:schemeClr val="dk1"/>
+                  </a:solidFill>
+                  <a:latin typeface="Times New Roman"/>
+                  <a:ea typeface="Times New Roman"/>
+                  <a:cs typeface="Times New Roman"/>
+                  <a:sym typeface="Times New Roman"/>
+                </a:rPr>
+                <a:t>Trancar matrícula</a:t>
+              </a:r>
+              <a:endParaRPr>
+                <a:latin typeface="Times New Roman"/>
+                <a:ea typeface="Times New Roman"/>
+                <a:cs typeface="Times New Roman"/>
+                <a:sym typeface="Times New Roman"/>
+              </a:endParaRPr>
+            </a:p>
+          </p:txBody>
+        </p:sp>
+        <p:sp>
+          <p:nvSpPr>
+            <p:cNvPr id="134" name="Google Shape;134;p19"/>
+            <p:cNvSpPr txBox="1"/>
+            <p:nvPr/>
+          </p:nvSpPr>
+          <p:spPr>
+            <a:xfrm>
+              <a:off x="5168300" y="2664700"/>
+              <a:ext cx="2540100" cy="844500"/>
+            </a:xfrm>
+            <a:prstGeom prst="rect">
+              <a:avLst/>
+            </a:prstGeom>
+            <a:noFill/>
+            <a:ln>
+              <a:noFill/>
+            </a:ln>
+          </p:spPr>
+          <p:txBody>
+            <a:bodyPr anchorCtr="0" anchor="t" bIns="91425" lIns="91425" spcFirstLastPara="1" rIns="91425" wrap="square" tIns="91425">
+              <a:noAutofit/>
+            </a:bodyPr>
+            <a:lstStyle/>
+            <a:p>
+              <a:pPr indent="0" lvl="0" marL="0" rtl="0" algn="just">
+                <a:spcBef>
+                  <a:spcPts val="0"/>
+                </a:spcBef>
+                <a:spcAft>
+                  <a:spcPts val="0"/>
+                </a:spcAft>
+                <a:buNone/>
+              </a:pPr>
+              <a:r>
+                <a:rPr lang="pt-BR">
+                  <a:solidFill>
+                    <a:schemeClr val="dk1"/>
+                  </a:solidFill>
+                  <a:latin typeface="Times New Roman"/>
+                  <a:ea typeface="Times New Roman"/>
+                  <a:cs typeface="Times New Roman"/>
+                  <a:sym typeface="Times New Roman"/>
+                </a:rPr>
+                <a:t>Nó operacional: Secretaria</a:t>
+              </a:r>
+              <a:endParaRPr>
+                <a:solidFill>
+                  <a:schemeClr val="dk1"/>
+                </a:solidFill>
+                <a:latin typeface="Times New Roman"/>
+                <a:ea typeface="Times New Roman"/>
+                <a:cs typeface="Times New Roman"/>
+                <a:sym typeface="Times New Roman"/>
+              </a:endParaRPr>
+            </a:p>
+            <a:p>
+              <a:pPr indent="0" lvl="0" marL="0" rtl="0" algn="just">
+                <a:spcBef>
+                  <a:spcPts val="0"/>
+                </a:spcBef>
+                <a:spcAft>
+                  <a:spcPts val="0"/>
+                </a:spcAft>
+                <a:buNone/>
+              </a:pPr>
+              <a:r>
+                <a:rPr lang="pt-BR">
+                  <a:solidFill>
+                    <a:schemeClr val="dk1"/>
+                  </a:solidFill>
+                  <a:latin typeface="Times New Roman"/>
+                  <a:ea typeface="Times New Roman"/>
+                  <a:cs typeface="Times New Roman"/>
+                  <a:sym typeface="Times New Roman"/>
+                </a:rPr>
+                <a:t>Capacidades:</a:t>
+              </a:r>
+              <a:endParaRPr>
+                <a:solidFill>
+                  <a:schemeClr val="dk1"/>
+                </a:solidFill>
+                <a:latin typeface="Times New Roman"/>
+                <a:ea typeface="Times New Roman"/>
+                <a:cs typeface="Times New Roman"/>
+                <a:sym typeface="Times New Roman"/>
+              </a:endParaRPr>
+            </a:p>
+            <a:p>
+              <a:pPr indent="-317500" lvl="0" marL="457200" rtl="0" algn="just">
+                <a:spcBef>
+                  <a:spcPts val="0"/>
+                </a:spcBef>
+                <a:spcAft>
+                  <a:spcPts val="0"/>
+                </a:spcAft>
+                <a:buClr>
+                  <a:schemeClr val="dk1"/>
+                </a:buClr>
+                <a:buSzPts val="1400"/>
+                <a:buFont typeface="Times New Roman"/>
+                <a:buChar char="-"/>
+              </a:pPr>
+              <a:r>
+                <a:rPr lang="pt-BR">
+                  <a:solidFill>
+                    <a:schemeClr val="dk1"/>
+                  </a:solidFill>
+                  <a:latin typeface="Times New Roman"/>
+                  <a:ea typeface="Times New Roman"/>
+                  <a:cs typeface="Times New Roman"/>
+                  <a:sym typeface="Times New Roman"/>
+                </a:rPr>
+                <a:t>Reabrir matrícula</a:t>
+              </a:r>
+              <a:endParaRPr>
+                <a:solidFill>
+                  <a:schemeClr val="dk1"/>
+                </a:solidFill>
+                <a:latin typeface="Times New Roman"/>
+                <a:ea typeface="Times New Roman"/>
+                <a:cs typeface="Times New Roman"/>
+                <a:sym typeface="Times New Roman"/>
+              </a:endParaRPr>
+            </a:p>
+          </p:txBody>
+        </p:sp>
+      </p:grpSp>
+      <p:grpSp>
+        <p:nvGrpSpPr>
+          <p:cNvPr id="135" name="Google Shape;135;p19"/>
+          <p:cNvGrpSpPr/>
+          <p:nvPr/>
+        </p:nvGrpSpPr>
+        <p:grpSpPr>
+          <a:xfrm>
+            <a:off x="246575" y="1021397"/>
+            <a:ext cx="7357250" cy="1215628"/>
+            <a:chOff x="246575" y="785500"/>
+            <a:chExt cx="7357250" cy="1173613"/>
+          </a:xfrm>
+        </p:grpSpPr>
+        <p:sp>
+          <p:nvSpPr>
+            <p:cNvPr id="136" name="Google Shape;136;p19"/>
+            <p:cNvSpPr txBox="1"/>
+            <p:nvPr/>
+          </p:nvSpPr>
+          <p:spPr>
+            <a:xfrm>
+              <a:off x="5106025" y="785500"/>
+              <a:ext cx="2497800" cy="554700"/>
+            </a:xfrm>
+            <a:prstGeom prst="rect">
+              <a:avLst/>
+            </a:prstGeom>
+            <a:noFill/>
+            <a:ln>
+              <a:noFill/>
+            </a:ln>
+          </p:spPr>
+          <p:txBody>
+            <a:bodyPr anchorCtr="0" anchor="t" bIns="91425" lIns="91425" spcFirstLastPara="1" rIns="91425" wrap="square" tIns="91425">
+              <a:noAutofit/>
+            </a:bodyPr>
+            <a:lstStyle/>
+            <a:p>
+              <a:pPr indent="0" lvl="0" marL="0" rtl="0" algn="l">
+                <a:spcBef>
+                  <a:spcPts val="0"/>
+                </a:spcBef>
+                <a:spcAft>
+                  <a:spcPts val="0"/>
+                </a:spcAft>
+                <a:buNone/>
+              </a:pPr>
+              <a:r>
+                <a:rPr b="1" lang="pt-BR" sz="1700">
+                  <a:latin typeface="Times New Roman"/>
+                  <a:ea typeface="Times New Roman"/>
+                  <a:cs typeface="Times New Roman"/>
+                  <a:sym typeface="Times New Roman"/>
+                </a:rPr>
+                <a:t>Cenário: Assistir aula</a:t>
+              </a:r>
+              <a:endParaRPr b="1" sz="1700">
+                <a:latin typeface="Times New Roman"/>
+                <a:ea typeface="Times New Roman"/>
+                <a:cs typeface="Times New Roman"/>
+                <a:sym typeface="Times New Roman"/>
+              </a:endParaRPr>
+            </a:p>
+          </p:txBody>
+        </p:sp>
+        <p:sp>
+          <p:nvSpPr>
+            <p:cNvPr id="137" name="Google Shape;137;p19"/>
+            <p:cNvSpPr txBox="1"/>
+            <p:nvPr/>
+          </p:nvSpPr>
+          <p:spPr>
+            <a:xfrm>
+              <a:off x="246575" y="785500"/>
+              <a:ext cx="2810400" cy="554700"/>
+            </a:xfrm>
+            <a:prstGeom prst="rect">
+              <a:avLst/>
+            </a:prstGeom>
+            <a:noFill/>
+            <a:ln>
+              <a:noFill/>
+            </a:ln>
+          </p:spPr>
+          <p:txBody>
+            <a:bodyPr anchorCtr="0" anchor="t" bIns="91425" lIns="91425" spcFirstLastPara="1" rIns="91425" wrap="square" tIns="91425">
+              <a:noAutofit/>
+            </a:bodyPr>
+            <a:lstStyle/>
+            <a:p>
+              <a:pPr indent="0" lvl="0" marL="0" rtl="0" algn="l">
+                <a:spcBef>
+                  <a:spcPts val="0"/>
+                </a:spcBef>
+                <a:spcAft>
+                  <a:spcPts val="0"/>
+                </a:spcAft>
+                <a:buNone/>
+              </a:pPr>
+              <a:r>
+                <a:rPr b="1" lang="pt-BR" sz="1700">
+                  <a:solidFill>
+                    <a:schemeClr val="dk1"/>
+                  </a:solidFill>
+                  <a:latin typeface="Times New Roman"/>
+                  <a:ea typeface="Times New Roman"/>
+                  <a:cs typeface="Times New Roman"/>
+                  <a:sym typeface="Times New Roman"/>
+                </a:rPr>
+                <a:t>Cenário: Realizar Matrícula</a:t>
+              </a:r>
+              <a:endParaRPr>
+                <a:latin typeface="Times New Roman"/>
+                <a:ea typeface="Times New Roman"/>
+                <a:cs typeface="Times New Roman"/>
+                <a:sym typeface="Times New Roman"/>
+              </a:endParaRPr>
+            </a:p>
+          </p:txBody>
+        </p:sp>
+        <p:sp>
+          <p:nvSpPr>
+            <p:cNvPr id="138" name="Google Shape;138;p19"/>
+            <p:cNvSpPr txBox="1"/>
+            <p:nvPr/>
+          </p:nvSpPr>
+          <p:spPr>
+            <a:xfrm>
+              <a:off x="256925" y="1153313"/>
+              <a:ext cx="2637300" cy="805800"/>
+            </a:xfrm>
+            <a:prstGeom prst="rect">
+              <a:avLst/>
+            </a:prstGeom>
+            <a:noFill/>
+            <a:ln>
+              <a:noFill/>
+            </a:ln>
+          </p:spPr>
+          <p:txBody>
+            <a:bodyPr anchorCtr="0" anchor="t" bIns="91425" lIns="91425" spcFirstLastPara="1" rIns="91425" wrap="square" tIns="91425">
+              <a:noAutofit/>
+            </a:bodyPr>
+            <a:lstStyle/>
+            <a:p>
+              <a:pPr indent="0" lvl="0" marL="0" rtl="0" algn="just">
+                <a:spcBef>
+                  <a:spcPts val="0"/>
+                </a:spcBef>
+                <a:spcAft>
+                  <a:spcPts val="0"/>
+                </a:spcAft>
+                <a:buNone/>
+              </a:pPr>
+              <a:r>
+                <a:rPr lang="pt-BR">
+                  <a:solidFill>
+                    <a:schemeClr val="dk1"/>
+                  </a:solidFill>
+                  <a:latin typeface="Times New Roman"/>
+                  <a:ea typeface="Times New Roman"/>
+                  <a:cs typeface="Times New Roman"/>
+                  <a:sym typeface="Times New Roman"/>
+                </a:rPr>
+                <a:t>Nó operacional: Secretaria</a:t>
+              </a:r>
+              <a:endParaRPr>
+                <a:solidFill>
+                  <a:schemeClr val="dk1"/>
+                </a:solidFill>
+                <a:latin typeface="Times New Roman"/>
+                <a:ea typeface="Times New Roman"/>
+                <a:cs typeface="Times New Roman"/>
+                <a:sym typeface="Times New Roman"/>
+              </a:endParaRPr>
+            </a:p>
+            <a:p>
+              <a:pPr indent="0" lvl="0" marL="0" rtl="0" algn="just">
+                <a:spcBef>
+                  <a:spcPts val="0"/>
+                </a:spcBef>
+                <a:spcAft>
+                  <a:spcPts val="0"/>
+                </a:spcAft>
+                <a:buNone/>
+              </a:pPr>
+              <a:r>
+                <a:rPr lang="pt-BR">
+                  <a:solidFill>
+                    <a:schemeClr val="dk1"/>
+                  </a:solidFill>
+                  <a:latin typeface="Times New Roman"/>
+                  <a:ea typeface="Times New Roman"/>
+                  <a:cs typeface="Times New Roman"/>
+                  <a:sym typeface="Times New Roman"/>
+                </a:rPr>
+                <a:t>Capacidades:</a:t>
+              </a:r>
+              <a:endParaRPr>
+                <a:solidFill>
+                  <a:schemeClr val="dk1"/>
+                </a:solidFill>
+                <a:latin typeface="Times New Roman"/>
+                <a:ea typeface="Times New Roman"/>
+                <a:cs typeface="Times New Roman"/>
+                <a:sym typeface="Times New Roman"/>
+              </a:endParaRPr>
+            </a:p>
+            <a:p>
+              <a:pPr indent="-317500" lvl="0" marL="457200" rtl="0" algn="just">
+                <a:spcBef>
+                  <a:spcPts val="0"/>
+                </a:spcBef>
+                <a:spcAft>
+                  <a:spcPts val="0"/>
+                </a:spcAft>
+                <a:buClr>
+                  <a:schemeClr val="dk1"/>
+                </a:buClr>
+                <a:buSzPts val="1400"/>
+                <a:buFont typeface="Times New Roman"/>
+                <a:buChar char="-"/>
+              </a:pPr>
+              <a:r>
+                <a:rPr lang="pt-BR">
+                  <a:solidFill>
+                    <a:schemeClr val="dk1"/>
+                  </a:solidFill>
+                  <a:latin typeface="Times New Roman"/>
+                  <a:ea typeface="Times New Roman"/>
+                  <a:cs typeface="Times New Roman"/>
+                  <a:sym typeface="Times New Roman"/>
+                </a:rPr>
+                <a:t>Realizar Matrícula</a:t>
+              </a:r>
+              <a:endParaRPr>
+                <a:solidFill>
+                  <a:schemeClr val="dk1"/>
+                </a:solidFill>
+                <a:latin typeface="Times New Roman"/>
+                <a:ea typeface="Times New Roman"/>
+                <a:cs typeface="Times New Roman"/>
+                <a:sym typeface="Times New Roman"/>
+              </a:endParaRPr>
+            </a:p>
+            <a:p>
+              <a:pPr indent="0" lvl="0" marL="0" rtl="0" algn="l">
+                <a:spcBef>
+                  <a:spcPts val="0"/>
+                </a:spcBef>
+                <a:spcAft>
+                  <a:spcPts val="0"/>
+                </a:spcAft>
+                <a:buNone/>
+              </a:pPr>
+              <a:r>
+                <a:t/>
+              </a:r>
+              <a:endParaRPr sz="1200"/>
+            </a:p>
+          </p:txBody>
+        </p:sp>
+        <p:sp>
+          <p:nvSpPr>
+            <p:cNvPr id="139" name="Google Shape;139;p19"/>
+            <p:cNvSpPr txBox="1"/>
+            <p:nvPr/>
+          </p:nvSpPr>
+          <p:spPr>
+            <a:xfrm>
+              <a:off x="5140175" y="1154475"/>
+              <a:ext cx="2387400" cy="714600"/>
+            </a:xfrm>
+            <a:prstGeom prst="rect">
+              <a:avLst/>
+            </a:prstGeom>
+            <a:noFill/>
+            <a:ln>
+              <a:noFill/>
+            </a:ln>
+          </p:spPr>
+          <p:txBody>
+            <a:bodyPr anchorCtr="0" anchor="t" bIns="91425" lIns="91425" spcFirstLastPara="1" rIns="91425" wrap="square" tIns="91425">
+              <a:noAutofit/>
+            </a:bodyPr>
+            <a:lstStyle/>
+            <a:p>
+              <a:pPr indent="0" lvl="0" marL="0" rtl="0" algn="just">
+                <a:spcBef>
+                  <a:spcPts val="0"/>
+                </a:spcBef>
+                <a:spcAft>
+                  <a:spcPts val="0"/>
+                </a:spcAft>
+                <a:buNone/>
+              </a:pPr>
+              <a:r>
+                <a:rPr lang="pt-BR">
+                  <a:solidFill>
+                    <a:schemeClr val="dk1"/>
+                  </a:solidFill>
+                  <a:latin typeface="Times New Roman"/>
+                  <a:ea typeface="Times New Roman"/>
+                  <a:cs typeface="Times New Roman"/>
+                  <a:sym typeface="Times New Roman"/>
+                </a:rPr>
+                <a:t>Nó operacional: Acadêmico</a:t>
+              </a:r>
+              <a:endParaRPr>
+                <a:solidFill>
+                  <a:schemeClr val="dk1"/>
+                </a:solidFill>
+                <a:latin typeface="Times New Roman"/>
+                <a:ea typeface="Times New Roman"/>
+                <a:cs typeface="Times New Roman"/>
+                <a:sym typeface="Times New Roman"/>
+              </a:endParaRPr>
+            </a:p>
+            <a:p>
+              <a:pPr indent="0" lvl="0" marL="0" rtl="0" algn="just">
+                <a:spcBef>
+                  <a:spcPts val="0"/>
+                </a:spcBef>
+                <a:spcAft>
+                  <a:spcPts val="0"/>
+                </a:spcAft>
+                <a:buNone/>
+              </a:pPr>
+              <a:r>
+                <a:rPr lang="pt-BR">
+                  <a:solidFill>
+                    <a:schemeClr val="dk1"/>
+                  </a:solidFill>
+                  <a:latin typeface="Times New Roman"/>
+                  <a:ea typeface="Times New Roman"/>
+                  <a:cs typeface="Times New Roman"/>
+                  <a:sym typeface="Times New Roman"/>
+                </a:rPr>
+                <a:t>Capacidades:</a:t>
+              </a:r>
+              <a:endParaRPr>
+                <a:solidFill>
+                  <a:schemeClr val="dk1"/>
+                </a:solidFill>
+                <a:latin typeface="Times New Roman"/>
+                <a:ea typeface="Times New Roman"/>
+                <a:cs typeface="Times New Roman"/>
+                <a:sym typeface="Times New Roman"/>
+              </a:endParaRPr>
+            </a:p>
+            <a:p>
+              <a:pPr indent="-317500" lvl="0" marL="457200" rtl="0" algn="just">
+                <a:spcBef>
+                  <a:spcPts val="0"/>
+                </a:spcBef>
+                <a:spcAft>
+                  <a:spcPts val="0"/>
+                </a:spcAft>
+                <a:buClr>
+                  <a:schemeClr val="dk1"/>
+                </a:buClr>
+                <a:buSzPts val="1400"/>
+                <a:buFont typeface="Times New Roman"/>
+                <a:buChar char="-"/>
+              </a:pPr>
+              <a:r>
+                <a:rPr lang="pt-BR">
+                  <a:solidFill>
+                    <a:schemeClr val="dk1"/>
+                  </a:solidFill>
+                  <a:latin typeface="Times New Roman"/>
+                  <a:ea typeface="Times New Roman"/>
+                  <a:cs typeface="Times New Roman"/>
+                  <a:sym typeface="Times New Roman"/>
+                </a:rPr>
+                <a:t>Ministrar aulas </a:t>
+              </a:r>
+              <a:endParaRPr>
+                <a:solidFill>
+                  <a:schemeClr val="dk1"/>
+                </a:solidFill>
+                <a:latin typeface="Times New Roman"/>
+                <a:ea typeface="Times New Roman"/>
+                <a:cs typeface="Times New Roman"/>
+                <a:sym typeface="Times New Roman"/>
+              </a:endParaRPr>
+            </a:p>
+          </p:txBody>
+        </p:sp>
+      </p:grpSp>
+    </p:spTree>
+  </p:cSld>
+  <p:clrMapOvr>
+    <a:masterClrMapping/>
+  </p:clrMapOvr>
+</p:sld>
+</file>
+
+<file path=ppt/slides/slide8.xml><?xml version="1.0" encoding="utf-8"?>
+<p:sld xmlns:a="http://schemas.openxmlformats.org/drawingml/2006/main" xmlns:r="http://schemas.openxmlformats.org/officeDocument/2006/relationships" xmlns:mc="http://schemas.openxmlformats.org/markup-compatibility/2006" xmlns:mv="urn:schemas-microsoft-com:mac:vml" xmlns:p="http://schemas.openxmlformats.org/presentationml/2006/main" xmlns:c="http://schemas.openxmlformats.org/drawingml/2006/chart" xmlns:dgm="http://schemas.openxmlformats.org/drawingml/2006/diagram" xmlns:o="urn:schemas-microsoft-com:office:office" xmlns:v="urn:schemas-microsoft-com:vml" xmlns:pvml="urn:schemas-microsoft-com:office:powerpoint" xmlns:com="http://schemas.openxmlformats.org/drawingml/2006/compatibility" xmlns:p14="http://schemas.microsoft.com/office/powerpoint/2010/main" xmlns:p15="http://schemas.microsoft.com/office/powerpoint/2012/main" xmlns:ahyp="http://schemas.microsoft.com/office/drawing/2018/hyperlinkcolor">
+  <p:cSld>
+    <p:spTree>
+      <p:nvGrpSpPr>
+        <p:cNvPr id="143" name="Shape 143"/>
+        <p:cNvGrpSpPr/>
+        <p:nvPr/>
+      </p:nvGrpSpPr>
+      <p:grpSpPr>
+        <a:xfrm>
+          <a:off x="0" y="0"/>
+          <a:ext cx="0" cy="0"/>
+          <a:chOff x="0" y="0"/>
+          <a:chExt cx="0" cy="0"/>
+        </a:xfrm>
+      </p:grpSpPr>
+      <p:grpSp>
+        <p:nvGrpSpPr>
+          <p:cNvPr id="144" name="Google Shape;144;p20"/>
+          <p:cNvGrpSpPr/>
+          <p:nvPr/>
+        </p:nvGrpSpPr>
+        <p:grpSpPr>
+          <a:xfrm>
+            <a:off x="196175" y="1034125"/>
+            <a:ext cx="3377400" cy="1204075"/>
+            <a:chOff x="196175" y="1034125"/>
+            <a:chExt cx="3377400" cy="1204075"/>
+          </a:xfrm>
+        </p:grpSpPr>
+        <p:sp>
+          <p:nvSpPr>
+            <p:cNvPr id="145" name="Google Shape;145;p20"/>
+            <p:cNvSpPr txBox="1"/>
+            <p:nvPr/>
+          </p:nvSpPr>
+          <p:spPr>
+            <a:xfrm>
+              <a:off x="196175" y="1034125"/>
+              <a:ext cx="3377400" cy="554700"/>
+            </a:xfrm>
+            <a:prstGeom prst="rect">
+              <a:avLst/>
+            </a:prstGeom>
+            <a:noFill/>
+            <a:ln>
+              <a:noFill/>
+            </a:ln>
+          </p:spPr>
+          <p:txBody>
+            <a:bodyPr anchorCtr="0" anchor="t" bIns="91425" lIns="91425" spcFirstLastPara="1" rIns="91425" wrap="square" tIns="91425">
+              <a:noAutofit/>
+            </a:bodyPr>
+            <a:lstStyle/>
+            <a:p>
+              <a:pPr indent="0" lvl="0" marL="0" rtl="0" algn="l">
+                <a:spcBef>
+                  <a:spcPts val="0"/>
+                </a:spcBef>
+                <a:spcAft>
+                  <a:spcPts val="0"/>
+                </a:spcAft>
+                <a:buNone/>
+              </a:pPr>
+              <a:r>
+                <a:rPr b="1" lang="pt-BR" sz="1700">
+                  <a:latin typeface="Times New Roman"/>
+                  <a:ea typeface="Times New Roman"/>
+                  <a:cs typeface="Times New Roman"/>
+                  <a:sym typeface="Times New Roman"/>
+                </a:rPr>
+                <a:t>Cenário: Solicitar transferência</a:t>
+              </a:r>
+              <a:endParaRPr b="1" sz="1700">
+                <a:latin typeface="Times New Roman"/>
+                <a:ea typeface="Times New Roman"/>
+                <a:cs typeface="Times New Roman"/>
+                <a:sym typeface="Times New Roman"/>
+              </a:endParaRPr>
+            </a:p>
+            <a:p>
+              <a:pPr indent="0" lvl="0" marL="0" rtl="0" algn="l">
+                <a:spcBef>
+                  <a:spcPts val="0"/>
+                </a:spcBef>
+                <a:spcAft>
+                  <a:spcPts val="0"/>
+                </a:spcAft>
+                <a:buNone/>
+              </a:pPr>
+              <a:r>
+                <a:t/>
+              </a:r>
+              <a:endParaRPr b="1"/>
+            </a:p>
+          </p:txBody>
+        </p:sp>
+        <p:sp>
+          <p:nvSpPr>
+            <p:cNvPr id="146" name="Google Shape;146;p20"/>
+            <p:cNvSpPr txBox="1"/>
+            <p:nvPr/>
+          </p:nvSpPr>
+          <p:spPr>
+            <a:xfrm>
+              <a:off x="289900" y="1454900"/>
+              <a:ext cx="2643900" cy="783300"/>
+            </a:xfrm>
+            <a:prstGeom prst="rect">
+              <a:avLst/>
+            </a:prstGeom>
+            <a:noFill/>
+            <a:ln>
+              <a:noFill/>
+            </a:ln>
+          </p:spPr>
+          <p:txBody>
+            <a:bodyPr anchorCtr="0" anchor="t" bIns="91425" lIns="91425" spcFirstLastPara="1" rIns="91425" wrap="square" tIns="91425">
+              <a:noAutofit/>
+            </a:bodyPr>
+            <a:lstStyle/>
+            <a:p>
+              <a:pPr indent="0" lvl="0" marL="0" rtl="0" algn="just">
+                <a:spcBef>
+                  <a:spcPts val="0"/>
+                </a:spcBef>
+                <a:spcAft>
+                  <a:spcPts val="0"/>
+                </a:spcAft>
+                <a:buNone/>
+              </a:pPr>
+              <a:r>
+                <a:rPr lang="pt-BR">
+                  <a:latin typeface="Times New Roman"/>
+                  <a:ea typeface="Times New Roman"/>
+                  <a:cs typeface="Times New Roman"/>
+                  <a:sym typeface="Times New Roman"/>
+                </a:rPr>
+                <a:t>Nó operacional: Secretaria</a:t>
+              </a:r>
+              <a:endParaRPr>
+                <a:latin typeface="Times New Roman"/>
+                <a:ea typeface="Times New Roman"/>
+                <a:cs typeface="Times New Roman"/>
+                <a:sym typeface="Times New Roman"/>
+              </a:endParaRPr>
+            </a:p>
+            <a:p>
+              <a:pPr indent="0" lvl="0" marL="0" rtl="0" algn="just">
+                <a:spcBef>
+                  <a:spcPts val="0"/>
+                </a:spcBef>
+                <a:spcAft>
+                  <a:spcPts val="0"/>
+                </a:spcAft>
+                <a:buNone/>
+              </a:pPr>
+              <a:r>
+                <a:rPr lang="pt-BR">
+                  <a:latin typeface="Times New Roman"/>
+                  <a:ea typeface="Times New Roman"/>
+                  <a:cs typeface="Times New Roman"/>
+                  <a:sym typeface="Times New Roman"/>
+                </a:rPr>
+                <a:t>Capacidade:</a:t>
+              </a:r>
+              <a:endParaRPr>
+                <a:latin typeface="Times New Roman"/>
+                <a:ea typeface="Times New Roman"/>
+                <a:cs typeface="Times New Roman"/>
+                <a:sym typeface="Times New Roman"/>
+              </a:endParaRPr>
+            </a:p>
+            <a:p>
+              <a:pPr indent="-317500" lvl="0" marL="457200" rtl="0" algn="just">
+                <a:spcBef>
+                  <a:spcPts val="0"/>
+                </a:spcBef>
+                <a:spcAft>
+                  <a:spcPts val="0"/>
+                </a:spcAft>
+                <a:buSzPts val="1400"/>
+                <a:buFont typeface="Times New Roman"/>
+                <a:buChar char="-"/>
+              </a:pPr>
+              <a:r>
+                <a:rPr lang="pt-BR">
+                  <a:solidFill>
+                    <a:schemeClr val="dk1"/>
+                  </a:solidFill>
+                  <a:latin typeface="Times New Roman"/>
+                  <a:ea typeface="Times New Roman"/>
+                  <a:cs typeface="Times New Roman"/>
+                  <a:sym typeface="Times New Roman"/>
+                </a:rPr>
+                <a:t>Realizar transferência</a:t>
+              </a:r>
+              <a:endParaRPr>
+                <a:latin typeface="Times New Roman"/>
+                <a:ea typeface="Times New Roman"/>
+                <a:cs typeface="Times New Roman"/>
+                <a:sym typeface="Times New Roman"/>
+              </a:endParaRPr>
+            </a:p>
+          </p:txBody>
+        </p:sp>
+      </p:grpSp>
       <p:sp>
         <p:nvSpPr>
-          <p:cNvPr id="129" name="Google Shape;129;p19"/>
+          <p:cNvPr id="147" name="Google Shape;147;p20"/>
           <p:cNvSpPr txBox="1"/>
           <p:nvPr/>
         </p:nvSpPr>
         <p:spPr>
           <a:xfrm>
-            <a:off x="5106025" y="785500"/>
-            <a:ext cx="2307300" cy="554700"/>
+            <a:off x="196175" y="286775"/>
+            <a:ext cx="1123200" cy="554700"/>
           </a:xfrm>
           <a:prstGeom prst="rect">
             <a:avLst/>
@@ -9157,48 +10321,6 @@
               <a:spcAft>
                 <a:spcPts val="0"/>
               </a:spcAft>
-              <a:buNone/>
-            </a:pPr>
-            <a:r>
-              <a:rPr b="1" lang="pt-BR" sz="1600"/>
-              <a:t>Cenário: Assiste aula.</a:t>
-            </a:r>
-            <a:endParaRPr b="1" sz="1600"/>
-          </a:p>
-        </p:txBody>
-      </p:sp>
-      <p:sp>
-        <p:nvSpPr>
-          <p:cNvPr id="130" name="Google Shape;130;p19"/>
-          <p:cNvSpPr txBox="1"/>
-          <p:nvPr/>
-        </p:nvSpPr>
-        <p:spPr>
-          <a:xfrm>
-            <a:off x="246575" y="263325"/>
-            <a:ext cx="4925400" cy="554700"/>
-          </a:xfrm>
-          <a:prstGeom prst="rect">
-            <a:avLst/>
-          </a:prstGeom>
-          <a:noFill/>
-          <a:ln>
-            <a:noFill/>
-          </a:ln>
-        </p:spPr>
-        <p:txBody>
-          <a:bodyPr anchorCtr="0" anchor="t" bIns="91425" lIns="91425" spcFirstLastPara="1" rIns="91425" wrap="square" tIns="91425">
-            <a:noAutofit/>
-          </a:bodyPr>
-          <a:lstStyle/>
-          <a:p>
-            <a:pPr indent="0" lvl="0" marL="0" rtl="0" algn="l">
-              <a:spcBef>
-                <a:spcPts val="0"/>
-              </a:spcBef>
-              <a:spcAft>
-                <a:spcPts val="0"/>
-              </a:spcAft>
               <a:buClr>
                 <a:schemeClr val="dk1"/>
               </a:buClr>
@@ -9207,970 +10329,23 @@
               <a:buNone/>
             </a:pPr>
             <a:r>
-              <a:rPr b="1" lang="pt-BR" sz="1600">
+              <a:rPr b="1" lang="pt-BR" sz="2100">
                 <a:solidFill>
                   <a:schemeClr val="dk1"/>
                 </a:solidFill>
+                <a:latin typeface="Times New Roman"/>
+                <a:ea typeface="Times New Roman"/>
+                <a:cs typeface="Times New Roman"/>
+                <a:sym typeface="Times New Roman"/>
               </a:rPr>
               <a:t>Resumo</a:t>
             </a:r>
-            <a:endParaRPr sz="1600"/>
-          </a:p>
-        </p:txBody>
-      </p:sp>
-      <p:sp>
-        <p:nvSpPr>
-          <p:cNvPr id="131" name="Google Shape;131;p19"/>
-          <p:cNvSpPr txBox="1"/>
-          <p:nvPr/>
-        </p:nvSpPr>
-        <p:spPr>
-          <a:xfrm>
-            <a:off x="246575" y="2294400"/>
-            <a:ext cx="4925400" cy="554700"/>
-          </a:xfrm>
-          <a:prstGeom prst="rect">
-            <a:avLst/>
-          </a:prstGeom>
-          <a:noFill/>
-          <a:ln>
-            <a:noFill/>
-          </a:ln>
-        </p:spPr>
-        <p:txBody>
-          <a:bodyPr anchorCtr="0" anchor="t" bIns="91425" lIns="91425" spcFirstLastPara="1" rIns="91425" wrap="square" tIns="91425">
-            <a:noAutofit/>
-          </a:bodyPr>
-          <a:lstStyle/>
-          <a:p>
-            <a:pPr indent="0" lvl="0" marL="0" rtl="0" algn="l">
-              <a:spcBef>
-                <a:spcPts val="0"/>
-              </a:spcBef>
-              <a:spcAft>
-                <a:spcPts val="0"/>
-              </a:spcAft>
-              <a:buNone/>
-            </a:pPr>
-            <a:r>
-              <a:rPr b="1" lang="pt-BR" sz="1600"/>
-              <a:t>Cenário: Tranca matrícula.</a:t>
-            </a:r>
-            <a:endParaRPr b="1"/>
-          </a:p>
-          <a:p>
-            <a:pPr indent="0" lvl="0" marL="0" rtl="0" algn="l">
-              <a:spcBef>
-                <a:spcPts val="0"/>
-              </a:spcBef>
-              <a:spcAft>
-                <a:spcPts val="0"/>
-              </a:spcAft>
-              <a:buNone/>
-            </a:pPr>
-            <a:r>
-              <a:t/>
-            </a:r>
-            <a:endParaRPr b="1"/>
-          </a:p>
-        </p:txBody>
-      </p:sp>
-      <p:sp>
-        <p:nvSpPr>
-          <p:cNvPr id="132" name="Google Shape;132;p19"/>
-          <p:cNvSpPr txBox="1"/>
-          <p:nvPr/>
-        </p:nvSpPr>
-        <p:spPr>
-          <a:xfrm>
-            <a:off x="5054225" y="2294400"/>
-            <a:ext cx="3374400" cy="554700"/>
-          </a:xfrm>
-          <a:prstGeom prst="rect">
-            <a:avLst/>
-          </a:prstGeom>
-          <a:noFill/>
-          <a:ln>
-            <a:noFill/>
-          </a:ln>
-        </p:spPr>
-        <p:txBody>
-          <a:bodyPr anchorCtr="0" anchor="t" bIns="91425" lIns="91425" spcFirstLastPara="1" rIns="91425" wrap="square" tIns="91425">
-            <a:noAutofit/>
-          </a:bodyPr>
-          <a:lstStyle/>
-          <a:p>
-            <a:pPr indent="0" lvl="0" marL="0" rtl="0" algn="l">
-              <a:spcBef>
-                <a:spcPts val="0"/>
-              </a:spcBef>
-              <a:spcAft>
-                <a:spcPts val="0"/>
-              </a:spcAft>
-              <a:buNone/>
-            </a:pPr>
-            <a:r>
-              <a:rPr b="1" lang="pt-BR" sz="1600"/>
-              <a:t>Cenário: Reabre matrícula.</a:t>
-            </a:r>
-            <a:endParaRPr b="1"/>
-          </a:p>
-          <a:p>
-            <a:pPr indent="0" lvl="0" marL="0" rtl="0" algn="l">
-              <a:spcBef>
-                <a:spcPts val="0"/>
-              </a:spcBef>
-              <a:spcAft>
-                <a:spcPts val="0"/>
-              </a:spcAft>
-              <a:buNone/>
-            </a:pPr>
-            <a:r>
-              <a:t/>
-            </a:r>
-            <a:endParaRPr b="1"/>
-          </a:p>
-        </p:txBody>
-      </p:sp>
-      <p:sp>
-        <p:nvSpPr>
-          <p:cNvPr id="133" name="Google Shape;133;p19"/>
-          <p:cNvSpPr txBox="1"/>
-          <p:nvPr/>
-        </p:nvSpPr>
-        <p:spPr>
-          <a:xfrm>
-            <a:off x="359425" y="1154475"/>
-            <a:ext cx="2637300" cy="1051800"/>
-          </a:xfrm>
-          <a:prstGeom prst="rect">
-            <a:avLst/>
-          </a:prstGeom>
-          <a:noFill/>
-          <a:ln>
-            <a:noFill/>
-          </a:ln>
-        </p:spPr>
-        <p:txBody>
-          <a:bodyPr anchorCtr="0" anchor="t" bIns="91425" lIns="91425" spcFirstLastPara="1" rIns="91425" wrap="square" tIns="91425">
-            <a:noAutofit/>
-          </a:bodyPr>
-          <a:lstStyle/>
-          <a:p>
-            <a:pPr indent="0" lvl="0" marL="0" rtl="0" algn="just">
-              <a:spcBef>
-                <a:spcPts val="0"/>
-              </a:spcBef>
-              <a:spcAft>
-                <a:spcPts val="0"/>
-              </a:spcAft>
-              <a:buNone/>
-            </a:pPr>
-            <a:r>
-              <a:rPr lang="pt-BR" sz="1200">
-                <a:solidFill>
-                  <a:schemeClr val="dk1"/>
-                </a:solidFill>
-              </a:rPr>
-              <a:t>Nó operacional: Secretária.</a:t>
-            </a:r>
-            <a:endParaRPr sz="1200">
-              <a:solidFill>
-                <a:schemeClr val="dk1"/>
-              </a:solidFill>
+            <a:endParaRPr sz="2100">
+              <a:latin typeface="Times New Roman"/>
+              <a:ea typeface="Times New Roman"/>
+              <a:cs typeface="Times New Roman"/>
+              <a:sym typeface="Times New Roman"/>
             </a:endParaRPr>
-          </a:p>
-          <a:p>
-            <a:pPr indent="0" lvl="0" marL="0" rtl="0" algn="just">
-              <a:spcBef>
-                <a:spcPts val="0"/>
-              </a:spcBef>
-              <a:spcAft>
-                <a:spcPts val="0"/>
-              </a:spcAft>
-              <a:buNone/>
-            </a:pPr>
-            <a:r>
-              <a:rPr lang="pt-BR" sz="1200">
-                <a:solidFill>
-                  <a:schemeClr val="dk1"/>
-                </a:solidFill>
-              </a:rPr>
-              <a:t>Capacidades:</a:t>
-            </a:r>
-            <a:endParaRPr sz="1200">
-              <a:solidFill>
-                <a:schemeClr val="dk1"/>
-              </a:solidFill>
-            </a:endParaRPr>
-          </a:p>
-          <a:p>
-            <a:pPr indent="-304800" lvl="0" marL="457200" rtl="0" algn="just">
-              <a:spcBef>
-                <a:spcPts val="0"/>
-              </a:spcBef>
-              <a:spcAft>
-                <a:spcPts val="0"/>
-              </a:spcAft>
-              <a:buClr>
-                <a:schemeClr val="dk1"/>
-              </a:buClr>
-              <a:buSzPts val="1200"/>
-              <a:buChar char="-"/>
-            </a:pPr>
-            <a:r>
-              <a:rPr lang="pt-BR" sz="1200">
-                <a:solidFill>
-                  <a:schemeClr val="dk1"/>
-                </a:solidFill>
-              </a:rPr>
-              <a:t>Inclusão do aluno na turma.</a:t>
-            </a:r>
-            <a:endParaRPr sz="1200">
-              <a:solidFill>
-                <a:schemeClr val="dk1"/>
-              </a:solidFill>
-            </a:endParaRPr>
-          </a:p>
-          <a:p>
-            <a:pPr indent="-304800" lvl="0" marL="457200" rtl="0" algn="just">
-              <a:spcBef>
-                <a:spcPts val="0"/>
-              </a:spcBef>
-              <a:spcAft>
-                <a:spcPts val="0"/>
-              </a:spcAft>
-              <a:buClr>
-                <a:schemeClr val="dk1"/>
-              </a:buClr>
-              <a:buSzPts val="1200"/>
-              <a:buChar char="-"/>
-            </a:pPr>
-            <a:r>
-              <a:rPr lang="pt-BR" sz="1200">
-                <a:solidFill>
-                  <a:schemeClr val="dk1"/>
-                </a:solidFill>
-              </a:rPr>
-              <a:t>Aprovação do pagamento da mensalidade.</a:t>
-            </a:r>
-            <a:endParaRPr sz="1200">
-              <a:solidFill>
-                <a:schemeClr val="dk1"/>
-              </a:solidFill>
-            </a:endParaRPr>
-          </a:p>
-          <a:p>
-            <a:pPr indent="0" lvl="0" marL="0" rtl="0" algn="l">
-              <a:spcBef>
-                <a:spcPts val="0"/>
-              </a:spcBef>
-              <a:spcAft>
-                <a:spcPts val="0"/>
-              </a:spcAft>
-              <a:buClr>
-                <a:schemeClr val="dk1"/>
-              </a:buClr>
-              <a:buSzPts val="1100"/>
-              <a:buFont typeface="Arial"/>
-              <a:buNone/>
-            </a:pPr>
-            <a:r>
-              <a:t/>
-            </a:r>
-            <a:endParaRPr sz="1200">
-              <a:solidFill>
-                <a:schemeClr val="dk1"/>
-              </a:solidFill>
-            </a:endParaRPr>
-          </a:p>
-          <a:p>
-            <a:pPr indent="0" lvl="0" marL="0" rtl="0" algn="l">
-              <a:spcBef>
-                <a:spcPts val="0"/>
-              </a:spcBef>
-              <a:spcAft>
-                <a:spcPts val="0"/>
-              </a:spcAft>
-              <a:buNone/>
-            </a:pPr>
-            <a:r>
-              <a:t/>
-            </a:r>
-            <a:endParaRPr sz="1200"/>
-          </a:p>
-        </p:txBody>
-      </p:sp>
-      <p:sp>
-        <p:nvSpPr>
-          <p:cNvPr id="134" name="Google Shape;134;p19"/>
-          <p:cNvSpPr txBox="1"/>
-          <p:nvPr/>
-        </p:nvSpPr>
-        <p:spPr>
-          <a:xfrm>
-            <a:off x="359425" y="2664700"/>
-            <a:ext cx="2561700" cy="1411200"/>
-          </a:xfrm>
-          <a:prstGeom prst="rect">
-            <a:avLst/>
-          </a:prstGeom>
-          <a:noFill/>
-          <a:ln>
-            <a:noFill/>
-          </a:ln>
-        </p:spPr>
-        <p:txBody>
-          <a:bodyPr anchorCtr="0" anchor="t" bIns="91425" lIns="91425" spcFirstLastPara="1" rIns="91425" wrap="square" tIns="91425">
-            <a:noAutofit/>
-          </a:bodyPr>
-          <a:lstStyle/>
-          <a:p>
-            <a:pPr indent="0" lvl="0" marL="0" rtl="0" algn="just">
-              <a:spcBef>
-                <a:spcPts val="0"/>
-              </a:spcBef>
-              <a:spcAft>
-                <a:spcPts val="0"/>
-              </a:spcAft>
-              <a:buClr>
-                <a:schemeClr val="dk1"/>
-              </a:buClr>
-              <a:buSzPts val="1100"/>
-              <a:buFont typeface="Arial"/>
-              <a:buNone/>
-            </a:pPr>
-            <a:r>
-              <a:rPr lang="pt-BR" sz="1200">
-                <a:solidFill>
-                  <a:schemeClr val="dk1"/>
-                </a:solidFill>
-              </a:rPr>
-              <a:t>Nó operacional: Secretária</a:t>
-            </a:r>
-            <a:endParaRPr sz="1200">
-              <a:solidFill>
-                <a:schemeClr val="dk1"/>
-              </a:solidFill>
-            </a:endParaRPr>
-          </a:p>
-          <a:p>
-            <a:pPr indent="0" lvl="0" marL="0" rtl="0" algn="just">
-              <a:spcBef>
-                <a:spcPts val="0"/>
-              </a:spcBef>
-              <a:spcAft>
-                <a:spcPts val="0"/>
-              </a:spcAft>
-              <a:buNone/>
-            </a:pPr>
-            <a:r>
-              <a:rPr lang="pt-BR" sz="1200"/>
-              <a:t>Capacidades:</a:t>
-            </a:r>
-            <a:endParaRPr sz="1200"/>
-          </a:p>
-          <a:p>
-            <a:pPr indent="-304800" lvl="0" marL="457200" rtl="0" algn="l">
-              <a:spcBef>
-                <a:spcPts val="0"/>
-              </a:spcBef>
-              <a:spcAft>
-                <a:spcPts val="0"/>
-              </a:spcAft>
-              <a:buSzPts val="1200"/>
-              <a:buChar char="-"/>
-            </a:pPr>
-            <a:r>
-              <a:rPr lang="pt-BR" sz="1200">
-                <a:solidFill>
-                  <a:schemeClr val="dk1"/>
-                </a:solidFill>
-              </a:rPr>
-              <a:t>Suspensão do pagamentos das próximas mensalidades.</a:t>
-            </a:r>
-            <a:endParaRPr sz="1200">
-              <a:solidFill>
-                <a:schemeClr val="dk1"/>
-              </a:solidFill>
-            </a:endParaRPr>
-          </a:p>
-          <a:p>
-            <a:pPr indent="-304800" lvl="0" marL="457200" rtl="0" algn="just">
-              <a:spcBef>
-                <a:spcPts val="0"/>
-              </a:spcBef>
-              <a:spcAft>
-                <a:spcPts val="0"/>
-              </a:spcAft>
-              <a:buSzPts val="1200"/>
-              <a:buChar char="-"/>
-            </a:pPr>
-            <a:r>
-              <a:rPr lang="pt-BR" sz="1200">
-                <a:solidFill>
-                  <a:schemeClr val="dk1"/>
-                </a:solidFill>
-              </a:rPr>
-              <a:t>Retirada do aluno da turma do curso.</a:t>
-            </a:r>
-            <a:endParaRPr sz="1200"/>
-          </a:p>
-        </p:txBody>
-      </p:sp>
-      <p:sp>
-        <p:nvSpPr>
-          <p:cNvPr id="135" name="Google Shape;135;p19"/>
-          <p:cNvSpPr txBox="1"/>
-          <p:nvPr/>
-        </p:nvSpPr>
-        <p:spPr>
-          <a:xfrm>
-            <a:off x="5168300" y="2664700"/>
-            <a:ext cx="3192900" cy="1348200"/>
-          </a:xfrm>
-          <a:prstGeom prst="rect">
-            <a:avLst/>
-          </a:prstGeom>
-          <a:noFill/>
-          <a:ln>
-            <a:noFill/>
-          </a:ln>
-        </p:spPr>
-        <p:txBody>
-          <a:bodyPr anchorCtr="0" anchor="t" bIns="91425" lIns="91425" spcFirstLastPara="1" rIns="91425" wrap="square" tIns="91425">
-            <a:noAutofit/>
-          </a:bodyPr>
-          <a:lstStyle/>
-          <a:p>
-            <a:pPr indent="0" lvl="0" marL="0" rtl="0" algn="just">
-              <a:spcBef>
-                <a:spcPts val="0"/>
-              </a:spcBef>
-              <a:spcAft>
-                <a:spcPts val="0"/>
-              </a:spcAft>
-              <a:buNone/>
-            </a:pPr>
-            <a:r>
-              <a:rPr lang="pt-BR" sz="1200">
-                <a:solidFill>
-                  <a:schemeClr val="dk1"/>
-                </a:solidFill>
-              </a:rPr>
-              <a:t>Nó operacional: Secretária</a:t>
-            </a:r>
-            <a:endParaRPr sz="1200">
-              <a:solidFill>
-                <a:schemeClr val="dk1"/>
-              </a:solidFill>
-            </a:endParaRPr>
-          </a:p>
-          <a:p>
-            <a:pPr indent="0" lvl="0" marL="0" rtl="0" algn="just">
-              <a:spcBef>
-                <a:spcPts val="0"/>
-              </a:spcBef>
-              <a:spcAft>
-                <a:spcPts val="0"/>
-              </a:spcAft>
-              <a:buNone/>
-            </a:pPr>
-            <a:r>
-              <a:rPr lang="pt-BR" sz="1200">
-                <a:solidFill>
-                  <a:schemeClr val="dk1"/>
-                </a:solidFill>
-              </a:rPr>
-              <a:t>Capacidades:</a:t>
-            </a:r>
-            <a:endParaRPr sz="1200">
-              <a:solidFill>
-                <a:schemeClr val="dk1"/>
-              </a:solidFill>
-            </a:endParaRPr>
-          </a:p>
-          <a:p>
-            <a:pPr indent="-304800" lvl="0" marL="457200" rtl="0" algn="just">
-              <a:spcBef>
-                <a:spcPts val="0"/>
-              </a:spcBef>
-              <a:spcAft>
-                <a:spcPts val="0"/>
-              </a:spcAft>
-              <a:buClr>
-                <a:schemeClr val="dk1"/>
-              </a:buClr>
-              <a:buSzPts val="1200"/>
-              <a:buChar char="-"/>
-            </a:pPr>
-            <a:r>
-              <a:rPr lang="pt-BR" sz="1200">
-                <a:solidFill>
-                  <a:schemeClr val="dk1"/>
-                </a:solidFill>
-              </a:rPr>
-              <a:t>Conferência cronograma das aulas.</a:t>
-            </a:r>
-            <a:endParaRPr sz="1200">
-              <a:solidFill>
-                <a:schemeClr val="dk1"/>
-              </a:solidFill>
-            </a:endParaRPr>
-          </a:p>
-          <a:p>
-            <a:pPr indent="-304800" lvl="0" marL="457200" rtl="0" algn="just">
-              <a:spcBef>
-                <a:spcPts val="0"/>
-              </a:spcBef>
-              <a:spcAft>
-                <a:spcPts val="0"/>
-              </a:spcAft>
-              <a:buClr>
-                <a:schemeClr val="dk1"/>
-              </a:buClr>
-              <a:buSzPts val="1200"/>
-              <a:buChar char="-"/>
-            </a:pPr>
-            <a:r>
-              <a:rPr lang="pt-BR" sz="1200">
-                <a:solidFill>
-                  <a:schemeClr val="dk1"/>
-                </a:solidFill>
-              </a:rPr>
-              <a:t>Emissão novas mensalidades.</a:t>
-            </a:r>
-            <a:endParaRPr sz="1200">
-              <a:solidFill>
-                <a:schemeClr val="dk1"/>
-              </a:solidFill>
-            </a:endParaRPr>
-          </a:p>
-          <a:p>
-            <a:pPr indent="-304800" lvl="0" marL="457200" rtl="0" algn="just">
-              <a:spcBef>
-                <a:spcPts val="0"/>
-              </a:spcBef>
-              <a:spcAft>
-                <a:spcPts val="0"/>
-              </a:spcAft>
-              <a:buClr>
-                <a:schemeClr val="dk1"/>
-              </a:buClr>
-              <a:buSzPts val="1200"/>
-              <a:buChar char="-"/>
-            </a:pPr>
-            <a:r>
-              <a:rPr lang="pt-BR" sz="1200">
-                <a:solidFill>
-                  <a:schemeClr val="dk1"/>
-                </a:solidFill>
-              </a:rPr>
-              <a:t>Aprovação do pagamento.</a:t>
-            </a:r>
-            <a:endParaRPr sz="1200">
-              <a:solidFill>
-                <a:schemeClr val="dk1"/>
-              </a:solidFill>
-            </a:endParaRPr>
-          </a:p>
-          <a:p>
-            <a:pPr indent="-304800" lvl="0" marL="457200" rtl="0" algn="just">
-              <a:spcBef>
-                <a:spcPts val="0"/>
-              </a:spcBef>
-              <a:spcAft>
-                <a:spcPts val="0"/>
-              </a:spcAft>
-              <a:buClr>
-                <a:schemeClr val="dk1"/>
-              </a:buClr>
-              <a:buSzPts val="1200"/>
-              <a:buChar char="-"/>
-            </a:pPr>
-            <a:r>
-              <a:rPr lang="pt-BR" sz="1200">
-                <a:solidFill>
-                  <a:schemeClr val="dk1"/>
-                </a:solidFill>
-              </a:rPr>
-              <a:t>Inclusão do aluno da turma no curso</a:t>
-            </a:r>
-            <a:endParaRPr sz="1200">
-              <a:solidFill>
-                <a:schemeClr val="dk1"/>
-              </a:solidFill>
-            </a:endParaRPr>
-          </a:p>
-        </p:txBody>
-      </p:sp>
-      <p:sp>
-        <p:nvSpPr>
-          <p:cNvPr id="136" name="Google Shape;136;p19"/>
-          <p:cNvSpPr txBox="1"/>
-          <p:nvPr/>
-        </p:nvSpPr>
-        <p:spPr>
-          <a:xfrm>
-            <a:off x="5216375" y="1154475"/>
-            <a:ext cx="3050100" cy="1051800"/>
-          </a:xfrm>
-          <a:prstGeom prst="rect">
-            <a:avLst/>
-          </a:prstGeom>
-          <a:noFill/>
-          <a:ln>
-            <a:noFill/>
-          </a:ln>
-        </p:spPr>
-        <p:txBody>
-          <a:bodyPr anchorCtr="0" anchor="t" bIns="91425" lIns="91425" spcFirstLastPara="1" rIns="91425" wrap="square" tIns="91425">
-            <a:noAutofit/>
-          </a:bodyPr>
-          <a:lstStyle/>
-          <a:p>
-            <a:pPr indent="0" lvl="0" marL="0" rtl="0" algn="just">
-              <a:spcBef>
-                <a:spcPts val="0"/>
-              </a:spcBef>
-              <a:spcAft>
-                <a:spcPts val="0"/>
-              </a:spcAft>
-              <a:buNone/>
-            </a:pPr>
-            <a:r>
-              <a:rPr lang="pt-BR" sz="1200">
-                <a:solidFill>
-                  <a:schemeClr val="dk1"/>
-                </a:solidFill>
-              </a:rPr>
-              <a:t>Nó operacional: Professor.</a:t>
-            </a:r>
-            <a:endParaRPr sz="1200">
-              <a:solidFill>
-                <a:schemeClr val="dk1"/>
-              </a:solidFill>
-            </a:endParaRPr>
-          </a:p>
-          <a:p>
-            <a:pPr indent="0" lvl="0" marL="0" rtl="0" algn="just">
-              <a:spcBef>
-                <a:spcPts val="0"/>
-              </a:spcBef>
-              <a:spcAft>
-                <a:spcPts val="0"/>
-              </a:spcAft>
-              <a:buNone/>
-            </a:pPr>
-            <a:r>
-              <a:rPr lang="pt-BR" sz="1200">
-                <a:solidFill>
-                  <a:schemeClr val="dk1"/>
-                </a:solidFill>
-              </a:rPr>
-              <a:t>Capacidades:</a:t>
-            </a:r>
-            <a:endParaRPr sz="1200">
-              <a:solidFill>
-                <a:schemeClr val="dk1"/>
-              </a:solidFill>
-            </a:endParaRPr>
-          </a:p>
-          <a:p>
-            <a:pPr indent="-304800" lvl="0" marL="457200" rtl="0" algn="just">
-              <a:spcBef>
-                <a:spcPts val="0"/>
-              </a:spcBef>
-              <a:spcAft>
-                <a:spcPts val="0"/>
-              </a:spcAft>
-              <a:buClr>
-                <a:schemeClr val="dk1"/>
-              </a:buClr>
-              <a:buSzPts val="1200"/>
-              <a:buChar char="-"/>
-            </a:pPr>
-            <a:r>
-              <a:rPr lang="pt-BR" sz="1200">
-                <a:solidFill>
-                  <a:schemeClr val="dk1"/>
-                </a:solidFill>
-              </a:rPr>
-              <a:t>Lançamentos de notas.</a:t>
-            </a:r>
-            <a:endParaRPr sz="1200">
-              <a:solidFill>
-                <a:schemeClr val="dk1"/>
-              </a:solidFill>
-            </a:endParaRPr>
-          </a:p>
-          <a:p>
-            <a:pPr indent="-304800" lvl="0" marL="457200" rtl="0" algn="just">
-              <a:spcBef>
-                <a:spcPts val="0"/>
-              </a:spcBef>
-              <a:spcAft>
-                <a:spcPts val="0"/>
-              </a:spcAft>
-              <a:buClr>
-                <a:schemeClr val="dk1"/>
-              </a:buClr>
-              <a:buSzPts val="1200"/>
-              <a:buChar char="-"/>
-            </a:pPr>
-            <a:r>
-              <a:rPr lang="pt-BR" sz="1200">
-                <a:solidFill>
-                  <a:schemeClr val="dk1"/>
-                </a:solidFill>
-              </a:rPr>
-              <a:t>Lançamentos de presenças. </a:t>
-            </a:r>
-            <a:endParaRPr sz="1200">
-              <a:solidFill>
-                <a:schemeClr val="dk1"/>
-              </a:solidFill>
-            </a:endParaRPr>
-          </a:p>
-          <a:p>
-            <a:pPr indent="-304800" lvl="0" marL="457200" rtl="0" algn="just">
-              <a:spcBef>
-                <a:spcPts val="0"/>
-              </a:spcBef>
-              <a:spcAft>
-                <a:spcPts val="0"/>
-              </a:spcAft>
-              <a:buClr>
-                <a:schemeClr val="dk1"/>
-              </a:buClr>
-              <a:buSzPts val="1200"/>
-              <a:buChar char="-"/>
-            </a:pPr>
-            <a:r>
-              <a:rPr lang="pt-BR" sz="1200">
-                <a:solidFill>
-                  <a:schemeClr val="dk1"/>
-                </a:solidFill>
-              </a:rPr>
-              <a:t>Ministra aulas.</a:t>
-            </a:r>
-            <a:endParaRPr sz="1200">
-              <a:solidFill>
-                <a:schemeClr val="dk1"/>
-              </a:solidFill>
-            </a:endParaRPr>
-          </a:p>
-        </p:txBody>
-      </p:sp>
-    </p:spTree>
-  </p:cSld>
-  <p:clrMapOvr>
-    <a:masterClrMapping/>
-  </p:clrMapOvr>
-</p:sld>
-</file>
-
-<file path=ppt/slides/slide8.xml><?xml version="1.0" encoding="utf-8"?>
-<p:sld xmlns:a="http://schemas.openxmlformats.org/drawingml/2006/main" xmlns:r="http://schemas.openxmlformats.org/officeDocument/2006/relationships" xmlns:mc="http://schemas.openxmlformats.org/markup-compatibility/2006" xmlns:mv="urn:schemas-microsoft-com:mac:vml" xmlns:p="http://schemas.openxmlformats.org/presentationml/2006/main" xmlns:c="http://schemas.openxmlformats.org/drawingml/2006/chart" xmlns:dgm="http://schemas.openxmlformats.org/drawingml/2006/diagram" xmlns:o="urn:schemas-microsoft-com:office:office" xmlns:v="urn:schemas-microsoft-com:vml" xmlns:pvml="urn:schemas-microsoft-com:office:powerpoint" xmlns:com="http://schemas.openxmlformats.org/drawingml/2006/compatibility" xmlns:p14="http://schemas.microsoft.com/office/powerpoint/2010/main" xmlns:p15="http://schemas.microsoft.com/office/powerpoint/2012/main" xmlns:ahyp="http://schemas.microsoft.com/office/drawing/2018/hyperlinkcolor">
-  <p:cSld>
-    <p:spTree>
-      <p:nvGrpSpPr>
-        <p:cNvPr id="140" name="Shape 140"/>
-        <p:cNvGrpSpPr/>
-        <p:nvPr/>
-      </p:nvGrpSpPr>
-      <p:grpSpPr>
-        <a:xfrm>
-          <a:off x="0" y="0"/>
-          <a:ext cx="0" cy="0"/>
-          <a:chOff x="0" y="0"/>
-          <a:chExt cx="0" cy="0"/>
-        </a:xfrm>
-      </p:grpSpPr>
-      <p:sp>
-        <p:nvSpPr>
-          <p:cNvPr id="141" name="Google Shape;141;p20"/>
-          <p:cNvSpPr txBox="1"/>
-          <p:nvPr/>
-        </p:nvSpPr>
-        <p:spPr>
-          <a:xfrm>
-            <a:off x="452725" y="1045813"/>
-            <a:ext cx="4925400" cy="554700"/>
-          </a:xfrm>
-          <a:prstGeom prst="rect">
-            <a:avLst/>
-          </a:prstGeom>
-          <a:noFill/>
-          <a:ln>
-            <a:noFill/>
-          </a:ln>
-        </p:spPr>
-        <p:txBody>
-          <a:bodyPr anchorCtr="0" anchor="t" bIns="91425" lIns="91425" spcFirstLastPara="1" rIns="91425" wrap="square" tIns="91425">
-            <a:noAutofit/>
-          </a:bodyPr>
-          <a:lstStyle/>
-          <a:p>
-            <a:pPr indent="0" lvl="0" marL="0" rtl="0" algn="l">
-              <a:spcBef>
-                <a:spcPts val="0"/>
-              </a:spcBef>
-              <a:spcAft>
-                <a:spcPts val="0"/>
-              </a:spcAft>
-              <a:buNone/>
-            </a:pPr>
-            <a:r>
-              <a:rPr b="1" lang="pt-BR" sz="1600"/>
-              <a:t>Cenário: Solicite transferência.</a:t>
-            </a:r>
-            <a:endParaRPr b="1" sz="1600"/>
-          </a:p>
-          <a:p>
-            <a:pPr indent="0" lvl="0" marL="0" rtl="0" algn="l">
-              <a:spcBef>
-                <a:spcPts val="0"/>
-              </a:spcBef>
-              <a:spcAft>
-                <a:spcPts val="0"/>
-              </a:spcAft>
-              <a:buNone/>
-            </a:pPr>
-            <a:r>
-              <a:t/>
-            </a:r>
-            <a:endParaRPr b="1"/>
-          </a:p>
-        </p:txBody>
-      </p:sp>
-      <p:sp>
-        <p:nvSpPr>
-          <p:cNvPr id="142" name="Google Shape;142;p20"/>
-          <p:cNvSpPr txBox="1"/>
-          <p:nvPr/>
-        </p:nvSpPr>
-        <p:spPr>
-          <a:xfrm>
-            <a:off x="518500" y="1378700"/>
-            <a:ext cx="2920200" cy="1098600"/>
-          </a:xfrm>
-          <a:prstGeom prst="rect">
-            <a:avLst/>
-          </a:prstGeom>
-          <a:noFill/>
-          <a:ln>
-            <a:noFill/>
-          </a:ln>
-        </p:spPr>
-        <p:txBody>
-          <a:bodyPr anchorCtr="0" anchor="t" bIns="91425" lIns="91425" spcFirstLastPara="1" rIns="91425" wrap="square" tIns="91425">
-            <a:noAutofit/>
-          </a:bodyPr>
-          <a:lstStyle/>
-          <a:p>
-            <a:pPr indent="0" lvl="0" marL="0" rtl="0" algn="just">
-              <a:spcBef>
-                <a:spcPts val="0"/>
-              </a:spcBef>
-              <a:spcAft>
-                <a:spcPts val="0"/>
-              </a:spcAft>
-              <a:buNone/>
-            </a:pPr>
-            <a:r>
-              <a:rPr lang="pt-BR" sz="1200"/>
-              <a:t>Nó operacional: Secretária</a:t>
-            </a:r>
-            <a:endParaRPr sz="1200"/>
-          </a:p>
-          <a:p>
-            <a:pPr indent="0" lvl="0" marL="0" rtl="0" algn="just">
-              <a:spcBef>
-                <a:spcPts val="0"/>
-              </a:spcBef>
-              <a:spcAft>
-                <a:spcPts val="0"/>
-              </a:spcAft>
-              <a:buNone/>
-            </a:pPr>
-            <a:r>
-              <a:rPr lang="pt-BR" sz="1200"/>
-              <a:t>Capacidade:</a:t>
-            </a:r>
-            <a:endParaRPr sz="1200"/>
-          </a:p>
-          <a:p>
-            <a:pPr indent="-304800" lvl="0" marL="457200" rtl="0" algn="just">
-              <a:spcBef>
-                <a:spcPts val="0"/>
-              </a:spcBef>
-              <a:spcAft>
-                <a:spcPts val="0"/>
-              </a:spcAft>
-              <a:buSzPts val="1200"/>
-              <a:buChar char="-"/>
-            </a:pPr>
-            <a:r>
-              <a:rPr lang="pt-BR" sz="1200">
-                <a:solidFill>
-                  <a:schemeClr val="dk1"/>
-                </a:solidFill>
-              </a:rPr>
-              <a:t>Defere ou indefere a solicitação de acordo com a possibilidade analisada no sistema.</a:t>
-            </a:r>
-            <a:endParaRPr sz="1200"/>
-          </a:p>
-        </p:txBody>
-      </p:sp>
-      <p:sp>
-        <p:nvSpPr>
-          <p:cNvPr id="143" name="Google Shape;143;p20"/>
-          <p:cNvSpPr txBox="1"/>
-          <p:nvPr/>
-        </p:nvSpPr>
-        <p:spPr>
-          <a:xfrm>
-            <a:off x="246575" y="263325"/>
-            <a:ext cx="4925400" cy="554700"/>
-          </a:xfrm>
-          <a:prstGeom prst="rect">
-            <a:avLst/>
-          </a:prstGeom>
-          <a:noFill/>
-          <a:ln>
-            <a:noFill/>
-          </a:ln>
-        </p:spPr>
-        <p:txBody>
-          <a:bodyPr anchorCtr="0" anchor="t" bIns="91425" lIns="91425" spcFirstLastPara="1" rIns="91425" wrap="square" tIns="91425">
-            <a:noAutofit/>
-          </a:bodyPr>
-          <a:lstStyle/>
-          <a:p>
-            <a:pPr indent="0" lvl="0" marL="0" rtl="0" algn="l">
-              <a:spcBef>
-                <a:spcPts val="0"/>
-              </a:spcBef>
-              <a:spcAft>
-                <a:spcPts val="0"/>
-              </a:spcAft>
-              <a:buClr>
-                <a:schemeClr val="dk1"/>
-              </a:buClr>
-              <a:buSzPts val="1100"/>
-              <a:buFont typeface="Arial"/>
-              <a:buNone/>
-            </a:pPr>
-            <a:r>
-              <a:rPr b="1" lang="pt-BR" sz="1600">
-                <a:solidFill>
-                  <a:schemeClr val="dk1"/>
-                </a:solidFill>
-              </a:rPr>
-              <a:t>Resumo</a:t>
-            </a:r>
-            <a:endParaRPr sz="1600"/>
           </a:p>
         </p:txBody>
       </p:sp>

--- a/Artefatos/15. Arquitetura de negócio para cada cenário.pptx
+++ b/Artefatos/15. Arquitetura de negócio para cada cenário.pptx
@@ -1,26 +1,27 @@
 
 <file path=ppt/presentation.xml><?xml version="1.0" encoding="utf-8"?>
-<p:presentation xmlns:a="http://schemas.openxmlformats.org/drawingml/2006/main" xmlns:r="http://schemas.openxmlformats.org/officeDocument/2006/relationships" xmlns:mc="http://schemas.openxmlformats.org/markup-compatibility/2006" xmlns:mv="urn:schemas-microsoft-com:mac:vml" xmlns:p="http://schemas.openxmlformats.org/presentationml/2006/main" xmlns:c="http://schemas.openxmlformats.org/drawingml/2006/chart" xmlns:dgm="http://schemas.openxmlformats.org/drawingml/2006/diagram" xmlns:o="urn:schemas-microsoft-com:office:office" xmlns:v="urn:schemas-microsoft-com:vml" xmlns:pvml="urn:schemas-microsoft-com:office:powerpoint" xmlns:com="http://schemas.openxmlformats.org/drawingml/2006/compatibility" xmlns:p14="http://schemas.microsoft.com/office/powerpoint/2010/main" xmlns:p15="http://schemas.microsoft.com/office/powerpoint/2012/main" xmlns:ahyp="http://schemas.microsoft.com/office/drawing/2018/hyperlinkcolor" autoCompressPictures="0" strictFirstAndLastChars="0" saveSubsetFonts="1">
+<p:presentation xmlns:a="http://schemas.openxmlformats.org/drawingml/2006/main" xmlns:r="http://schemas.openxmlformats.org/officeDocument/2006/relationships" xmlns:p="http://schemas.openxmlformats.org/presentationml/2006/main" strictFirstAndLastChars="0" saveSubsetFonts="1" autoCompressPictures="0">
   <p:sldMasterIdLst>
-    <p:sldMasterId id="2147483659" r:id="rId4"/>
+    <p:sldMasterId id="2147483659" r:id="rId1"/>
   </p:sldMasterIdLst>
   <p:notesMasterIdLst>
-    <p:notesMasterId r:id="rId5"/>
+    <p:notesMasterId r:id="rId11"/>
   </p:notesMasterIdLst>
   <p:sldIdLst>
-    <p:sldId id="256" r:id="rId6"/>
-    <p:sldId id="257" r:id="rId7"/>
-    <p:sldId id="258" r:id="rId8"/>
-    <p:sldId id="259" r:id="rId9"/>
-    <p:sldId id="260" r:id="rId10"/>
-    <p:sldId id="261" r:id="rId11"/>
-    <p:sldId id="262" r:id="rId12"/>
-    <p:sldId id="263" r:id="rId13"/>
+    <p:sldId id="256" r:id="rId2"/>
+    <p:sldId id="257" r:id="rId3"/>
+    <p:sldId id="258" r:id="rId4"/>
+    <p:sldId id="264" r:id="rId5"/>
+    <p:sldId id="259" r:id="rId6"/>
+    <p:sldId id="260" r:id="rId7"/>
+    <p:sldId id="261" r:id="rId8"/>
+    <p:sldId id="262" r:id="rId9"/>
+    <p:sldId id="263" r:id="rId10"/>
   </p:sldIdLst>
-  <p:sldSz cy="5143500" cx="9144000"/>
+  <p:sldSz cx="9144000" cy="5143500" type="screen16x9"/>
   <p:notesSz cx="6858000" cy="9144000"/>
   <p:defaultTextStyle>
-    <a:defPPr lvl="0" marR="0" rtl="0" algn="l">
+    <a:defPPr marR="0" lvl="0" algn="l" rtl="0">
       <a:lnSpc>
         <a:spcPct val="100000"/>
       </a:lnSpc>
@@ -31,7 +32,7 @@
         <a:spcPts val="0"/>
       </a:spcAft>
     </a:defPPr>
-    <a:lvl1pPr lvl="0" marR="0" rtl="0" algn="l">
+    <a:lvl1pPr marR="0" lvl="0" algn="l" rtl="0">
       <a:lnSpc>
         <a:spcPct val="100000"/>
       </a:lnSpc>
@@ -45,7 +46,7 @@
         <a:srgbClr val="000000"/>
       </a:buClr>
       <a:buFont typeface="Arial"/>
-      <a:defRPr b="0" i="0" sz="1400" u="none" cap="none" strike="noStrike">
+      <a:defRPr sz="1400" b="0" i="0" u="none" strike="noStrike" cap="none">
         <a:solidFill>
           <a:srgbClr val="000000"/>
         </a:solidFill>
@@ -55,7 +56,7 @@
         <a:sym typeface="Arial"/>
       </a:defRPr>
     </a:lvl1pPr>
-    <a:lvl2pPr lvl="1" marR="0" rtl="0" algn="l">
+    <a:lvl2pPr marR="0" lvl="1" algn="l" rtl="0">
       <a:lnSpc>
         <a:spcPct val="100000"/>
       </a:lnSpc>
@@ -69,7 +70,7 @@
         <a:srgbClr val="000000"/>
       </a:buClr>
       <a:buFont typeface="Arial"/>
-      <a:defRPr b="0" i="0" sz="1400" u="none" cap="none" strike="noStrike">
+      <a:defRPr sz="1400" b="0" i="0" u="none" strike="noStrike" cap="none">
         <a:solidFill>
           <a:srgbClr val="000000"/>
         </a:solidFill>
@@ -79,7 +80,7 @@
         <a:sym typeface="Arial"/>
       </a:defRPr>
     </a:lvl2pPr>
-    <a:lvl3pPr lvl="2" marR="0" rtl="0" algn="l">
+    <a:lvl3pPr marR="0" lvl="2" algn="l" rtl="0">
       <a:lnSpc>
         <a:spcPct val="100000"/>
       </a:lnSpc>
@@ -93,7 +94,7 @@
         <a:srgbClr val="000000"/>
       </a:buClr>
       <a:buFont typeface="Arial"/>
-      <a:defRPr b="0" i="0" sz="1400" u="none" cap="none" strike="noStrike">
+      <a:defRPr sz="1400" b="0" i="0" u="none" strike="noStrike" cap="none">
         <a:solidFill>
           <a:srgbClr val="000000"/>
         </a:solidFill>
@@ -103,7 +104,7 @@
         <a:sym typeface="Arial"/>
       </a:defRPr>
     </a:lvl3pPr>
-    <a:lvl4pPr lvl="3" marR="0" rtl="0" algn="l">
+    <a:lvl4pPr marR="0" lvl="3" algn="l" rtl="0">
       <a:lnSpc>
         <a:spcPct val="100000"/>
       </a:lnSpc>
@@ -117,7 +118,7 @@
         <a:srgbClr val="000000"/>
       </a:buClr>
       <a:buFont typeface="Arial"/>
-      <a:defRPr b="0" i="0" sz="1400" u="none" cap="none" strike="noStrike">
+      <a:defRPr sz="1400" b="0" i="0" u="none" strike="noStrike" cap="none">
         <a:solidFill>
           <a:srgbClr val="000000"/>
         </a:solidFill>
@@ -127,7 +128,7 @@
         <a:sym typeface="Arial"/>
       </a:defRPr>
     </a:lvl4pPr>
-    <a:lvl5pPr lvl="4" marR="0" rtl="0" algn="l">
+    <a:lvl5pPr marR="0" lvl="4" algn="l" rtl="0">
       <a:lnSpc>
         <a:spcPct val="100000"/>
       </a:lnSpc>
@@ -141,7 +142,7 @@
         <a:srgbClr val="000000"/>
       </a:buClr>
       <a:buFont typeface="Arial"/>
-      <a:defRPr b="0" i="0" sz="1400" u="none" cap="none" strike="noStrike">
+      <a:defRPr sz="1400" b="0" i="0" u="none" strike="noStrike" cap="none">
         <a:solidFill>
           <a:srgbClr val="000000"/>
         </a:solidFill>
@@ -151,7 +152,7 @@
         <a:sym typeface="Arial"/>
       </a:defRPr>
     </a:lvl5pPr>
-    <a:lvl6pPr lvl="5" marR="0" rtl="0" algn="l">
+    <a:lvl6pPr marR="0" lvl="5" algn="l" rtl="0">
       <a:lnSpc>
         <a:spcPct val="100000"/>
       </a:lnSpc>
@@ -165,7 +166,7 @@
         <a:srgbClr val="000000"/>
       </a:buClr>
       <a:buFont typeface="Arial"/>
-      <a:defRPr b="0" i="0" sz="1400" u="none" cap="none" strike="noStrike">
+      <a:defRPr sz="1400" b="0" i="0" u="none" strike="noStrike" cap="none">
         <a:solidFill>
           <a:srgbClr val="000000"/>
         </a:solidFill>
@@ -175,7 +176,7 @@
         <a:sym typeface="Arial"/>
       </a:defRPr>
     </a:lvl6pPr>
-    <a:lvl7pPr lvl="6" marR="0" rtl="0" algn="l">
+    <a:lvl7pPr marR="0" lvl="6" algn="l" rtl="0">
       <a:lnSpc>
         <a:spcPct val="100000"/>
       </a:lnSpc>
@@ -189,7 +190,7 @@
         <a:srgbClr val="000000"/>
       </a:buClr>
       <a:buFont typeface="Arial"/>
-      <a:defRPr b="0" i="0" sz="1400" u="none" cap="none" strike="noStrike">
+      <a:defRPr sz="1400" b="0" i="0" u="none" strike="noStrike" cap="none">
         <a:solidFill>
           <a:srgbClr val="000000"/>
         </a:solidFill>
@@ -199,7 +200,7 @@
         <a:sym typeface="Arial"/>
       </a:defRPr>
     </a:lvl7pPr>
-    <a:lvl8pPr lvl="7" marR="0" rtl="0" algn="l">
+    <a:lvl8pPr marR="0" lvl="7" algn="l" rtl="0">
       <a:lnSpc>
         <a:spcPct val="100000"/>
       </a:lnSpc>
@@ -213,7 +214,7 @@
         <a:srgbClr val="000000"/>
       </a:buClr>
       <a:buFont typeface="Arial"/>
-      <a:defRPr b="0" i="0" sz="1400" u="none" cap="none" strike="noStrike">
+      <a:defRPr sz="1400" b="0" i="0" u="none" strike="noStrike" cap="none">
         <a:solidFill>
           <a:srgbClr val="000000"/>
         </a:solidFill>
@@ -223,7 +224,7 @@
         <a:sym typeface="Arial"/>
       </a:defRPr>
     </a:lvl8pPr>
-    <a:lvl9pPr lvl="8" marR="0" rtl="0" algn="l">
+    <a:lvl9pPr marR="0" lvl="8" algn="l" rtl="0">
       <a:lnSpc>
         <a:spcPct val="100000"/>
       </a:lnSpc>
@@ -237,7 +238,7 @@
         <a:srgbClr val="000000"/>
       </a:buClr>
       <a:buFont typeface="Arial"/>
-      <a:defRPr b="0" i="0" sz="1400" u="none" cap="none" strike="noStrike">
+      <a:defRPr sz="1400" b="0" i="0" u="none" strike="noStrike" cap="none">
         <a:solidFill>
           <a:srgbClr val="000000"/>
         </a:solidFill>
@@ -250,7 +251,7 @@
   </p:defaultTextStyle>
   <p:extLst>
     <p:ext uri="{EFAFB233-063F-42B5-8137-9DF3F51BA10A}">
-      <p15:sldGuideLst>
+      <p15:sldGuideLst xmlns:p15="http://schemas.microsoft.com/office/powerpoint/2012/main">
         <p15:guide id="1" orient="horz" pos="1620">
           <p15:clr>
             <a:srgbClr val="A4A3A4"/>
@@ -268,11 +269,16 @@
 </file>
 
 <file path=ppt/notesMasters/notesMaster1.xml><?xml version="1.0" encoding="utf-8"?>
-<p:notesMaster xmlns:a="http://schemas.openxmlformats.org/drawingml/2006/main" xmlns:r="http://schemas.openxmlformats.org/officeDocument/2006/relationships" xmlns:mc="http://schemas.openxmlformats.org/markup-compatibility/2006" xmlns:mv="urn:schemas-microsoft-com:mac:vml" xmlns:p="http://schemas.openxmlformats.org/presentationml/2006/main" xmlns:c="http://schemas.openxmlformats.org/drawingml/2006/chart" xmlns:dgm="http://schemas.openxmlformats.org/drawingml/2006/diagram" xmlns:o="urn:schemas-microsoft-com:office:office" xmlns:v="urn:schemas-microsoft-com:vml" xmlns:pvml="urn:schemas-microsoft-com:office:powerpoint" xmlns:com="http://schemas.openxmlformats.org/drawingml/2006/compatibility" xmlns:p14="http://schemas.microsoft.com/office/powerpoint/2010/main" xmlns:p15="http://schemas.microsoft.com/office/powerpoint/2012/main" xmlns:ahyp="http://schemas.microsoft.com/office/drawing/2018/hyperlinkcolor">
+<p:notesMaster xmlns:a="http://schemas.openxmlformats.org/drawingml/2006/main" xmlns:r="http://schemas.openxmlformats.org/officeDocument/2006/relationships" xmlns:p="http://schemas.openxmlformats.org/presentationml/2006/main">
   <p:cSld>
+    <p:bg>
+      <p:bgRef idx="1001">
+        <a:schemeClr val="bg1"/>
+      </p:bgRef>
+    </p:bg>
     <p:spTree>
       <p:nvGrpSpPr>
-        <p:cNvPr id="2" name="Shape 2"/>
+        <p:cNvPr id="1" name="Shape 2"/>
         <p:cNvGrpSpPr/>
         <p:nvPr/>
       </p:nvGrpSpPr>
@@ -287,9 +293,11 @@
       <p:sp>
         <p:nvSpPr>
           <p:cNvPr id="3" name="Google Shape;3;n"/>
-          <p:cNvSpPr/>
+          <p:cNvSpPr>
+            <a:spLocks noGrp="1" noRot="1" noChangeAspect="1"/>
+          </p:cNvSpPr>
           <p:nvPr>
-            <p:ph idx="2" type="sldImg"/>
+            <p:ph type="sldImg" idx="2"/>
           </p:nvPr>
         </p:nvSpPr>
         <p:spPr>
@@ -298,9 +306,13 @@
             <a:ext cx="6096075" cy="3429000"/>
           </a:xfrm>
           <a:custGeom>
-            <a:rect b="b" l="l" r="r" t="t"/>
+            <a:avLst/>
+            <a:gdLst/>
+            <a:ahLst/>
+            <a:cxnLst/>
+            <a:rect l="l" t="t" r="r" b="b"/>
             <a:pathLst>
-              <a:path extrusionOk="0" h="120000" w="120000">
+              <a:path w="120000" h="120000" extrusionOk="0">
                 <a:moveTo>
                   <a:pt x="0" y="0"/>
                 </a:moveTo>
@@ -318,23 +330,25 @@
             </a:pathLst>
           </a:custGeom>
           <a:noFill/>
-          <a:ln cap="flat" cmpd="sng" w="9525">
+          <a:ln w="9525" cap="flat" cmpd="sng">
             <a:solidFill>
               <a:srgbClr val="000000"/>
             </a:solidFill>
             <a:prstDash val="solid"/>
             <a:round/>
-            <a:headEnd len="sm" w="sm" type="none"/>
-            <a:tailEnd len="sm" w="sm" type="none"/>
+            <a:headEnd type="none" w="sm" len="sm"/>
+            <a:tailEnd type="none" w="sm" len="sm"/>
           </a:ln>
         </p:spPr>
       </p:sp>
       <p:sp>
         <p:nvSpPr>
           <p:cNvPr id="4" name="Google Shape;4;n"/>
-          <p:cNvSpPr txBox="1"/>
+          <p:cNvSpPr txBox="1">
+            <a:spLocks noGrp="1"/>
+          </p:cNvSpPr>
           <p:nvPr>
-            <p:ph idx="1" type="body"/>
+            <p:ph type="body" idx="1"/>
           </p:nvPr>
         </p:nvSpPr>
         <p:spPr>
@@ -351,11 +365,11 @@
           </a:ln>
         </p:spPr>
         <p:txBody>
-          <a:bodyPr anchorCtr="0" anchor="t" bIns="91425" lIns="91425" spcFirstLastPara="1" rIns="91425" wrap="square" tIns="91425">
+          <a:bodyPr spcFirstLastPara="1" wrap="square" lIns="91425" tIns="91425" rIns="91425" bIns="91425" anchor="t" anchorCtr="0">
             <a:noAutofit/>
           </a:bodyPr>
           <a:lstStyle>
-            <a:lvl1pPr indent="-298450" lvl="0" marL="457200">
+            <a:lvl1pPr marL="457200" lvl="0" indent="-298450">
               <a:spcBef>
                 <a:spcPts val="0"/>
               </a:spcBef>
@@ -366,7 +380,7 @@
               <a:buChar char="●"/>
               <a:defRPr sz="1100"/>
             </a:lvl1pPr>
-            <a:lvl2pPr indent="-298450" lvl="1" marL="914400">
+            <a:lvl2pPr marL="914400" lvl="1" indent="-298450">
               <a:spcBef>
                 <a:spcPts val="0"/>
               </a:spcBef>
@@ -377,7 +391,7 @@
               <a:buChar char="○"/>
               <a:defRPr sz="1100"/>
             </a:lvl2pPr>
-            <a:lvl3pPr indent="-298450" lvl="2" marL="1371600">
+            <a:lvl3pPr marL="1371600" lvl="2" indent="-298450">
               <a:spcBef>
                 <a:spcPts val="0"/>
               </a:spcBef>
@@ -388,7 +402,7 @@
               <a:buChar char="■"/>
               <a:defRPr sz="1100"/>
             </a:lvl3pPr>
-            <a:lvl4pPr indent="-298450" lvl="3" marL="1828800">
+            <a:lvl4pPr marL="1828800" lvl="3" indent="-298450">
               <a:spcBef>
                 <a:spcPts val="0"/>
               </a:spcBef>
@@ -399,7 +413,7 @@
               <a:buChar char="●"/>
               <a:defRPr sz="1100"/>
             </a:lvl4pPr>
-            <a:lvl5pPr indent="-298450" lvl="4" marL="2286000">
+            <a:lvl5pPr marL="2286000" lvl="4" indent="-298450">
               <a:spcBef>
                 <a:spcPts val="0"/>
               </a:spcBef>
@@ -410,7 +424,7 @@
               <a:buChar char="○"/>
               <a:defRPr sz="1100"/>
             </a:lvl5pPr>
-            <a:lvl6pPr indent="-298450" lvl="5" marL="2743200">
+            <a:lvl6pPr marL="2743200" lvl="5" indent="-298450">
               <a:spcBef>
                 <a:spcPts val="0"/>
               </a:spcBef>
@@ -421,7 +435,7 @@
               <a:buChar char="■"/>
               <a:defRPr sz="1100"/>
             </a:lvl6pPr>
-            <a:lvl7pPr indent="-298450" lvl="6" marL="3200400">
+            <a:lvl7pPr marL="3200400" lvl="6" indent="-298450">
               <a:spcBef>
                 <a:spcPts val="0"/>
               </a:spcBef>
@@ -432,7 +446,7 @@
               <a:buChar char="●"/>
               <a:defRPr sz="1100"/>
             </a:lvl7pPr>
-            <a:lvl8pPr indent="-298450" lvl="7" marL="3657600">
+            <a:lvl8pPr marL="3657600" lvl="7" indent="-298450">
               <a:spcBef>
                 <a:spcPts val="0"/>
               </a:spcBef>
@@ -443,7 +457,7 @@
               <a:buChar char="○"/>
               <a:defRPr sz="1100"/>
             </a:lvl8pPr>
-            <a:lvl9pPr indent="-298450" lvl="8" marL="4114800">
+            <a:lvl9pPr marL="4114800" lvl="8" indent="-298450">
               <a:spcBef>
                 <a:spcPts val="0"/>
               </a:spcBef>
@@ -455,14 +469,16 @@
               <a:defRPr sz="1100"/>
             </a:lvl9pPr>
           </a:lstStyle>
-          <a:p/>
+          <a:p>
+            <a:endParaRPr/>
+          </a:p>
         </p:txBody>
       </p:sp>
     </p:spTree>
   </p:cSld>
-  <p:clrMap accent1="accent1" accent2="accent2" accent3="accent3" accent4="accent4" accent5="accent5" accent6="accent6" bg1="lt1" bg2="dk2" tx1="dk1" tx2="lt2" folHlink="folHlink" hlink="hlink"/>
+  <p:clrMap bg1="lt1" tx1="dk1" bg2="dk2" tx2="lt2" accent1="accent1" accent2="accent2" accent3="accent3" accent4="accent4" accent5="accent5" accent6="accent6" hlink="hlink" folHlink="folHlink"/>
   <p:notesStyle>
-    <a:defPPr lvl="0" marR="0" rtl="0" algn="l">
+    <a:defPPr marR="0" lvl="0" algn="l" rtl="0">
       <a:lnSpc>
         <a:spcPct val="100000"/>
       </a:lnSpc>
@@ -473,7 +489,7 @@
         <a:spcPts val="0"/>
       </a:spcAft>
     </a:defPPr>
-    <a:lvl1pPr lvl="0" marR="0" rtl="0" algn="l">
+    <a:lvl1pPr marR="0" lvl="0" algn="l" rtl="0">
       <a:lnSpc>
         <a:spcPct val="100000"/>
       </a:lnSpc>
@@ -487,7 +503,7 @@
         <a:srgbClr val="000000"/>
       </a:buClr>
       <a:buFont typeface="Arial"/>
-      <a:defRPr b="0" i="0" sz="1400" u="none" cap="none" strike="noStrike">
+      <a:defRPr sz="1400" b="0" i="0" u="none" strike="noStrike" cap="none">
         <a:solidFill>
           <a:srgbClr val="000000"/>
         </a:solidFill>
@@ -497,7 +513,7 @@
         <a:sym typeface="Arial"/>
       </a:defRPr>
     </a:lvl1pPr>
-    <a:lvl2pPr lvl="1" marR="0" rtl="0" algn="l">
+    <a:lvl2pPr marR="0" lvl="1" algn="l" rtl="0">
       <a:lnSpc>
         <a:spcPct val="100000"/>
       </a:lnSpc>
@@ -511,7 +527,7 @@
         <a:srgbClr val="000000"/>
       </a:buClr>
       <a:buFont typeface="Arial"/>
-      <a:defRPr b="0" i="0" sz="1400" u="none" cap="none" strike="noStrike">
+      <a:defRPr sz="1400" b="0" i="0" u="none" strike="noStrike" cap="none">
         <a:solidFill>
           <a:srgbClr val="000000"/>
         </a:solidFill>
@@ -521,7 +537,7 @@
         <a:sym typeface="Arial"/>
       </a:defRPr>
     </a:lvl2pPr>
-    <a:lvl3pPr lvl="2" marR="0" rtl="0" algn="l">
+    <a:lvl3pPr marR="0" lvl="2" algn="l" rtl="0">
       <a:lnSpc>
         <a:spcPct val="100000"/>
       </a:lnSpc>
@@ -535,7 +551,7 @@
         <a:srgbClr val="000000"/>
       </a:buClr>
       <a:buFont typeface="Arial"/>
-      <a:defRPr b="0" i="0" sz="1400" u="none" cap="none" strike="noStrike">
+      <a:defRPr sz="1400" b="0" i="0" u="none" strike="noStrike" cap="none">
         <a:solidFill>
           <a:srgbClr val="000000"/>
         </a:solidFill>
@@ -545,7 +561,7 @@
         <a:sym typeface="Arial"/>
       </a:defRPr>
     </a:lvl3pPr>
-    <a:lvl4pPr lvl="3" marR="0" rtl="0" algn="l">
+    <a:lvl4pPr marR="0" lvl="3" algn="l" rtl="0">
       <a:lnSpc>
         <a:spcPct val="100000"/>
       </a:lnSpc>
@@ -559,7 +575,7 @@
         <a:srgbClr val="000000"/>
       </a:buClr>
       <a:buFont typeface="Arial"/>
-      <a:defRPr b="0" i="0" sz="1400" u="none" cap="none" strike="noStrike">
+      <a:defRPr sz="1400" b="0" i="0" u="none" strike="noStrike" cap="none">
         <a:solidFill>
           <a:srgbClr val="000000"/>
         </a:solidFill>
@@ -569,7 +585,7 @@
         <a:sym typeface="Arial"/>
       </a:defRPr>
     </a:lvl4pPr>
-    <a:lvl5pPr lvl="4" marR="0" rtl="0" algn="l">
+    <a:lvl5pPr marR="0" lvl="4" algn="l" rtl="0">
       <a:lnSpc>
         <a:spcPct val="100000"/>
       </a:lnSpc>
@@ -583,7 +599,7 @@
         <a:srgbClr val="000000"/>
       </a:buClr>
       <a:buFont typeface="Arial"/>
-      <a:defRPr b="0" i="0" sz="1400" u="none" cap="none" strike="noStrike">
+      <a:defRPr sz="1400" b="0" i="0" u="none" strike="noStrike" cap="none">
         <a:solidFill>
           <a:srgbClr val="000000"/>
         </a:solidFill>
@@ -593,7 +609,7 @@
         <a:sym typeface="Arial"/>
       </a:defRPr>
     </a:lvl5pPr>
-    <a:lvl6pPr lvl="5" marR="0" rtl="0" algn="l">
+    <a:lvl6pPr marR="0" lvl="5" algn="l" rtl="0">
       <a:lnSpc>
         <a:spcPct val="100000"/>
       </a:lnSpc>
@@ -607,7 +623,7 @@
         <a:srgbClr val="000000"/>
       </a:buClr>
       <a:buFont typeface="Arial"/>
-      <a:defRPr b="0" i="0" sz="1400" u="none" cap="none" strike="noStrike">
+      <a:defRPr sz="1400" b="0" i="0" u="none" strike="noStrike" cap="none">
         <a:solidFill>
           <a:srgbClr val="000000"/>
         </a:solidFill>
@@ -617,7 +633,7 @@
         <a:sym typeface="Arial"/>
       </a:defRPr>
     </a:lvl6pPr>
-    <a:lvl7pPr lvl="6" marR="0" rtl="0" algn="l">
+    <a:lvl7pPr marR="0" lvl="6" algn="l" rtl="0">
       <a:lnSpc>
         <a:spcPct val="100000"/>
       </a:lnSpc>
@@ -631,7 +647,7 @@
         <a:srgbClr val="000000"/>
       </a:buClr>
       <a:buFont typeface="Arial"/>
-      <a:defRPr b="0" i="0" sz="1400" u="none" cap="none" strike="noStrike">
+      <a:defRPr sz="1400" b="0" i="0" u="none" strike="noStrike" cap="none">
         <a:solidFill>
           <a:srgbClr val="000000"/>
         </a:solidFill>
@@ -641,7 +657,7 @@
         <a:sym typeface="Arial"/>
       </a:defRPr>
     </a:lvl7pPr>
-    <a:lvl8pPr lvl="7" marR="0" rtl="0" algn="l">
+    <a:lvl8pPr marR="0" lvl="7" algn="l" rtl="0">
       <a:lnSpc>
         <a:spcPct val="100000"/>
       </a:lnSpc>
@@ -655,7 +671,7 @@
         <a:srgbClr val="000000"/>
       </a:buClr>
       <a:buFont typeface="Arial"/>
-      <a:defRPr b="0" i="0" sz="1400" u="none" cap="none" strike="noStrike">
+      <a:defRPr sz="1400" b="0" i="0" u="none" strike="noStrike" cap="none">
         <a:solidFill>
           <a:srgbClr val="000000"/>
         </a:solidFill>
@@ -665,7 +681,7 @@
         <a:sym typeface="Arial"/>
       </a:defRPr>
     </a:lvl8pPr>
-    <a:lvl9pPr lvl="8" marR="0" rtl="0" algn="l">
+    <a:lvl9pPr marR="0" lvl="8" algn="l" rtl="0">
       <a:lnSpc>
         <a:spcPct val="100000"/>
       </a:lnSpc>
@@ -679,7 +695,7 @@
         <a:srgbClr val="000000"/>
       </a:buClr>
       <a:buFont typeface="Arial"/>
-      <a:defRPr b="0" i="0" sz="1400" u="none" cap="none" strike="noStrike">
+      <a:defRPr sz="1400" b="0" i="0" u="none" strike="noStrike" cap="none">
         <a:solidFill>
           <a:srgbClr val="000000"/>
         </a:solidFill>
@@ -694,11 +710,11 @@
 </file>
 
 <file path=ppt/notesSlides/notesSlide1.xml><?xml version="1.0" encoding="utf-8"?>
-<p:notes xmlns:a="http://schemas.openxmlformats.org/drawingml/2006/main" xmlns:r="http://schemas.openxmlformats.org/officeDocument/2006/relationships" xmlns:mc="http://schemas.openxmlformats.org/markup-compatibility/2006" xmlns:mv="urn:schemas-microsoft-com:mac:vml" xmlns:p="http://schemas.openxmlformats.org/presentationml/2006/main" xmlns:c="http://schemas.openxmlformats.org/drawingml/2006/chart" xmlns:dgm="http://schemas.openxmlformats.org/drawingml/2006/diagram" xmlns:o="urn:schemas-microsoft-com:office:office" xmlns:v="urn:schemas-microsoft-com:vml" xmlns:pvml="urn:schemas-microsoft-com:office:powerpoint" xmlns:com="http://schemas.openxmlformats.org/drawingml/2006/compatibility" xmlns:p14="http://schemas.microsoft.com/office/powerpoint/2010/main" xmlns:p15="http://schemas.microsoft.com/office/powerpoint/2012/main" xmlns:ahyp="http://schemas.microsoft.com/office/drawing/2018/hyperlinkcolor" showMasterPhAnim="0" showMasterSp="0">
+<p:notes xmlns:a="http://schemas.openxmlformats.org/drawingml/2006/main" xmlns:r="http://schemas.openxmlformats.org/officeDocument/2006/relationships" xmlns:p="http://schemas.openxmlformats.org/presentationml/2006/main" showMasterSp="0" showMasterPhAnim="0">
   <p:cSld>
     <p:spTree>
       <p:nvGrpSpPr>
-        <p:cNvPr id="50" name="Shape 50"/>
+        <p:cNvPr id="1" name="Shape 50"/>
         <p:cNvGrpSpPr/>
         <p:nvPr/>
       </p:nvGrpSpPr>
@@ -713,20 +729,26 @@
       <p:sp>
         <p:nvSpPr>
           <p:cNvPr id="51" name="Google Shape;51;p:notes"/>
-          <p:cNvSpPr/>
+          <p:cNvSpPr>
+            <a:spLocks noGrp="1" noRot="1" noChangeAspect="1"/>
+          </p:cNvSpPr>
           <p:nvPr>
-            <p:ph idx="2" type="sldImg"/>
+            <p:ph type="sldImg" idx="2"/>
           </p:nvPr>
         </p:nvSpPr>
         <p:spPr>
           <a:xfrm>
-            <a:off x="381300" y="685800"/>
-            <a:ext cx="6096075" cy="3429000"/>
+            <a:off x="381000" y="685800"/>
+            <a:ext cx="6096000" cy="3429000"/>
           </a:xfrm>
           <a:custGeom>
-            <a:rect b="b" l="l" r="r" t="t"/>
+            <a:avLst/>
+            <a:gdLst/>
+            <a:ahLst/>
+            <a:cxnLst/>
+            <a:rect l="l" t="t" r="r" b="b"/>
             <a:pathLst>
-              <a:path extrusionOk="0" h="120000" w="120000">
+              <a:path w="120000" h="120000" extrusionOk="0">
                 <a:moveTo>
                   <a:pt x="0" y="0"/>
                 </a:moveTo>
@@ -748,9 +770,11 @@
       <p:sp>
         <p:nvSpPr>
           <p:cNvPr id="52" name="Google Shape;52;p:notes"/>
-          <p:cNvSpPr txBox="1"/>
+          <p:cNvSpPr txBox="1">
+            <a:spLocks noGrp="1"/>
+          </p:cNvSpPr>
           <p:nvPr>
-            <p:ph idx="1" type="body"/>
+            <p:ph type="body" idx="1"/>
           </p:nvPr>
         </p:nvSpPr>
         <p:spPr>
@@ -763,12 +787,12 @@
           </a:prstGeom>
         </p:spPr>
         <p:txBody>
-          <a:bodyPr anchorCtr="0" anchor="t" bIns="91425" lIns="91425" spcFirstLastPara="1" rIns="91425" wrap="square" tIns="91425">
+          <a:bodyPr spcFirstLastPara="1" wrap="square" lIns="91425" tIns="91425" rIns="91425" bIns="91425" anchor="t" anchorCtr="0">
             <a:noAutofit/>
           </a:bodyPr>
           <a:lstStyle/>
           <a:p>
-            <a:pPr indent="0" lvl="0" marL="0" rtl="0" algn="l">
+            <a:pPr marL="0" lvl="0" indent="0" algn="l" rtl="0">
               <a:spcBef>
                 <a:spcPts val="0"/>
               </a:spcBef>
@@ -803,11 +827,11 @@
 </file>
 
 <file path=ppt/notesSlides/notesSlide2.xml><?xml version="1.0" encoding="utf-8"?>
-<p:notes xmlns:a="http://schemas.openxmlformats.org/drawingml/2006/main" xmlns:r="http://schemas.openxmlformats.org/officeDocument/2006/relationships" xmlns:mc="http://schemas.openxmlformats.org/markup-compatibility/2006" xmlns:mv="urn:schemas-microsoft-com:mac:vml" xmlns:p="http://schemas.openxmlformats.org/presentationml/2006/main" xmlns:c="http://schemas.openxmlformats.org/drawingml/2006/chart" xmlns:dgm="http://schemas.openxmlformats.org/drawingml/2006/diagram" xmlns:o="urn:schemas-microsoft-com:office:office" xmlns:v="urn:schemas-microsoft-com:vml" xmlns:pvml="urn:schemas-microsoft-com:office:powerpoint" xmlns:com="http://schemas.openxmlformats.org/drawingml/2006/compatibility" xmlns:p14="http://schemas.microsoft.com/office/powerpoint/2010/main" xmlns:p15="http://schemas.microsoft.com/office/powerpoint/2012/main" xmlns:ahyp="http://schemas.microsoft.com/office/drawing/2018/hyperlinkcolor" showMasterPhAnim="0" showMasterSp="0">
+<p:notes xmlns:a="http://schemas.openxmlformats.org/drawingml/2006/main" xmlns:r="http://schemas.openxmlformats.org/officeDocument/2006/relationships" xmlns:p="http://schemas.openxmlformats.org/presentationml/2006/main" showMasterSp="0" showMasterPhAnim="0">
   <p:cSld>
     <p:spTree>
       <p:nvGrpSpPr>
-        <p:cNvPr id="61" name="Shape 61"/>
+        <p:cNvPr id="1" name="Shape 61"/>
         <p:cNvGrpSpPr/>
         <p:nvPr/>
       </p:nvGrpSpPr>
@@ -822,20 +846,26 @@
       <p:sp>
         <p:nvSpPr>
           <p:cNvPr id="62" name="Google Shape;62;g94ec6afc1e_1_23:notes"/>
-          <p:cNvSpPr/>
+          <p:cNvSpPr>
+            <a:spLocks noGrp="1" noRot="1" noChangeAspect="1"/>
+          </p:cNvSpPr>
           <p:nvPr>
-            <p:ph idx="2" type="sldImg"/>
+            <p:ph type="sldImg" idx="2"/>
           </p:nvPr>
         </p:nvSpPr>
         <p:spPr>
           <a:xfrm>
-            <a:off x="381300" y="685800"/>
+            <a:off x="381000" y="685800"/>
             <a:ext cx="6096000" cy="3429000"/>
           </a:xfrm>
           <a:custGeom>
-            <a:rect b="b" l="l" r="r" t="t"/>
+            <a:avLst/>
+            <a:gdLst/>
+            <a:ahLst/>
+            <a:cxnLst/>
+            <a:rect l="l" t="t" r="r" b="b"/>
             <a:pathLst>
-              <a:path extrusionOk="0" h="120000" w="120000">
+              <a:path w="120000" h="120000" extrusionOk="0">
                 <a:moveTo>
                   <a:pt x="0" y="0"/>
                 </a:moveTo>
@@ -857,9 +887,11 @@
       <p:sp>
         <p:nvSpPr>
           <p:cNvPr id="63" name="Google Shape;63;g94ec6afc1e_1_23:notes"/>
-          <p:cNvSpPr txBox="1"/>
+          <p:cNvSpPr txBox="1">
+            <a:spLocks noGrp="1"/>
+          </p:cNvSpPr>
           <p:nvPr>
-            <p:ph idx="1" type="body"/>
+            <p:ph type="body" idx="1"/>
           </p:nvPr>
         </p:nvSpPr>
         <p:spPr>
@@ -872,12 +904,12 @@
           </a:prstGeom>
         </p:spPr>
         <p:txBody>
-          <a:bodyPr anchorCtr="0" anchor="t" bIns="91425" lIns="91425" spcFirstLastPara="1" rIns="91425" wrap="square" tIns="91425">
+          <a:bodyPr spcFirstLastPara="1" wrap="square" lIns="91425" tIns="91425" rIns="91425" bIns="91425" anchor="t" anchorCtr="0">
             <a:noAutofit/>
           </a:bodyPr>
           <a:lstStyle/>
           <a:p>
-            <a:pPr indent="0" lvl="0" marL="0" rtl="0" algn="l">
+            <a:pPr marL="0" lvl="0" indent="0" algn="l" rtl="0">
               <a:spcBef>
                 <a:spcPts val="0"/>
               </a:spcBef>
@@ -903,11 +935,11 @@
 </file>
 
 <file path=ppt/notesSlides/notesSlide3.xml><?xml version="1.0" encoding="utf-8"?>
-<p:notes xmlns:a="http://schemas.openxmlformats.org/drawingml/2006/main" xmlns:r="http://schemas.openxmlformats.org/officeDocument/2006/relationships" xmlns:mc="http://schemas.openxmlformats.org/markup-compatibility/2006" xmlns:mv="urn:schemas-microsoft-com:mac:vml" xmlns:p="http://schemas.openxmlformats.org/presentationml/2006/main" xmlns:c="http://schemas.openxmlformats.org/drawingml/2006/chart" xmlns:dgm="http://schemas.openxmlformats.org/drawingml/2006/diagram" xmlns:o="urn:schemas-microsoft-com:office:office" xmlns:v="urn:schemas-microsoft-com:vml" xmlns:pvml="urn:schemas-microsoft-com:office:powerpoint" xmlns:com="http://schemas.openxmlformats.org/drawingml/2006/compatibility" xmlns:p14="http://schemas.microsoft.com/office/powerpoint/2010/main" xmlns:p15="http://schemas.microsoft.com/office/powerpoint/2012/main" xmlns:ahyp="http://schemas.microsoft.com/office/drawing/2018/hyperlinkcolor" showMasterPhAnim="0" showMasterSp="0">
+<p:notes xmlns:a="http://schemas.openxmlformats.org/drawingml/2006/main" xmlns:r="http://schemas.openxmlformats.org/officeDocument/2006/relationships" xmlns:p="http://schemas.openxmlformats.org/presentationml/2006/main" showMasterSp="0" showMasterPhAnim="0">
   <p:cSld>
     <p:spTree>
       <p:nvGrpSpPr>
-        <p:cNvPr id="74" name="Shape 74"/>
+        <p:cNvPr id="1" name="Shape 74"/>
         <p:cNvGrpSpPr/>
         <p:nvPr/>
       </p:nvGrpSpPr>
@@ -922,9 +954,11 @@
       <p:sp>
         <p:nvSpPr>
           <p:cNvPr id="75" name="Google Shape;75;g965e56543e_0_10:notes"/>
-          <p:cNvSpPr/>
+          <p:cNvSpPr>
+            <a:spLocks noGrp="1" noRot="1" noChangeAspect="1"/>
+          </p:cNvSpPr>
           <p:nvPr>
-            <p:ph idx="2" type="sldImg"/>
+            <p:ph type="sldImg" idx="2"/>
           </p:nvPr>
         </p:nvSpPr>
         <p:spPr>
@@ -933,9 +967,13 @@
             <a:ext cx="6096000" cy="3429000"/>
           </a:xfrm>
           <a:custGeom>
-            <a:rect b="b" l="l" r="r" t="t"/>
+            <a:avLst/>
+            <a:gdLst/>
+            <a:ahLst/>
+            <a:cxnLst/>
+            <a:rect l="l" t="t" r="r" b="b"/>
             <a:pathLst>
-              <a:path extrusionOk="0" h="120000" w="120000">
+              <a:path w="120000" h="120000" extrusionOk="0">
                 <a:moveTo>
                   <a:pt x="0" y="0"/>
                 </a:moveTo>
@@ -957,9 +995,11 @@
       <p:sp>
         <p:nvSpPr>
           <p:cNvPr id="76" name="Google Shape;76;g965e56543e_0_10:notes"/>
-          <p:cNvSpPr txBox="1"/>
+          <p:cNvSpPr txBox="1">
+            <a:spLocks noGrp="1"/>
+          </p:cNvSpPr>
           <p:nvPr>
-            <p:ph idx="1" type="body"/>
+            <p:ph type="body" idx="1"/>
           </p:nvPr>
         </p:nvSpPr>
         <p:spPr>
@@ -972,12 +1012,12 @@
           </a:prstGeom>
         </p:spPr>
         <p:txBody>
-          <a:bodyPr anchorCtr="0" anchor="t" bIns="91425" lIns="91425" spcFirstLastPara="1" rIns="91425" wrap="square" tIns="91425">
+          <a:bodyPr spcFirstLastPara="1" wrap="square" lIns="91425" tIns="91425" rIns="91425" bIns="91425" anchor="t" anchorCtr="0">
             <a:noAutofit/>
           </a:bodyPr>
           <a:lstStyle/>
           <a:p>
-            <a:pPr indent="0" lvl="0" marL="0" rtl="0" algn="l">
+            <a:pPr marL="0" lvl="0" indent="0" algn="l" rtl="0">
               <a:spcBef>
                 <a:spcPts val="0"/>
               </a:spcBef>
@@ -986,9 +1026,6 @@
               </a:spcAft>
               <a:buNone/>
             </a:pPr>
-            <a:r>
-              <a:t/>
-            </a:r>
             <a:endParaRPr/>
           </a:p>
         </p:txBody>
@@ -1002,11 +1039,11 @@
 </file>
 
 <file path=ppt/notesSlides/notesSlide4.xml><?xml version="1.0" encoding="utf-8"?>
-<p:notes xmlns:a="http://schemas.openxmlformats.org/drawingml/2006/main" xmlns:r="http://schemas.openxmlformats.org/officeDocument/2006/relationships" xmlns:mc="http://schemas.openxmlformats.org/markup-compatibility/2006" xmlns:mv="urn:schemas-microsoft-com:mac:vml" xmlns:p="http://schemas.openxmlformats.org/presentationml/2006/main" xmlns:c="http://schemas.openxmlformats.org/drawingml/2006/chart" xmlns:dgm="http://schemas.openxmlformats.org/drawingml/2006/diagram" xmlns:o="urn:schemas-microsoft-com:office:office" xmlns:v="urn:schemas-microsoft-com:vml" xmlns:pvml="urn:schemas-microsoft-com:office:powerpoint" xmlns:com="http://schemas.openxmlformats.org/drawingml/2006/compatibility" xmlns:p14="http://schemas.microsoft.com/office/powerpoint/2010/main" xmlns:p15="http://schemas.microsoft.com/office/powerpoint/2012/main" xmlns:ahyp="http://schemas.microsoft.com/office/drawing/2018/hyperlinkcolor" showMasterPhAnim="0" showMasterSp="0">
+<p:notes xmlns:a="http://schemas.openxmlformats.org/drawingml/2006/main" xmlns:r="http://schemas.openxmlformats.org/officeDocument/2006/relationships" xmlns:p="http://schemas.openxmlformats.org/presentationml/2006/main" showMasterSp="0" showMasterPhAnim="0">
   <p:cSld>
     <p:spTree>
       <p:nvGrpSpPr>
-        <p:cNvPr id="87" name="Shape 87"/>
+        <p:cNvPr id="1" name="Shape 87"/>
         <p:cNvGrpSpPr/>
         <p:nvPr/>
       </p:nvGrpSpPr>
@@ -1021,9 +1058,11 @@
       <p:sp>
         <p:nvSpPr>
           <p:cNvPr id="88" name="Google Shape;88;g965e56543e_0_27:notes"/>
-          <p:cNvSpPr/>
+          <p:cNvSpPr>
+            <a:spLocks noGrp="1" noRot="1" noChangeAspect="1"/>
+          </p:cNvSpPr>
           <p:nvPr>
-            <p:ph idx="2" type="sldImg"/>
+            <p:ph type="sldImg" idx="2"/>
           </p:nvPr>
         </p:nvSpPr>
         <p:spPr>
@@ -1032,9 +1071,13 @@
             <a:ext cx="6096000" cy="3429000"/>
           </a:xfrm>
           <a:custGeom>
-            <a:rect b="b" l="l" r="r" t="t"/>
+            <a:avLst/>
+            <a:gdLst/>
+            <a:ahLst/>
+            <a:cxnLst/>
+            <a:rect l="l" t="t" r="r" b="b"/>
             <a:pathLst>
-              <a:path extrusionOk="0" h="120000" w="120000">
+              <a:path w="120000" h="120000" extrusionOk="0">
                 <a:moveTo>
                   <a:pt x="0" y="0"/>
                 </a:moveTo>
@@ -1056,9 +1099,11 @@
       <p:sp>
         <p:nvSpPr>
           <p:cNvPr id="89" name="Google Shape;89;g965e56543e_0_27:notes"/>
-          <p:cNvSpPr txBox="1"/>
+          <p:cNvSpPr txBox="1">
+            <a:spLocks noGrp="1"/>
+          </p:cNvSpPr>
           <p:nvPr>
-            <p:ph idx="1" type="body"/>
+            <p:ph type="body" idx="1"/>
           </p:nvPr>
         </p:nvSpPr>
         <p:spPr>
@@ -1071,12 +1116,12 @@
           </a:prstGeom>
         </p:spPr>
         <p:txBody>
-          <a:bodyPr anchorCtr="0" anchor="t" bIns="91425" lIns="91425" spcFirstLastPara="1" rIns="91425" wrap="square" tIns="91425">
+          <a:bodyPr spcFirstLastPara="1" wrap="square" lIns="91425" tIns="91425" rIns="91425" bIns="91425" anchor="t" anchorCtr="0">
             <a:noAutofit/>
           </a:bodyPr>
           <a:lstStyle/>
           <a:p>
-            <a:pPr indent="0" lvl="0" marL="0" rtl="0" algn="l">
+            <a:pPr marL="0" lvl="0" indent="0" algn="l" rtl="0">
               <a:spcBef>
                 <a:spcPts val="0"/>
               </a:spcBef>
@@ -1085,9 +1130,6 @@
               </a:spcAft>
               <a:buNone/>
             </a:pPr>
-            <a:r>
-              <a:t/>
-            </a:r>
             <a:endParaRPr/>
           </a:p>
         </p:txBody>
@@ -1101,11 +1143,11 @@
 </file>
 
 <file path=ppt/notesSlides/notesSlide5.xml><?xml version="1.0" encoding="utf-8"?>
-<p:notes xmlns:a="http://schemas.openxmlformats.org/drawingml/2006/main" xmlns:r="http://schemas.openxmlformats.org/officeDocument/2006/relationships" xmlns:mc="http://schemas.openxmlformats.org/markup-compatibility/2006" xmlns:mv="urn:schemas-microsoft-com:mac:vml" xmlns:p="http://schemas.openxmlformats.org/presentationml/2006/main" xmlns:c="http://schemas.openxmlformats.org/drawingml/2006/chart" xmlns:dgm="http://schemas.openxmlformats.org/drawingml/2006/diagram" xmlns:o="urn:schemas-microsoft-com:office:office" xmlns:v="urn:schemas-microsoft-com:vml" xmlns:pvml="urn:schemas-microsoft-com:office:powerpoint" xmlns:com="http://schemas.openxmlformats.org/drawingml/2006/compatibility" xmlns:p14="http://schemas.microsoft.com/office/powerpoint/2010/main" xmlns:p15="http://schemas.microsoft.com/office/powerpoint/2012/main" xmlns:ahyp="http://schemas.microsoft.com/office/drawing/2018/hyperlinkcolor" showMasterPhAnim="0" showMasterSp="0">
+<p:notes xmlns:a="http://schemas.openxmlformats.org/drawingml/2006/main" xmlns:r="http://schemas.openxmlformats.org/officeDocument/2006/relationships" xmlns:p="http://schemas.openxmlformats.org/presentationml/2006/main" showMasterSp="0" showMasterPhAnim="0">
   <p:cSld>
     <p:spTree>
       <p:nvGrpSpPr>
-        <p:cNvPr id="99" name="Shape 99"/>
+        <p:cNvPr id="1" name="Shape 99"/>
         <p:cNvGrpSpPr/>
         <p:nvPr/>
       </p:nvGrpSpPr>
@@ -1120,9 +1162,11 @@
       <p:sp>
         <p:nvSpPr>
           <p:cNvPr id="100" name="Google Shape;100;g965e56543e_0_41:notes"/>
-          <p:cNvSpPr/>
+          <p:cNvSpPr>
+            <a:spLocks noGrp="1" noRot="1" noChangeAspect="1"/>
+          </p:cNvSpPr>
           <p:nvPr>
-            <p:ph idx="2" type="sldImg"/>
+            <p:ph type="sldImg" idx="2"/>
           </p:nvPr>
         </p:nvSpPr>
         <p:spPr>
@@ -1131,9 +1175,13 @@
             <a:ext cx="6096000" cy="3429000"/>
           </a:xfrm>
           <a:custGeom>
-            <a:rect b="b" l="l" r="r" t="t"/>
+            <a:avLst/>
+            <a:gdLst/>
+            <a:ahLst/>
+            <a:cxnLst/>
+            <a:rect l="l" t="t" r="r" b="b"/>
             <a:pathLst>
-              <a:path extrusionOk="0" h="120000" w="120000">
+              <a:path w="120000" h="120000" extrusionOk="0">
                 <a:moveTo>
                   <a:pt x="0" y="0"/>
                 </a:moveTo>
@@ -1155,9 +1203,11 @@
       <p:sp>
         <p:nvSpPr>
           <p:cNvPr id="101" name="Google Shape;101;g965e56543e_0_41:notes"/>
-          <p:cNvSpPr txBox="1"/>
+          <p:cNvSpPr txBox="1">
+            <a:spLocks noGrp="1"/>
+          </p:cNvSpPr>
           <p:nvPr>
-            <p:ph idx="1" type="body"/>
+            <p:ph type="body" idx="1"/>
           </p:nvPr>
         </p:nvSpPr>
         <p:spPr>
@@ -1170,12 +1220,12 @@
           </a:prstGeom>
         </p:spPr>
         <p:txBody>
-          <a:bodyPr anchorCtr="0" anchor="t" bIns="91425" lIns="91425" spcFirstLastPara="1" rIns="91425" wrap="square" tIns="91425">
+          <a:bodyPr spcFirstLastPara="1" wrap="square" lIns="91425" tIns="91425" rIns="91425" bIns="91425" anchor="t" anchorCtr="0">
             <a:noAutofit/>
           </a:bodyPr>
           <a:lstStyle/>
           <a:p>
-            <a:pPr indent="0" lvl="0" marL="0" rtl="0" algn="l">
+            <a:pPr marL="0" lvl="0" indent="0" algn="l" rtl="0">
               <a:spcBef>
                 <a:spcPts val="0"/>
               </a:spcBef>
@@ -1184,9 +1234,6 @@
               </a:spcAft>
               <a:buNone/>
             </a:pPr>
-            <a:r>
-              <a:t/>
-            </a:r>
             <a:endParaRPr/>
           </a:p>
         </p:txBody>
@@ -1200,11 +1247,11 @@
 </file>
 
 <file path=ppt/notesSlides/notesSlide6.xml><?xml version="1.0" encoding="utf-8"?>
-<p:notes xmlns:a="http://schemas.openxmlformats.org/drawingml/2006/main" xmlns:r="http://schemas.openxmlformats.org/officeDocument/2006/relationships" xmlns:mc="http://schemas.openxmlformats.org/markup-compatibility/2006" xmlns:mv="urn:schemas-microsoft-com:mac:vml" xmlns:p="http://schemas.openxmlformats.org/presentationml/2006/main" xmlns:c="http://schemas.openxmlformats.org/drawingml/2006/chart" xmlns:dgm="http://schemas.openxmlformats.org/drawingml/2006/diagram" xmlns:o="urn:schemas-microsoft-com:office:office" xmlns:v="urn:schemas-microsoft-com:vml" xmlns:pvml="urn:schemas-microsoft-com:office:powerpoint" xmlns:com="http://schemas.openxmlformats.org/drawingml/2006/compatibility" xmlns:p14="http://schemas.microsoft.com/office/powerpoint/2010/main" xmlns:p15="http://schemas.microsoft.com/office/powerpoint/2012/main" xmlns:ahyp="http://schemas.microsoft.com/office/drawing/2018/hyperlinkcolor" showMasterPhAnim="0" showMasterSp="0">
+<p:notes xmlns:a="http://schemas.openxmlformats.org/drawingml/2006/main" xmlns:r="http://schemas.openxmlformats.org/officeDocument/2006/relationships" xmlns:p="http://schemas.openxmlformats.org/presentationml/2006/main" showMasterSp="0" showMasterPhAnim="0">
   <p:cSld>
     <p:spTree>
       <p:nvGrpSpPr>
-        <p:cNvPr id="112" name="Shape 112"/>
+        <p:cNvPr id="1" name="Shape 112"/>
         <p:cNvGrpSpPr/>
         <p:nvPr/>
       </p:nvGrpSpPr>
@@ -1219,9 +1266,11 @@
       <p:sp>
         <p:nvSpPr>
           <p:cNvPr id="113" name="Google Shape;113;g965e56543e_0_58:notes"/>
-          <p:cNvSpPr/>
+          <p:cNvSpPr>
+            <a:spLocks noGrp="1" noRot="1" noChangeAspect="1"/>
+          </p:cNvSpPr>
           <p:nvPr>
-            <p:ph idx="2" type="sldImg"/>
+            <p:ph type="sldImg" idx="2"/>
           </p:nvPr>
         </p:nvSpPr>
         <p:spPr>
@@ -1230,9 +1279,13 @@
             <a:ext cx="6096000" cy="3429000"/>
           </a:xfrm>
           <a:custGeom>
-            <a:rect b="b" l="l" r="r" t="t"/>
+            <a:avLst/>
+            <a:gdLst/>
+            <a:ahLst/>
+            <a:cxnLst/>
+            <a:rect l="l" t="t" r="r" b="b"/>
             <a:pathLst>
-              <a:path extrusionOk="0" h="120000" w="120000">
+              <a:path w="120000" h="120000" extrusionOk="0">
                 <a:moveTo>
                   <a:pt x="0" y="0"/>
                 </a:moveTo>
@@ -1254,9 +1307,11 @@
       <p:sp>
         <p:nvSpPr>
           <p:cNvPr id="114" name="Google Shape;114;g965e56543e_0_58:notes"/>
-          <p:cNvSpPr txBox="1"/>
+          <p:cNvSpPr txBox="1">
+            <a:spLocks noGrp="1"/>
+          </p:cNvSpPr>
           <p:nvPr>
-            <p:ph idx="1" type="body"/>
+            <p:ph type="body" idx="1"/>
           </p:nvPr>
         </p:nvSpPr>
         <p:spPr>
@@ -1269,12 +1324,12 @@
           </a:prstGeom>
         </p:spPr>
         <p:txBody>
-          <a:bodyPr anchorCtr="0" anchor="t" bIns="91425" lIns="91425" spcFirstLastPara="1" rIns="91425" wrap="square" tIns="91425">
+          <a:bodyPr spcFirstLastPara="1" wrap="square" lIns="91425" tIns="91425" rIns="91425" bIns="91425" anchor="t" anchorCtr="0">
             <a:noAutofit/>
           </a:bodyPr>
           <a:lstStyle/>
           <a:p>
-            <a:pPr indent="0" lvl="0" marL="0" rtl="0" algn="l">
+            <a:pPr marL="0" lvl="0" indent="0" algn="l" rtl="0">
               <a:spcBef>
                 <a:spcPts val="0"/>
               </a:spcBef>
@@ -1283,9 +1338,6 @@
               </a:spcAft>
               <a:buNone/>
             </a:pPr>
-            <a:r>
-              <a:t/>
-            </a:r>
             <a:endParaRPr/>
           </a:p>
         </p:txBody>
@@ -1299,11 +1351,11 @@
 </file>
 
 <file path=ppt/notesSlides/notesSlide7.xml><?xml version="1.0" encoding="utf-8"?>
-<p:notes xmlns:a="http://schemas.openxmlformats.org/drawingml/2006/main" xmlns:r="http://schemas.openxmlformats.org/officeDocument/2006/relationships" xmlns:mc="http://schemas.openxmlformats.org/markup-compatibility/2006" xmlns:mv="urn:schemas-microsoft-com:mac:vml" xmlns:p="http://schemas.openxmlformats.org/presentationml/2006/main" xmlns:c="http://schemas.openxmlformats.org/drawingml/2006/chart" xmlns:dgm="http://schemas.openxmlformats.org/drawingml/2006/diagram" xmlns:o="urn:schemas-microsoft-com:office:office" xmlns:v="urn:schemas-microsoft-com:vml" xmlns:pvml="urn:schemas-microsoft-com:office:powerpoint" xmlns:com="http://schemas.openxmlformats.org/drawingml/2006/compatibility" xmlns:p14="http://schemas.microsoft.com/office/powerpoint/2010/main" xmlns:p15="http://schemas.microsoft.com/office/powerpoint/2012/main" xmlns:ahyp="http://schemas.microsoft.com/office/drawing/2018/hyperlinkcolor" showMasterPhAnim="0" showMasterSp="0">
+<p:notes xmlns:a="http://schemas.openxmlformats.org/drawingml/2006/main" xmlns:r="http://schemas.openxmlformats.org/officeDocument/2006/relationships" xmlns:p="http://schemas.openxmlformats.org/presentationml/2006/main" showMasterSp="0" showMasterPhAnim="0">
   <p:cSld>
     <p:spTree>
       <p:nvGrpSpPr>
-        <p:cNvPr id="125" name="Shape 125"/>
+        <p:cNvPr id="1" name="Shape 125"/>
         <p:cNvGrpSpPr/>
         <p:nvPr/>
       </p:nvGrpSpPr>
@@ -1318,20 +1370,26 @@
       <p:sp>
         <p:nvSpPr>
           <p:cNvPr id="126" name="Google Shape;126;g963b1679a8_2_1:notes"/>
-          <p:cNvSpPr/>
+          <p:cNvSpPr>
+            <a:spLocks noGrp="1" noRot="1" noChangeAspect="1"/>
+          </p:cNvSpPr>
           <p:nvPr>
-            <p:ph idx="2" type="sldImg"/>
+            <p:ph type="sldImg" idx="2"/>
           </p:nvPr>
         </p:nvSpPr>
         <p:spPr>
           <a:xfrm>
-            <a:off x="381300" y="685800"/>
+            <a:off x="381000" y="685800"/>
             <a:ext cx="6096000" cy="3429000"/>
           </a:xfrm>
           <a:custGeom>
-            <a:rect b="b" l="l" r="r" t="t"/>
+            <a:avLst/>
+            <a:gdLst/>
+            <a:ahLst/>
+            <a:cxnLst/>
+            <a:rect l="l" t="t" r="r" b="b"/>
             <a:pathLst>
-              <a:path extrusionOk="0" h="120000" w="120000">
+              <a:path w="120000" h="120000" extrusionOk="0">
                 <a:moveTo>
                   <a:pt x="0" y="0"/>
                 </a:moveTo>
@@ -1353,9 +1411,11 @@
       <p:sp>
         <p:nvSpPr>
           <p:cNvPr id="127" name="Google Shape;127;g963b1679a8_2_1:notes"/>
-          <p:cNvSpPr txBox="1"/>
+          <p:cNvSpPr txBox="1">
+            <a:spLocks noGrp="1"/>
+          </p:cNvSpPr>
           <p:nvPr>
-            <p:ph idx="1" type="body"/>
+            <p:ph type="body" idx="1"/>
           </p:nvPr>
         </p:nvSpPr>
         <p:spPr>
@@ -1368,12 +1428,12 @@
           </a:prstGeom>
         </p:spPr>
         <p:txBody>
-          <a:bodyPr anchorCtr="0" anchor="t" bIns="91425" lIns="91425" spcFirstLastPara="1" rIns="91425" wrap="square" tIns="91425">
+          <a:bodyPr spcFirstLastPara="1" wrap="square" lIns="91425" tIns="91425" rIns="91425" bIns="91425" anchor="t" anchorCtr="0">
             <a:noAutofit/>
           </a:bodyPr>
           <a:lstStyle/>
           <a:p>
-            <a:pPr indent="0" lvl="0" marL="0" rtl="0" algn="l">
+            <a:pPr marL="0" lvl="0" indent="0" algn="l" rtl="0">
               <a:spcBef>
                 <a:spcPts val="0"/>
               </a:spcBef>
@@ -1382,9 +1442,6 @@
               </a:spcAft>
               <a:buNone/>
             </a:pPr>
-            <a:r>
-              <a:t/>
-            </a:r>
             <a:endParaRPr/>
           </a:p>
         </p:txBody>
@@ -1398,11 +1455,11 @@
 </file>
 
 <file path=ppt/notesSlides/notesSlide8.xml><?xml version="1.0" encoding="utf-8"?>
-<p:notes xmlns:a="http://schemas.openxmlformats.org/drawingml/2006/main" xmlns:r="http://schemas.openxmlformats.org/officeDocument/2006/relationships" xmlns:mc="http://schemas.openxmlformats.org/markup-compatibility/2006" xmlns:mv="urn:schemas-microsoft-com:mac:vml" xmlns:p="http://schemas.openxmlformats.org/presentationml/2006/main" xmlns:c="http://schemas.openxmlformats.org/drawingml/2006/chart" xmlns:dgm="http://schemas.openxmlformats.org/drawingml/2006/diagram" xmlns:o="urn:schemas-microsoft-com:office:office" xmlns:v="urn:schemas-microsoft-com:vml" xmlns:pvml="urn:schemas-microsoft-com:office:powerpoint" xmlns:com="http://schemas.openxmlformats.org/drawingml/2006/compatibility" xmlns:p14="http://schemas.microsoft.com/office/powerpoint/2010/main" xmlns:p15="http://schemas.microsoft.com/office/powerpoint/2012/main" xmlns:ahyp="http://schemas.microsoft.com/office/drawing/2018/hyperlinkcolor" showMasterPhAnim="0" showMasterSp="0">
+<p:notes xmlns:a="http://schemas.openxmlformats.org/drawingml/2006/main" xmlns:r="http://schemas.openxmlformats.org/officeDocument/2006/relationships" xmlns:p="http://schemas.openxmlformats.org/presentationml/2006/main" showMasterSp="0" showMasterPhAnim="0">
   <p:cSld>
     <p:spTree>
       <p:nvGrpSpPr>
-        <p:cNvPr id="140" name="Shape 140"/>
+        <p:cNvPr id="1" name="Shape 140"/>
         <p:cNvGrpSpPr/>
         <p:nvPr/>
       </p:nvGrpSpPr>
@@ -1417,20 +1474,26 @@
       <p:sp>
         <p:nvSpPr>
           <p:cNvPr id="141" name="Google Shape;141;g963b1679a8_3_13:notes"/>
-          <p:cNvSpPr/>
+          <p:cNvSpPr>
+            <a:spLocks noGrp="1" noRot="1" noChangeAspect="1"/>
+          </p:cNvSpPr>
           <p:nvPr>
-            <p:ph idx="2" type="sldImg"/>
+            <p:ph type="sldImg" idx="2"/>
           </p:nvPr>
         </p:nvSpPr>
         <p:spPr>
           <a:xfrm>
-            <a:off x="381300" y="685800"/>
+            <a:off x="381000" y="685800"/>
             <a:ext cx="6096000" cy="3429000"/>
           </a:xfrm>
           <a:custGeom>
-            <a:rect b="b" l="l" r="r" t="t"/>
+            <a:avLst/>
+            <a:gdLst/>
+            <a:ahLst/>
+            <a:cxnLst/>
+            <a:rect l="l" t="t" r="r" b="b"/>
             <a:pathLst>
-              <a:path extrusionOk="0" h="120000" w="120000">
+              <a:path w="120000" h="120000" extrusionOk="0">
                 <a:moveTo>
                   <a:pt x="0" y="0"/>
                 </a:moveTo>
@@ -1452,9 +1515,11 @@
       <p:sp>
         <p:nvSpPr>
           <p:cNvPr id="142" name="Google Shape;142;g963b1679a8_3_13:notes"/>
-          <p:cNvSpPr txBox="1"/>
+          <p:cNvSpPr txBox="1">
+            <a:spLocks noGrp="1"/>
+          </p:cNvSpPr>
           <p:nvPr>
-            <p:ph idx="1" type="body"/>
+            <p:ph type="body" idx="1"/>
           </p:nvPr>
         </p:nvSpPr>
         <p:spPr>
@@ -1467,12 +1532,12 @@
           </a:prstGeom>
         </p:spPr>
         <p:txBody>
-          <a:bodyPr anchorCtr="0" anchor="t" bIns="91425" lIns="91425" spcFirstLastPara="1" rIns="91425" wrap="square" tIns="91425">
+          <a:bodyPr spcFirstLastPara="1" wrap="square" lIns="91425" tIns="91425" rIns="91425" bIns="91425" anchor="t" anchorCtr="0">
             <a:noAutofit/>
           </a:bodyPr>
           <a:lstStyle/>
           <a:p>
-            <a:pPr indent="0" lvl="0" marL="0" rtl="0" algn="l">
+            <a:pPr marL="0" lvl="0" indent="0" algn="l" rtl="0">
               <a:spcBef>
                 <a:spcPts val="0"/>
               </a:spcBef>
@@ -1481,9 +1546,6 @@
               </a:spcAft>
               <a:buNone/>
             </a:pPr>
-            <a:r>
-              <a:t/>
-            </a:r>
             <a:endParaRPr/>
           </a:p>
         </p:txBody>
@@ -1497,11 +1559,11 @@
 </file>
 
 <file path=ppt/slideLayouts/slideLayout1.xml><?xml version="1.0" encoding="utf-8"?>
-<p:sldLayout xmlns:a="http://schemas.openxmlformats.org/drawingml/2006/main" xmlns:r="http://schemas.openxmlformats.org/officeDocument/2006/relationships" xmlns:mc="http://schemas.openxmlformats.org/markup-compatibility/2006" xmlns:mv="urn:schemas-microsoft-com:mac:vml" xmlns:p="http://schemas.openxmlformats.org/presentationml/2006/main" xmlns:c="http://schemas.openxmlformats.org/drawingml/2006/chart" xmlns:dgm="http://schemas.openxmlformats.org/drawingml/2006/diagram" xmlns:o="urn:schemas-microsoft-com:office:office" xmlns:v="urn:schemas-microsoft-com:vml" xmlns:pvml="urn:schemas-microsoft-com:office:powerpoint" xmlns:com="http://schemas.openxmlformats.org/drawingml/2006/compatibility" xmlns:p14="http://schemas.microsoft.com/office/powerpoint/2010/main" xmlns:p15="http://schemas.microsoft.com/office/powerpoint/2012/main" xmlns:ahyp="http://schemas.microsoft.com/office/drawing/2018/hyperlinkcolor" matchingName="Title slide" type="title">
+<p:sldLayout xmlns:a="http://schemas.openxmlformats.org/drawingml/2006/main" xmlns:r="http://schemas.openxmlformats.org/officeDocument/2006/relationships" xmlns:p="http://schemas.openxmlformats.org/presentationml/2006/main" matchingName="Title slide" type="title">
   <p:cSld name="TITLE">
     <p:spTree>
       <p:nvGrpSpPr>
-        <p:cNvPr id="9" name="Shape 9"/>
+        <p:cNvPr id="1" name="Shape 9"/>
         <p:cNvGrpSpPr/>
         <p:nvPr/>
       </p:nvGrpSpPr>
@@ -1516,7 +1578,9 @@
       <p:sp>
         <p:nvSpPr>
           <p:cNvPr id="10" name="Google Shape;10;p2"/>
-          <p:cNvSpPr txBox="1"/>
+          <p:cNvSpPr txBox="1">
+            <a:spLocks noGrp="1"/>
+          </p:cNvSpPr>
           <p:nvPr>
             <p:ph type="ctrTitle"/>
           </p:nvPr>
@@ -1531,7 +1595,7 @@
           </a:prstGeom>
         </p:spPr>
         <p:txBody>
-          <a:bodyPr anchorCtr="0" anchor="b" bIns="91425" lIns="91425" spcFirstLastPara="1" rIns="91425" wrap="square" tIns="91425">
+          <a:bodyPr spcFirstLastPara="1" wrap="square" lIns="91425" tIns="91425" rIns="91425" bIns="91425" anchor="b" anchorCtr="0">
             <a:noAutofit/>
           </a:bodyPr>
           <a:lstStyle>
@@ -1635,15 +1699,19 @@
               <a:defRPr sz="5200"/>
             </a:lvl9pPr>
           </a:lstStyle>
-          <a:p/>
+          <a:p>
+            <a:endParaRPr/>
+          </a:p>
         </p:txBody>
       </p:sp>
       <p:sp>
         <p:nvSpPr>
           <p:cNvPr id="11" name="Google Shape;11;p2"/>
-          <p:cNvSpPr txBox="1"/>
+          <p:cNvSpPr txBox="1">
+            <a:spLocks noGrp="1"/>
+          </p:cNvSpPr>
           <p:nvPr>
-            <p:ph idx="1" type="subTitle"/>
+            <p:ph type="subTitle" idx="1"/>
           </p:nvPr>
         </p:nvSpPr>
         <p:spPr>
@@ -1656,7 +1724,7 @@
           </a:prstGeom>
         </p:spPr>
         <p:txBody>
-          <a:bodyPr anchorCtr="0" anchor="t" bIns="91425" lIns="91425" spcFirstLastPara="1" rIns="91425" wrap="square" tIns="91425">
+          <a:bodyPr spcFirstLastPara="1" wrap="square" lIns="91425" tIns="91425" rIns="91425" bIns="91425" anchor="t" anchorCtr="0">
             <a:noAutofit/>
           </a:bodyPr>
           <a:lstStyle>
@@ -1787,15 +1855,19 @@
               <a:defRPr sz="2800"/>
             </a:lvl9pPr>
           </a:lstStyle>
-          <a:p/>
+          <a:p>
+            <a:endParaRPr/>
+          </a:p>
         </p:txBody>
       </p:sp>
       <p:sp>
         <p:nvSpPr>
           <p:cNvPr id="12" name="Google Shape;12;p2"/>
-          <p:cNvSpPr txBox="1"/>
+          <p:cNvSpPr txBox="1">
+            <a:spLocks noGrp="1"/>
+          </p:cNvSpPr>
           <p:nvPr>
-            <p:ph idx="12" type="sldNum"/>
+            <p:ph type="sldNum" idx="12"/>
           </p:nvPr>
         </p:nvSpPr>
         <p:spPr>
@@ -1808,7 +1880,7 @@
           </a:prstGeom>
         </p:spPr>
         <p:txBody>
-          <a:bodyPr anchorCtr="0" anchor="ctr" bIns="91425" lIns="91425" spcFirstLastPara="1" rIns="91425" wrap="square" tIns="91425">
+          <a:bodyPr spcFirstLastPara="1" wrap="square" lIns="91425" tIns="91425" rIns="91425" bIns="91425" anchor="ctr" anchorCtr="0">
             <a:noAutofit/>
           </a:bodyPr>
           <a:lstStyle>
@@ -1850,7 +1922,7 @@
             </a:lvl9pPr>
           </a:lstStyle>
           <a:p>
-            <a:pPr indent="0" lvl="0" marL="0" rtl="0" algn="r">
+            <a:pPr marL="0" lvl="0" indent="0" algn="r" rtl="0">
               <a:spcBef>
                 <a:spcPts val="0"/>
               </a:spcBef>
@@ -1861,7 +1933,7 @@
             </a:pPr>
             <a:fld id="{00000000-1234-1234-1234-123412341234}" type="slidenum">
               <a:rPr lang="pt-BR"/>
-              <a:t>‹#›</a:t>
+              <a:t>‹nº›</a:t>
             </a:fld>
             <a:endParaRPr/>
           </a:p>
@@ -1876,11 +1948,11 @@
 </file>
 
 <file path=ppt/slideLayouts/slideLayout10.xml><?xml version="1.0" encoding="utf-8"?>
-<p:sldLayout xmlns:a="http://schemas.openxmlformats.org/drawingml/2006/main" xmlns:r="http://schemas.openxmlformats.org/officeDocument/2006/relationships" xmlns:mc="http://schemas.openxmlformats.org/markup-compatibility/2006" xmlns:mv="urn:schemas-microsoft-com:mac:vml" xmlns:p="http://schemas.openxmlformats.org/presentationml/2006/main" xmlns:c="http://schemas.openxmlformats.org/drawingml/2006/chart" xmlns:dgm="http://schemas.openxmlformats.org/drawingml/2006/diagram" xmlns:o="urn:schemas-microsoft-com:office:office" xmlns:v="urn:schemas-microsoft-com:vml" xmlns:pvml="urn:schemas-microsoft-com:office:powerpoint" xmlns:com="http://schemas.openxmlformats.org/drawingml/2006/compatibility" xmlns:p14="http://schemas.microsoft.com/office/powerpoint/2010/main" xmlns:p15="http://schemas.microsoft.com/office/powerpoint/2012/main" xmlns:ahyp="http://schemas.microsoft.com/office/drawing/2018/hyperlinkcolor" matchingName="Big number">
+<p:sldLayout xmlns:a="http://schemas.openxmlformats.org/drawingml/2006/main" xmlns:r="http://schemas.openxmlformats.org/officeDocument/2006/relationships" xmlns:p="http://schemas.openxmlformats.org/presentationml/2006/main" matchingName="Big number">
   <p:cSld name="BIG_NUMBER">
     <p:spTree>
       <p:nvGrpSpPr>
-        <p:cNvPr id="44" name="Shape 44"/>
+        <p:cNvPr id="1" name="Shape 44"/>
         <p:cNvGrpSpPr/>
         <p:nvPr/>
       </p:nvGrpSpPr>
@@ -1895,9 +1967,11 @@
       <p:sp>
         <p:nvSpPr>
           <p:cNvPr id="45" name="Google Shape;45;p11"/>
-          <p:cNvSpPr txBox="1"/>
+          <p:cNvSpPr txBox="1">
+            <a:spLocks noGrp="1"/>
+          </p:cNvSpPr>
           <p:nvPr>
-            <p:ph hasCustomPrompt="1" type="title"/>
+            <p:ph type="title" hasCustomPrompt="1"/>
           </p:nvPr>
         </p:nvSpPr>
         <p:spPr>
@@ -1910,7 +1984,7 @@
           </a:prstGeom>
         </p:spPr>
         <p:txBody>
-          <a:bodyPr anchorCtr="0" anchor="b" bIns="91425" lIns="91425" spcFirstLastPara="1" rIns="91425" wrap="square" tIns="91425">
+          <a:bodyPr spcFirstLastPara="1" wrap="square" lIns="91425" tIns="91425" rIns="91425" bIns="91425" anchor="b" anchorCtr="0">
             <a:noAutofit/>
           </a:bodyPr>
           <a:lstStyle>
@@ -2024,9 +2098,11 @@
       <p:sp>
         <p:nvSpPr>
           <p:cNvPr id="46" name="Google Shape;46;p11"/>
-          <p:cNvSpPr txBox="1"/>
+          <p:cNvSpPr txBox="1">
+            <a:spLocks noGrp="1"/>
+          </p:cNvSpPr>
           <p:nvPr>
-            <p:ph idx="1" type="body"/>
+            <p:ph type="body" idx="1"/>
           </p:nvPr>
         </p:nvSpPr>
         <p:spPr>
@@ -2039,11 +2115,11 @@
           </a:prstGeom>
         </p:spPr>
         <p:txBody>
-          <a:bodyPr anchorCtr="0" anchor="t" bIns="91425" lIns="91425" spcFirstLastPara="1" rIns="91425" wrap="square" tIns="91425">
+          <a:bodyPr spcFirstLastPara="1" wrap="square" lIns="91425" tIns="91425" rIns="91425" bIns="91425" anchor="t" anchorCtr="0">
             <a:noAutofit/>
           </a:bodyPr>
           <a:lstStyle>
-            <a:lvl1pPr indent="-342900" lvl="0" marL="457200" algn="ctr">
+            <a:lvl1pPr marL="457200" lvl="0" indent="-342900" algn="ctr">
               <a:spcBef>
                 <a:spcPts val="0"/>
               </a:spcBef>
@@ -2054,7 +2130,7 @@
               <a:buChar char="●"/>
               <a:defRPr/>
             </a:lvl1pPr>
-            <a:lvl2pPr indent="-317500" lvl="1" marL="914400" algn="ctr">
+            <a:lvl2pPr marL="914400" lvl="1" indent="-317500" algn="ctr">
               <a:spcBef>
                 <a:spcPts val="1600"/>
               </a:spcBef>
@@ -2065,7 +2141,7 @@
               <a:buChar char="○"/>
               <a:defRPr/>
             </a:lvl2pPr>
-            <a:lvl3pPr indent="-317500" lvl="2" marL="1371600" algn="ctr">
+            <a:lvl3pPr marL="1371600" lvl="2" indent="-317500" algn="ctr">
               <a:spcBef>
                 <a:spcPts val="1600"/>
               </a:spcBef>
@@ -2076,7 +2152,7 @@
               <a:buChar char="■"/>
               <a:defRPr/>
             </a:lvl3pPr>
-            <a:lvl4pPr indent="-317500" lvl="3" marL="1828800" algn="ctr">
+            <a:lvl4pPr marL="1828800" lvl="3" indent="-317500" algn="ctr">
               <a:spcBef>
                 <a:spcPts val="1600"/>
               </a:spcBef>
@@ -2087,7 +2163,7 @@
               <a:buChar char="●"/>
               <a:defRPr/>
             </a:lvl4pPr>
-            <a:lvl5pPr indent="-317500" lvl="4" marL="2286000" algn="ctr">
+            <a:lvl5pPr marL="2286000" lvl="4" indent="-317500" algn="ctr">
               <a:spcBef>
                 <a:spcPts val="1600"/>
               </a:spcBef>
@@ -2098,7 +2174,7 @@
               <a:buChar char="○"/>
               <a:defRPr/>
             </a:lvl5pPr>
-            <a:lvl6pPr indent="-317500" lvl="5" marL="2743200" algn="ctr">
+            <a:lvl6pPr marL="2743200" lvl="5" indent="-317500" algn="ctr">
               <a:spcBef>
                 <a:spcPts val="1600"/>
               </a:spcBef>
@@ -2109,7 +2185,7 @@
               <a:buChar char="■"/>
               <a:defRPr/>
             </a:lvl6pPr>
-            <a:lvl7pPr indent="-317500" lvl="6" marL="3200400" algn="ctr">
+            <a:lvl7pPr marL="3200400" lvl="6" indent="-317500" algn="ctr">
               <a:spcBef>
                 <a:spcPts val="1600"/>
               </a:spcBef>
@@ -2120,7 +2196,7 @@
               <a:buChar char="●"/>
               <a:defRPr/>
             </a:lvl7pPr>
-            <a:lvl8pPr indent="-317500" lvl="7" marL="3657600" algn="ctr">
+            <a:lvl8pPr marL="3657600" lvl="7" indent="-317500" algn="ctr">
               <a:spcBef>
                 <a:spcPts val="1600"/>
               </a:spcBef>
@@ -2131,7 +2207,7 @@
               <a:buChar char="○"/>
               <a:defRPr/>
             </a:lvl8pPr>
-            <a:lvl9pPr indent="-317500" lvl="8" marL="4114800" algn="ctr">
+            <a:lvl9pPr marL="4114800" lvl="8" indent="-317500" algn="ctr">
               <a:spcBef>
                 <a:spcPts val="1600"/>
               </a:spcBef>
@@ -2143,15 +2219,19 @@
               <a:defRPr/>
             </a:lvl9pPr>
           </a:lstStyle>
-          <a:p/>
+          <a:p>
+            <a:endParaRPr/>
+          </a:p>
         </p:txBody>
       </p:sp>
       <p:sp>
         <p:nvSpPr>
           <p:cNvPr id="47" name="Google Shape;47;p11"/>
-          <p:cNvSpPr txBox="1"/>
+          <p:cNvSpPr txBox="1">
+            <a:spLocks noGrp="1"/>
+          </p:cNvSpPr>
           <p:nvPr>
-            <p:ph idx="12" type="sldNum"/>
+            <p:ph type="sldNum" idx="12"/>
           </p:nvPr>
         </p:nvSpPr>
         <p:spPr>
@@ -2164,7 +2244,7 @@
           </a:prstGeom>
         </p:spPr>
         <p:txBody>
-          <a:bodyPr anchorCtr="0" anchor="ctr" bIns="91425" lIns="91425" spcFirstLastPara="1" rIns="91425" wrap="square" tIns="91425">
+          <a:bodyPr spcFirstLastPara="1" wrap="square" lIns="91425" tIns="91425" rIns="91425" bIns="91425" anchor="ctr" anchorCtr="0">
             <a:noAutofit/>
           </a:bodyPr>
           <a:lstStyle>
@@ -2206,7 +2286,7 @@
             </a:lvl9pPr>
           </a:lstStyle>
           <a:p>
-            <a:pPr indent="0" lvl="0" marL="0" rtl="0" algn="r">
+            <a:pPr marL="0" lvl="0" indent="0" algn="r" rtl="0">
               <a:spcBef>
                 <a:spcPts val="0"/>
               </a:spcBef>
@@ -2217,7 +2297,7 @@
             </a:pPr>
             <a:fld id="{00000000-1234-1234-1234-123412341234}" type="slidenum">
               <a:rPr lang="pt-BR"/>
-              <a:t>‹#›</a:t>
+              <a:t>‹nº›</a:t>
             </a:fld>
             <a:endParaRPr/>
           </a:p>
@@ -2232,11 +2312,11 @@
 </file>
 
 <file path=ppt/slideLayouts/slideLayout11.xml><?xml version="1.0" encoding="utf-8"?>
-<p:sldLayout xmlns:a="http://schemas.openxmlformats.org/drawingml/2006/main" xmlns:r="http://schemas.openxmlformats.org/officeDocument/2006/relationships" xmlns:mc="http://schemas.openxmlformats.org/markup-compatibility/2006" xmlns:mv="urn:schemas-microsoft-com:mac:vml" xmlns:p="http://schemas.openxmlformats.org/presentationml/2006/main" xmlns:c="http://schemas.openxmlformats.org/drawingml/2006/chart" xmlns:dgm="http://schemas.openxmlformats.org/drawingml/2006/diagram" xmlns:o="urn:schemas-microsoft-com:office:office" xmlns:v="urn:schemas-microsoft-com:vml" xmlns:pvml="urn:schemas-microsoft-com:office:powerpoint" xmlns:com="http://schemas.openxmlformats.org/drawingml/2006/compatibility" xmlns:p14="http://schemas.microsoft.com/office/powerpoint/2010/main" xmlns:p15="http://schemas.microsoft.com/office/powerpoint/2012/main" xmlns:ahyp="http://schemas.microsoft.com/office/drawing/2018/hyperlinkcolor" matchingName="Blank" type="blank">
+<p:sldLayout xmlns:a="http://schemas.openxmlformats.org/drawingml/2006/main" xmlns:r="http://schemas.openxmlformats.org/officeDocument/2006/relationships" xmlns:p="http://schemas.openxmlformats.org/presentationml/2006/main" matchingName="Blank" type="blank">
   <p:cSld name="BLANK">
     <p:spTree>
       <p:nvGrpSpPr>
-        <p:cNvPr id="48" name="Shape 48"/>
+        <p:cNvPr id="1" name="Shape 48"/>
         <p:cNvGrpSpPr/>
         <p:nvPr/>
       </p:nvGrpSpPr>
@@ -2251,9 +2331,11 @@
       <p:sp>
         <p:nvSpPr>
           <p:cNvPr id="49" name="Google Shape;49;p12"/>
-          <p:cNvSpPr txBox="1"/>
+          <p:cNvSpPr txBox="1">
+            <a:spLocks noGrp="1"/>
+          </p:cNvSpPr>
           <p:nvPr>
-            <p:ph idx="12" type="sldNum"/>
+            <p:ph type="sldNum" idx="12"/>
           </p:nvPr>
         </p:nvSpPr>
         <p:spPr>
@@ -2266,7 +2348,7 @@
           </a:prstGeom>
         </p:spPr>
         <p:txBody>
-          <a:bodyPr anchorCtr="0" anchor="ctr" bIns="91425" lIns="91425" spcFirstLastPara="1" rIns="91425" wrap="square" tIns="91425">
+          <a:bodyPr spcFirstLastPara="1" wrap="square" lIns="91425" tIns="91425" rIns="91425" bIns="91425" anchor="ctr" anchorCtr="0">
             <a:noAutofit/>
           </a:bodyPr>
           <a:lstStyle>
@@ -2308,7 +2390,7 @@
             </a:lvl9pPr>
           </a:lstStyle>
           <a:p>
-            <a:pPr indent="0" lvl="0" marL="0" rtl="0" algn="r">
+            <a:pPr marL="0" lvl="0" indent="0" algn="r" rtl="0">
               <a:spcBef>
                 <a:spcPts val="0"/>
               </a:spcBef>
@@ -2319,7 +2401,7 @@
             </a:pPr>
             <a:fld id="{00000000-1234-1234-1234-123412341234}" type="slidenum">
               <a:rPr lang="pt-BR"/>
-              <a:t>‹#›</a:t>
+              <a:t>‹nº›</a:t>
             </a:fld>
             <a:endParaRPr/>
           </a:p>
@@ -2334,11 +2416,11 @@
 </file>
 
 <file path=ppt/slideLayouts/slideLayout2.xml><?xml version="1.0" encoding="utf-8"?>
-<p:sldLayout xmlns:a="http://schemas.openxmlformats.org/drawingml/2006/main" xmlns:r="http://schemas.openxmlformats.org/officeDocument/2006/relationships" xmlns:mc="http://schemas.openxmlformats.org/markup-compatibility/2006" xmlns:mv="urn:schemas-microsoft-com:mac:vml" xmlns:p="http://schemas.openxmlformats.org/presentationml/2006/main" xmlns:c="http://schemas.openxmlformats.org/drawingml/2006/chart" xmlns:dgm="http://schemas.openxmlformats.org/drawingml/2006/diagram" xmlns:o="urn:schemas-microsoft-com:office:office" xmlns:v="urn:schemas-microsoft-com:vml" xmlns:pvml="urn:schemas-microsoft-com:office:powerpoint" xmlns:com="http://schemas.openxmlformats.org/drawingml/2006/compatibility" xmlns:p14="http://schemas.microsoft.com/office/powerpoint/2010/main" xmlns:p15="http://schemas.microsoft.com/office/powerpoint/2012/main" xmlns:ahyp="http://schemas.microsoft.com/office/drawing/2018/hyperlinkcolor" matchingName="Section header" type="secHead">
+<p:sldLayout xmlns:a="http://schemas.openxmlformats.org/drawingml/2006/main" xmlns:r="http://schemas.openxmlformats.org/officeDocument/2006/relationships" xmlns:p="http://schemas.openxmlformats.org/presentationml/2006/main" matchingName="Section header" type="secHead">
   <p:cSld name="SECTION_HEADER">
     <p:spTree>
       <p:nvGrpSpPr>
-        <p:cNvPr id="13" name="Shape 13"/>
+        <p:cNvPr id="1" name="Shape 13"/>
         <p:cNvGrpSpPr/>
         <p:nvPr/>
       </p:nvGrpSpPr>
@@ -2353,7 +2435,9 @@
       <p:sp>
         <p:nvSpPr>
           <p:cNvPr id="14" name="Google Shape;14;p3"/>
-          <p:cNvSpPr txBox="1"/>
+          <p:cNvSpPr txBox="1">
+            <a:spLocks noGrp="1"/>
+          </p:cNvSpPr>
           <p:nvPr>
             <p:ph type="title"/>
           </p:nvPr>
@@ -2368,7 +2452,7 @@
           </a:prstGeom>
         </p:spPr>
         <p:txBody>
-          <a:bodyPr anchorCtr="0" anchor="ctr" bIns="91425" lIns="91425" spcFirstLastPara="1" rIns="91425" wrap="square" tIns="91425">
+          <a:bodyPr spcFirstLastPara="1" wrap="square" lIns="91425" tIns="91425" rIns="91425" bIns="91425" anchor="ctr" anchorCtr="0">
             <a:noAutofit/>
           </a:bodyPr>
           <a:lstStyle>
@@ -2472,15 +2556,19 @@
               <a:defRPr sz="3600"/>
             </a:lvl9pPr>
           </a:lstStyle>
-          <a:p/>
+          <a:p>
+            <a:endParaRPr/>
+          </a:p>
         </p:txBody>
       </p:sp>
       <p:sp>
         <p:nvSpPr>
           <p:cNvPr id="15" name="Google Shape;15;p3"/>
-          <p:cNvSpPr txBox="1"/>
+          <p:cNvSpPr txBox="1">
+            <a:spLocks noGrp="1"/>
+          </p:cNvSpPr>
           <p:nvPr>
-            <p:ph idx="12" type="sldNum"/>
+            <p:ph type="sldNum" idx="12"/>
           </p:nvPr>
         </p:nvSpPr>
         <p:spPr>
@@ -2493,7 +2581,7 @@
           </a:prstGeom>
         </p:spPr>
         <p:txBody>
-          <a:bodyPr anchorCtr="0" anchor="ctr" bIns="91425" lIns="91425" spcFirstLastPara="1" rIns="91425" wrap="square" tIns="91425">
+          <a:bodyPr spcFirstLastPara="1" wrap="square" lIns="91425" tIns="91425" rIns="91425" bIns="91425" anchor="ctr" anchorCtr="0">
             <a:noAutofit/>
           </a:bodyPr>
           <a:lstStyle>
@@ -2535,7 +2623,7 @@
             </a:lvl9pPr>
           </a:lstStyle>
           <a:p>
-            <a:pPr indent="0" lvl="0" marL="0" rtl="0" algn="r">
+            <a:pPr marL="0" lvl="0" indent="0" algn="r" rtl="0">
               <a:spcBef>
                 <a:spcPts val="0"/>
               </a:spcBef>
@@ -2546,7 +2634,7 @@
             </a:pPr>
             <a:fld id="{00000000-1234-1234-1234-123412341234}" type="slidenum">
               <a:rPr lang="pt-BR"/>
-              <a:t>‹#›</a:t>
+              <a:t>‹nº›</a:t>
             </a:fld>
             <a:endParaRPr/>
           </a:p>
@@ -2561,11 +2649,11 @@
 </file>
 
 <file path=ppt/slideLayouts/slideLayout3.xml><?xml version="1.0" encoding="utf-8"?>
-<p:sldLayout xmlns:a="http://schemas.openxmlformats.org/drawingml/2006/main" xmlns:r="http://schemas.openxmlformats.org/officeDocument/2006/relationships" xmlns:mc="http://schemas.openxmlformats.org/markup-compatibility/2006" xmlns:mv="urn:schemas-microsoft-com:mac:vml" xmlns:p="http://schemas.openxmlformats.org/presentationml/2006/main" xmlns:c="http://schemas.openxmlformats.org/drawingml/2006/chart" xmlns:dgm="http://schemas.openxmlformats.org/drawingml/2006/diagram" xmlns:o="urn:schemas-microsoft-com:office:office" xmlns:v="urn:schemas-microsoft-com:vml" xmlns:pvml="urn:schemas-microsoft-com:office:powerpoint" xmlns:com="http://schemas.openxmlformats.org/drawingml/2006/compatibility" xmlns:p14="http://schemas.microsoft.com/office/powerpoint/2010/main" xmlns:p15="http://schemas.microsoft.com/office/powerpoint/2012/main" xmlns:ahyp="http://schemas.microsoft.com/office/drawing/2018/hyperlinkcolor" matchingName="Title and body" type="tx">
+<p:sldLayout xmlns:a="http://schemas.openxmlformats.org/drawingml/2006/main" xmlns:r="http://schemas.openxmlformats.org/officeDocument/2006/relationships" xmlns:p="http://schemas.openxmlformats.org/presentationml/2006/main" matchingName="Title and body" type="tx">
   <p:cSld name="TITLE_AND_BODY">
     <p:spTree>
       <p:nvGrpSpPr>
-        <p:cNvPr id="16" name="Shape 16"/>
+        <p:cNvPr id="1" name="Shape 16"/>
         <p:cNvGrpSpPr/>
         <p:nvPr/>
       </p:nvGrpSpPr>
@@ -2580,7 +2668,9 @@
       <p:sp>
         <p:nvSpPr>
           <p:cNvPr id="17" name="Google Shape;17;p4"/>
-          <p:cNvSpPr txBox="1"/>
+          <p:cNvSpPr txBox="1">
+            <a:spLocks noGrp="1"/>
+          </p:cNvSpPr>
           <p:nvPr>
             <p:ph type="title"/>
           </p:nvPr>
@@ -2595,7 +2685,7 @@
           </a:prstGeom>
         </p:spPr>
         <p:txBody>
-          <a:bodyPr anchorCtr="0" anchor="t" bIns="91425" lIns="91425" spcFirstLastPara="1" rIns="91425" wrap="square" tIns="91425">
+          <a:bodyPr spcFirstLastPara="1" wrap="square" lIns="91425" tIns="91425" rIns="91425" bIns="91425" anchor="t" anchorCtr="0">
             <a:noAutofit/>
           </a:bodyPr>
           <a:lstStyle>
@@ -2699,15 +2789,19 @@
               <a:defRPr/>
             </a:lvl9pPr>
           </a:lstStyle>
-          <a:p/>
+          <a:p>
+            <a:endParaRPr/>
+          </a:p>
         </p:txBody>
       </p:sp>
       <p:sp>
         <p:nvSpPr>
           <p:cNvPr id="18" name="Google Shape;18;p4"/>
-          <p:cNvSpPr txBox="1"/>
+          <p:cNvSpPr txBox="1">
+            <a:spLocks noGrp="1"/>
+          </p:cNvSpPr>
           <p:nvPr>
-            <p:ph idx="1" type="body"/>
+            <p:ph type="body" idx="1"/>
           </p:nvPr>
         </p:nvSpPr>
         <p:spPr>
@@ -2720,11 +2814,11 @@
           </a:prstGeom>
         </p:spPr>
         <p:txBody>
-          <a:bodyPr anchorCtr="0" anchor="t" bIns="91425" lIns="91425" spcFirstLastPara="1" rIns="91425" wrap="square" tIns="91425">
+          <a:bodyPr spcFirstLastPara="1" wrap="square" lIns="91425" tIns="91425" rIns="91425" bIns="91425" anchor="t" anchorCtr="0">
             <a:noAutofit/>
           </a:bodyPr>
           <a:lstStyle>
-            <a:lvl1pPr indent="-342900" lvl="0" marL="457200">
+            <a:lvl1pPr marL="457200" lvl="0" indent="-342900">
               <a:spcBef>
                 <a:spcPts val="0"/>
               </a:spcBef>
@@ -2735,7 +2829,7 @@
               <a:buChar char="●"/>
               <a:defRPr/>
             </a:lvl1pPr>
-            <a:lvl2pPr indent="-317500" lvl="1" marL="914400">
+            <a:lvl2pPr marL="914400" lvl="1" indent="-317500">
               <a:spcBef>
                 <a:spcPts val="1600"/>
               </a:spcBef>
@@ -2746,7 +2840,7 @@
               <a:buChar char="○"/>
               <a:defRPr/>
             </a:lvl2pPr>
-            <a:lvl3pPr indent="-317500" lvl="2" marL="1371600">
+            <a:lvl3pPr marL="1371600" lvl="2" indent="-317500">
               <a:spcBef>
                 <a:spcPts val="1600"/>
               </a:spcBef>
@@ -2757,7 +2851,7 @@
               <a:buChar char="■"/>
               <a:defRPr/>
             </a:lvl3pPr>
-            <a:lvl4pPr indent="-317500" lvl="3" marL="1828800">
+            <a:lvl4pPr marL="1828800" lvl="3" indent="-317500">
               <a:spcBef>
                 <a:spcPts val="1600"/>
               </a:spcBef>
@@ -2768,7 +2862,7 @@
               <a:buChar char="●"/>
               <a:defRPr/>
             </a:lvl4pPr>
-            <a:lvl5pPr indent="-317500" lvl="4" marL="2286000">
+            <a:lvl5pPr marL="2286000" lvl="4" indent="-317500">
               <a:spcBef>
                 <a:spcPts val="1600"/>
               </a:spcBef>
@@ -2779,7 +2873,7 @@
               <a:buChar char="○"/>
               <a:defRPr/>
             </a:lvl5pPr>
-            <a:lvl6pPr indent="-317500" lvl="5" marL="2743200">
+            <a:lvl6pPr marL="2743200" lvl="5" indent="-317500">
               <a:spcBef>
                 <a:spcPts val="1600"/>
               </a:spcBef>
@@ -2790,7 +2884,7 @@
               <a:buChar char="■"/>
               <a:defRPr/>
             </a:lvl6pPr>
-            <a:lvl7pPr indent="-317500" lvl="6" marL="3200400">
+            <a:lvl7pPr marL="3200400" lvl="6" indent="-317500">
               <a:spcBef>
                 <a:spcPts val="1600"/>
               </a:spcBef>
@@ -2801,7 +2895,7 @@
               <a:buChar char="●"/>
               <a:defRPr/>
             </a:lvl7pPr>
-            <a:lvl8pPr indent="-317500" lvl="7" marL="3657600">
+            <a:lvl8pPr marL="3657600" lvl="7" indent="-317500">
               <a:spcBef>
                 <a:spcPts val="1600"/>
               </a:spcBef>
@@ -2812,7 +2906,7 @@
               <a:buChar char="○"/>
               <a:defRPr/>
             </a:lvl8pPr>
-            <a:lvl9pPr indent="-317500" lvl="8" marL="4114800">
+            <a:lvl9pPr marL="4114800" lvl="8" indent="-317500">
               <a:spcBef>
                 <a:spcPts val="1600"/>
               </a:spcBef>
@@ -2824,15 +2918,19 @@
               <a:defRPr/>
             </a:lvl9pPr>
           </a:lstStyle>
-          <a:p/>
+          <a:p>
+            <a:endParaRPr/>
+          </a:p>
         </p:txBody>
       </p:sp>
       <p:sp>
         <p:nvSpPr>
           <p:cNvPr id="19" name="Google Shape;19;p4"/>
-          <p:cNvSpPr txBox="1"/>
+          <p:cNvSpPr txBox="1">
+            <a:spLocks noGrp="1"/>
+          </p:cNvSpPr>
           <p:nvPr>
-            <p:ph idx="12" type="sldNum"/>
+            <p:ph type="sldNum" idx="12"/>
           </p:nvPr>
         </p:nvSpPr>
         <p:spPr>
@@ -2845,7 +2943,7 @@
           </a:prstGeom>
         </p:spPr>
         <p:txBody>
-          <a:bodyPr anchorCtr="0" anchor="ctr" bIns="91425" lIns="91425" spcFirstLastPara="1" rIns="91425" wrap="square" tIns="91425">
+          <a:bodyPr spcFirstLastPara="1" wrap="square" lIns="91425" tIns="91425" rIns="91425" bIns="91425" anchor="ctr" anchorCtr="0">
             <a:noAutofit/>
           </a:bodyPr>
           <a:lstStyle>
@@ -2887,7 +2985,7 @@
             </a:lvl9pPr>
           </a:lstStyle>
           <a:p>
-            <a:pPr indent="0" lvl="0" marL="0" rtl="0" algn="r">
+            <a:pPr marL="0" lvl="0" indent="0" algn="r" rtl="0">
               <a:spcBef>
                 <a:spcPts val="0"/>
               </a:spcBef>
@@ -2898,7 +2996,7 @@
             </a:pPr>
             <a:fld id="{00000000-1234-1234-1234-123412341234}" type="slidenum">
               <a:rPr lang="pt-BR"/>
-              <a:t>‹#›</a:t>
+              <a:t>‹nº›</a:t>
             </a:fld>
             <a:endParaRPr/>
           </a:p>
@@ -2913,11 +3011,11 @@
 </file>
 
 <file path=ppt/slideLayouts/slideLayout4.xml><?xml version="1.0" encoding="utf-8"?>
-<p:sldLayout xmlns:a="http://schemas.openxmlformats.org/drawingml/2006/main" xmlns:r="http://schemas.openxmlformats.org/officeDocument/2006/relationships" xmlns:mc="http://schemas.openxmlformats.org/markup-compatibility/2006" xmlns:mv="urn:schemas-microsoft-com:mac:vml" xmlns:p="http://schemas.openxmlformats.org/presentationml/2006/main" xmlns:c="http://schemas.openxmlformats.org/drawingml/2006/chart" xmlns:dgm="http://schemas.openxmlformats.org/drawingml/2006/diagram" xmlns:o="urn:schemas-microsoft-com:office:office" xmlns:v="urn:schemas-microsoft-com:vml" xmlns:pvml="urn:schemas-microsoft-com:office:powerpoint" xmlns:com="http://schemas.openxmlformats.org/drawingml/2006/compatibility" xmlns:p14="http://schemas.microsoft.com/office/powerpoint/2010/main" xmlns:p15="http://schemas.microsoft.com/office/powerpoint/2012/main" xmlns:ahyp="http://schemas.microsoft.com/office/drawing/2018/hyperlinkcolor" matchingName="Title and two columns" type="twoColTx">
+<p:sldLayout xmlns:a="http://schemas.openxmlformats.org/drawingml/2006/main" xmlns:r="http://schemas.openxmlformats.org/officeDocument/2006/relationships" xmlns:p="http://schemas.openxmlformats.org/presentationml/2006/main" matchingName="Title and two columns" type="twoColTx">
   <p:cSld name="TITLE_AND_TWO_COLUMNS">
     <p:spTree>
       <p:nvGrpSpPr>
-        <p:cNvPr id="20" name="Shape 20"/>
+        <p:cNvPr id="1" name="Shape 20"/>
         <p:cNvGrpSpPr/>
         <p:nvPr/>
       </p:nvGrpSpPr>
@@ -2932,7 +3030,9 @@
       <p:sp>
         <p:nvSpPr>
           <p:cNvPr id="21" name="Google Shape;21;p5"/>
-          <p:cNvSpPr txBox="1"/>
+          <p:cNvSpPr txBox="1">
+            <a:spLocks noGrp="1"/>
+          </p:cNvSpPr>
           <p:nvPr>
             <p:ph type="title"/>
           </p:nvPr>
@@ -2947,7 +3047,7 @@
           </a:prstGeom>
         </p:spPr>
         <p:txBody>
-          <a:bodyPr anchorCtr="0" anchor="t" bIns="91425" lIns="91425" spcFirstLastPara="1" rIns="91425" wrap="square" tIns="91425">
+          <a:bodyPr spcFirstLastPara="1" wrap="square" lIns="91425" tIns="91425" rIns="91425" bIns="91425" anchor="t" anchorCtr="0">
             <a:noAutofit/>
           </a:bodyPr>
           <a:lstStyle>
@@ -3051,15 +3151,19 @@
               <a:defRPr/>
             </a:lvl9pPr>
           </a:lstStyle>
-          <a:p/>
+          <a:p>
+            <a:endParaRPr/>
+          </a:p>
         </p:txBody>
       </p:sp>
       <p:sp>
         <p:nvSpPr>
           <p:cNvPr id="22" name="Google Shape;22;p5"/>
-          <p:cNvSpPr txBox="1"/>
+          <p:cNvSpPr txBox="1">
+            <a:spLocks noGrp="1"/>
+          </p:cNvSpPr>
           <p:nvPr>
-            <p:ph idx="1" type="body"/>
+            <p:ph type="body" idx="1"/>
           </p:nvPr>
         </p:nvSpPr>
         <p:spPr>
@@ -3072,11 +3176,11 @@
           </a:prstGeom>
         </p:spPr>
         <p:txBody>
-          <a:bodyPr anchorCtr="0" anchor="t" bIns="91425" lIns="91425" spcFirstLastPara="1" rIns="91425" wrap="square" tIns="91425">
+          <a:bodyPr spcFirstLastPara="1" wrap="square" lIns="91425" tIns="91425" rIns="91425" bIns="91425" anchor="t" anchorCtr="0">
             <a:noAutofit/>
           </a:bodyPr>
           <a:lstStyle>
-            <a:lvl1pPr indent="-317500" lvl="0" marL="457200">
+            <a:lvl1pPr marL="457200" lvl="0" indent="-317500">
               <a:spcBef>
                 <a:spcPts val="0"/>
               </a:spcBef>
@@ -3087,7 +3191,7 @@
               <a:buChar char="●"/>
               <a:defRPr sz="1400"/>
             </a:lvl1pPr>
-            <a:lvl2pPr indent="-304800" lvl="1" marL="914400">
+            <a:lvl2pPr marL="914400" lvl="1" indent="-304800">
               <a:spcBef>
                 <a:spcPts val="1600"/>
               </a:spcBef>
@@ -3098,7 +3202,7 @@
               <a:buChar char="○"/>
               <a:defRPr sz="1200"/>
             </a:lvl2pPr>
-            <a:lvl3pPr indent="-304800" lvl="2" marL="1371600">
+            <a:lvl3pPr marL="1371600" lvl="2" indent="-304800">
               <a:spcBef>
                 <a:spcPts val="1600"/>
               </a:spcBef>
@@ -3109,7 +3213,7 @@
               <a:buChar char="■"/>
               <a:defRPr sz="1200"/>
             </a:lvl3pPr>
-            <a:lvl4pPr indent="-304800" lvl="3" marL="1828800">
+            <a:lvl4pPr marL="1828800" lvl="3" indent="-304800">
               <a:spcBef>
                 <a:spcPts val="1600"/>
               </a:spcBef>
@@ -3120,7 +3224,7 @@
               <a:buChar char="●"/>
               <a:defRPr sz="1200"/>
             </a:lvl4pPr>
-            <a:lvl5pPr indent="-304800" lvl="4" marL="2286000">
+            <a:lvl5pPr marL="2286000" lvl="4" indent="-304800">
               <a:spcBef>
                 <a:spcPts val="1600"/>
               </a:spcBef>
@@ -3131,7 +3235,7 @@
               <a:buChar char="○"/>
               <a:defRPr sz="1200"/>
             </a:lvl5pPr>
-            <a:lvl6pPr indent="-304800" lvl="5" marL="2743200">
+            <a:lvl6pPr marL="2743200" lvl="5" indent="-304800">
               <a:spcBef>
                 <a:spcPts val="1600"/>
               </a:spcBef>
@@ -3142,7 +3246,7 @@
               <a:buChar char="■"/>
               <a:defRPr sz="1200"/>
             </a:lvl6pPr>
-            <a:lvl7pPr indent="-304800" lvl="6" marL="3200400">
+            <a:lvl7pPr marL="3200400" lvl="6" indent="-304800">
               <a:spcBef>
                 <a:spcPts val="1600"/>
               </a:spcBef>
@@ -3153,7 +3257,7 @@
               <a:buChar char="●"/>
               <a:defRPr sz="1200"/>
             </a:lvl7pPr>
-            <a:lvl8pPr indent="-304800" lvl="7" marL="3657600">
+            <a:lvl8pPr marL="3657600" lvl="7" indent="-304800">
               <a:spcBef>
                 <a:spcPts val="1600"/>
               </a:spcBef>
@@ -3164,7 +3268,7 @@
               <a:buChar char="○"/>
               <a:defRPr sz="1200"/>
             </a:lvl8pPr>
-            <a:lvl9pPr indent="-304800" lvl="8" marL="4114800">
+            <a:lvl9pPr marL="4114800" lvl="8" indent="-304800">
               <a:spcBef>
                 <a:spcPts val="1600"/>
               </a:spcBef>
@@ -3176,15 +3280,19 @@
               <a:defRPr sz="1200"/>
             </a:lvl9pPr>
           </a:lstStyle>
-          <a:p/>
+          <a:p>
+            <a:endParaRPr/>
+          </a:p>
         </p:txBody>
       </p:sp>
       <p:sp>
         <p:nvSpPr>
           <p:cNvPr id="23" name="Google Shape;23;p5"/>
-          <p:cNvSpPr txBox="1"/>
+          <p:cNvSpPr txBox="1">
+            <a:spLocks noGrp="1"/>
+          </p:cNvSpPr>
           <p:nvPr>
-            <p:ph idx="2" type="body"/>
+            <p:ph type="body" idx="2"/>
           </p:nvPr>
         </p:nvSpPr>
         <p:spPr>
@@ -3197,11 +3305,11 @@
           </a:prstGeom>
         </p:spPr>
         <p:txBody>
-          <a:bodyPr anchorCtr="0" anchor="t" bIns="91425" lIns="91425" spcFirstLastPara="1" rIns="91425" wrap="square" tIns="91425">
+          <a:bodyPr spcFirstLastPara="1" wrap="square" lIns="91425" tIns="91425" rIns="91425" bIns="91425" anchor="t" anchorCtr="0">
             <a:noAutofit/>
           </a:bodyPr>
           <a:lstStyle>
-            <a:lvl1pPr indent="-317500" lvl="0" marL="457200">
+            <a:lvl1pPr marL="457200" lvl="0" indent="-317500">
               <a:spcBef>
                 <a:spcPts val="0"/>
               </a:spcBef>
@@ -3212,7 +3320,7 @@
               <a:buChar char="●"/>
               <a:defRPr sz="1400"/>
             </a:lvl1pPr>
-            <a:lvl2pPr indent="-304800" lvl="1" marL="914400">
+            <a:lvl2pPr marL="914400" lvl="1" indent="-304800">
               <a:spcBef>
                 <a:spcPts val="1600"/>
               </a:spcBef>
@@ -3223,7 +3331,7 @@
               <a:buChar char="○"/>
               <a:defRPr sz="1200"/>
             </a:lvl2pPr>
-            <a:lvl3pPr indent="-304800" lvl="2" marL="1371600">
+            <a:lvl3pPr marL="1371600" lvl="2" indent="-304800">
               <a:spcBef>
                 <a:spcPts val="1600"/>
               </a:spcBef>
@@ -3234,7 +3342,7 @@
               <a:buChar char="■"/>
               <a:defRPr sz="1200"/>
             </a:lvl3pPr>
-            <a:lvl4pPr indent="-304800" lvl="3" marL="1828800">
+            <a:lvl4pPr marL="1828800" lvl="3" indent="-304800">
               <a:spcBef>
                 <a:spcPts val="1600"/>
               </a:spcBef>
@@ -3245,7 +3353,7 @@
               <a:buChar char="●"/>
               <a:defRPr sz="1200"/>
             </a:lvl4pPr>
-            <a:lvl5pPr indent="-304800" lvl="4" marL="2286000">
+            <a:lvl5pPr marL="2286000" lvl="4" indent="-304800">
               <a:spcBef>
                 <a:spcPts val="1600"/>
               </a:spcBef>
@@ -3256,7 +3364,7 @@
               <a:buChar char="○"/>
               <a:defRPr sz="1200"/>
             </a:lvl5pPr>
-            <a:lvl6pPr indent="-304800" lvl="5" marL="2743200">
+            <a:lvl6pPr marL="2743200" lvl="5" indent="-304800">
               <a:spcBef>
                 <a:spcPts val="1600"/>
               </a:spcBef>
@@ -3267,7 +3375,7 @@
               <a:buChar char="■"/>
               <a:defRPr sz="1200"/>
             </a:lvl6pPr>
-            <a:lvl7pPr indent="-304800" lvl="6" marL="3200400">
+            <a:lvl7pPr marL="3200400" lvl="6" indent="-304800">
               <a:spcBef>
                 <a:spcPts val="1600"/>
               </a:spcBef>
@@ -3278,7 +3386,7 @@
               <a:buChar char="●"/>
               <a:defRPr sz="1200"/>
             </a:lvl7pPr>
-            <a:lvl8pPr indent="-304800" lvl="7" marL="3657600">
+            <a:lvl8pPr marL="3657600" lvl="7" indent="-304800">
               <a:spcBef>
                 <a:spcPts val="1600"/>
               </a:spcBef>
@@ -3289,7 +3397,7 @@
               <a:buChar char="○"/>
               <a:defRPr sz="1200"/>
             </a:lvl8pPr>
-            <a:lvl9pPr indent="-304800" lvl="8" marL="4114800">
+            <a:lvl9pPr marL="4114800" lvl="8" indent="-304800">
               <a:spcBef>
                 <a:spcPts val="1600"/>
               </a:spcBef>
@@ -3301,15 +3409,19 @@
               <a:defRPr sz="1200"/>
             </a:lvl9pPr>
           </a:lstStyle>
-          <a:p/>
+          <a:p>
+            <a:endParaRPr/>
+          </a:p>
         </p:txBody>
       </p:sp>
       <p:sp>
         <p:nvSpPr>
           <p:cNvPr id="24" name="Google Shape;24;p5"/>
-          <p:cNvSpPr txBox="1"/>
+          <p:cNvSpPr txBox="1">
+            <a:spLocks noGrp="1"/>
+          </p:cNvSpPr>
           <p:nvPr>
-            <p:ph idx="12" type="sldNum"/>
+            <p:ph type="sldNum" idx="12"/>
           </p:nvPr>
         </p:nvSpPr>
         <p:spPr>
@@ -3322,7 +3434,7 @@
           </a:prstGeom>
         </p:spPr>
         <p:txBody>
-          <a:bodyPr anchorCtr="0" anchor="ctr" bIns="91425" lIns="91425" spcFirstLastPara="1" rIns="91425" wrap="square" tIns="91425">
+          <a:bodyPr spcFirstLastPara="1" wrap="square" lIns="91425" tIns="91425" rIns="91425" bIns="91425" anchor="ctr" anchorCtr="0">
             <a:noAutofit/>
           </a:bodyPr>
           <a:lstStyle>
@@ -3364,7 +3476,7 @@
             </a:lvl9pPr>
           </a:lstStyle>
           <a:p>
-            <a:pPr indent="0" lvl="0" marL="0" rtl="0" algn="r">
+            <a:pPr marL="0" lvl="0" indent="0" algn="r" rtl="0">
               <a:spcBef>
                 <a:spcPts val="0"/>
               </a:spcBef>
@@ -3375,7 +3487,7 @@
             </a:pPr>
             <a:fld id="{00000000-1234-1234-1234-123412341234}" type="slidenum">
               <a:rPr lang="pt-BR"/>
-              <a:t>‹#›</a:t>
+              <a:t>‹nº›</a:t>
             </a:fld>
             <a:endParaRPr/>
           </a:p>
@@ -3390,11 +3502,11 @@
 </file>
 
 <file path=ppt/slideLayouts/slideLayout5.xml><?xml version="1.0" encoding="utf-8"?>
-<p:sldLayout xmlns:a="http://schemas.openxmlformats.org/drawingml/2006/main" xmlns:r="http://schemas.openxmlformats.org/officeDocument/2006/relationships" xmlns:mc="http://schemas.openxmlformats.org/markup-compatibility/2006" xmlns:mv="urn:schemas-microsoft-com:mac:vml" xmlns:p="http://schemas.openxmlformats.org/presentationml/2006/main" xmlns:c="http://schemas.openxmlformats.org/drawingml/2006/chart" xmlns:dgm="http://schemas.openxmlformats.org/drawingml/2006/diagram" xmlns:o="urn:schemas-microsoft-com:office:office" xmlns:v="urn:schemas-microsoft-com:vml" xmlns:pvml="urn:schemas-microsoft-com:office:powerpoint" xmlns:com="http://schemas.openxmlformats.org/drawingml/2006/compatibility" xmlns:p14="http://schemas.microsoft.com/office/powerpoint/2010/main" xmlns:p15="http://schemas.microsoft.com/office/powerpoint/2012/main" xmlns:ahyp="http://schemas.microsoft.com/office/drawing/2018/hyperlinkcolor" matchingName="Title only" type="titleOnly">
+<p:sldLayout xmlns:a="http://schemas.openxmlformats.org/drawingml/2006/main" xmlns:r="http://schemas.openxmlformats.org/officeDocument/2006/relationships" xmlns:p="http://schemas.openxmlformats.org/presentationml/2006/main" matchingName="Title only" type="titleOnly">
   <p:cSld name="TITLE_ONLY">
     <p:spTree>
       <p:nvGrpSpPr>
-        <p:cNvPr id="25" name="Shape 25"/>
+        <p:cNvPr id="1" name="Shape 25"/>
         <p:cNvGrpSpPr/>
         <p:nvPr/>
       </p:nvGrpSpPr>
@@ -3409,7 +3521,9 @@
       <p:sp>
         <p:nvSpPr>
           <p:cNvPr id="26" name="Google Shape;26;p6"/>
-          <p:cNvSpPr txBox="1"/>
+          <p:cNvSpPr txBox="1">
+            <a:spLocks noGrp="1"/>
+          </p:cNvSpPr>
           <p:nvPr>
             <p:ph type="title"/>
           </p:nvPr>
@@ -3424,7 +3538,7 @@
           </a:prstGeom>
         </p:spPr>
         <p:txBody>
-          <a:bodyPr anchorCtr="0" anchor="t" bIns="91425" lIns="91425" spcFirstLastPara="1" rIns="91425" wrap="square" tIns="91425">
+          <a:bodyPr spcFirstLastPara="1" wrap="square" lIns="91425" tIns="91425" rIns="91425" bIns="91425" anchor="t" anchorCtr="0">
             <a:noAutofit/>
           </a:bodyPr>
           <a:lstStyle>
@@ -3528,15 +3642,19 @@
               <a:defRPr/>
             </a:lvl9pPr>
           </a:lstStyle>
-          <a:p/>
+          <a:p>
+            <a:endParaRPr/>
+          </a:p>
         </p:txBody>
       </p:sp>
       <p:sp>
         <p:nvSpPr>
           <p:cNvPr id="27" name="Google Shape;27;p6"/>
-          <p:cNvSpPr txBox="1"/>
+          <p:cNvSpPr txBox="1">
+            <a:spLocks noGrp="1"/>
+          </p:cNvSpPr>
           <p:nvPr>
-            <p:ph idx="12" type="sldNum"/>
+            <p:ph type="sldNum" idx="12"/>
           </p:nvPr>
         </p:nvSpPr>
         <p:spPr>
@@ -3549,7 +3667,7 @@
           </a:prstGeom>
         </p:spPr>
         <p:txBody>
-          <a:bodyPr anchorCtr="0" anchor="ctr" bIns="91425" lIns="91425" spcFirstLastPara="1" rIns="91425" wrap="square" tIns="91425">
+          <a:bodyPr spcFirstLastPara="1" wrap="square" lIns="91425" tIns="91425" rIns="91425" bIns="91425" anchor="ctr" anchorCtr="0">
             <a:noAutofit/>
           </a:bodyPr>
           <a:lstStyle>
@@ -3591,7 +3709,7 @@
             </a:lvl9pPr>
           </a:lstStyle>
           <a:p>
-            <a:pPr indent="0" lvl="0" marL="0" rtl="0" algn="r">
+            <a:pPr marL="0" lvl="0" indent="0" algn="r" rtl="0">
               <a:spcBef>
                 <a:spcPts val="0"/>
               </a:spcBef>
@@ -3602,7 +3720,7 @@
             </a:pPr>
             <a:fld id="{00000000-1234-1234-1234-123412341234}" type="slidenum">
               <a:rPr lang="pt-BR"/>
-              <a:t>‹#›</a:t>
+              <a:t>‹nº›</a:t>
             </a:fld>
             <a:endParaRPr/>
           </a:p>
@@ -3617,11 +3735,11 @@
 </file>
 
 <file path=ppt/slideLayouts/slideLayout6.xml><?xml version="1.0" encoding="utf-8"?>
-<p:sldLayout xmlns:a="http://schemas.openxmlformats.org/drawingml/2006/main" xmlns:r="http://schemas.openxmlformats.org/officeDocument/2006/relationships" xmlns:mc="http://schemas.openxmlformats.org/markup-compatibility/2006" xmlns:mv="urn:schemas-microsoft-com:mac:vml" xmlns:p="http://schemas.openxmlformats.org/presentationml/2006/main" xmlns:c="http://schemas.openxmlformats.org/drawingml/2006/chart" xmlns:dgm="http://schemas.openxmlformats.org/drawingml/2006/diagram" xmlns:o="urn:schemas-microsoft-com:office:office" xmlns:v="urn:schemas-microsoft-com:vml" xmlns:pvml="urn:schemas-microsoft-com:office:powerpoint" xmlns:com="http://schemas.openxmlformats.org/drawingml/2006/compatibility" xmlns:p14="http://schemas.microsoft.com/office/powerpoint/2010/main" xmlns:p15="http://schemas.microsoft.com/office/powerpoint/2012/main" xmlns:ahyp="http://schemas.microsoft.com/office/drawing/2018/hyperlinkcolor" matchingName="One column text">
+<p:sldLayout xmlns:a="http://schemas.openxmlformats.org/drawingml/2006/main" xmlns:r="http://schemas.openxmlformats.org/officeDocument/2006/relationships" xmlns:p="http://schemas.openxmlformats.org/presentationml/2006/main" matchingName="One column text">
   <p:cSld name="ONE_COLUMN_TEXT">
     <p:spTree>
       <p:nvGrpSpPr>
-        <p:cNvPr id="28" name="Shape 28"/>
+        <p:cNvPr id="1" name="Shape 28"/>
         <p:cNvGrpSpPr/>
         <p:nvPr/>
       </p:nvGrpSpPr>
@@ -3636,7 +3754,9 @@
       <p:sp>
         <p:nvSpPr>
           <p:cNvPr id="29" name="Google Shape;29;p7"/>
-          <p:cNvSpPr txBox="1"/>
+          <p:cNvSpPr txBox="1">
+            <a:spLocks noGrp="1"/>
+          </p:cNvSpPr>
           <p:nvPr>
             <p:ph type="title"/>
           </p:nvPr>
@@ -3651,7 +3771,7 @@
           </a:prstGeom>
         </p:spPr>
         <p:txBody>
-          <a:bodyPr anchorCtr="0" anchor="b" bIns="91425" lIns="91425" spcFirstLastPara="1" rIns="91425" wrap="square" tIns="91425">
+          <a:bodyPr spcFirstLastPara="1" wrap="square" lIns="91425" tIns="91425" rIns="91425" bIns="91425" anchor="b" anchorCtr="0">
             <a:noAutofit/>
           </a:bodyPr>
           <a:lstStyle>
@@ -3755,15 +3875,19 @@
               <a:defRPr sz="2400"/>
             </a:lvl9pPr>
           </a:lstStyle>
-          <a:p/>
+          <a:p>
+            <a:endParaRPr/>
+          </a:p>
         </p:txBody>
       </p:sp>
       <p:sp>
         <p:nvSpPr>
           <p:cNvPr id="30" name="Google Shape;30;p7"/>
-          <p:cNvSpPr txBox="1"/>
+          <p:cNvSpPr txBox="1">
+            <a:spLocks noGrp="1"/>
+          </p:cNvSpPr>
           <p:nvPr>
-            <p:ph idx="1" type="body"/>
+            <p:ph type="body" idx="1"/>
           </p:nvPr>
         </p:nvSpPr>
         <p:spPr>
@@ -3776,11 +3900,11 @@
           </a:prstGeom>
         </p:spPr>
         <p:txBody>
-          <a:bodyPr anchorCtr="0" anchor="t" bIns="91425" lIns="91425" spcFirstLastPara="1" rIns="91425" wrap="square" tIns="91425">
+          <a:bodyPr spcFirstLastPara="1" wrap="square" lIns="91425" tIns="91425" rIns="91425" bIns="91425" anchor="t" anchorCtr="0">
             <a:noAutofit/>
           </a:bodyPr>
           <a:lstStyle>
-            <a:lvl1pPr indent="-304800" lvl="0" marL="457200">
+            <a:lvl1pPr marL="457200" lvl="0" indent="-304800">
               <a:spcBef>
                 <a:spcPts val="0"/>
               </a:spcBef>
@@ -3791,7 +3915,7 @@
               <a:buChar char="●"/>
               <a:defRPr sz="1200"/>
             </a:lvl1pPr>
-            <a:lvl2pPr indent="-304800" lvl="1" marL="914400">
+            <a:lvl2pPr marL="914400" lvl="1" indent="-304800">
               <a:spcBef>
                 <a:spcPts val="1600"/>
               </a:spcBef>
@@ -3802,7 +3926,7 @@
               <a:buChar char="○"/>
               <a:defRPr sz="1200"/>
             </a:lvl2pPr>
-            <a:lvl3pPr indent="-304800" lvl="2" marL="1371600">
+            <a:lvl3pPr marL="1371600" lvl="2" indent="-304800">
               <a:spcBef>
                 <a:spcPts val="1600"/>
               </a:spcBef>
@@ -3813,7 +3937,7 @@
               <a:buChar char="■"/>
               <a:defRPr sz="1200"/>
             </a:lvl3pPr>
-            <a:lvl4pPr indent="-304800" lvl="3" marL="1828800">
+            <a:lvl4pPr marL="1828800" lvl="3" indent="-304800">
               <a:spcBef>
                 <a:spcPts val="1600"/>
               </a:spcBef>
@@ -3824,7 +3948,7 @@
               <a:buChar char="●"/>
               <a:defRPr sz="1200"/>
             </a:lvl4pPr>
-            <a:lvl5pPr indent="-304800" lvl="4" marL="2286000">
+            <a:lvl5pPr marL="2286000" lvl="4" indent="-304800">
               <a:spcBef>
                 <a:spcPts val="1600"/>
               </a:spcBef>
@@ -3835,7 +3959,7 @@
               <a:buChar char="○"/>
               <a:defRPr sz="1200"/>
             </a:lvl5pPr>
-            <a:lvl6pPr indent="-304800" lvl="5" marL="2743200">
+            <a:lvl6pPr marL="2743200" lvl="5" indent="-304800">
               <a:spcBef>
                 <a:spcPts val="1600"/>
               </a:spcBef>
@@ -3846,7 +3970,7 @@
               <a:buChar char="■"/>
               <a:defRPr sz="1200"/>
             </a:lvl6pPr>
-            <a:lvl7pPr indent="-304800" lvl="6" marL="3200400">
+            <a:lvl7pPr marL="3200400" lvl="6" indent="-304800">
               <a:spcBef>
                 <a:spcPts val="1600"/>
               </a:spcBef>
@@ -3857,7 +3981,7 @@
               <a:buChar char="●"/>
               <a:defRPr sz="1200"/>
             </a:lvl7pPr>
-            <a:lvl8pPr indent="-304800" lvl="7" marL="3657600">
+            <a:lvl8pPr marL="3657600" lvl="7" indent="-304800">
               <a:spcBef>
                 <a:spcPts val="1600"/>
               </a:spcBef>
@@ -3868,7 +3992,7 @@
               <a:buChar char="○"/>
               <a:defRPr sz="1200"/>
             </a:lvl8pPr>
-            <a:lvl9pPr indent="-304800" lvl="8" marL="4114800">
+            <a:lvl9pPr marL="4114800" lvl="8" indent="-304800">
               <a:spcBef>
                 <a:spcPts val="1600"/>
               </a:spcBef>
@@ -3880,15 +4004,19 @@
               <a:defRPr sz="1200"/>
             </a:lvl9pPr>
           </a:lstStyle>
-          <a:p/>
+          <a:p>
+            <a:endParaRPr/>
+          </a:p>
         </p:txBody>
       </p:sp>
       <p:sp>
         <p:nvSpPr>
           <p:cNvPr id="31" name="Google Shape;31;p7"/>
-          <p:cNvSpPr txBox="1"/>
+          <p:cNvSpPr txBox="1">
+            <a:spLocks noGrp="1"/>
+          </p:cNvSpPr>
           <p:nvPr>
-            <p:ph idx="12" type="sldNum"/>
+            <p:ph type="sldNum" idx="12"/>
           </p:nvPr>
         </p:nvSpPr>
         <p:spPr>
@@ -3901,7 +4029,7 @@
           </a:prstGeom>
         </p:spPr>
         <p:txBody>
-          <a:bodyPr anchorCtr="0" anchor="ctr" bIns="91425" lIns="91425" spcFirstLastPara="1" rIns="91425" wrap="square" tIns="91425">
+          <a:bodyPr spcFirstLastPara="1" wrap="square" lIns="91425" tIns="91425" rIns="91425" bIns="91425" anchor="ctr" anchorCtr="0">
             <a:noAutofit/>
           </a:bodyPr>
           <a:lstStyle>
@@ -3943,7 +4071,7 @@
             </a:lvl9pPr>
           </a:lstStyle>
           <a:p>
-            <a:pPr indent="0" lvl="0" marL="0" rtl="0" algn="r">
+            <a:pPr marL="0" lvl="0" indent="0" algn="r" rtl="0">
               <a:spcBef>
                 <a:spcPts val="0"/>
               </a:spcBef>
@@ -3954,7 +4082,7 @@
             </a:pPr>
             <a:fld id="{00000000-1234-1234-1234-123412341234}" type="slidenum">
               <a:rPr lang="pt-BR"/>
-              <a:t>‹#›</a:t>
+              <a:t>‹nº›</a:t>
             </a:fld>
             <a:endParaRPr/>
           </a:p>
@@ -3969,11 +4097,11 @@
 </file>
 
 <file path=ppt/slideLayouts/slideLayout7.xml><?xml version="1.0" encoding="utf-8"?>
-<p:sldLayout xmlns:a="http://schemas.openxmlformats.org/drawingml/2006/main" xmlns:r="http://schemas.openxmlformats.org/officeDocument/2006/relationships" xmlns:mc="http://schemas.openxmlformats.org/markup-compatibility/2006" xmlns:mv="urn:schemas-microsoft-com:mac:vml" xmlns:p="http://schemas.openxmlformats.org/presentationml/2006/main" xmlns:c="http://schemas.openxmlformats.org/drawingml/2006/chart" xmlns:dgm="http://schemas.openxmlformats.org/drawingml/2006/diagram" xmlns:o="urn:schemas-microsoft-com:office:office" xmlns:v="urn:schemas-microsoft-com:vml" xmlns:pvml="urn:schemas-microsoft-com:office:powerpoint" xmlns:com="http://schemas.openxmlformats.org/drawingml/2006/compatibility" xmlns:p14="http://schemas.microsoft.com/office/powerpoint/2010/main" xmlns:p15="http://schemas.microsoft.com/office/powerpoint/2012/main" xmlns:ahyp="http://schemas.microsoft.com/office/drawing/2018/hyperlinkcolor" matchingName="Main point">
+<p:sldLayout xmlns:a="http://schemas.openxmlformats.org/drawingml/2006/main" xmlns:r="http://schemas.openxmlformats.org/officeDocument/2006/relationships" xmlns:p="http://schemas.openxmlformats.org/presentationml/2006/main" matchingName="Main point">
   <p:cSld name="MAIN_POINT">
     <p:spTree>
       <p:nvGrpSpPr>
-        <p:cNvPr id="32" name="Shape 32"/>
+        <p:cNvPr id="1" name="Shape 32"/>
         <p:cNvGrpSpPr/>
         <p:nvPr/>
       </p:nvGrpSpPr>
@@ -3988,7 +4116,9 @@
       <p:sp>
         <p:nvSpPr>
           <p:cNvPr id="33" name="Google Shape;33;p8"/>
-          <p:cNvSpPr txBox="1"/>
+          <p:cNvSpPr txBox="1">
+            <a:spLocks noGrp="1"/>
+          </p:cNvSpPr>
           <p:nvPr>
             <p:ph type="title"/>
           </p:nvPr>
@@ -4003,7 +4133,7 @@
           </a:prstGeom>
         </p:spPr>
         <p:txBody>
-          <a:bodyPr anchorCtr="0" anchor="ctr" bIns="91425" lIns="91425" spcFirstLastPara="1" rIns="91425" wrap="square" tIns="91425">
+          <a:bodyPr spcFirstLastPara="1" wrap="square" lIns="91425" tIns="91425" rIns="91425" bIns="91425" anchor="ctr" anchorCtr="0">
             <a:noAutofit/>
           </a:bodyPr>
           <a:lstStyle>
@@ -4107,15 +4237,19 @@
               <a:defRPr sz="4800"/>
             </a:lvl9pPr>
           </a:lstStyle>
-          <a:p/>
+          <a:p>
+            <a:endParaRPr/>
+          </a:p>
         </p:txBody>
       </p:sp>
       <p:sp>
         <p:nvSpPr>
           <p:cNvPr id="34" name="Google Shape;34;p8"/>
-          <p:cNvSpPr txBox="1"/>
+          <p:cNvSpPr txBox="1">
+            <a:spLocks noGrp="1"/>
+          </p:cNvSpPr>
           <p:nvPr>
-            <p:ph idx="12" type="sldNum"/>
+            <p:ph type="sldNum" idx="12"/>
           </p:nvPr>
         </p:nvSpPr>
         <p:spPr>
@@ -4128,7 +4262,7 @@
           </a:prstGeom>
         </p:spPr>
         <p:txBody>
-          <a:bodyPr anchorCtr="0" anchor="ctr" bIns="91425" lIns="91425" spcFirstLastPara="1" rIns="91425" wrap="square" tIns="91425">
+          <a:bodyPr spcFirstLastPara="1" wrap="square" lIns="91425" tIns="91425" rIns="91425" bIns="91425" anchor="ctr" anchorCtr="0">
             <a:noAutofit/>
           </a:bodyPr>
           <a:lstStyle>
@@ -4170,7 +4304,7 @@
             </a:lvl9pPr>
           </a:lstStyle>
           <a:p>
-            <a:pPr indent="0" lvl="0" marL="0" rtl="0" algn="r">
+            <a:pPr marL="0" lvl="0" indent="0" algn="r" rtl="0">
               <a:spcBef>
                 <a:spcPts val="0"/>
               </a:spcBef>
@@ -4181,7 +4315,7 @@
             </a:pPr>
             <a:fld id="{00000000-1234-1234-1234-123412341234}" type="slidenum">
               <a:rPr lang="pt-BR"/>
-              <a:t>‹#›</a:t>
+              <a:t>‹nº›</a:t>
             </a:fld>
             <a:endParaRPr/>
           </a:p>
@@ -4196,11 +4330,11 @@
 </file>
 
 <file path=ppt/slideLayouts/slideLayout8.xml><?xml version="1.0" encoding="utf-8"?>
-<p:sldLayout xmlns:a="http://schemas.openxmlformats.org/drawingml/2006/main" xmlns:r="http://schemas.openxmlformats.org/officeDocument/2006/relationships" xmlns:mc="http://schemas.openxmlformats.org/markup-compatibility/2006" xmlns:mv="urn:schemas-microsoft-com:mac:vml" xmlns:p="http://schemas.openxmlformats.org/presentationml/2006/main" xmlns:c="http://schemas.openxmlformats.org/drawingml/2006/chart" xmlns:dgm="http://schemas.openxmlformats.org/drawingml/2006/diagram" xmlns:o="urn:schemas-microsoft-com:office:office" xmlns:v="urn:schemas-microsoft-com:vml" xmlns:pvml="urn:schemas-microsoft-com:office:powerpoint" xmlns:com="http://schemas.openxmlformats.org/drawingml/2006/compatibility" xmlns:p14="http://schemas.microsoft.com/office/powerpoint/2010/main" xmlns:p15="http://schemas.microsoft.com/office/powerpoint/2012/main" xmlns:ahyp="http://schemas.microsoft.com/office/drawing/2018/hyperlinkcolor" matchingName="Section title and description">
+<p:sldLayout xmlns:a="http://schemas.openxmlformats.org/drawingml/2006/main" xmlns:r="http://schemas.openxmlformats.org/officeDocument/2006/relationships" xmlns:p="http://schemas.openxmlformats.org/presentationml/2006/main" matchingName="Section title and description">
   <p:cSld name="SECTION_TITLE_AND_DESCRIPTION">
     <p:spTree>
       <p:nvGrpSpPr>
-        <p:cNvPr id="35" name="Shape 35"/>
+        <p:cNvPr id="1" name="Shape 35"/>
         <p:cNvGrpSpPr/>
         <p:nvPr/>
       </p:nvGrpSpPr>
@@ -4234,12 +4368,12 @@
           </a:ln>
         </p:spPr>
         <p:txBody>
-          <a:bodyPr anchorCtr="0" anchor="ctr" bIns="91425" lIns="91425" spcFirstLastPara="1" rIns="91425" wrap="square" tIns="91425">
+          <a:bodyPr spcFirstLastPara="1" wrap="square" lIns="91425" tIns="91425" rIns="91425" bIns="91425" anchor="ctr" anchorCtr="0">
             <a:noAutofit/>
           </a:bodyPr>
           <a:lstStyle/>
           <a:p>
-            <a:pPr indent="0" lvl="0" marL="0" rtl="0" algn="l">
+            <a:pPr marL="0" lvl="0" indent="0" algn="l" rtl="0">
               <a:spcBef>
                 <a:spcPts val="0"/>
               </a:spcBef>
@@ -4248,9 +4382,6 @@
               </a:spcAft>
               <a:buNone/>
             </a:pPr>
-            <a:r>
-              <a:t/>
-            </a:r>
             <a:endParaRPr/>
           </a:p>
         </p:txBody>
@@ -4258,7 +4389,9 @@
       <p:sp>
         <p:nvSpPr>
           <p:cNvPr id="37" name="Google Shape;37;p9"/>
-          <p:cNvSpPr txBox="1"/>
+          <p:cNvSpPr txBox="1">
+            <a:spLocks noGrp="1"/>
+          </p:cNvSpPr>
           <p:nvPr>
             <p:ph type="title"/>
           </p:nvPr>
@@ -4273,7 +4406,7 @@
           </a:prstGeom>
         </p:spPr>
         <p:txBody>
-          <a:bodyPr anchorCtr="0" anchor="b" bIns="91425" lIns="91425" spcFirstLastPara="1" rIns="91425" wrap="square" tIns="91425">
+          <a:bodyPr spcFirstLastPara="1" wrap="square" lIns="91425" tIns="91425" rIns="91425" bIns="91425" anchor="b" anchorCtr="0">
             <a:noAutofit/>
           </a:bodyPr>
           <a:lstStyle>
@@ -4377,15 +4510,19 @@
               <a:defRPr sz="4200"/>
             </a:lvl9pPr>
           </a:lstStyle>
-          <a:p/>
+          <a:p>
+            <a:endParaRPr/>
+          </a:p>
         </p:txBody>
       </p:sp>
       <p:sp>
         <p:nvSpPr>
           <p:cNvPr id="38" name="Google Shape;38;p9"/>
-          <p:cNvSpPr txBox="1"/>
+          <p:cNvSpPr txBox="1">
+            <a:spLocks noGrp="1"/>
+          </p:cNvSpPr>
           <p:nvPr>
-            <p:ph idx="1" type="subTitle"/>
+            <p:ph type="subTitle" idx="1"/>
           </p:nvPr>
         </p:nvSpPr>
         <p:spPr>
@@ -4398,7 +4535,7 @@
           </a:prstGeom>
         </p:spPr>
         <p:txBody>
-          <a:bodyPr anchorCtr="0" anchor="t" bIns="91425" lIns="91425" spcFirstLastPara="1" rIns="91425" wrap="square" tIns="91425">
+          <a:bodyPr spcFirstLastPara="1" wrap="square" lIns="91425" tIns="91425" rIns="91425" bIns="91425" anchor="t" anchorCtr="0">
             <a:noAutofit/>
           </a:bodyPr>
           <a:lstStyle>
@@ -4529,15 +4666,19 @@
               <a:defRPr sz="2100"/>
             </a:lvl9pPr>
           </a:lstStyle>
-          <a:p/>
+          <a:p>
+            <a:endParaRPr/>
+          </a:p>
         </p:txBody>
       </p:sp>
       <p:sp>
         <p:nvSpPr>
           <p:cNvPr id="39" name="Google Shape;39;p9"/>
-          <p:cNvSpPr txBox="1"/>
+          <p:cNvSpPr txBox="1">
+            <a:spLocks noGrp="1"/>
+          </p:cNvSpPr>
           <p:nvPr>
-            <p:ph idx="2" type="body"/>
+            <p:ph type="body" idx="2"/>
           </p:nvPr>
         </p:nvSpPr>
         <p:spPr>
@@ -4550,11 +4691,11 @@
           </a:prstGeom>
         </p:spPr>
         <p:txBody>
-          <a:bodyPr anchorCtr="0" anchor="ctr" bIns="91425" lIns="91425" spcFirstLastPara="1" rIns="91425" wrap="square" tIns="91425">
+          <a:bodyPr spcFirstLastPara="1" wrap="square" lIns="91425" tIns="91425" rIns="91425" bIns="91425" anchor="ctr" anchorCtr="0">
             <a:noAutofit/>
           </a:bodyPr>
           <a:lstStyle>
-            <a:lvl1pPr indent="-342900" lvl="0" marL="457200">
+            <a:lvl1pPr marL="457200" lvl="0" indent="-342900">
               <a:spcBef>
                 <a:spcPts val="0"/>
               </a:spcBef>
@@ -4565,7 +4706,7 @@
               <a:buChar char="●"/>
               <a:defRPr/>
             </a:lvl1pPr>
-            <a:lvl2pPr indent="-317500" lvl="1" marL="914400">
+            <a:lvl2pPr marL="914400" lvl="1" indent="-317500">
               <a:spcBef>
                 <a:spcPts val="1600"/>
               </a:spcBef>
@@ -4576,7 +4717,7 @@
               <a:buChar char="○"/>
               <a:defRPr/>
             </a:lvl2pPr>
-            <a:lvl3pPr indent="-317500" lvl="2" marL="1371600">
+            <a:lvl3pPr marL="1371600" lvl="2" indent="-317500">
               <a:spcBef>
                 <a:spcPts val="1600"/>
               </a:spcBef>
@@ -4587,7 +4728,7 @@
               <a:buChar char="■"/>
               <a:defRPr/>
             </a:lvl3pPr>
-            <a:lvl4pPr indent="-317500" lvl="3" marL="1828800">
+            <a:lvl4pPr marL="1828800" lvl="3" indent="-317500">
               <a:spcBef>
                 <a:spcPts val="1600"/>
               </a:spcBef>
@@ -4598,7 +4739,7 @@
               <a:buChar char="●"/>
               <a:defRPr/>
             </a:lvl4pPr>
-            <a:lvl5pPr indent="-317500" lvl="4" marL="2286000">
+            <a:lvl5pPr marL="2286000" lvl="4" indent="-317500">
               <a:spcBef>
                 <a:spcPts val="1600"/>
               </a:spcBef>
@@ -4609,7 +4750,7 @@
               <a:buChar char="○"/>
               <a:defRPr/>
             </a:lvl5pPr>
-            <a:lvl6pPr indent="-317500" lvl="5" marL="2743200">
+            <a:lvl6pPr marL="2743200" lvl="5" indent="-317500">
               <a:spcBef>
                 <a:spcPts val="1600"/>
               </a:spcBef>
@@ -4620,7 +4761,7 @@
               <a:buChar char="■"/>
               <a:defRPr/>
             </a:lvl6pPr>
-            <a:lvl7pPr indent="-317500" lvl="6" marL="3200400">
+            <a:lvl7pPr marL="3200400" lvl="6" indent="-317500">
               <a:spcBef>
                 <a:spcPts val="1600"/>
               </a:spcBef>
@@ -4631,7 +4772,7 @@
               <a:buChar char="●"/>
               <a:defRPr/>
             </a:lvl7pPr>
-            <a:lvl8pPr indent="-317500" lvl="7" marL="3657600">
+            <a:lvl8pPr marL="3657600" lvl="7" indent="-317500">
               <a:spcBef>
                 <a:spcPts val="1600"/>
               </a:spcBef>
@@ -4642,7 +4783,7 @@
               <a:buChar char="○"/>
               <a:defRPr/>
             </a:lvl8pPr>
-            <a:lvl9pPr indent="-317500" lvl="8" marL="4114800">
+            <a:lvl9pPr marL="4114800" lvl="8" indent="-317500">
               <a:spcBef>
                 <a:spcPts val="1600"/>
               </a:spcBef>
@@ -4654,15 +4795,19 @@
               <a:defRPr/>
             </a:lvl9pPr>
           </a:lstStyle>
-          <a:p/>
+          <a:p>
+            <a:endParaRPr/>
+          </a:p>
         </p:txBody>
       </p:sp>
       <p:sp>
         <p:nvSpPr>
           <p:cNvPr id="40" name="Google Shape;40;p9"/>
-          <p:cNvSpPr txBox="1"/>
+          <p:cNvSpPr txBox="1">
+            <a:spLocks noGrp="1"/>
+          </p:cNvSpPr>
           <p:nvPr>
-            <p:ph idx="12" type="sldNum"/>
+            <p:ph type="sldNum" idx="12"/>
           </p:nvPr>
         </p:nvSpPr>
         <p:spPr>
@@ -4675,7 +4820,7 @@
           </a:prstGeom>
         </p:spPr>
         <p:txBody>
-          <a:bodyPr anchorCtr="0" anchor="ctr" bIns="91425" lIns="91425" spcFirstLastPara="1" rIns="91425" wrap="square" tIns="91425">
+          <a:bodyPr spcFirstLastPara="1" wrap="square" lIns="91425" tIns="91425" rIns="91425" bIns="91425" anchor="ctr" anchorCtr="0">
             <a:noAutofit/>
           </a:bodyPr>
           <a:lstStyle>
@@ -4717,7 +4862,7 @@
             </a:lvl9pPr>
           </a:lstStyle>
           <a:p>
-            <a:pPr indent="0" lvl="0" marL="0" rtl="0" algn="r">
+            <a:pPr marL="0" lvl="0" indent="0" algn="r" rtl="0">
               <a:spcBef>
                 <a:spcPts val="0"/>
               </a:spcBef>
@@ -4728,7 +4873,7 @@
             </a:pPr>
             <a:fld id="{00000000-1234-1234-1234-123412341234}" type="slidenum">
               <a:rPr lang="pt-BR"/>
-              <a:t>‹#›</a:t>
+              <a:t>‹nº›</a:t>
             </a:fld>
             <a:endParaRPr/>
           </a:p>
@@ -4743,11 +4888,11 @@
 </file>
 
 <file path=ppt/slideLayouts/slideLayout9.xml><?xml version="1.0" encoding="utf-8"?>
-<p:sldLayout xmlns:a="http://schemas.openxmlformats.org/drawingml/2006/main" xmlns:r="http://schemas.openxmlformats.org/officeDocument/2006/relationships" xmlns:mc="http://schemas.openxmlformats.org/markup-compatibility/2006" xmlns:mv="urn:schemas-microsoft-com:mac:vml" xmlns:p="http://schemas.openxmlformats.org/presentationml/2006/main" xmlns:c="http://schemas.openxmlformats.org/drawingml/2006/chart" xmlns:dgm="http://schemas.openxmlformats.org/drawingml/2006/diagram" xmlns:o="urn:schemas-microsoft-com:office:office" xmlns:v="urn:schemas-microsoft-com:vml" xmlns:pvml="urn:schemas-microsoft-com:office:powerpoint" xmlns:com="http://schemas.openxmlformats.org/drawingml/2006/compatibility" xmlns:p14="http://schemas.microsoft.com/office/powerpoint/2010/main" xmlns:p15="http://schemas.microsoft.com/office/powerpoint/2012/main" xmlns:ahyp="http://schemas.microsoft.com/office/drawing/2018/hyperlinkcolor" matchingName="Caption">
+<p:sldLayout xmlns:a="http://schemas.openxmlformats.org/drawingml/2006/main" xmlns:r="http://schemas.openxmlformats.org/officeDocument/2006/relationships" xmlns:p="http://schemas.openxmlformats.org/presentationml/2006/main" matchingName="Caption">
   <p:cSld name="CAPTION_ONLY">
     <p:spTree>
       <p:nvGrpSpPr>
-        <p:cNvPr id="41" name="Shape 41"/>
+        <p:cNvPr id="1" name="Shape 41"/>
         <p:cNvGrpSpPr/>
         <p:nvPr/>
       </p:nvGrpSpPr>
@@ -4762,9 +4907,11 @@
       <p:sp>
         <p:nvSpPr>
           <p:cNvPr id="42" name="Google Shape;42;p10"/>
-          <p:cNvSpPr txBox="1"/>
+          <p:cNvSpPr txBox="1">
+            <a:spLocks noGrp="1"/>
+          </p:cNvSpPr>
           <p:nvPr>
-            <p:ph idx="1" type="body"/>
+            <p:ph type="body" idx="1"/>
           </p:nvPr>
         </p:nvSpPr>
         <p:spPr>
@@ -4777,11 +4924,11 @@
           </a:prstGeom>
         </p:spPr>
         <p:txBody>
-          <a:bodyPr anchorCtr="0" anchor="ctr" bIns="91425" lIns="91425" spcFirstLastPara="1" rIns="91425" wrap="square" tIns="91425">
+          <a:bodyPr spcFirstLastPara="1" wrap="square" lIns="91425" tIns="91425" rIns="91425" bIns="91425" anchor="ctr" anchorCtr="0">
             <a:noAutofit/>
           </a:bodyPr>
           <a:lstStyle>
-            <a:lvl1pPr indent="-228600" lvl="0" marL="457200">
+            <a:lvl1pPr marL="457200" lvl="0" indent="-228600">
               <a:lnSpc>
                 <a:spcPct val="100000"/>
               </a:lnSpc>
@@ -4796,15 +4943,19 @@
               <a:defRPr/>
             </a:lvl1pPr>
           </a:lstStyle>
-          <a:p/>
+          <a:p>
+            <a:endParaRPr/>
+          </a:p>
         </p:txBody>
       </p:sp>
       <p:sp>
         <p:nvSpPr>
           <p:cNvPr id="43" name="Google Shape;43;p10"/>
-          <p:cNvSpPr txBox="1"/>
+          <p:cNvSpPr txBox="1">
+            <a:spLocks noGrp="1"/>
+          </p:cNvSpPr>
           <p:nvPr>
-            <p:ph idx="12" type="sldNum"/>
+            <p:ph type="sldNum" idx="12"/>
           </p:nvPr>
         </p:nvSpPr>
         <p:spPr>
@@ -4817,7 +4968,7 @@
           </a:prstGeom>
         </p:spPr>
         <p:txBody>
-          <a:bodyPr anchorCtr="0" anchor="ctr" bIns="91425" lIns="91425" spcFirstLastPara="1" rIns="91425" wrap="square" tIns="91425">
+          <a:bodyPr spcFirstLastPara="1" wrap="square" lIns="91425" tIns="91425" rIns="91425" bIns="91425" anchor="ctr" anchorCtr="0">
             <a:noAutofit/>
           </a:bodyPr>
           <a:lstStyle>
@@ -4859,7 +5010,7 @@
             </a:lvl9pPr>
           </a:lstStyle>
           <a:p>
-            <a:pPr indent="0" lvl="0" marL="0" rtl="0" algn="r">
+            <a:pPr marL="0" lvl="0" indent="0" algn="r" rtl="0">
               <a:spcBef>
                 <a:spcPts val="0"/>
               </a:spcBef>
@@ -4870,7 +5021,7 @@
             </a:pPr>
             <a:fld id="{00000000-1234-1234-1234-123412341234}" type="slidenum">
               <a:rPr lang="pt-BR"/>
-              <a:t>‹#›</a:t>
+              <a:t>‹nº›</a:t>
             </a:fld>
             <a:endParaRPr/>
           </a:p>
@@ -4885,18 +5036,19 @@
 </file>
 
 <file path=ppt/slideMasters/slideMaster1.xml><?xml version="1.0" encoding="utf-8"?>
-<p:sldMaster xmlns:a="http://schemas.openxmlformats.org/drawingml/2006/main" xmlns:r="http://schemas.openxmlformats.org/officeDocument/2006/relationships" xmlns:mc="http://schemas.openxmlformats.org/markup-compatibility/2006" xmlns:mv="urn:schemas-microsoft-com:mac:vml" xmlns:p="http://schemas.openxmlformats.org/presentationml/2006/main" xmlns:c="http://schemas.openxmlformats.org/drawingml/2006/chart" xmlns:dgm="http://schemas.openxmlformats.org/drawingml/2006/diagram" xmlns:o="urn:schemas-microsoft-com:office:office" xmlns:v="urn:schemas-microsoft-com:vml" xmlns:pvml="urn:schemas-microsoft-com:office:powerpoint" xmlns:com="http://schemas.openxmlformats.org/drawingml/2006/compatibility" xmlns:p14="http://schemas.microsoft.com/office/powerpoint/2010/main" xmlns:p15="http://schemas.microsoft.com/office/powerpoint/2012/main" xmlns:ahyp="http://schemas.microsoft.com/office/drawing/2018/hyperlinkcolor">
+<p:sldMaster xmlns:a="http://schemas.openxmlformats.org/drawingml/2006/main" xmlns:r="http://schemas.openxmlformats.org/officeDocument/2006/relationships" xmlns:p="http://schemas.openxmlformats.org/presentationml/2006/main">
   <p:cSld name="simple-light-2">
     <p:bg>
       <p:bgPr>
         <a:solidFill>
           <a:schemeClr val="lt1"/>
         </a:solidFill>
+        <a:effectLst/>
       </p:bgPr>
     </p:bg>
     <p:spTree>
       <p:nvGrpSpPr>
-        <p:cNvPr id="5" name="Shape 5"/>
+        <p:cNvPr id="1" name="Shape 5"/>
         <p:cNvGrpSpPr/>
         <p:nvPr/>
       </p:nvGrpSpPr>
@@ -4911,7 +5063,9 @@
       <p:sp>
         <p:nvSpPr>
           <p:cNvPr id="6" name="Google Shape;6;p1"/>
-          <p:cNvSpPr txBox="1"/>
+          <p:cNvSpPr txBox="1">
+            <a:spLocks noGrp="1"/>
+          </p:cNvSpPr>
           <p:nvPr>
             <p:ph type="title"/>
           </p:nvPr>
@@ -4930,7 +5084,7 @@
           </a:ln>
         </p:spPr>
         <p:txBody>
-          <a:bodyPr anchorCtr="0" anchor="t" bIns="91425" lIns="91425" spcFirstLastPara="1" rIns="91425" wrap="square" tIns="91425">
+          <a:bodyPr spcFirstLastPara="1" wrap="square" lIns="91425" tIns="91425" rIns="91425" bIns="91425" anchor="t" anchorCtr="0">
             <a:noAutofit/>
           </a:bodyPr>
           <a:lstStyle>
@@ -5097,15 +5251,19 @@
               </a:defRPr>
             </a:lvl9pPr>
           </a:lstStyle>
-          <a:p/>
+          <a:p>
+            <a:endParaRPr/>
+          </a:p>
         </p:txBody>
       </p:sp>
       <p:sp>
         <p:nvSpPr>
           <p:cNvPr id="7" name="Google Shape;7;p1"/>
-          <p:cNvSpPr txBox="1"/>
+          <p:cNvSpPr txBox="1">
+            <a:spLocks noGrp="1"/>
+          </p:cNvSpPr>
           <p:nvPr>
-            <p:ph idx="1" type="body"/>
+            <p:ph type="body" idx="1"/>
           </p:nvPr>
         </p:nvSpPr>
         <p:spPr>
@@ -5122,11 +5280,11 @@
           </a:ln>
         </p:spPr>
         <p:txBody>
-          <a:bodyPr anchorCtr="0" anchor="t" bIns="91425" lIns="91425" spcFirstLastPara="1" rIns="91425" wrap="square" tIns="91425">
+          <a:bodyPr spcFirstLastPara="1" wrap="square" lIns="91425" tIns="91425" rIns="91425" bIns="91425" anchor="t" anchorCtr="0">
             <a:noAutofit/>
           </a:bodyPr>
           <a:lstStyle>
-            <a:lvl1pPr indent="-342900" lvl="0" marL="457200">
+            <a:lvl1pPr marL="457200" lvl="0" indent="-342900">
               <a:lnSpc>
                 <a:spcPct val="115000"/>
               </a:lnSpc>
@@ -5147,7 +5305,7 @@
                 </a:solidFill>
               </a:defRPr>
             </a:lvl1pPr>
-            <a:lvl2pPr indent="-317500" lvl="1" marL="914400">
+            <a:lvl2pPr marL="914400" lvl="1" indent="-317500">
               <a:lnSpc>
                 <a:spcPct val="115000"/>
               </a:lnSpc>
@@ -5168,7 +5326,7 @@
                 </a:solidFill>
               </a:defRPr>
             </a:lvl2pPr>
-            <a:lvl3pPr indent="-317500" lvl="2" marL="1371600">
+            <a:lvl3pPr marL="1371600" lvl="2" indent="-317500">
               <a:lnSpc>
                 <a:spcPct val="115000"/>
               </a:lnSpc>
@@ -5189,7 +5347,7 @@
                 </a:solidFill>
               </a:defRPr>
             </a:lvl3pPr>
-            <a:lvl4pPr indent="-317500" lvl="3" marL="1828800">
+            <a:lvl4pPr marL="1828800" lvl="3" indent="-317500">
               <a:lnSpc>
                 <a:spcPct val="115000"/>
               </a:lnSpc>
@@ -5210,7 +5368,7 @@
                 </a:solidFill>
               </a:defRPr>
             </a:lvl4pPr>
-            <a:lvl5pPr indent="-317500" lvl="4" marL="2286000">
+            <a:lvl5pPr marL="2286000" lvl="4" indent="-317500">
               <a:lnSpc>
                 <a:spcPct val="115000"/>
               </a:lnSpc>
@@ -5231,7 +5389,7 @@
                 </a:solidFill>
               </a:defRPr>
             </a:lvl5pPr>
-            <a:lvl6pPr indent="-317500" lvl="5" marL="2743200">
+            <a:lvl6pPr marL="2743200" lvl="5" indent="-317500">
               <a:lnSpc>
                 <a:spcPct val="115000"/>
               </a:lnSpc>
@@ -5252,7 +5410,7 @@
                 </a:solidFill>
               </a:defRPr>
             </a:lvl6pPr>
-            <a:lvl7pPr indent="-317500" lvl="6" marL="3200400">
+            <a:lvl7pPr marL="3200400" lvl="6" indent="-317500">
               <a:lnSpc>
                 <a:spcPct val="115000"/>
               </a:lnSpc>
@@ -5273,7 +5431,7 @@
                 </a:solidFill>
               </a:defRPr>
             </a:lvl7pPr>
-            <a:lvl8pPr indent="-317500" lvl="7" marL="3657600">
+            <a:lvl8pPr marL="3657600" lvl="7" indent="-317500">
               <a:lnSpc>
                 <a:spcPct val="115000"/>
               </a:lnSpc>
@@ -5294,7 +5452,7 @@
                 </a:solidFill>
               </a:defRPr>
             </a:lvl8pPr>
-            <a:lvl9pPr indent="-317500" lvl="8" marL="4114800">
+            <a:lvl9pPr marL="4114800" lvl="8" indent="-317500">
               <a:lnSpc>
                 <a:spcPct val="115000"/>
               </a:lnSpc>
@@ -5316,15 +5474,19 @@
               </a:defRPr>
             </a:lvl9pPr>
           </a:lstStyle>
-          <a:p/>
+          <a:p>
+            <a:endParaRPr/>
+          </a:p>
         </p:txBody>
       </p:sp>
       <p:sp>
         <p:nvSpPr>
           <p:cNvPr id="8" name="Google Shape;8;p1"/>
-          <p:cNvSpPr txBox="1"/>
+          <p:cNvSpPr txBox="1">
+            <a:spLocks noGrp="1"/>
+          </p:cNvSpPr>
           <p:nvPr>
-            <p:ph idx="12" type="sldNum"/>
+            <p:ph type="sldNum" idx="12"/>
           </p:nvPr>
         </p:nvSpPr>
         <p:spPr>
@@ -5341,7 +5503,7 @@
           </a:ln>
         </p:spPr>
         <p:txBody>
-          <a:bodyPr anchorCtr="0" anchor="ctr" bIns="91425" lIns="91425" spcFirstLastPara="1" rIns="91425" wrap="square" tIns="91425">
+          <a:bodyPr spcFirstLastPara="1" wrap="square" lIns="91425" tIns="91425" rIns="91425" bIns="91425" anchor="ctr" anchorCtr="0">
             <a:noAutofit/>
           </a:bodyPr>
           <a:lstStyle>
@@ -5419,7 +5581,7 @@
             </a:lvl9pPr>
           </a:lstStyle>
           <a:p>
-            <a:pPr indent="0" lvl="0" marL="0" rtl="0" algn="r">
+            <a:pPr marL="0" lvl="0" indent="0" algn="r" rtl="0">
               <a:spcBef>
                 <a:spcPts val="0"/>
               </a:spcBef>
@@ -5430,7 +5592,7 @@
             </a:pPr>
             <a:fld id="{00000000-1234-1234-1234-123412341234}" type="slidenum">
               <a:rPr lang="pt-BR"/>
-              <a:t>‹#›</a:t>
+              <a:t>‹nº›</a:t>
             </a:fld>
             <a:endParaRPr/>
           </a:p>
@@ -5438,7 +5600,7 @@
       </p:sp>
     </p:spTree>
   </p:cSld>
-  <p:clrMap accent1="accent1" accent2="accent2" accent3="accent3" accent4="accent4" accent5="accent5" accent6="accent6" bg1="lt1" bg2="dk2" tx1="dk1" tx2="lt2" folHlink="folHlink" hlink="hlink"/>
+  <p:clrMap bg1="lt1" tx1="dk1" bg2="dk2" tx2="lt2" accent1="accent1" accent2="accent2" accent3="accent3" accent4="accent4" accent5="accent5" accent6="accent6" hlink="hlink" folHlink="folHlink"/>
   <p:sldLayoutIdLst>
     <p:sldLayoutId id="2147483648" r:id="rId1"/>
     <p:sldLayoutId id="2147483649" r:id="rId2"/>
@@ -5452,10 +5614,10 @@
     <p:sldLayoutId id="2147483657" r:id="rId10"/>
     <p:sldLayoutId id="2147483658" r:id="rId11"/>
   </p:sldLayoutIdLst>
-  <p:hf dt="0" ftr="0" hdr="0" sldNum="0"/>
+  <p:hf sldNum="0" hdr="0" ftr="0" dt="0"/>
   <p:txStyles>
     <p:titleStyle>
-      <a:defPPr lvl="0" marR="0" rtl="0" algn="l">
+      <a:defPPr marR="0" lvl="0" algn="l" rtl="0">
         <a:lnSpc>
           <a:spcPct val="100000"/>
         </a:lnSpc>
@@ -5466,7 +5628,7 @@
           <a:spcPts val="0"/>
         </a:spcAft>
       </a:defPPr>
-      <a:lvl1pPr lvl="0" marR="0" rtl="0" algn="l">
+      <a:lvl1pPr marR="0" lvl="0" algn="l" rtl="0">
         <a:lnSpc>
           <a:spcPct val="100000"/>
         </a:lnSpc>
@@ -5480,7 +5642,7 @@
           <a:srgbClr val="000000"/>
         </a:buClr>
         <a:buFont typeface="Arial"/>
-        <a:defRPr b="0" i="0" sz="1400" u="none" cap="none" strike="noStrike">
+        <a:defRPr sz="1400" b="0" i="0" u="none" strike="noStrike" cap="none">
           <a:solidFill>
             <a:srgbClr val="000000"/>
           </a:solidFill>
@@ -5490,7 +5652,7 @@
           <a:sym typeface="Arial"/>
         </a:defRPr>
       </a:lvl1pPr>
-      <a:lvl2pPr lvl="1" marR="0" rtl="0" algn="l">
+      <a:lvl2pPr marR="0" lvl="1" algn="l" rtl="0">
         <a:lnSpc>
           <a:spcPct val="100000"/>
         </a:lnSpc>
@@ -5504,7 +5666,7 @@
           <a:srgbClr val="000000"/>
         </a:buClr>
         <a:buFont typeface="Arial"/>
-        <a:defRPr b="0" i="0" sz="1400" u="none" cap="none" strike="noStrike">
+        <a:defRPr sz="1400" b="0" i="0" u="none" strike="noStrike" cap="none">
           <a:solidFill>
             <a:srgbClr val="000000"/>
           </a:solidFill>
@@ -5514,7 +5676,7 @@
           <a:sym typeface="Arial"/>
         </a:defRPr>
       </a:lvl2pPr>
-      <a:lvl3pPr lvl="2" marR="0" rtl="0" algn="l">
+      <a:lvl3pPr marR="0" lvl="2" algn="l" rtl="0">
         <a:lnSpc>
           <a:spcPct val="100000"/>
         </a:lnSpc>
@@ -5528,7 +5690,7 @@
           <a:srgbClr val="000000"/>
         </a:buClr>
         <a:buFont typeface="Arial"/>
-        <a:defRPr b="0" i="0" sz="1400" u="none" cap="none" strike="noStrike">
+        <a:defRPr sz="1400" b="0" i="0" u="none" strike="noStrike" cap="none">
           <a:solidFill>
             <a:srgbClr val="000000"/>
           </a:solidFill>
@@ -5538,7 +5700,7 @@
           <a:sym typeface="Arial"/>
         </a:defRPr>
       </a:lvl3pPr>
-      <a:lvl4pPr lvl="3" marR="0" rtl="0" algn="l">
+      <a:lvl4pPr marR="0" lvl="3" algn="l" rtl="0">
         <a:lnSpc>
           <a:spcPct val="100000"/>
         </a:lnSpc>
@@ -5552,7 +5714,7 @@
           <a:srgbClr val="000000"/>
         </a:buClr>
         <a:buFont typeface="Arial"/>
-        <a:defRPr b="0" i="0" sz="1400" u="none" cap="none" strike="noStrike">
+        <a:defRPr sz="1400" b="0" i="0" u="none" strike="noStrike" cap="none">
           <a:solidFill>
             <a:srgbClr val="000000"/>
           </a:solidFill>
@@ -5562,7 +5724,7 @@
           <a:sym typeface="Arial"/>
         </a:defRPr>
       </a:lvl4pPr>
-      <a:lvl5pPr lvl="4" marR="0" rtl="0" algn="l">
+      <a:lvl5pPr marR="0" lvl="4" algn="l" rtl="0">
         <a:lnSpc>
           <a:spcPct val="100000"/>
         </a:lnSpc>
@@ -5576,7 +5738,7 @@
           <a:srgbClr val="000000"/>
         </a:buClr>
         <a:buFont typeface="Arial"/>
-        <a:defRPr b="0" i="0" sz="1400" u="none" cap="none" strike="noStrike">
+        <a:defRPr sz="1400" b="0" i="0" u="none" strike="noStrike" cap="none">
           <a:solidFill>
             <a:srgbClr val="000000"/>
           </a:solidFill>
@@ -5586,7 +5748,7 @@
           <a:sym typeface="Arial"/>
         </a:defRPr>
       </a:lvl5pPr>
-      <a:lvl6pPr lvl="5" marR="0" rtl="0" algn="l">
+      <a:lvl6pPr marR="0" lvl="5" algn="l" rtl="0">
         <a:lnSpc>
           <a:spcPct val="100000"/>
         </a:lnSpc>
@@ -5600,7 +5762,7 @@
           <a:srgbClr val="000000"/>
         </a:buClr>
         <a:buFont typeface="Arial"/>
-        <a:defRPr b="0" i="0" sz="1400" u="none" cap="none" strike="noStrike">
+        <a:defRPr sz="1400" b="0" i="0" u="none" strike="noStrike" cap="none">
           <a:solidFill>
             <a:srgbClr val="000000"/>
           </a:solidFill>
@@ -5610,7 +5772,7 @@
           <a:sym typeface="Arial"/>
         </a:defRPr>
       </a:lvl6pPr>
-      <a:lvl7pPr lvl="6" marR="0" rtl="0" algn="l">
+      <a:lvl7pPr marR="0" lvl="6" algn="l" rtl="0">
         <a:lnSpc>
           <a:spcPct val="100000"/>
         </a:lnSpc>
@@ -5624,7 +5786,7 @@
           <a:srgbClr val="000000"/>
         </a:buClr>
         <a:buFont typeface="Arial"/>
-        <a:defRPr b="0" i="0" sz="1400" u="none" cap="none" strike="noStrike">
+        <a:defRPr sz="1400" b="0" i="0" u="none" strike="noStrike" cap="none">
           <a:solidFill>
             <a:srgbClr val="000000"/>
           </a:solidFill>
@@ -5634,7 +5796,7 @@
           <a:sym typeface="Arial"/>
         </a:defRPr>
       </a:lvl7pPr>
-      <a:lvl8pPr lvl="7" marR="0" rtl="0" algn="l">
+      <a:lvl8pPr marR="0" lvl="7" algn="l" rtl="0">
         <a:lnSpc>
           <a:spcPct val="100000"/>
         </a:lnSpc>
@@ -5648,7 +5810,7 @@
           <a:srgbClr val="000000"/>
         </a:buClr>
         <a:buFont typeface="Arial"/>
-        <a:defRPr b="0" i="0" sz="1400" u="none" cap="none" strike="noStrike">
+        <a:defRPr sz="1400" b="0" i="0" u="none" strike="noStrike" cap="none">
           <a:solidFill>
             <a:srgbClr val="000000"/>
           </a:solidFill>
@@ -5658,7 +5820,7 @@
           <a:sym typeface="Arial"/>
         </a:defRPr>
       </a:lvl8pPr>
-      <a:lvl9pPr lvl="8" marR="0" rtl="0" algn="l">
+      <a:lvl9pPr marR="0" lvl="8" algn="l" rtl="0">
         <a:lnSpc>
           <a:spcPct val="100000"/>
         </a:lnSpc>
@@ -5672,7 +5834,7 @@
           <a:srgbClr val="000000"/>
         </a:buClr>
         <a:buFont typeface="Arial"/>
-        <a:defRPr b="0" i="0" sz="1400" u="none" cap="none" strike="noStrike">
+        <a:defRPr sz="1400" b="0" i="0" u="none" strike="noStrike" cap="none">
           <a:solidFill>
             <a:srgbClr val="000000"/>
           </a:solidFill>
@@ -5684,7 +5846,7 @@
       </a:lvl9pPr>
     </p:titleStyle>
     <p:bodyStyle>
-      <a:defPPr lvl="0" marR="0" rtl="0" algn="l">
+      <a:defPPr marR="0" lvl="0" algn="l" rtl="0">
         <a:lnSpc>
           <a:spcPct val="100000"/>
         </a:lnSpc>
@@ -5695,7 +5857,7 @@
           <a:spcPts val="0"/>
         </a:spcAft>
       </a:defPPr>
-      <a:lvl1pPr lvl="0" marR="0" rtl="0" algn="l">
+      <a:lvl1pPr marR="0" lvl="0" algn="l" rtl="0">
         <a:lnSpc>
           <a:spcPct val="100000"/>
         </a:lnSpc>
@@ -5709,7 +5871,7 @@
           <a:srgbClr val="000000"/>
         </a:buClr>
         <a:buFont typeface="Arial"/>
-        <a:defRPr b="0" i="0" sz="1400" u="none" cap="none" strike="noStrike">
+        <a:defRPr sz="1400" b="0" i="0" u="none" strike="noStrike" cap="none">
           <a:solidFill>
             <a:srgbClr val="000000"/>
           </a:solidFill>
@@ -5719,7 +5881,7 @@
           <a:sym typeface="Arial"/>
         </a:defRPr>
       </a:lvl1pPr>
-      <a:lvl2pPr lvl="1" marR="0" rtl="0" algn="l">
+      <a:lvl2pPr marR="0" lvl="1" algn="l" rtl="0">
         <a:lnSpc>
           <a:spcPct val="100000"/>
         </a:lnSpc>
@@ -5733,7 +5895,7 @@
           <a:srgbClr val="000000"/>
         </a:buClr>
         <a:buFont typeface="Arial"/>
-        <a:defRPr b="0" i="0" sz="1400" u="none" cap="none" strike="noStrike">
+        <a:defRPr sz="1400" b="0" i="0" u="none" strike="noStrike" cap="none">
           <a:solidFill>
             <a:srgbClr val="000000"/>
           </a:solidFill>
@@ -5743,7 +5905,7 @@
           <a:sym typeface="Arial"/>
         </a:defRPr>
       </a:lvl2pPr>
-      <a:lvl3pPr lvl="2" marR="0" rtl="0" algn="l">
+      <a:lvl3pPr marR="0" lvl="2" algn="l" rtl="0">
         <a:lnSpc>
           <a:spcPct val="100000"/>
         </a:lnSpc>
@@ -5757,7 +5919,7 @@
           <a:srgbClr val="000000"/>
         </a:buClr>
         <a:buFont typeface="Arial"/>
-        <a:defRPr b="0" i="0" sz="1400" u="none" cap="none" strike="noStrike">
+        <a:defRPr sz="1400" b="0" i="0" u="none" strike="noStrike" cap="none">
           <a:solidFill>
             <a:srgbClr val="000000"/>
           </a:solidFill>
@@ -5767,7 +5929,7 @@
           <a:sym typeface="Arial"/>
         </a:defRPr>
       </a:lvl3pPr>
-      <a:lvl4pPr lvl="3" marR="0" rtl="0" algn="l">
+      <a:lvl4pPr marR="0" lvl="3" algn="l" rtl="0">
         <a:lnSpc>
           <a:spcPct val="100000"/>
         </a:lnSpc>
@@ -5781,7 +5943,7 @@
           <a:srgbClr val="000000"/>
         </a:buClr>
         <a:buFont typeface="Arial"/>
-        <a:defRPr b="0" i="0" sz="1400" u="none" cap="none" strike="noStrike">
+        <a:defRPr sz="1400" b="0" i="0" u="none" strike="noStrike" cap="none">
           <a:solidFill>
             <a:srgbClr val="000000"/>
           </a:solidFill>
@@ -5791,7 +5953,7 @@
           <a:sym typeface="Arial"/>
         </a:defRPr>
       </a:lvl4pPr>
-      <a:lvl5pPr lvl="4" marR="0" rtl="0" algn="l">
+      <a:lvl5pPr marR="0" lvl="4" algn="l" rtl="0">
         <a:lnSpc>
           <a:spcPct val="100000"/>
         </a:lnSpc>
@@ -5805,7 +5967,7 @@
           <a:srgbClr val="000000"/>
         </a:buClr>
         <a:buFont typeface="Arial"/>
-        <a:defRPr b="0" i="0" sz="1400" u="none" cap="none" strike="noStrike">
+        <a:defRPr sz="1400" b="0" i="0" u="none" strike="noStrike" cap="none">
           <a:solidFill>
             <a:srgbClr val="000000"/>
           </a:solidFill>
@@ -5815,7 +5977,7 @@
           <a:sym typeface="Arial"/>
         </a:defRPr>
       </a:lvl5pPr>
-      <a:lvl6pPr lvl="5" marR="0" rtl="0" algn="l">
+      <a:lvl6pPr marR="0" lvl="5" algn="l" rtl="0">
         <a:lnSpc>
           <a:spcPct val="100000"/>
         </a:lnSpc>
@@ -5829,7 +5991,7 @@
           <a:srgbClr val="000000"/>
         </a:buClr>
         <a:buFont typeface="Arial"/>
-        <a:defRPr b="0" i="0" sz="1400" u="none" cap="none" strike="noStrike">
+        <a:defRPr sz="1400" b="0" i="0" u="none" strike="noStrike" cap="none">
           <a:solidFill>
             <a:srgbClr val="000000"/>
           </a:solidFill>
@@ -5839,7 +6001,7 @@
           <a:sym typeface="Arial"/>
         </a:defRPr>
       </a:lvl6pPr>
-      <a:lvl7pPr lvl="6" marR="0" rtl="0" algn="l">
+      <a:lvl7pPr marR="0" lvl="6" algn="l" rtl="0">
         <a:lnSpc>
           <a:spcPct val="100000"/>
         </a:lnSpc>
@@ -5853,7 +6015,7 @@
           <a:srgbClr val="000000"/>
         </a:buClr>
         <a:buFont typeface="Arial"/>
-        <a:defRPr b="0" i="0" sz="1400" u="none" cap="none" strike="noStrike">
+        <a:defRPr sz="1400" b="0" i="0" u="none" strike="noStrike" cap="none">
           <a:solidFill>
             <a:srgbClr val="000000"/>
           </a:solidFill>
@@ -5863,7 +6025,7 @@
           <a:sym typeface="Arial"/>
         </a:defRPr>
       </a:lvl7pPr>
-      <a:lvl8pPr lvl="7" marR="0" rtl="0" algn="l">
+      <a:lvl8pPr marR="0" lvl="7" algn="l" rtl="0">
         <a:lnSpc>
           <a:spcPct val="100000"/>
         </a:lnSpc>
@@ -5877,7 +6039,7 @@
           <a:srgbClr val="000000"/>
         </a:buClr>
         <a:buFont typeface="Arial"/>
-        <a:defRPr b="0" i="0" sz="1400" u="none" cap="none" strike="noStrike">
+        <a:defRPr sz="1400" b="0" i="0" u="none" strike="noStrike" cap="none">
           <a:solidFill>
             <a:srgbClr val="000000"/>
           </a:solidFill>
@@ -5887,7 +6049,7 @@
           <a:sym typeface="Arial"/>
         </a:defRPr>
       </a:lvl8pPr>
-      <a:lvl9pPr lvl="8" marR="0" rtl="0" algn="l">
+      <a:lvl9pPr marR="0" lvl="8" algn="l" rtl="0">
         <a:lnSpc>
           <a:spcPct val="100000"/>
         </a:lnSpc>
@@ -5901,7 +6063,7 @@
           <a:srgbClr val="000000"/>
         </a:buClr>
         <a:buFont typeface="Arial"/>
-        <a:defRPr b="0" i="0" sz="1400" u="none" cap="none" strike="noStrike">
+        <a:defRPr sz="1400" b="0" i="0" u="none" strike="noStrike" cap="none">
           <a:solidFill>
             <a:srgbClr val="000000"/>
           </a:solidFill>
@@ -5913,7 +6075,7 @@
       </a:lvl9pPr>
     </p:bodyStyle>
     <p:otherStyle>
-      <a:defPPr lvl="0" marR="0" rtl="0" algn="l">
+      <a:defPPr marR="0" lvl="0" algn="l" rtl="0">
         <a:lnSpc>
           <a:spcPct val="100000"/>
         </a:lnSpc>
@@ -5924,7 +6086,7 @@
           <a:spcPts val="0"/>
         </a:spcAft>
       </a:defPPr>
-      <a:lvl1pPr lvl="0" marR="0" rtl="0" algn="l">
+      <a:lvl1pPr marR="0" lvl="0" algn="l" rtl="0">
         <a:lnSpc>
           <a:spcPct val="100000"/>
         </a:lnSpc>
@@ -5938,7 +6100,7 @@
           <a:srgbClr val="000000"/>
         </a:buClr>
         <a:buFont typeface="Arial"/>
-        <a:defRPr b="0" i="0" sz="1400" u="none" cap="none" strike="noStrike">
+        <a:defRPr sz="1400" b="0" i="0" u="none" strike="noStrike" cap="none">
           <a:solidFill>
             <a:srgbClr val="000000"/>
           </a:solidFill>
@@ -5948,7 +6110,7 @@
           <a:sym typeface="Arial"/>
         </a:defRPr>
       </a:lvl1pPr>
-      <a:lvl2pPr lvl="1" marR="0" rtl="0" algn="l">
+      <a:lvl2pPr marR="0" lvl="1" algn="l" rtl="0">
         <a:lnSpc>
           <a:spcPct val="100000"/>
         </a:lnSpc>
@@ -5962,7 +6124,7 @@
           <a:srgbClr val="000000"/>
         </a:buClr>
         <a:buFont typeface="Arial"/>
-        <a:defRPr b="0" i="0" sz="1400" u="none" cap="none" strike="noStrike">
+        <a:defRPr sz="1400" b="0" i="0" u="none" strike="noStrike" cap="none">
           <a:solidFill>
             <a:srgbClr val="000000"/>
           </a:solidFill>
@@ -5972,7 +6134,7 @@
           <a:sym typeface="Arial"/>
         </a:defRPr>
       </a:lvl2pPr>
-      <a:lvl3pPr lvl="2" marR="0" rtl="0" algn="l">
+      <a:lvl3pPr marR="0" lvl="2" algn="l" rtl="0">
         <a:lnSpc>
           <a:spcPct val="100000"/>
         </a:lnSpc>
@@ -5986,7 +6148,7 @@
           <a:srgbClr val="000000"/>
         </a:buClr>
         <a:buFont typeface="Arial"/>
-        <a:defRPr b="0" i="0" sz="1400" u="none" cap="none" strike="noStrike">
+        <a:defRPr sz="1400" b="0" i="0" u="none" strike="noStrike" cap="none">
           <a:solidFill>
             <a:srgbClr val="000000"/>
           </a:solidFill>
@@ -5996,7 +6158,7 @@
           <a:sym typeface="Arial"/>
         </a:defRPr>
       </a:lvl3pPr>
-      <a:lvl4pPr lvl="3" marR="0" rtl="0" algn="l">
+      <a:lvl4pPr marR="0" lvl="3" algn="l" rtl="0">
         <a:lnSpc>
           <a:spcPct val="100000"/>
         </a:lnSpc>
@@ -6010,7 +6172,7 @@
           <a:srgbClr val="000000"/>
         </a:buClr>
         <a:buFont typeface="Arial"/>
-        <a:defRPr b="0" i="0" sz="1400" u="none" cap="none" strike="noStrike">
+        <a:defRPr sz="1400" b="0" i="0" u="none" strike="noStrike" cap="none">
           <a:solidFill>
             <a:srgbClr val="000000"/>
           </a:solidFill>
@@ -6020,7 +6182,7 @@
           <a:sym typeface="Arial"/>
         </a:defRPr>
       </a:lvl4pPr>
-      <a:lvl5pPr lvl="4" marR="0" rtl="0" algn="l">
+      <a:lvl5pPr marR="0" lvl="4" algn="l" rtl="0">
         <a:lnSpc>
           <a:spcPct val="100000"/>
         </a:lnSpc>
@@ -6034,7 +6196,7 @@
           <a:srgbClr val="000000"/>
         </a:buClr>
         <a:buFont typeface="Arial"/>
-        <a:defRPr b="0" i="0" sz="1400" u="none" cap="none" strike="noStrike">
+        <a:defRPr sz="1400" b="0" i="0" u="none" strike="noStrike" cap="none">
           <a:solidFill>
             <a:srgbClr val="000000"/>
           </a:solidFill>
@@ -6044,7 +6206,7 @@
           <a:sym typeface="Arial"/>
         </a:defRPr>
       </a:lvl5pPr>
-      <a:lvl6pPr lvl="5" marR="0" rtl="0" algn="l">
+      <a:lvl6pPr marR="0" lvl="5" algn="l" rtl="0">
         <a:lnSpc>
           <a:spcPct val="100000"/>
         </a:lnSpc>
@@ -6058,7 +6220,7 @@
           <a:srgbClr val="000000"/>
         </a:buClr>
         <a:buFont typeface="Arial"/>
-        <a:defRPr b="0" i="0" sz="1400" u="none" cap="none" strike="noStrike">
+        <a:defRPr sz="1400" b="0" i="0" u="none" strike="noStrike" cap="none">
           <a:solidFill>
             <a:srgbClr val="000000"/>
           </a:solidFill>
@@ -6068,7 +6230,7 @@
           <a:sym typeface="Arial"/>
         </a:defRPr>
       </a:lvl6pPr>
-      <a:lvl7pPr lvl="6" marR="0" rtl="0" algn="l">
+      <a:lvl7pPr marR="0" lvl="6" algn="l" rtl="0">
         <a:lnSpc>
           <a:spcPct val="100000"/>
         </a:lnSpc>
@@ -6082,7 +6244,7 @@
           <a:srgbClr val="000000"/>
         </a:buClr>
         <a:buFont typeface="Arial"/>
-        <a:defRPr b="0" i="0" sz="1400" u="none" cap="none" strike="noStrike">
+        <a:defRPr sz="1400" b="0" i="0" u="none" strike="noStrike" cap="none">
           <a:solidFill>
             <a:srgbClr val="000000"/>
           </a:solidFill>
@@ -6092,7 +6254,7 @@
           <a:sym typeface="Arial"/>
         </a:defRPr>
       </a:lvl7pPr>
-      <a:lvl8pPr lvl="7" marR="0" rtl="0" algn="l">
+      <a:lvl8pPr marR="0" lvl="7" algn="l" rtl="0">
         <a:lnSpc>
           <a:spcPct val="100000"/>
         </a:lnSpc>
@@ -6106,7 +6268,7 @@
           <a:srgbClr val="000000"/>
         </a:buClr>
         <a:buFont typeface="Arial"/>
-        <a:defRPr b="0" i="0" sz="1400" u="none" cap="none" strike="noStrike">
+        <a:defRPr sz="1400" b="0" i="0" u="none" strike="noStrike" cap="none">
           <a:solidFill>
             <a:srgbClr val="000000"/>
           </a:solidFill>
@@ -6116,7 +6278,7 @@
           <a:sym typeface="Arial"/>
         </a:defRPr>
       </a:lvl8pPr>
-      <a:lvl9pPr lvl="8" marR="0" rtl="0" algn="l">
+      <a:lvl9pPr marR="0" lvl="8" algn="l" rtl="0">
         <a:lnSpc>
           <a:spcPct val="100000"/>
         </a:lnSpc>
@@ -6130,7 +6292,7 @@
           <a:srgbClr val="000000"/>
         </a:buClr>
         <a:buFont typeface="Arial"/>
-        <a:defRPr b="0" i="0" sz="1400" u="none" cap="none" strike="noStrike">
+        <a:defRPr sz="1400" b="0" i="0" u="none" strike="noStrike" cap="none">
           <a:solidFill>
             <a:srgbClr val="000000"/>
           </a:solidFill>
@@ -6146,11 +6308,11 @@
 </file>
 
 <file path=ppt/slides/slide1.xml><?xml version="1.0" encoding="utf-8"?>
-<p:sld xmlns:a="http://schemas.openxmlformats.org/drawingml/2006/main" xmlns:r="http://schemas.openxmlformats.org/officeDocument/2006/relationships" xmlns:mc="http://schemas.openxmlformats.org/markup-compatibility/2006" xmlns:mv="urn:schemas-microsoft-com:mac:vml" xmlns:p="http://schemas.openxmlformats.org/presentationml/2006/main" xmlns:c="http://schemas.openxmlformats.org/drawingml/2006/chart" xmlns:dgm="http://schemas.openxmlformats.org/drawingml/2006/diagram" xmlns:o="urn:schemas-microsoft-com:office:office" xmlns:v="urn:schemas-microsoft-com:vml" xmlns:pvml="urn:schemas-microsoft-com:office:powerpoint" xmlns:com="http://schemas.openxmlformats.org/drawingml/2006/compatibility" xmlns:p14="http://schemas.microsoft.com/office/powerpoint/2010/main" xmlns:p15="http://schemas.microsoft.com/office/powerpoint/2012/main" xmlns:ahyp="http://schemas.microsoft.com/office/drawing/2018/hyperlinkcolor">
+<p:sld xmlns:a="http://schemas.openxmlformats.org/drawingml/2006/main" xmlns:r="http://schemas.openxmlformats.org/officeDocument/2006/relationships" xmlns:p="http://schemas.openxmlformats.org/presentationml/2006/main">
   <p:cSld>
     <p:spTree>
       <p:nvGrpSpPr>
-        <p:cNvPr id="53" name="Shape 53"/>
+        <p:cNvPr id="1" name="Shape 53"/>
         <p:cNvGrpSpPr/>
         <p:nvPr/>
       </p:nvGrpSpPr>
@@ -6179,17 +6341,17 @@
           <a:solidFill>
             <a:srgbClr val="FFFFFF"/>
           </a:solidFill>
-          <a:ln cap="flat" cmpd="sng" w="9525">
+          <a:ln w="9525" cap="flat" cmpd="sng">
             <a:solidFill>
               <a:srgbClr val="0000FF"/>
             </a:solidFill>
             <a:prstDash val="solid"/>
             <a:round/>
-            <a:headEnd len="sm" w="sm" type="none"/>
-            <a:tailEnd len="sm" w="sm" type="none"/>
+            <a:headEnd type="none" w="sm" len="sm"/>
+            <a:tailEnd type="none" w="sm" len="sm"/>
           </a:ln>
           <a:effectLst>
-            <a:outerShdw blurRad="114300" rotWithShape="0" algn="bl" dir="6540000" dist="57150">
+            <a:outerShdw blurRad="114300" dist="57150" dir="6540000" algn="bl" rotWithShape="0">
               <a:srgbClr val="000000">
                 <a:alpha val="50000"/>
               </a:srgbClr>
@@ -6197,12 +6359,12 @@
           </a:effectLst>
         </p:spPr>
         <p:txBody>
-          <a:bodyPr anchorCtr="0" anchor="ctr" bIns="91425" lIns="91425" spcFirstLastPara="1" rIns="91425" wrap="square" tIns="91425">
+          <a:bodyPr spcFirstLastPara="1" wrap="square" lIns="91425" tIns="91425" rIns="91425" bIns="91425" anchor="ctr" anchorCtr="0">
             <a:noAutofit/>
           </a:bodyPr>
           <a:lstStyle/>
           <a:p>
-            <a:pPr indent="0" lvl="0" marL="0" rtl="0" algn="ctr">
+            <a:pPr marL="0" lvl="0" indent="0" algn="ctr" rtl="0">
               <a:spcBef>
                 <a:spcPts val="0"/>
               </a:spcBef>
@@ -6211,9 +6373,6 @@
               </a:spcAft>
               <a:buNone/>
             </a:pPr>
-            <a:r>
-              <a:t/>
-            </a:r>
             <a:endParaRPr/>
           </a:p>
         </p:txBody>
@@ -6238,12 +6397,12 @@
           </a:ln>
         </p:spPr>
         <p:txBody>
-          <a:bodyPr anchorCtr="0" anchor="t" bIns="91425" lIns="91425" spcFirstLastPara="1" rIns="91425" wrap="square" tIns="91425">
+          <a:bodyPr spcFirstLastPara="1" wrap="square" lIns="91425" tIns="91425" rIns="91425" bIns="91425" anchor="t" anchorCtr="0">
             <a:noAutofit/>
           </a:bodyPr>
           <a:lstStyle/>
           <a:p>
-            <a:pPr indent="0" lvl="0" marL="0" rtl="0" algn="l">
+            <a:pPr marL="0" lvl="0" indent="0" algn="l" rtl="0">
               <a:spcBef>
                 <a:spcPts val="0"/>
               </a:spcBef>
@@ -6253,7 +6412,7 @@
               <a:buNone/>
             </a:pPr>
             <a:r>
-              <a:rPr b="1" lang="pt-BR" sz="2000">
+              <a:rPr lang="pt-BR" sz="2000" b="1">
                 <a:latin typeface="Times New Roman"/>
                 <a:ea typeface="Times New Roman"/>
                 <a:cs typeface="Times New Roman"/>
@@ -6262,7 +6421,7 @@
               <a:t>Contexto </a:t>
             </a:r>
             <a:r>
-              <a:rPr b="1" lang="pt-BR" sz="2100">
+              <a:rPr lang="pt-BR" sz="2100" b="1">
                 <a:latin typeface="Times New Roman"/>
                 <a:ea typeface="Times New Roman"/>
                 <a:cs typeface="Times New Roman"/>
@@ -6270,7 +6429,7 @@
               </a:rPr>
               <a:t>de negócio</a:t>
             </a:r>
-            <a:endParaRPr b="1" sz="2100">
+            <a:endParaRPr sz="2100" b="1">
               <a:latin typeface="Times New Roman"/>
               <a:ea typeface="Times New Roman"/>
               <a:cs typeface="Times New Roman"/>
@@ -6288,7 +6447,7 @@
           <p:nvPr/>
         </p:nvCxnSpPr>
         <p:spPr>
-          <a:xfrm flipH="1" rot="10800000">
+          <a:xfrm rot="10800000" flipH="1">
             <a:off x="2367125" y="2327025"/>
             <a:ext cx="2443800" cy="15600"/>
           </a:xfrm>
@@ -6296,14 +6455,14 @@
             <a:avLst/>
           </a:prstGeom>
           <a:noFill/>
-          <a:ln cap="flat" cmpd="sng" w="9525">
+          <a:ln w="9525" cap="flat" cmpd="sng">
             <a:solidFill>
               <a:srgbClr val="0000FF"/>
             </a:solidFill>
             <a:prstDash val="solid"/>
             <a:round/>
-            <a:headEnd len="med" w="med" type="none"/>
-            <a:tailEnd len="med" w="med" type="none"/>
+            <a:headEnd type="none" w="med" len="med"/>
+            <a:tailEnd type="none" w="med" len="med"/>
           </a:ln>
         </p:spPr>
       </p:cxnSp>
@@ -6327,12 +6486,12 @@
           </a:ln>
         </p:spPr>
         <p:txBody>
-          <a:bodyPr anchorCtr="0" anchor="t" bIns="91425" lIns="91425" spcFirstLastPara="1" rIns="91425" wrap="square" tIns="91425">
+          <a:bodyPr spcFirstLastPara="1" wrap="square" lIns="91425" tIns="91425" rIns="91425" bIns="91425" anchor="t" anchorCtr="0">
             <a:noAutofit/>
           </a:bodyPr>
           <a:lstStyle/>
           <a:p>
-            <a:pPr indent="0" lvl="0" marL="0" rtl="0" algn="ctr">
+            <a:pPr marL="0" lvl="0" indent="0" algn="ctr" rtl="0">
               <a:spcBef>
                 <a:spcPts val="0"/>
               </a:spcBef>
@@ -6342,7 +6501,7 @@
               <a:buNone/>
             </a:pPr>
             <a:r>
-              <a:rPr b="1" lang="pt-BR" sz="1600">
+              <a:rPr lang="pt-BR" sz="1600" b="1">
                 <a:latin typeface="Times New Roman"/>
                 <a:ea typeface="Times New Roman"/>
                 <a:cs typeface="Times New Roman"/>
@@ -6350,7 +6509,7 @@
               </a:rPr>
               <a:t>Escola</a:t>
             </a:r>
-            <a:endParaRPr b="1" sz="1600">
+            <a:endParaRPr sz="1600" b="1">
               <a:latin typeface="Times New Roman"/>
               <a:ea typeface="Times New Roman"/>
               <a:cs typeface="Times New Roman"/>
@@ -6376,17 +6535,17 @@
           <a:solidFill>
             <a:srgbClr val="0000FF"/>
           </a:solidFill>
-          <a:ln cap="flat" cmpd="sng" w="9525">
+          <a:ln w="9525" cap="flat" cmpd="sng">
             <a:solidFill>
               <a:schemeClr val="dk2"/>
             </a:solidFill>
             <a:prstDash val="solid"/>
             <a:round/>
-            <a:headEnd len="sm" w="sm" type="none"/>
-            <a:tailEnd len="sm" w="sm" type="none"/>
+            <a:headEnd type="none" w="sm" len="sm"/>
+            <a:tailEnd type="none" w="sm" len="sm"/>
           </a:ln>
           <a:effectLst>
-            <a:outerShdw blurRad="57150" rotWithShape="0" algn="bl" dir="5400000" dist="57150">
+            <a:outerShdw blurRad="57150" dist="57150" dir="5400000" algn="bl" rotWithShape="0">
               <a:srgbClr val="000000">
                 <a:alpha val="50000"/>
               </a:srgbClr>
@@ -6394,12 +6553,12 @@
           </a:effectLst>
         </p:spPr>
         <p:txBody>
-          <a:bodyPr anchorCtr="0" anchor="ctr" bIns="91425" lIns="91425" spcFirstLastPara="1" rIns="91425" wrap="square" tIns="91425">
+          <a:bodyPr spcFirstLastPara="1" wrap="square" lIns="91425" tIns="91425" rIns="91425" bIns="91425" anchor="ctr" anchorCtr="0">
             <a:noAutofit/>
           </a:bodyPr>
           <a:lstStyle/>
           <a:p>
-            <a:pPr indent="0" lvl="0" marL="0" rtl="0" algn="ctr">
+            <a:pPr marL="0" lvl="0" indent="0" algn="ctr" rtl="0">
               <a:spcBef>
                 <a:spcPts val="0"/>
               </a:spcBef>
@@ -6440,8 +6599,8 @@
         </p:nvSpPr>
         <p:spPr>
           <a:xfrm>
-            <a:off x="2310425" y="1134325"/>
-            <a:ext cx="2292300" cy="1104300"/>
+            <a:off x="2310425" y="2342626"/>
+            <a:ext cx="2292300" cy="1441079"/>
           </a:xfrm>
           <a:prstGeom prst="rect">
             <a:avLst/>
@@ -6452,12 +6611,12 @@
           </a:ln>
         </p:spPr>
         <p:txBody>
-          <a:bodyPr anchorCtr="0" anchor="t" bIns="91425" lIns="91425" spcFirstLastPara="1" rIns="91425" wrap="square" tIns="91425">
+          <a:bodyPr spcFirstLastPara="1" wrap="square" lIns="91425" tIns="91425" rIns="91425" bIns="91425" anchor="t" anchorCtr="0">
             <a:noAutofit/>
           </a:bodyPr>
           <a:lstStyle/>
           <a:p>
-            <a:pPr indent="-317500" lvl="0" marL="457200" rtl="0" algn="just">
+            <a:pPr marL="457200" lvl="0" indent="-317500" algn="just" rtl="0">
               <a:spcBef>
                 <a:spcPts val="0"/>
               </a:spcBef>
@@ -6469,7 +6628,7 @@
               <a:buAutoNum type="arabicPeriod"/>
             </a:pPr>
             <a:r>
-              <a:rPr lang="pt-BR">
+              <a:rPr lang="pt-BR" dirty="0">
                 <a:latin typeface="Times New Roman"/>
                 <a:ea typeface="Times New Roman"/>
                 <a:cs typeface="Times New Roman"/>
@@ -6477,7 +6636,7 @@
               </a:rPr>
               <a:t>Realizar Matrícula</a:t>
             </a:r>
-            <a:endParaRPr>
+            <a:endParaRPr dirty="0">
               <a:latin typeface="Times New Roman"/>
               <a:ea typeface="Times New Roman"/>
               <a:cs typeface="Times New Roman"/>
@@ -6485,7 +6644,7 @@
             </a:endParaRPr>
           </a:p>
           <a:p>
-            <a:pPr indent="-317500" lvl="0" marL="457200" rtl="0" algn="just">
+            <a:pPr marL="457200" lvl="0" indent="-317500" algn="just" rtl="0">
               <a:spcBef>
                 <a:spcPts val="0"/>
               </a:spcBef>
@@ -6497,7 +6656,7 @@
               <a:buAutoNum type="arabicPeriod"/>
             </a:pPr>
             <a:r>
-              <a:rPr lang="pt-BR">
+              <a:rPr lang="pt-BR" dirty="0">
                 <a:latin typeface="Times New Roman"/>
                 <a:ea typeface="Times New Roman"/>
                 <a:cs typeface="Times New Roman"/>
@@ -6505,7 +6664,7 @@
               </a:rPr>
               <a:t>Assistir Aula</a:t>
             </a:r>
-            <a:endParaRPr>
+            <a:endParaRPr dirty="0">
               <a:latin typeface="Times New Roman"/>
               <a:ea typeface="Times New Roman"/>
               <a:cs typeface="Times New Roman"/>
@@ -6513,7 +6672,7 @@
             </a:endParaRPr>
           </a:p>
           <a:p>
-            <a:pPr indent="-317500" lvl="0" marL="457200" rtl="0" algn="just">
+            <a:pPr marL="457200" lvl="0" indent="-317500" algn="just" rtl="0">
               <a:spcBef>
                 <a:spcPts val="0"/>
               </a:spcBef>
@@ -6525,7 +6684,7 @@
               <a:buAutoNum type="arabicPeriod"/>
             </a:pPr>
             <a:r>
-              <a:rPr lang="pt-BR">
+              <a:rPr lang="pt-BR" dirty="0">
                 <a:latin typeface="Times New Roman"/>
                 <a:ea typeface="Times New Roman"/>
                 <a:cs typeface="Times New Roman"/>
@@ -6533,7 +6692,29 @@
               </a:rPr>
               <a:t>Trancar Matrícula</a:t>
             </a:r>
-            <a:endParaRPr>
+          </a:p>
+          <a:p>
+            <a:pPr marL="457200" lvl="0" indent="-317500" algn="just" rtl="0">
+              <a:spcBef>
+                <a:spcPts val="0"/>
+              </a:spcBef>
+              <a:spcAft>
+                <a:spcPts val="0"/>
+              </a:spcAft>
+              <a:buSzPts val="1400"/>
+              <a:buFont typeface="Times New Roman"/>
+              <a:buAutoNum type="arabicPeriod"/>
+            </a:pPr>
+            <a:r>
+              <a:rPr lang="pt-BR" dirty="0">
+                <a:latin typeface="Times New Roman"/>
+                <a:ea typeface="Times New Roman"/>
+                <a:cs typeface="Times New Roman"/>
+                <a:sym typeface="Times New Roman"/>
+              </a:rPr>
+              <a:t>Negociação</a:t>
+            </a:r>
+            <a:endParaRPr dirty="0">
               <a:latin typeface="Times New Roman"/>
               <a:ea typeface="Times New Roman"/>
               <a:cs typeface="Times New Roman"/>
@@ -6541,7 +6722,7 @@
             </a:endParaRPr>
           </a:p>
           <a:p>
-            <a:pPr indent="-317500" lvl="0" marL="457200" rtl="0" algn="just">
+            <a:pPr marL="457200" lvl="0" indent="-317500" algn="just" rtl="0">
               <a:spcBef>
                 <a:spcPts val="0"/>
               </a:spcBef>
@@ -6553,7 +6734,7 @@
               <a:buAutoNum type="arabicPeriod"/>
             </a:pPr>
             <a:r>
-              <a:rPr lang="pt-BR">
+              <a:rPr lang="pt-BR" dirty="0">
                 <a:latin typeface="Times New Roman"/>
                 <a:ea typeface="Times New Roman"/>
                 <a:cs typeface="Times New Roman"/>
@@ -6561,7 +6742,7 @@
               </a:rPr>
               <a:t>Reabrir Matrícula</a:t>
             </a:r>
-            <a:endParaRPr>
+            <a:endParaRPr dirty="0">
               <a:latin typeface="Times New Roman"/>
               <a:ea typeface="Times New Roman"/>
               <a:cs typeface="Times New Roman"/>
@@ -6569,7 +6750,7 @@
             </a:endParaRPr>
           </a:p>
           <a:p>
-            <a:pPr indent="-317500" lvl="0" marL="457200" rtl="0" algn="just">
+            <a:pPr marL="457200" lvl="0" indent="-317500" algn="just" rtl="0">
               <a:spcBef>
                 <a:spcPts val="0"/>
               </a:spcBef>
@@ -6581,7 +6762,7 @@
               <a:buAutoNum type="arabicPeriod"/>
             </a:pPr>
             <a:r>
-              <a:rPr lang="pt-BR">
+              <a:rPr lang="pt-BR" dirty="0">
                 <a:latin typeface="Times New Roman"/>
                 <a:ea typeface="Times New Roman"/>
                 <a:cs typeface="Times New Roman"/>
@@ -6589,7 +6770,7 @@
               </a:rPr>
               <a:t>Solicitar Transferência</a:t>
             </a:r>
-            <a:endParaRPr>
+            <a:endParaRPr dirty="0">
               <a:latin typeface="Times New Roman"/>
               <a:ea typeface="Times New Roman"/>
               <a:cs typeface="Times New Roman"/>
@@ -6607,11 +6788,11 @@
 </file>
 
 <file path=ppt/slides/slide2.xml><?xml version="1.0" encoding="utf-8"?>
-<p:sld xmlns:a="http://schemas.openxmlformats.org/drawingml/2006/main" xmlns:r="http://schemas.openxmlformats.org/officeDocument/2006/relationships" xmlns:mc="http://schemas.openxmlformats.org/markup-compatibility/2006" xmlns:mv="urn:schemas-microsoft-com:mac:vml" xmlns:p="http://schemas.openxmlformats.org/presentationml/2006/main" xmlns:c="http://schemas.openxmlformats.org/drawingml/2006/chart" xmlns:dgm="http://schemas.openxmlformats.org/drawingml/2006/diagram" xmlns:o="urn:schemas-microsoft-com:office:office" xmlns:v="urn:schemas-microsoft-com:vml" xmlns:pvml="urn:schemas-microsoft-com:office:powerpoint" xmlns:com="http://schemas.openxmlformats.org/drawingml/2006/compatibility" xmlns:p14="http://schemas.microsoft.com/office/powerpoint/2010/main" xmlns:p15="http://schemas.microsoft.com/office/powerpoint/2012/main" xmlns:ahyp="http://schemas.microsoft.com/office/drawing/2018/hyperlinkcolor">
+<p:sld xmlns:a="http://schemas.openxmlformats.org/drawingml/2006/main" xmlns:r="http://schemas.openxmlformats.org/officeDocument/2006/relationships" xmlns:p="http://schemas.openxmlformats.org/presentationml/2006/main">
   <p:cSld>
     <p:spTree>
       <p:nvGrpSpPr>
-        <p:cNvPr id="64" name="Shape 64"/>
+        <p:cNvPr id="1" name="Shape 64"/>
         <p:cNvGrpSpPr/>
         <p:nvPr/>
       </p:nvGrpSpPr>
@@ -6640,17 +6821,17 @@
           <a:solidFill>
             <a:srgbClr val="FFFFFF"/>
           </a:solidFill>
-          <a:ln cap="flat" cmpd="sng" w="9525">
+          <a:ln w="9525" cap="flat" cmpd="sng">
             <a:solidFill>
               <a:srgbClr val="0000FF"/>
             </a:solidFill>
             <a:prstDash val="solid"/>
             <a:round/>
-            <a:headEnd len="sm" w="sm" type="none"/>
-            <a:tailEnd len="sm" w="sm" type="none"/>
+            <a:headEnd type="none" w="sm" len="sm"/>
+            <a:tailEnd type="none" w="sm" len="sm"/>
           </a:ln>
           <a:effectLst>
-            <a:outerShdw blurRad="114300" rotWithShape="0" algn="bl" dir="6540000" dist="57150">
+            <a:outerShdw blurRad="114300" dist="57150" dir="6540000" algn="bl" rotWithShape="0">
               <a:srgbClr val="000000">
                 <a:alpha val="50000"/>
               </a:srgbClr>
@@ -6658,12 +6839,12 @@
           </a:effectLst>
         </p:spPr>
         <p:txBody>
-          <a:bodyPr anchorCtr="0" anchor="ctr" bIns="91425" lIns="91425" spcFirstLastPara="1" rIns="91425" wrap="square" tIns="91425">
+          <a:bodyPr spcFirstLastPara="1" wrap="square" lIns="91425" tIns="91425" rIns="91425" bIns="91425" anchor="ctr" anchorCtr="0">
             <a:noAutofit/>
           </a:bodyPr>
           <a:lstStyle/>
           <a:p>
-            <a:pPr indent="0" lvl="0" marL="0" rtl="0" algn="ctr">
+            <a:pPr marL="0" lvl="0" indent="0" algn="ctr" rtl="0">
               <a:spcBef>
                 <a:spcPts val="0"/>
               </a:spcBef>
@@ -6672,9 +6853,6 @@
               </a:spcAft>
               <a:buNone/>
             </a:pPr>
-            <a:r>
-              <a:t/>
-            </a:r>
             <a:endParaRPr/>
           </a:p>
         </p:txBody>
@@ -6699,12 +6877,12 @@
           </a:ln>
         </p:spPr>
         <p:txBody>
-          <a:bodyPr anchorCtr="0" anchor="t" bIns="91425" lIns="91425" spcFirstLastPara="1" rIns="91425" wrap="square" tIns="91425">
+          <a:bodyPr spcFirstLastPara="1" wrap="square" lIns="91425" tIns="91425" rIns="91425" bIns="91425" anchor="t" anchorCtr="0">
             <a:noAutofit/>
           </a:bodyPr>
           <a:lstStyle/>
           <a:p>
-            <a:pPr indent="0" lvl="0" marL="0" rtl="0" algn="l">
+            <a:pPr marL="0" lvl="0" indent="0" algn="l" rtl="0">
               <a:spcBef>
                 <a:spcPts val="0"/>
               </a:spcBef>
@@ -6714,7 +6892,7 @@
               <a:buNone/>
             </a:pPr>
             <a:r>
-              <a:rPr b="1" lang="pt-BR" sz="2000">
+              <a:rPr lang="pt-BR" sz="2000" b="1">
                 <a:latin typeface="Times New Roman"/>
                 <a:ea typeface="Times New Roman"/>
                 <a:cs typeface="Times New Roman"/>
@@ -6722,7 +6900,7 @@
               </a:rPr>
               <a:t>Cenário: Realizar Matrícula</a:t>
             </a:r>
-            <a:endParaRPr b="1" sz="2000">
+            <a:endParaRPr sz="2000" b="1">
               <a:latin typeface="Times New Roman"/>
               <a:ea typeface="Times New Roman"/>
               <a:cs typeface="Times New Roman"/>
@@ -6748,17 +6926,17 @@
           <a:solidFill>
             <a:srgbClr val="0000FF"/>
           </a:solidFill>
-          <a:ln cap="flat" cmpd="sng" w="9525">
+          <a:ln w="9525" cap="flat" cmpd="sng">
             <a:solidFill>
               <a:schemeClr val="dk2"/>
             </a:solidFill>
             <a:prstDash val="solid"/>
             <a:round/>
-            <a:headEnd len="sm" w="sm" type="none"/>
-            <a:tailEnd len="sm" w="sm" type="none"/>
+            <a:headEnd type="none" w="sm" len="sm"/>
+            <a:tailEnd type="none" w="sm" len="sm"/>
           </a:ln>
           <a:effectLst>
-            <a:outerShdw blurRad="57150" rotWithShape="0" algn="bl" dir="5400000" dist="57150">
+            <a:outerShdw blurRad="57150" dist="57150" dir="5400000" algn="bl" rotWithShape="0">
               <a:srgbClr val="000000">
                 <a:alpha val="50000"/>
               </a:srgbClr>
@@ -6766,12 +6944,12 @@
           </a:effectLst>
         </p:spPr>
         <p:txBody>
-          <a:bodyPr anchorCtr="0" anchor="ctr" bIns="91425" lIns="91425" spcFirstLastPara="1" rIns="91425" wrap="square" tIns="91425">
+          <a:bodyPr spcFirstLastPara="1" wrap="square" lIns="91425" tIns="91425" rIns="91425" bIns="91425" anchor="ctr" anchorCtr="0">
             <a:noAutofit/>
           </a:bodyPr>
           <a:lstStyle/>
           <a:p>
-            <a:pPr indent="0" lvl="0" marL="0" rtl="0" algn="ctr">
+            <a:pPr marL="0" lvl="0" indent="0" algn="ctr" rtl="0">
               <a:spcBef>
                 <a:spcPts val="0"/>
               </a:spcBef>
@@ -6824,12 +7002,12 @@
           </a:ln>
         </p:spPr>
         <p:txBody>
-          <a:bodyPr anchorCtr="0" anchor="t" bIns="91425" lIns="91425" spcFirstLastPara="1" rIns="91425" wrap="square" tIns="91425">
+          <a:bodyPr spcFirstLastPara="1" wrap="square" lIns="91425" tIns="91425" rIns="91425" bIns="91425" anchor="t" anchorCtr="0">
             <a:noAutofit/>
           </a:bodyPr>
           <a:lstStyle/>
           <a:p>
-            <a:pPr indent="0" lvl="0" marL="0" rtl="0" algn="l">
+            <a:pPr marL="0" lvl="0" indent="0" algn="l" rtl="0">
               <a:spcBef>
                 <a:spcPts val="0"/>
               </a:spcBef>
@@ -6839,7 +7017,7 @@
               <a:buNone/>
             </a:pPr>
             <a:r>
-              <a:rPr b="1" lang="pt-BR" sz="1600">
+              <a:rPr lang="pt-BR" sz="1600" b="1">
                 <a:latin typeface="Times New Roman"/>
                 <a:ea typeface="Times New Roman"/>
                 <a:cs typeface="Times New Roman"/>
@@ -6847,7 +7025,7 @@
               </a:rPr>
               <a:t>Escola </a:t>
             </a:r>
-            <a:endParaRPr b="1" sz="1600">
+            <a:endParaRPr sz="1600" b="1">
               <a:latin typeface="Times New Roman"/>
               <a:ea typeface="Times New Roman"/>
               <a:cs typeface="Times New Roman"/>
@@ -6869,29 +7047,29 @@
           </a:xfrm>
           <a:prstGeom prst="cube">
             <a:avLst>
-              <a:gd fmla="val 25000" name="adj"/>
+              <a:gd name="adj" fmla="val 25000"/>
             </a:avLst>
           </a:prstGeom>
           <a:solidFill>
             <a:srgbClr val="4A86E8"/>
           </a:solidFill>
-          <a:ln cap="flat" cmpd="sng" w="9525">
+          <a:ln w="9525" cap="flat" cmpd="sng">
             <a:solidFill>
               <a:schemeClr val="dk2"/>
             </a:solidFill>
             <a:prstDash val="solid"/>
             <a:round/>
-            <a:headEnd len="sm" w="sm" type="none"/>
-            <a:tailEnd len="sm" w="sm" type="none"/>
+            <a:headEnd type="none" w="sm" len="sm"/>
+            <a:tailEnd type="none" w="sm" len="sm"/>
           </a:ln>
         </p:spPr>
         <p:txBody>
-          <a:bodyPr anchorCtr="0" anchor="ctr" bIns="91425" lIns="91425" spcFirstLastPara="1" rIns="91425" wrap="square" tIns="91425">
+          <a:bodyPr spcFirstLastPara="1" wrap="square" lIns="91425" tIns="91425" rIns="91425" bIns="91425" anchor="ctr" anchorCtr="0">
             <a:noAutofit/>
           </a:bodyPr>
           <a:lstStyle/>
           <a:p>
-            <a:pPr indent="0" lvl="0" marL="0" rtl="0" algn="ctr">
+            <a:pPr marL="0" lvl="0" indent="0" algn="ctr" rtl="0">
               <a:spcBef>
                 <a:spcPts val="0"/>
               </a:spcBef>
@@ -6960,23 +7138,23 @@
           </a:xfrm>
           <a:prstGeom prst="roundRect">
             <a:avLst>
-              <a:gd fmla="val 16667" name="adj"/>
+              <a:gd name="adj" fmla="val 16667"/>
             </a:avLst>
           </a:prstGeom>
           <a:solidFill>
             <a:srgbClr val="B6D7A8"/>
           </a:solidFill>
-          <a:ln cap="flat" cmpd="sng" w="9525">
+          <a:ln w="9525" cap="flat" cmpd="sng">
             <a:solidFill>
               <a:schemeClr val="dk2"/>
             </a:solidFill>
             <a:prstDash val="solid"/>
             <a:round/>
-            <a:headEnd len="sm" w="sm" type="none"/>
-            <a:tailEnd len="sm" w="sm" type="none"/>
+            <a:headEnd type="none" w="sm" len="sm"/>
+            <a:tailEnd type="none" w="sm" len="sm"/>
           </a:ln>
           <a:effectLst>
-            <a:outerShdw blurRad="57150" rotWithShape="0" algn="bl" dir="5400000" dist="19050">
+            <a:outerShdw blurRad="57150" dist="19050" dir="5400000" algn="bl" rotWithShape="0">
               <a:srgbClr val="000000">
                 <a:alpha val="50000"/>
               </a:srgbClr>
@@ -6984,12 +7162,12 @@
           </a:effectLst>
         </p:spPr>
         <p:txBody>
-          <a:bodyPr anchorCtr="0" anchor="ctr" bIns="91425" lIns="91425" spcFirstLastPara="1" rIns="91425" wrap="square" tIns="91425">
+          <a:bodyPr spcFirstLastPara="1" wrap="square" lIns="91425" tIns="91425" rIns="91425" bIns="91425" anchor="ctr" anchorCtr="0">
             <a:noAutofit/>
           </a:bodyPr>
           <a:lstStyle/>
           <a:p>
-            <a:pPr indent="0" lvl="0" marL="0" rtl="0" algn="l">
+            <a:pPr marL="0" lvl="0" indent="0" algn="l" rtl="0">
               <a:spcBef>
                 <a:spcPts val="0"/>
               </a:spcBef>
@@ -6998,9 +7176,6 @@
               </a:spcAft>
               <a:buNone/>
             </a:pPr>
-            <a:r>
-              <a:t/>
-            </a:r>
             <a:endParaRPr/>
           </a:p>
         </p:txBody>
@@ -7023,14 +7198,14 @@
             <a:avLst/>
           </a:prstGeom>
           <a:noFill/>
-          <a:ln cap="flat" cmpd="sng" w="9525">
+          <a:ln w="9525" cap="flat" cmpd="sng">
             <a:solidFill>
               <a:srgbClr val="0000FF"/>
             </a:solidFill>
             <a:prstDash val="solid"/>
             <a:round/>
-            <a:headEnd len="med" w="med" type="none"/>
-            <a:tailEnd len="med" w="med" type="none"/>
+            <a:headEnd type="none" w="med" len="med"/>
+            <a:tailEnd type="none" w="med" len="med"/>
           </a:ln>
         </p:spPr>
       </p:cxnSp>
@@ -7054,12 +7229,12 @@
           </a:ln>
         </p:spPr>
         <p:txBody>
-          <a:bodyPr anchorCtr="0" anchor="t" bIns="91425" lIns="91425" spcFirstLastPara="1" rIns="91425" wrap="square" tIns="91425">
+          <a:bodyPr spcFirstLastPara="1" wrap="square" lIns="91425" tIns="91425" rIns="91425" bIns="91425" anchor="t" anchorCtr="0">
             <a:noAutofit/>
           </a:bodyPr>
           <a:lstStyle/>
           <a:p>
-            <a:pPr indent="0" lvl="0" marL="0" rtl="0" algn="ctr">
+            <a:pPr marL="0" lvl="0" indent="0" algn="ctr" rtl="0">
               <a:spcBef>
                 <a:spcPts val="0"/>
               </a:spcBef>
@@ -7069,7 +7244,7 @@
               <a:buNone/>
             </a:pPr>
             <a:r>
-              <a:rPr lang="pt-BR">
+              <a:rPr lang="pt-BR" sz="1300" dirty="0">
                 <a:latin typeface="Times New Roman"/>
                 <a:ea typeface="Times New Roman"/>
                 <a:cs typeface="Times New Roman"/>
@@ -7077,7 +7252,7 @@
               </a:rPr>
               <a:t>Realizar a Matrícula do Aluno</a:t>
             </a:r>
-            <a:endParaRPr>
+            <a:endParaRPr sz="1300" dirty="0">
               <a:latin typeface="Times New Roman"/>
               <a:ea typeface="Times New Roman"/>
               <a:cs typeface="Times New Roman"/>
@@ -7103,14 +7278,14 @@
             <a:avLst/>
           </a:prstGeom>
           <a:noFill/>
-          <a:ln cap="flat" cmpd="sng" w="9525">
+          <a:ln w="9525" cap="flat" cmpd="sng">
             <a:solidFill>
               <a:srgbClr val="0000FF"/>
             </a:solidFill>
             <a:prstDash val="solid"/>
             <a:round/>
-            <a:headEnd len="med" w="med" type="none"/>
-            <a:tailEnd len="med" w="med" type="none"/>
+            <a:headEnd type="none" w="med" len="med"/>
+            <a:tailEnd type="none" w="med" len="med"/>
           </a:ln>
         </p:spPr>
       </p:cxnSp>
@@ -7123,11 +7298,11 @@
 </file>
 
 <file path=ppt/slides/slide3.xml><?xml version="1.0" encoding="utf-8"?>
-<p:sld xmlns:a="http://schemas.openxmlformats.org/drawingml/2006/main" xmlns:r="http://schemas.openxmlformats.org/officeDocument/2006/relationships" xmlns:mc="http://schemas.openxmlformats.org/markup-compatibility/2006" xmlns:mv="urn:schemas-microsoft-com:mac:vml" xmlns:p="http://schemas.openxmlformats.org/presentationml/2006/main" xmlns:c="http://schemas.openxmlformats.org/drawingml/2006/chart" xmlns:dgm="http://schemas.openxmlformats.org/drawingml/2006/diagram" xmlns:o="urn:schemas-microsoft-com:office:office" xmlns:v="urn:schemas-microsoft-com:vml" xmlns:pvml="urn:schemas-microsoft-com:office:powerpoint" xmlns:com="http://schemas.openxmlformats.org/drawingml/2006/compatibility" xmlns:p14="http://schemas.microsoft.com/office/powerpoint/2010/main" xmlns:p15="http://schemas.microsoft.com/office/powerpoint/2012/main" xmlns:ahyp="http://schemas.microsoft.com/office/drawing/2018/hyperlinkcolor">
+<p:sld xmlns:a="http://schemas.openxmlformats.org/drawingml/2006/main" xmlns:r="http://schemas.openxmlformats.org/officeDocument/2006/relationships" xmlns:p="http://schemas.openxmlformats.org/presentationml/2006/main">
   <p:cSld>
     <p:spTree>
       <p:nvGrpSpPr>
-        <p:cNvPr id="77" name="Shape 77"/>
+        <p:cNvPr id="1" name="Shape 77"/>
         <p:cNvGrpSpPr/>
         <p:nvPr/>
       </p:nvGrpSpPr>
@@ -7156,17 +7331,17 @@
           <a:solidFill>
             <a:srgbClr val="FFFFFF"/>
           </a:solidFill>
-          <a:ln cap="flat" cmpd="sng" w="9525">
+          <a:ln w="9525" cap="flat" cmpd="sng">
             <a:solidFill>
               <a:srgbClr val="0000FF"/>
             </a:solidFill>
             <a:prstDash val="solid"/>
             <a:round/>
-            <a:headEnd len="sm" w="sm" type="none"/>
-            <a:tailEnd len="sm" w="sm" type="none"/>
+            <a:headEnd type="none" w="sm" len="sm"/>
+            <a:tailEnd type="none" w="sm" len="sm"/>
           </a:ln>
           <a:effectLst>
-            <a:outerShdw blurRad="114300" rotWithShape="0" algn="bl" dir="6540000" dist="57150">
+            <a:outerShdw blurRad="114300" dist="57150" dir="6540000" algn="bl" rotWithShape="0">
               <a:srgbClr val="000000">
                 <a:alpha val="50000"/>
               </a:srgbClr>
@@ -7174,12 +7349,12 @@
           </a:effectLst>
         </p:spPr>
         <p:txBody>
-          <a:bodyPr anchorCtr="0" anchor="ctr" bIns="91425" lIns="91425" spcFirstLastPara="1" rIns="91425" wrap="square" tIns="91425">
+          <a:bodyPr spcFirstLastPara="1" wrap="square" lIns="91425" tIns="91425" rIns="91425" bIns="91425" anchor="ctr" anchorCtr="0">
             <a:noAutofit/>
           </a:bodyPr>
           <a:lstStyle/>
           <a:p>
-            <a:pPr indent="0" lvl="0" marL="0" rtl="0" algn="ctr">
+            <a:pPr marL="0" lvl="0" indent="0" algn="ctr" rtl="0">
               <a:spcBef>
                 <a:spcPts val="0"/>
               </a:spcBef>
@@ -7188,9 +7363,6 @@
               </a:spcAft>
               <a:buNone/>
             </a:pPr>
-            <a:r>
-              <a:t/>
-            </a:r>
             <a:endParaRPr/>
           </a:p>
         </p:txBody>
@@ -7215,12 +7387,12 @@
           </a:ln>
         </p:spPr>
         <p:txBody>
-          <a:bodyPr anchorCtr="0" anchor="t" bIns="91425" lIns="91425" spcFirstLastPara="1" rIns="91425" wrap="square" tIns="91425">
+          <a:bodyPr spcFirstLastPara="1" wrap="square" lIns="91425" tIns="91425" rIns="91425" bIns="91425" anchor="t" anchorCtr="0">
             <a:noAutofit/>
           </a:bodyPr>
           <a:lstStyle/>
           <a:p>
-            <a:pPr indent="0" lvl="0" marL="0" rtl="0" algn="l">
+            <a:pPr marL="0" lvl="0" indent="0" algn="l" rtl="0">
               <a:spcBef>
                 <a:spcPts val="0"/>
               </a:spcBef>
@@ -7230,7 +7402,7 @@
               <a:buNone/>
             </a:pPr>
             <a:r>
-              <a:rPr b="1" lang="pt-BR" sz="2000">
+              <a:rPr lang="pt-BR" sz="2000" b="1">
                 <a:latin typeface="Times New Roman"/>
                 <a:ea typeface="Times New Roman"/>
                 <a:cs typeface="Times New Roman"/>
@@ -7238,7 +7410,7 @@
               </a:rPr>
               <a:t>Cenário: Assistir Aula</a:t>
             </a:r>
-            <a:endParaRPr b="1" sz="2000">
+            <a:endParaRPr sz="2000" b="1">
               <a:latin typeface="Times New Roman"/>
               <a:ea typeface="Times New Roman"/>
               <a:cs typeface="Times New Roman"/>
@@ -7264,17 +7436,17 @@
           <a:solidFill>
             <a:srgbClr val="0000FF"/>
           </a:solidFill>
-          <a:ln cap="flat" cmpd="sng" w="9525">
+          <a:ln w="9525" cap="flat" cmpd="sng">
             <a:solidFill>
               <a:schemeClr val="dk2"/>
             </a:solidFill>
             <a:prstDash val="solid"/>
             <a:round/>
-            <a:headEnd len="sm" w="sm" type="none"/>
-            <a:tailEnd len="sm" w="sm" type="none"/>
+            <a:headEnd type="none" w="sm" len="sm"/>
+            <a:tailEnd type="none" w="sm" len="sm"/>
           </a:ln>
           <a:effectLst>
-            <a:outerShdw blurRad="57150" rotWithShape="0" algn="bl" dir="5400000" dist="57150">
+            <a:outerShdw blurRad="57150" dist="57150" dir="5400000" algn="bl" rotWithShape="0">
               <a:srgbClr val="000000">
                 <a:alpha val="50000"/>
               </a:srgbClr>
@@ -7282,12 +7454,12 @@
           </a:effectLst>
         </p:spPr>
         <p:txBody>
-          <a:bodyPr anchorCtr="0" anchor="ctr" bIns="91425" lIns="91425" spcFirstLastPara="1" rIns="91425" wrap="square" tIns="91425">
+          <a:bodyPr spcFirstLastPara="1" wrap="square" lIns="91425" tIns="91425" rIns="91425" bIns="91425" anchor="ctr" anchorCtr="0">
             <a:noAutofit/>
           </a:bodyPr>
           <a:lstStyle/>
           <a:p>
-            <a:pPr indent="0" lvl="0" marL="0" rtl="0" algn="ctr">
+            <a:pPr marL="0" lvl="0" indent="0" algn="ctr" rtl="0">
               <a:spcBef>
                 <a:spcPts val="0"/>
               </a:spcBef>
@@ -7340,12 +7512,12 @@
           </a:ln>
         </p:spPr>
         <p:txBody>
-          <a:bodyPr anchorCtr="0" anchor="t" bIns="91425" lIns="91425" spcFirstLastPara="1" rIns="91425" wrap="square" tIns="91425">
+          <a:bodyPr spcFirstLastPara="1" wrap="square" lIns="91425" tIns="91425" rIns="91425" bIns="91425" anchor="t" anchorCtr="0">
             <a:noAutofit/>
           </a:bodyPr>
           <a:lstStyle/>
           <a:p>
-            <a:pPr indent="0" lvl="0" marL="0" rtl="0" algn="l">
+            <a:pPr marL="0" lvl="0" indent="0" algn="l" rtl="0">
               <a:spcBef>
                 <a:spcPts val="0"/>
               </a:spcBef>
@@ -7355,7 +7527,7 @@
               <a:buNone/>
             </a:pPr>
             <a:r>
-              <a:rPr b="1" lang="pt-BR" sz="1600">
+              <a:rPr lang="pt-BR" sz="1600" b="1">
                 <a:latin typeface="Times New Roman"/>
                 <a:ea typeface="Times New Roman"/>
                 <a:cs typeface="Times New Roman"/>
@@ -7363,7 +7535,7 @@
               </a:rPr>
               <a:t>Escola </a:t>
             </a:r>
-            <a:endParaRPr b="1" sz="1600">
+            <a:endParaRPr sz="1600" b="1">
               <a:latin typeface="Times New Roman"/>
               <a:ea typeface="Times New Roman"/>
               <a:cs typeface="Times New Roman"/>
@@ -7385,29 +7557,29 @@
           </a:xfrm>
           <a:prstGeom prst="cube">
             <a:avLst>
-              <a:gd fmla="val 25000" name="adj"/>
+              <a:gd name="adj" fmla="val 25000"/>
             </a:avLst>
           </a:prstGeom>
           <a:solidFill>
             <a:srgbClr val="4A86E8"/>
           </a:solidFill>
-          <a:ln cap="flat" cmpd="sng" w="9525">
+          <a:ln w="9525" cap="flat" cmpd="sng">
             <a:solidFill>
               <a:schemeClr val="dk2"/>
             </a:solidFill>
             <a:prstDash val="solid"/>
             <a:round/>
-            <a:headEnd len="sm" w="sm" type="none"/>
-            <a:tailEnd len="sm" w="sm" type="none"/>
+            <a:headEnd type="none" w="sm" len="sm"/>
+            <a:tailEnd type="none" w="sm" len="sm"/>
           </a:ln>
         </p:spPr>
         <p:txBody>
-          <a:bodyPr anchorCtr="0" anchor="ctr" bIns="91425" lIns="91425" spcFirstLastPara="1" rIns="91425" wrap="square" tIns="91425">
+          <a:bodyPr spcFirstLastPara="1" wrap="square" lIns="91425" tIns="91425" rIns="91425" bIns="91425" anchor="ctr" anchorCtr="0">
             <a:noAutofit/>
           </a:bodyPr>
           <a:lstStyle/>
           <a:p>
-            <a:pPr indent="0" lvl="0" marL="0" rtl="0" algn="ctr">
+            <a:pPr marL="0" lvl="0" indent="0" algn="ctr" rtl="0">
               <a:spcBef>
                 <a:spcPts val="0"/>
               </a:spcBef>
@@ -7476,23 +7648,23 @@
           </a:xfrm>
           <a:prstGeom prst="roundRect">
             <a:avLst>
-              <a:gd fmla="val 16667" name="adj"/>
+              <a:gd name="adj" fmla="val 16667"/>
             </a:avLst>
           </a:prstGeom>
           <a:solidFill>
             <a:srgbClr val="B6D7A8"/>
           </a:solidFill>
-          <a:ln cap="flat" cmpd="sng" w="9525">
+          <a:ln w="9525" cap="flat" cmpd="sng">
             <a:solidFill>
               <a:schemeClr val="dk2"/>
             </a:solidFill>
             <a:prstDash val="solid"/>
             <a:round/>
-            <a:headEnd len="sm" w="sm" type="none"/>
-            <a:tailEnd len="sm" w="sm" type="none"/>
+            <a:headEnd type="none" w="sm" len="sm"/>
+            <a:tailEnd type="none" w="sm" len="sm"/>
           </a:ln>
           <a:effectLst>
-            <a:outerShdw blurRad="57150" rotWithShape="0" algn="bl" dir="5400000" dist="19050">
+            <a:outerShdw blurRad="57150" dist="19050" dir="5400000" algn="bl" rotWithShape="0">
               <a:srgbClr val="000000">
                 <a:alpha val="50000"/>
               </a:srgbClr>
@@ -7500,12 +7672,12 @@
           </a:effectLst>
         </p:spPr>
         <p:txBody>
-          <a:bodyPr anchorCtr="0" anchor="ctr" bIns="91425" lIns="91425" spcFirstLastPara="1" rIns="91425" wrap="square" tIns="91425">
+          <a:bodyPr spcFirstLastPara="1" wrap="square" lIns="91425" tIns="91425" rIns="91425" bIns="91425" anchor="ctr" anchorCtr="0">
             <a:noAutofit/>
           </a:bodyPr>
           <a:lstStyle/>
           <a:p>
-            <a:pPr indent="0" lvl="0" marL="0" rtl="0" algn="l">
+            <a:pPr marL="0" lvl="0" indent="0" algn="l" rtl="0">
               <a:spcBef>
                 <a:spcPts val="0"/>
               </a:spcBef>
@@ -7514,9 +7686,6 @@
               </a:spcAft>
               <a:buNone/>
             </a:pPr>
-            <a:r>
-              <a:t/>
-            </a:r>
             <a:endParaRPr/>
           </a:p>
         </p:txBody>
@@ -7539,14 +7708,14 @@
             <a:avLst/>
           </a:prstGeom>
           <a:noFill/>
-          <a:ln cap="flat" cmpd="sng" w="9525">
+          <a:ln w="9525" cap="flat" cmpd="sng">
             <a:solidFill>
               <a:srgbClr val="0000FF"/>
             </a:solidFill>
             <a:prstDash val="solid"/>
             <a:round/>
-            <a:headEnd len="med" w="med" type="none"/>
-            <a:tailEnd len="med" w="med" type="none"/>
+            <a:headEnd type="none" w="med" len="med"/>
+            <a:tailEnd type="none" w="med" len="med"/>
           </a:ln>
         </p:spPr>
       </p:cxnSp>
@@ -7570,12 +7739,12 @@
           </a:ln>
         </p:spPr>
         <p:txBody>
-          <a:bodyPr anchorCtr="0" anchor="t" bIns="91425" lIns="91425" spcFirstLastPara="1" rIns="91425" wrap="square" tIns="91425">
+          <a:bodyPr spcFirstLastPara="1" wrap="square" lIns="91425" tIns="91425" rIns="91425" bIns="91425" anchor="t" anchorCtr="0">
             <a:noAutofit/>
           </a:bodyPr>
           <a:lstStyle/>
           <a:p>
-            <a:pPr indent="0" lvl="0" marL="0" rtl="0" algn="ctr">
+            <a:pPr marL="0" lvl="0" indent="0" algn="ctr" rtl="0">
               <a:spcBef>
                 <a:spcPts val="0"/>
               </a:spcBef>
@@ -7617,14 +7786,14 @@
             <a:avLst/>
           </a:prstGeom>
           <a:noFill/>
-          <a:ln cap="flat" cmpd="sng" w="9525">
+          <a:ln w="9525" cap="flat" cmpd="sng">
             <a:solidFill>
               <a:srgbClr val="0000FF"/>
             </a:solidFill>
             <a:prstDash val="solid"/>
             <a:round/>
-            <a:headEnd len="med" w="med" type="none"/>
-            <a:tailEnd len="med" w="med" type="none"/>
+            <a:headEnd type="none" w="med" len="med"/>
+            <a:tailEnd type="none" w="med" len="med"/>
           </a:ln>
         </p:spPr>
       </p:cxnSp>
@@ -7637,11 +7806,534 @@
 </file>
 
 <file path=ppt/slides/slide4.xml><?xml version="1.0" encoding="utf-8"?>
-<p:sld xmlns:a="http://schemas.openxmlformats.org/drawingml/2006/main" xmlns:r="http://schemas.openxmlformats.org/officeDocument/2006/relationships" xmlns:mc="http://schemas.openxmlformats.org/markup-compatibility/2006" xmlns:mv="urn:schemas-microsoft-com:mac:vml" xmlns:p="http://schemas.openxmlformats.org/presentationml/2006/main" xmlns:c="http://schemas.openxmlformats.org/drawingml/2006/chart" xmlns:dgm="http://schemas.openxmlformats.org/drawingml/2006/diagram" xmlns:o="urn:schemas-microsoft-com:office:office" xmlns:v="urn:schemas-microsoft-com:vml" xmlns:pvml="urn:schemas-microsoft-com:office:powerpoint" xmlns:com="http://schemas.openxmlformats.org/drawingml/2006/compatibility" xmlns:p14="http://schemas.microsoft.com/office/powerpoint/2010/main" xmlns:p15="http://schemas.microsoft.com/office/powerpoint/2012/main" xmlns:ahyp="http://schemas.microsoft.com/office/drawing/2018/hyperlinkcolor">
+<p:sld xmlns:a="http://schemas.openxmlformats.org/drawingml/2006/main" xmlns:r="http://schemas.openxmlformats.org/officeDocument/2006/relationships" xmlns:p="http://schemas.openxmlformats.org/presentationml/2006/main">
   <p:cSld>
     <p:spTree>
       <p:nvGrpSpPr>
-        <p:cNvPr id="90" name="Shape 90"/>
+        <p:cNvPr id="1" name=""/>
+        <p:cNvGrpSpPr/>
+        <p:nvPr/>
+      </p:nvGrpSpPr>
+      <p:grpSpPr>
+        <a:xfrm>
+          <a:off x="0" y="0"/>
+          <a:ext cx="0" cy="0"/>
+          <a:chOff x="0" y="0"/>
+          <a:chExt cx="0" cy="0"/>
+        </a:xfrm>
+      </p:grpSpPr>
+      <p:sp>
+        <p:nvSpPr>
+          <p:cNvPr id="3" name="Google Shape;91;p16">
+            <a:extLst>
+              <a:ext uri="{FF2B5EF4-FFF2-40B4-BE49-F238E27FC236}">
+                <a16:creationId xmlns:a16="http://schemas.microsoft.com/office/drawing/2014/main" id="{C9314FA5-5D58-4568-9A29-0526E5538656}"/>
+              </a:ext>
+            </a:extLst>
+          </p:cNvPr>
+          <p:cNvSpPr/>
+          <p:nvPr/>
+        </p:nvSpPr>
+        <p:spPr>
+          <a:xfrm>
+            <a:off x="4817575" y="796825"/>
+            <a:ext cx="4036800" cy="3650700"/>
+          </a:xfrm>
+          <a:prstGeom prst="rect">
+            <a:avLst/>
+          </a:prstGeom>
+          <a:solidFill>
+            <a:srgbClr val="FFFFFF"/>
+          </a:solidFill>
+          <a:ln w="9525" cap="flat" cmpd="sng">
+            <a:solidFill>
+              <a:srgbClr val="0000FF"/>
+            </a:solidFill>
+            <a:prstDash val="solid"/>
+            <a:round/>
+            <a:headEnd type="none" w="sm" len="sm"/>
+            <a:tailEnd type="none" w="sm" len="sm"/>
+          </a:ln>
+          <a:effectLst>
+            <a:outerShdw blurRad="114300" dist="57150" dir="6540000" algn="bl" rotWithShape="0">
+              <a:srgbClr val="000000">
+                <a:alpha val="50000"/>
+              </a:srgbClr>
+            </a:outerShdw>
+          </a:effectLst>
+        </p:spPr>
+        <p:txBody>
+          <a:bodyPr spcFirstLastPara="1" wrap="square" lIns="91425" tIns="91425" rIns="91425" bIns="91425" anchor="ctr" anchorCtr="0">
+            <a:noAutofit/>
+          </a:bodyPr>
+          <a:lstStyle/>
+          <a:p>
+            <a:pPr marL="0" lvl="0" indent="0" algn="ctr" rtl="0">
+              <a:spcBef>
+                <a:spcPts val="0"/>
+              </a:spcBef>
+              <a:spcAft>
+                <a:spcPts val="0"/>
+              </a:spcAft>
+              <a:buNone/>
+            </a:pPr>
+            <a:endParaRPr/>
+          </a:p>
+        </p:txBody>
+      </p:sp>
+      <p:sp>
+        <p:nvSpPr>
+          <p:cNvPr id="4" name="Google Shape;92;p16">
+            <a:extLst>
+              <a:ext uri="{FF2B5EF4-FFF2-40B4-BE49-F238E27FC236}">
+                <a16:creationId xmlns:a16="http://schemas.microsoft.com/office/drawing/2014/main" id="{8A381F5A-7C7D-4B36-9C0E-734713CD3983}"/>
+              </a:ext>
+            </a:extLst>
+          </p:cNvPr>
+          <p:cNvSpPr txBox="1"/>
+          <p:nvPr/>
+        </p:nvSpPr>
+        <p:spPr>
+          <a:xfrm>
+            <a:off x="488500" y="242125"/>
+            <a:ext cx="3469800" cy="554700"/>
+          </a:xfrm>
+          <a:prstGeom prst="rect">
+            <a:avLst/>
+          </a:prstGeom>
+          <a:noFill/>
+          <a:ln>
+            <a:noFill/>
+          </a:ln>
+        </p:spPr>
+        <p:txBody>
+          <a:bodyPr spcFirstLastPara="1" wrap="square" lIns="91425" tIns="91425" rIns="91425" bIns="91425" anchor="t" anchorCtr="0">
+            <a:noAutofit/>
+          </a:bodyPr>
+          <a:lstStyle/>
+          <a:p>
+            <a:pPr marL="0" lvl="0" indent="0" algn="l" rtl="0">
+              <a:spcBef>
+                <a:spcPts val="0"/>
+              </a:spcBef>
+              <a:spcAft>
+                <a:spcPts val="0"/>
+              </a:spcAft>
+              <a:buNone/>
+            </a:pPr>
+            <a:r>
+              <a:rPr lang="pt-BR" sz="2000" b="1" dirty="0">
+                <a:latin typeface="Times New Roman"/>
+                <a:ea typeface="Times New Roman"/>
+                <a:cs typeface="Times New Roman"/>
+                <a:sym typeface="Times New Roman"/>
+              </a:rPr>
+              <a:t>Cenário: Negociação</a:t>
+            </a:r>
+            <a:endParaRPr sz="2000" b="1" dirty="0">
+              <a:latin typeface="Times New Roman"/>
+              <a:ea typeface="Times New Roman"/>
+              <a:cs typeface="Times New Roman"/>
+              <a:sym typeface="Times New Roman"/>
+            </a:endParaRPr>
+          </a:p>
+        </p:txBody>
+      </p:sp>
+      <p:sp>
+        <p:nvSpPr>
+          <p:cNvPr id="5" name="Google Shape;93;p16">
+            <a:extLst>
+              <a:ext uri="{FF2B5EF4-FFF2-40B4-BE49-F238E27FC236}">
+                <a16:creationId xmlns:a16="http://schemas.microsoft.com/office/drawing/2014/main" id="{5EA18F70-7AC7-44EA-8653-E832BD6A29D2}"/>
+              </a:ext>
+            </a:extLst>
+          </p:cNvPr>
+          <p:cNvSpPr/>
+          <p:nvPr/>
+        </p:nvSpPr>
+        <p:spPr>
+          <a:xfrm>
+            <a:off x="677825" y="1734125"/>
+            <a:ext cx="1674000" cy="1043700"/>
+          </a:xfrm>
+          <a:prstGeom prst="rect">
+            <a:avLst/>
+          </a:prstGeom>
+          <a:solidFill>
+            <a:srgbClr val="0000FF"/>
+          </a:solidFill>
+          <a:ln w="9525" cap="flat" cmpd="sng">
+            <a:solidFill>
+              <a:schemeClr val="dk2"/>
+            </a:solidFill>
+            <a:prstDash val="solid"/>
+            <a:round/>
+            <a:headEnd type="none" w="sm" len="sm"/>
+            <a:tailEnd type="none" w="sm" len="sm"/>
+          </a:ln>
+          <a:effectLst>
+            <a:outerShdw blurRad="57150" dist="57150" dir="5400000" algn="bl" rotWithShape="0">
+              <a:srgbClr val="000000">
+                <a:alpha val="50000"/>
+              </a:srgbClr>
+            </a:outerShdw>
+          </a:effectLst>
+        </p:spPr>
+        <p:txBody>
+          <a:bodyPr spcFirstLastPara="1" wrap="square" lIns="91425" tIns="91425" rIns="91425" bIns="91425" anchor="ctr" anchorCtr="0">
+            <a:noAutofit/>
+          </a:bodyPr>
+          <a:lstStyle/>
+          <a:p>
+            <a:pPr marL="0" lvl="0" indent="0" algn="ctr" rtl="0">
+              <a:spcBef>
+                <a:spcPts val="0"/>
+              </a:spcBef>
+              <a:spcAft>
+                <a:spcPts val="0"/>
+              </a:spcAft>
+              <a:buNone/>
+            </a:pPr>
+            <a:r>
+              <a:rPr lang="pt-BR" sz="1600">
+                <a:solidFill>
+                  <a:srgbClr val="FFFFFF"/>
+                </a:solidFill>
+                <a:latin typeface="Times New Roman"/>
+                <a:ea typeface="Times New Roman"/>
+                <a:cs typeface="Times New Roman"/>
+                <a:sym typeface="Times New Roman"/>
+              </a:rPr>
+              <a:t>Aluno</a:t>
+            </a:r>
+            <a:endParaRPr sz="1600">
+              <a:solidFill>
+                <a:srgbClr val="FFFFFF"/>
+              </a:solidFill>
+              <a:latin typeface="Times New Roman"/>
+              <a:ea typeface="Times New Roman"/>
+              <a:cs typeface="Times New Roman"/>
+              <a:sym typeface="Times New Roman"/>
+            </a:endParaRPr>
+          </a:p>
+        </p:txBody>
+      </p:sp>
+      <p:sp>
+        <p:nvSpPr>
+          <p:cNvPr id="6" name="Google Shape;94;p16">
+            <a:extLst>
+              <a:ext uri="{FF2B5EF4-FFF2-40B4-BE49-F238E27FC236}">
+                <a16:creationId xmlns:a16="http://schemas.microsoft.com/office/drawing/2014/main" id="{080CB257-B8F1-4ACE-B474-998C5D4EB028}"/>
+              </a:ext>
+            </a:extLst>
+          </p:cNvPr>
+          <p:cNvSpPr txBox="1"/>
+          <p:nvPr/>
+        </p:nvSpPr>
+        <p:spPr>
+          <a:xfrm>
+            <a:off x="6451075" y="796825"/>
+            <a:ext cx="769800" cy="354900"/>
+          </a:xfrm>
+          <a:prstGeom prst="rect">
+            <a:avLst/>
+          </a:prstGeom>
+          <a:noFill/>
+          <a:ln>
+            <a:noFill/>
+          </a:ln>
+        </p:spPr>
+        <p:txBody>
+          <a:bodyPr spcFirstLastPara="1" wrap="square" lIns="91425" tIns="91425" rIns="91425" bIns="91425" anchor="t" anchorCtr="0">
+            <a:noAutofit/>
+          </a:bodyPr>
+          <a:lstStyle/>
+          <a:p>
+            <a:pPr marL="0" lvl="0" indent="0" algn="l" rtl="0">
+              <a:spcBef>
+                <a:spcPts val="0"/>
+              </a:spcBef>
+              <a:spcAft>
+                <a:spcPts val="0"/>
+              </a:spcAft>
+              <a:buNone/>
+            </a:pPr>
+            <a:r>
+              <a:rPr lang="pt-BR" sz="1600" b="1">
+                <a:latin typeface="Times New Roman"/>
+                <a:ea typeface="Times New Roman"/>
+                <a:cs typeface="Times New Roman"/>
+                <a:sym typeface="Times New Roman"/>
+              </a:rPr>
+              <a:t>Escola </a:t>
+            </a:r>
+            <a:endParaRPr sz="1600" b="1">
+              <a:latin typeface="Times New Roman"/>
+              <a:ea typeface="Times New Roman"/>
+              <a:cs typeface="Times New Roman"/>
+              <a:sym typeface="Times New Roman"/>
+            </a:endParaRPr>
+          </a:p>
+        </p:txBody>
+      </p:sp>
+      <p:sp>
+        <p:nvSpPr>
+          <p:cNvPr id="7" name="Google Shape;95;p16">
+            <a:extLst>
+              <a:ext uri="{FF2B5EF4-FFF2-40B4-BE49-F238E27FC236}">
+                <a16:creationId xmlns:a16="http://schemas.microsoft.com/office/drawing/2014/main" id="{5E69E151-2F97-4C48-BDDA-8B60EB7DD3DE}"/>
+              </a:ext>
+            </a:extLst>
+          </p:cNvPr>
+          <p:cNvSpPr/>
+          <p:nvPr/>
+        </p:nvSpPr>
+        <p:spPr>
+          <a:xfrm>
+            <a:off x="5882275" y="1911425"/>
+            <a:ext cx="1907400" cy="554700"/>
+          </a:xfrm>
+          <a:prstGeom prst="cube">
+            <a:avLst>
+              <a:gd name="adj" fmla="val 25000"/>
+            </a:avLst>
+          </a:prstGeom>
+          <a:solidFill>
+            <a:srgbClr val="4A86E8"/>
+          </a:solidFill>
+          <a:ln w="9525" cap="flat" cmpd="sng">
+            <a:solidFill>
+              <a:schemeClr val="dk2"/>
+            </a:solidFill>
+            <a:prstDash val="solid"/>
+            <a:round/>
+            <a:headEnd type="none" w="sm" len="sm"/>
+            <a:tailEnd type="none" w="sm" len="sm"/>
+          </a:ln>
+        </p:spPr>
+        <p:txBody>
+          <a:bodyPr spcFirstLastPara="1" wrap="square" lIns="91425" tIns="91425" rIns="91425" bIns="91425" anchor="ctr" anchorCtr="0">
+            <a:noAutofit/>
+          </a:bodyPr>
+          <a:lstStyle/>
+          <a:p>
+            <a:pPr marL="0" lvl="0" indent="0" algn="ctr" rtl="0">
+              <a:spcBef>
+                <a:spcPts val="0"/>
+              </a:spcBef>
+              <a:spcAft>
+                <a:spcPts val="0"/>
+              </a:spcAft>
+              <a:buNone/>
+            </a:pPr>
+            <a:r>
+              <a:rPr lang="pt-BR" sz="1600">
+                <a:solidFill>
+                  <a:srgbClr val="FFFFFF"/>
+                </a:solidFill>
+                <a:latin typeface="Times New Roman"/>
+                <a:ea typeface="Times New Roman"/>
+                <a:cs typeface="Times New Roman"/>
+                <a:sym typeface="Times New Roman"/>
+              </a:rPr>
+              <a:t>Secretaria</a:t>
+            </a:r>
+            <a:br>
+              <a:rPr lang="pt-BR" sz="1600">
+                <a:solidFill>
+                  <a:srgbClr val="FFFFFF"/>
+                </a:solidFill>
+                <a:latin typeface="Times New Roman"/>
+                <a:ea typeface="Times New Roman"/>
+                <a:cs typeface="Times New Roman"/>
+                <a:sym typeface="Times New Roman"/>
+              </a:rPr>
+            </a:br>
+            <a:r>
+              <a:rPr lang="pt-BR" sz="1600">
+                <a:solidFill>
+                  <a:srgbClr val="FFFFFF"/>
+                </a:solidFill>
+                <a:latin typeface="Times New Roman"/>
+                <a:ea typeface="Times New Roman"/>
+                <a:cs typeface="Times New Roman"/>
+                <a:sym typeface="Times New Roman"/>
+              </a:rPr>
+              <a:t>(Nó-Operacional)</a:t>
+            </a:r>
+            <a:endParaRPr sz="1600">
+              <a:solidFill>
+                <a:srgbClr val="FFFFFF"/>
+              </a:solidFill>
+              <a:latin typeface="Times New Roman"/>
+              <a:ea typeface="Times New Roman"/>
+              <a:cs typeface="Times New Roman"/>
+              <a:sym typeface="Times New Roman"/>
+            </a:endParaRPr>
+          </a:p>
+        </p:txBody>
+      </p:sp>
+      <p:sp>
+        <p:nvSpPr>
+          <p:cNvPr id="8" name="Google Shape;96;p16">
+            <a:extLst>
+              <a:ext uri="{FF2B5EF4-FFF2-40B4-BE49-F238E27FC236}">
+                <a16:creationId xmlns:a16="http://schemas.microsoft.com/office/drawing/2014/main" id="{C854D313-5CD4-4A3F-A730-91B739007122}"/>
+              </a:ext>
+            </a:extLst>
+          </p:cNvPr>
+          <p:cNvSpPr/>
+          <p:nvPr/>
+        </p:nvSpPr>
+        <p:spPr>
+          <a:xfrm>
+            <a:off x="6009500" y="3085675"/>
+            <a:ext cx="1764300" cy="554700"/>
+          </a:xfrm>
+          <a:prstGeom prst="roundRect">
+            <a:avLst>
+              <a:gd name="adj" fmla="val 16667"/>
+            </a:avLst>
+          </a:prstGeom>
+          <a:solidFill>
+            <a:srgbClr val="B6D7A8"/>
+          </a:solidFill>
+          <a:ln w="9525" cap="flat" cmpd="sng">
+            <a:solidFill>
+              <a:schemeClr val="dk2"/>
+            </a:solidFill>
+            <a:prstDash val="solid"/>
+            <a:round/>
+            <a:headEnd type="none" w="sm" len="sm"/>
+            <a:tailEnd type="none" w="sm" len="sm"/>
+          </a:ln>
+          <a:effectLst>
+            <a:outerShdw blurRad="57150" dist="19050" dir="5400000" algn="bl" rotWithShape="0">
+              <a:srgbClr val="000000">
+                <a:alpha val="50000"/>
+              </a:srgbClr>
+            </a:outerShdw>
+          </a:effectLst>
+        </p:spPr>
+        <p:txBody>
+          <a:bodyPr spcFirstLastPara="1" wrap="square" lIns="91425" tIns="91425" rIns="91425" bIns="91425" anchor="ctr" anchorCtr="0">
+            <a:noAutofit/>
+          </a:bodyPr>
+          <a:lstStyle/>
+          <a:p>
+            <a:pPr marL="0" lvl="0" indent="0" algn="ctr" rtl="0">
+              <a:spcBef>
+                <a:spcPts val="0"/>
+              </a:spcBef>
+              <a:spcAft>
+                <a:spcPts val="0"/>
+              </a:spcAft>
+              <a:buNone/>
+            </a:pPr>
+            <a:r>
+              <a:rPr lang="pt-BR" sz="1500" dirty="0">
+                <a:latin typeface="Times New Roman"/>
+                <a:ea typeface="Times New Roman"/>
+                <a:cs typeface="Times New Roman"/>
+                <a:sym typeface="Times New Roman"/>
+              </a:rPr>
+              <a:t>Tratar Negociação com Aluno</a:t>
+            </a:r>
+            <a:endParaRPr sz="1500" dirty="0">
+              <a:latin typeface="Times New Roman"/>
+              <a:ea typeface="Times New Roman"/>
+              <a:cs typeface="Times New Roman"/>
+              <a:sym typeface="Times New Roman"/>
+            </a:endParaRPr>
+          </a:p>
+        </p:txBody>
+      </p:sp>
+      <p:cxnSp>
+        <p:nvCxnSpPr>
+          <p:cNvPr id="9" name="Google Shape;97;p16">
+            <a:extLst>
+              <a:ext uri="{FF2B5EF4-FFF2-40B4-BE49-F238E27FC236}">
+                <a16:creationId xmlns:a16="http://schemas.microsoft.com/office/drawing/2014/main" id="{4F8CC4AB-97A4-4D54-A248-157A4F63D2BA}"/>
+              </a:ext>
+            </a:extLst>
+          </p:cNvPr>
+          <p:cNvCxnSpPr>
+            <a:stCxn id="5" idx="3"/>
+            <a:endCxn id="7" idx="2"/>
+          </p:cNvCxnSpPr>
+          <p:nvPr/>
+        </p:nvCxnSpPr>
+        <p:spPr>
+          <a:xfrm>
+            <a:off x="2351825" y="2255975"/>
+            <a:ext cx="3530400" cy="2100"/>
+          </a:xfrm>
+          <a:prstGeom prst="straightConnector1">
+            <a:avLst/>
+          </a:prstGeom>
+          <a:noFill/>
+          <a:ln w="9525" cap="flat" cmpd="sng">
+            <a:solidFill>
+              <a:srgbClr val="0000FF"/>
+            </a:solidFill>
+            <a:prstDash val="solid"/>
+            <a:round/>
+            <a:headEnd type="none" w="med" len="med"/>
+            <a:tailEnd type="none" w="med" len="med"/>
+          </a:ln>
+        </p:spPr>
+      </p:cxnSp>
+      <p:cxnSp>
+        <p:nvCxnSpPr>
+          <p:cNvPr id="10" name="Google Shape;98;p16">
+            <a:extLst>
+              <a:ext uri="{FF2B5EF4-FFF2-40B4-BE49-F238E27FC236}">
+                <a16:creationId xmlns:a16="http://schemas.microsoft.com/office/drawing/2014/main" id="{8279BD93-DA09-41D0-BF0A-FE8F05E1743C}"/>
+              </a:ext>
+            </a:extLst>
+          </p:cNvPr>
+          <p:cNvCxnSpPr/>
+          <p:nvPr/>
+        </p:nvCxnSpPr>
+        <p:spPr>
+          <a:xfrm>
+            <a:off x="6835975" y="2454925"/>
+            <a:ext cx="0" cy="619500"/>
+          </a:xfrm>
+          <a:prstGeom prst="straightConnector1">
+            <a:avLst/>
+          </a:prstGeom>
+          <a:noFill/>
+          <a:ln w="9525" cap="flat" cmpd="sng">
+            <a:solidFill>
+              <a:srgbClr val="0000FF"/>
+            </a:solidFill>
+            <a:prstDash val="solid"/>
+            <a:round/>
+            <a:headEnd type="none" w="med" len="med"/>
+            <a:tailEnd type="none" w="med" len="med"/>
+          </a:ln>
+        </p:spPr>
+      </p:cxnSp>
+    </p:spTree>
+    <p:extLst>
+      <p:ext uri="{BB962C8B-B14F-4D97-AF65-F5344CB8AC3E}">
+        <p14:creationId xmlns:p14="http://schemas.microsoft.com/office/powerpoint/2010/main" val="137585683"/>
+      </p:ext>
+    </p:extLst>
+  </p:cSld>
+  <p:clrMapOvr>
+    <a:masterClrMapping/>
+  </p:clrMapOvr>
+</p:sld>
+</file>
+
+<file path=ppt/slides/slide5.xml><?xml version="1.0" encoding="utf-8"?>
+<p:sld xmlns:a="http://schemas.openxmlformats.org/drawingml/2006/main" xmlns:r="http://schemas.openxmlformats.org/officeDocument/2006/relationships" xmlns:p="http://schemas.openxmlformats.org/presentationml/2006/main">
+  <p:cSld>
+    <p:spTree>
+      <p:nvGrpSpPr>
+        <p:cNvPr id="1" name="Shape 90"/>
         <p:cNvGrpSpPr/>
         <p:nvPr/>
       </p:nvGrpSpPr>
@@ -7670,17 +8362,17 @@
           <a:solidFill>
             <a:srgbClr val="FFFFFF"/>
           </a:solidFill>
-          <a:ln cap="flat" cmpd="sng" w="9525">
+          <a:ln w="9525" cap="flat" cmpd="sng">
             <a:solidFill>
               <a:srgbClr val="0000FF"/>
             </a:solidFill>
             <a:prstDash val="solid"/>
             <a:round/>
-            <a:headEnd len="sm" w="sm" type="none"/>
-            <a:tailEnd len="sm" w="sm" type="none"/>
+            <a:headEnd type="none" w="sm" len="sm"/>
+            <a:tailEnd type="none" w="sm" len="sm"/>
           </a:ln>
           <a:effectLst>
-            <a:outerShdw blurRad="114300" rotWithShape="0" algn="bl" dir="6540000" dist="57150">
+            <a:outerShdw blurRad="114300" dist="57150" dir="6540000" algn="bl" rotWithShape="0">
               <a:srgbClr val="000000">
                 <a:alpha val="50000"/>
               </a:srgbClr>
@@ -7688,12 +8380,12 @@
           </a:effectLst>
         </p:spPr>
         <p:txBody>
-          <a:bodyPr anchorCtr="0" anchor="ctr" bIns="91425" lIns="91425" spcFirstLastPara="1" rIns="91425" wrap="square" tIns="91425">
+          <a:bodyPr spcFirstLastPara="1" wrap="square" lIns="91425" tIns="91425" rIns="91425" bIns="91425" anchor="ctr" anchorCtr="0">
             <a:noAutofit/>
           </a:bodyPr>
           <a:lstStyle/>
           <a:p>
-            <a:pPr indent="0" lvl="0" marL="0" rtl="0" algn="ctr">
+            <a:pPr marL="0" lvl="0" indent="0" algn="ctr" rtl="0">
               <a:spcBef>
                 <a:spcPts val="0"/>
               </a:spcBef>
@@ -7702,9 +8394,6 @@
               </a:spcAft>
               <a:buNone/>
             </a:pPr>
-            <a:r>
-              <a:t/>
-            </a:r>
             <a:endParaRPr/>
           </a:p>
         </p:txBody>
@@ -7729,12 +8418,12 @@
           </a:ln>
         </p:spPr>
         <p:txBody>
-          <a:bodyPr anchorCtr="0" anchor="t" bIns="91425" lIns="91425" spcFirstLastPara="1" rIns="91425" wrap="square" tIns="91425">
+          <a:bodyPr spcFirstLastPara="1" wrap="square" lIns="91425" tIns="91425" rIns="91425" bIns="91425" anchor="t" anchorCtr="0">
             <a:noAutofit/>
           </a:bodyPr>
           <a:lstStyle/>
           <a:p>
-            <a:pPr indent="0" lvl="0" marL="0" rtl="0" algn="l">
+            <a:pPr marL="0" lvl="0" indent="0" algn="l" rtl="0">
               <a:spcBef>
                 <a:spcPts val="0"/>
               </a:spcBef>
@@ -7744,7 +8433,7 @@
               <a:buNone/>
             </a:pPr>
             <a:r>
-              <a:rPr b="1" lang="pt-BR" sz="2000">
+              <a:rPr lang="pt-BR" sz="2000" b="1">
                 <a:latin typeface="Times New Roman"/>
                 <a:ea typeface="Times New Roman"/>
                 <a:cs typeface="Times New Roman"/>
@@ -7752,7 +8441,7 @@
               </a:rPr>
               <a:t>Cenário: Trancar Matrícula</a:t>
             </a:r>
-            <a:endParaRPr b="1" sz="2000">
+            <a:endParaRPr sz="2000" b="1">
               <a:latin typeface="Times New Roman"/>
               <a:ea typeface="Times New Roman"/>
               <a:cs typeface="Times New Roman"/>
@@ -7778,17 +8467,17 @@
           <a:solidFill>
             <a:srgbClr val="0000FF"/>
           </a:solidFill>
-          <a:ln cap="flat" cmpd="sng" w="9525">
+          <a:ln w="9525" cap="flat" cmpd="sng">
             <a:solidFill>
               <a:schemeClr val="dk2"/>
             </a:solidFill>
             <a:prstDash val="solid"/>
             <a:round/>
-            <a:headEnd len="sm" w="sm" type="none"/>
-            <a:tailEnd len="sm" w="sm" type="none"/>
+            <a:headEnd type="none" w="sm" len="sm"/>
+            <a:tailEnd type="none" w="sm" len="sm"/>
           </a:ln>
           <a:effectLst>
-            <a:outerShdw blurRad="57150" rotWithShape="0" algn="bl" dir="5400000" dist="57150">
+            <a:outerShdw blurRad="57150" dist="57150" dir="5400000" algn="bl" rotWithShape="0">
               <a:srgbClr val="000000">
                 <a:alpha val="50000"/>
               </a:srgbClr>
@@ -7796,12 +8485,12 @@
           </a:effectLst>
         </p:spPr>
         <p:txBody>
-          <a:bodyPr anchorCtr="0" anchor="ctr" bIns="91425" lIns="91425" spcFirstLastPara="1" rIns="91425" wrap="square" tIns="91425">
+          <a:bodyPr spcFirstLastPara="1" wrap="square" lIns="91425" tIns="91425" rIns="91425" bIns="91425" anchor="ctr" anchorCtr="0">
             <a:noAutofit/>
           </a:bodyPr>
           <a:lstStyle/>
           <a:p>
-            <a:pPr indent="0" lvl="0" marL="0" rtl="0" algn="ctr">
+            <a:pPr marL="0" lvl="0" indent="0" algn="ctr" rtl="0">
               <a:spcBef>
                 <a:spcPts val="0"/>
               </a:spcBef>
@@ -7854,12 +8543,12 @@
           </a:ln>
         </p:spPr>
         <p:txBody>
-          <a:bodyPr anchorCtr="0" anchor="t" bIns="91425" lIns="91425" spcFirstLastPara="1" rIns="91425" wrap="square" tIns="91425">
+          <a:bodyPr spcFirstLastPara="1" wrap="square" lIns="91425" tIns="91425" rIns="91425" bIns="91425" anchor="t" anchorCtr="0">
             <a:noAutofit/>
           </a:bodyPr>
           <a:lstStyle/>
           <a:p>
-            <a:pPr indent="0" lvl="0" marL="0" rtl="0" algn="l">
+            <a:pPr marL="0" lvl="0" indent="0" algn="l" rtl="0">
               <a:spcBef>
                 <a:spcPts val="0"/>
               </a:spcBef>
@@ -7869,7 +8558,7 @@
               <a:buNone/>
             </a:pPr>
             <a:r>
-              <a:rPr b="1" lang="pt-BR" sz="1600">
+              <a:rPr lang="pt-BR" sz="1600" b="1">
                 <a:latin typeface="Times New Roman"/>
                 <a:ea typeface="Times New Roman"/>
                 <a:cs typeface="Times New Roman"/>
@@ -7877,7 +8566,7 @@
               </a:rPr>
               <a:t>Escola </a:t>
             </a:r>
-            <a:endParaRPr b="1" sz="1600">
+            <a:endParaRPr sz="1600" b="1">
               <a:latin typeface="Times New Roman"/>
               <a:ea typeface="Times New Roman"/>
               <a:cs typeface="Times New Roman"/>
@@ -7899,29 +8588,29 @@
           </a:xfrm>
           <a:prstGeom prst="cube">
             <a:avLst>
-              <a:gd fmla="val 25000" name="adj"/>
+              <a:gd name="adj" fmla="val 25000"/>
             </a:avLst>
           </a:prstGeom>
           <a:solidFill>
             <a:srgbClr val="4A86E8"/>
           </a:solidFill>
-          <a:ln cap="flat" cmpd="sng" w="9525">
+          <a:ln w="9525" cap="flat" cmpd="sng">
             <a:solidFill>
               <a:schemeClr val="dk2"/>
             </a:solidFill>
             <a:prstDash val="solid"/>
             <a:round/>
-            <a:headEnd len="sm" w="sm" type="none"/>
-            <a:tailEnd len="sm" w="sm" type="none"/>
+            <a:headEnd type="none" w="sm" len="sm"/>
+            <a:tailEnd type="none" w="sm" len="sm"/>
           </a:ln>
         </p:spPr>
         <p:txBody>
-          <a:bodyPr anchorCtr="0" anchor="ctr" bIns="91425" lIns="91425" spcFirstLastPara="1" rIns="91425" wrap="square" tIns="91425">
+          <a:bodyPr spcFirstLastPara="1" wrap="square" lIns="91425" tIns="91425" rIns="91425" bIns="91425" anchor="ctr" anchorCtr="0">
             <a:noAutofit/>
           </a:bodyPr>
           <a:lstStyle/>
           <a:p>
-            <a:pPr indent="0" lvl="0" marL="0" rtl="0" algn="ctr">
+            <a:pPr marL="0" lvl="0" indent="0" algn="ctr" rtl="0">
               <a:spcBef>
                 <a:spcPts val="0"/>
               </a:spcBef>
@@ -7990,23 +8679,23 @@
           </a:xfrm>
           <a:prstGeom prst="roundRect">
             <a:avLst>
-              <a:gd fmla="val 16667" name="adj"/>
+              <a:gd name="adj" fmla="val 16667"/>
             </a:avLst>
           </a:prstGeom>
           <a:solidFill>
             <a:srgbClr val="B6D7A8"/>
           </a:solidFill>
-          <a:ln cap="flat" cmpd="sng" w="9525">
+          <a:ln w="9525" cap="flat" cmpd="sng">
             <a:solidFill>
               <a:schemeClr val="dk2"/>
             </a:solidFill>
             <a:prstDash val="solid"/>
             <a:round/>
-            <a:headEnd len="sm" w="sm" type="none"/>
-            <a:tailEnd len="sm" w="sm" type="none"/>
+            <a:headEnd type="none" w="sm" len="sm"/>
+            <a:tailEnd type="none" w="sm" len="sm"/>
           </a:ln>
           <a:effectLst>
-            <a:outerShdw blurRad="57150" rotWithShape="0" algn="bl" dir="5400000" dist="19050">
+            <a:outerShdw blurRad="57150" dist="19050" dir="5400000" algn="bl" rotWithShape="0">
               <a:srgbClr val="000000">
                 <a:alpha val="50000"/>
               </a:srgbClr>
@@ -8014,12 +8703,12 @@
           </a:effectLst>
         </p:spPr>
         <p:txBody>
-          <a:bodyPr anchorCtr="0" anchor="ctr" bIns="91425" lIns="91425" spcFirstLastPara="1" rIns="91425" wrap="square" tIns="91425">
+          <a:bodyPr spcFirstLastPara="1" wrap="square" lIns="91425" tIns="91425" rIns="91425" bIns="91425" anchor="ctr" anchorCtr="0">
             <a:noAutofit/>
           </a:bodyPr>
           <a:lstStyle/>
           <a:p>
-            <a:pPr indent="0" lvl="0" marL="0" rtl="0" algn="ctr">
+            <a:pPr marL="0" lvl="0" indent="0" algn="ctr" rtl="0">
               <a:spcBef>
                 <a:spcPts val="0"/>
               </a:spcBef>
@@ -8035,16 +8724,7 @@
                 <a:cs typeface="Times New Roman"/>
                 <a:sym typeface="Times New Roman"/>
               </a:rPr>
-              <a:t>Trancar </a:t>
-            </a:r>
-            <a:r>
-              <a:rPr lang="pt-BR" sz="1500">
-                <a:latin typeface="Times New Roman"/>
-                <a:ea typeface="Times New Roman"/>
-                <a:cs typeface="Times New Roman"/>
-                <a:sym typeface="Times New Roman"/>
-              </a:rPr>
-              <a:t>a matrícula do Aluno</a:t>
+              <a:t>Trancar a matrícula do Aluno</a:t>
             </a:r>
             <a:endParaRPr sz="1500">
               <a:latin typeface="Times New Roman"/>
@@ -8073,14 +8753,14 @@
             <a:avLst/>
           </a:prstGeom>
           <a:noFill/>
-          <a:ln cap="flat" cmpd="sng" w="9525">
+          <a:ln w="9525" cap="flat" cmpd="sng">
             <a:solidFill>
               <a:srgbClr val="0000FF"/>
             </a:solidFill>
             <a:prstDash val="solid"/>
             <a:round/>
-            <a:headEnd len="med" w="med" type="none"/>
-            <a:tailEnd len="med" w="med" type="none"/>
+            <a:headEnd type="none" w="med" len="med"/>
+            <a:tailEnd type="none" w="med" len="med"/>
           </a:ln>
         </p:spPr>
       </p:cxnSp>
@@ -8099,14 +8779,14 @@
             <a:avLst/>
           </a:prstGeom>
           <a:noFill/>
-          <a:ln cap="flat" cmpd="sng" w="9525">
+          <a:ln w="9525" cap="flat" cmpd="sng">
             <a:solidFill>
               <a:srgbClr val="0000FF"/>
             </a:solidFill>
             <a:prstDash val="solid"/>
             <a:round/>
-            <a:headEnd len="med" w="med" type="none"/>
-            <a:tailEnd len="med" w="med" type="none"/>
+            <a:headEnd type="none" w="med" len="med"/>
+            <a:tailEnd type="none" w="med" len="med"/>
           </a:ln>
         </p:spPr>
       </p:cxnSp>
@@ -8118,12 +8798,12 @@
 </p:sld>
 </file>
 
-<file path=ppt/slides/slide5.xml><?xml version="1.0" encoding="utf-8"?>
-<p:sld xmlns:a="http://schemas.openxmlformats.org/drawingml/2006/main" xmlns:r="http://schemas.openxmlformats.org/officeDocument/2006/relationships" xmlns:mc="http://schemas.openxmlformats.org/markup-compatibility/2006" xmlns:mv="urn:schemas-microsoft-com:mac:vml" xmlns:p="http://schemas.openxmlformats.org/presentationml/2006/main" xmlns:c="http://schemas.openxmlformats.org/drawingml/2006/chart" xmlns:dgm="http://schemas.openxmlformats.org/drawingml/2006/diagram" xmlns:o="urn:schemas-microsoft-com:office:office" xmlns:v="urn:schemas-microsoft-com:vml" xmlns:pvml="urn:schemas-microsoft-com:office:powerpoint" xmlns:com="http://schemas.openxmlformats.org/drawingml/2006/compatibility" xmlns:p14="http://schemas.microsoft.com/office/powerpoint/2010/main" xmlns:p15="http://schemas.microsoft.com/office/powerpoint/2012/main" xmlns:ahyp="http://schemas.microsoft.com/office/drawing/2018/hyperlinkcolor">
+<file path=ppt/slides/slide6.xml><?xml version="1.0" encoding="utf-8"?>
+<p:sld xmlns:a="http://schemas.openxmlformats.org/drawingml/2006/main" xmlns:r="http://schemas.openxmlformats.org/officeDocument/2006/relationships" xmlns:p="http://schemas.openxmlformats.org/presentationml/2006/main">
   <p:cSld>
     <p:spTree>
       <p:nvGrpSpPr>
-        <p:cNvPr id="102" name="Shape 102"/>
+        <p:cNvPr id="1" name="Shape 102"/>
         <p:cNvGrpSpPr/>
         <p:nvPr/>
       </p:nvGrpSpPr>
@@ -8152,17 +8832,17 @@
           <a:solidFill>
             <a:srgbClr val="FFFFFF"/>
           </a:solidFill>
-          <a:ln cap="flat" cmpd="sng" w="9525">
+          <a:ln w="9525" cap="flat" cmpd="sng">
             <a:solidFill>
               <a:srgbClr val="0000FF"/>
             </a:solidFill>
             <a:prstDash val="solid"/>
             <a:round/>
-            <a:headEnd len="sm" w="sm" type="none"/>
-            <a:tailEnd len="sm" w="sm" type="none"/>
+            <a:headEnd type="none" w="sm" len="sm"/>
+            <a:tailEnd type="none" w="sm" len="sm"/>
           </a:ln>
           <a:effectLst>
-            <a:outerShdw blurRad="114300" rotWithShape="0" algn="bl" dir="6540000" dist="57150">
+            <a:outerShdw blurRad="114300" dist="57150" dir="6540000" algn="bl" rotWithShape="0">
               <a:srgbClr val="000000">
                 <a:alpha val="50000"/>
               </a:srgbClr>
@@ -8170,12 +8850,12 @@
           </a:effectLst>
         </p:spPr>
         <p:txBody>
-          <a:bodyPr anchorCtr="0" anchor="ctr" bIns="91425" lIns="91425" spcFirstLastPara="1" rIns="91425" wrap="square" tIns="91425">
+          <a:bodyPr spcFirstLastPara="1" wrap="square" lIns="91425" tIns="91425" rIns="91425" bIns="91425" anchor="ctr" anchorCtr="0">
             <a:noAutofit/>
           </a:bodyPr>
           <a:lstStyle/>
           <a:p>
-            <a:pPr indent="0" lvl="0" marL="0" rtl="0" algn="ctr">
+            <a:pPr marL="0" lvl="0" indent="0" algn="ctr" rtl="0">
               <a:spcBef>
                 <a:spcPts val="0"/>
               </a:spcBef>
@@ -8184,9 +8864,6 @@
               </a:spcAft>
               <a:buNone/>
             </a:pPr>
-            <a:r>
-              <a:t/>
-            </a:r>
             <a:endParaRPr/>
           </a:p>
         </p:txBody>
@@ -8211,12 +8888,12 @@
           </a:ln>
         </p:spPr>
         <p:txBody>
-          <a:bodyPr anchorCtr="0" anchor="t" bIns="91425" lIns="91425" spcFirstLastPara="1" rIns="91425" wrap="square" tIns="91425">
+          <a:bodyPr spcFirstLastPara="1" wrap="square" lIns="91425" tIns="91425" rIns="91425" bIns="91425" anchor="t" anchorCtr="0">
             <a:noAutofit/>
           </a:bodyPr>
           <a:lstStyle/>
           <a:p>
-            <a:pPr indent="0" lvl="0" marL="0" rtl="0" algn="l">
+            <a:pPr marL="0" lvl="0" indent="0" algn="l" rtl="0">
               <a:spcBef>
                 <a:spcPts val="0"/>
               </a:spcBef>
@@ -8226,7 +8903,7 @@
               <a:buNone/>
             </a:pPr>
             <a:r>
-              <a:rPr b="1" lang="pt-BR" sz="2000">
+              <a:rPr lang="pt-BR" sz="2000" b="1">
                 <a:latin typeface="Times New Roman"/>
                 <a:ea typeface="Times New Roman"/>
                 <a:cs typeface="Times New Roman"/>
@@ -8234,7 +8911,7 @@
               </a:rPr>
               <a:t>Cenário: Reabrir Matrícula</a:t>
             </a:r>
-            <a:endParaRPr b="1" sz="2000">
+            <a:endParaRPr sz="2000" b="1">
               <a:latin typeface="Times New Roman"/>
               <a:ea typeface="Times New Roman"/>
               <a:cs typeface="Times New Roman"/>
@@ -8260,17 +8937,17 @@
           <a:solidFill>
             <a:srgbClr val="0000FF"/>
           </a:solidFill>
-          <a:ln cap="flat" cmpd="sng" w="9525">
+          <a:ln w="9525" cap="flat" cmpd="sng">
             <a:solidFill>
               <a:schemeClr val="dk2"/>
             </a:solidFill>
             <a:prstDash val="solid"/>
             <a:round/>
-            <a:headEnd len="sm" w="sm" type="none"/>
-            <a:tailEnd len="sm" w="sm" type="none"/>
+            <a:headEnd type="none" w="sm" len="sm"/>
+            <a:tailEnd type="none" w="sm" len="sm"/>
           </a:ln>
           <a:effectLst>
-            <a:outerShdw blurRad="57150" rotWithShape="0" algn="bl" dir="5400000" dist="57150">
+            <a:outerShdw blurRad="57150" dist="57150" dir="5400000" algn="bl" rotWithShape="0">
               <a:srgbClr val="000000">
                 <a:alpha val="50000"/>
               </a:srgbClr>
@@ -8278,12 +8955,12 @@
           </a:effectLst>
         </p:spPr>
         <p:txBody>
-          <a:bodyPr anchorCtr="0" anchor="ctr" bIns="91425" lIns="91425" spcFirstLastPara="1" rIns="91425" wrap="square" tIns="91425">
+          <a:bodyPr spcFirstLastPara="1" wrap="square" lIns="91425" tIns="91425" rIns="91425" bIns="91425" anchor="ctr" anchorCtr="0">
             <a:noAutofit/>
           </a:bodyPr>
           <a:lstStyle/>
           <a:p>
-            <a:pPr indent="0" lvl="0" marL="0" rtl="0" algn="ctr">
+            <a:pPr marL="0" lvl="0" indent="0" algn="ctr" rtl="0">
               <a:spcBef>
                 <a:spcPts val="0"/>
               </a:spcBef>
@@ -8336,12 +9013,12 @@
           </a:ln>
         </p:spPr>
         <p:txBody>
-          <a:bodyPr anchorCtr="0" anchor="t" bIns="91425" lIns="91425" spcFirstLastPara="1" rIns="91425" wrap="square" tIns="91425">
+          <a:bodyPr spcFirstLastPara="1" wrap="square" lIns="91425" tIns="91425" rIns="91425" bIns="91425" anchor="t" anchorCtr="0">
             <a:noAutofit/>
           </a:bodyPr>
           <a:lstStyle/>
           <a:p>
-            <a:pPr indent="0" lvl="0" marL="0" rtl="0" algn="l">
+            <a:pPr marL="0" lvl="0" indent="0" algn="l" rtl="0">
               <a:spcBef>
                 <a:spcPts val="0"/>
               </a:spcBef>
@@ -8351,7 +9028,7 @@
               <a:buNone/>
             </a:pPr>
             <a:r>
-              <a:rPr b="1" lang="pt-BR" sz="1600">
+              <a:rPr lang="pt-BR" sz="1600" b="1">
                 <a:latin typeface="Times New Roman"/>
                 <a:ea typeface="Times New Roman"/>
                 <a:cs typeface="Times New Roman"/>
@@ -8359,7 +9036,7 @@
               </a:rPr>
               <a:t>Escola </a:t>
             </a:r>
-            <a:endParaRPr b="1" sz="1600">
+            <a:endParaRPr sz="1600" b="1">
               <a:latin typeface="Times New Roman"/>
               <a:ea typeface="Times New Roman"/>
               <a:cs typeface="Times New Roman"/>
@@ -8381,29 +9058,29 @@
           </a:xfrm>
           <a:prstGeom prst="cube">
             <a:avLst>
-              <a:gd fmla="val 25000" name="adj"/>
+              <a:gd name="adj" fmla="val 25000"/>
             </a:avLst>
           </a:prstGeom>
           <a:solidFill>
             <a:srgbClr val="4A86E8"/>
           </a:solidFill>
-          <a:ln cap="flat" cmpd="sng" w="9525">
+          <a:ln w="9525" cap="flat" cmpd="sng">
             <a:solidFill>
               <a:schemeClr val="dk2"/>
             </a:solidFill>
             <a:prstDash val="solid"/>
             <a:round/>
-            <a:headEnd len="sm" w="sm" type="none"/>
-            <a:tailEnd len="sm" w="sm" type="none"/>
+            <a:headEnd type="none" w="sm" len="sm"/>
+            <a:tailEnd type="none" w="sm" len="sm"/>
           </a:ln>
         </p:spPr>
         <p:txBody>
-          <a:bodyPr anchorCtr="0" anchor="ctr" bIns="91425" lIns="91425" spcFirstLastPara="1" rIns="91425" wrap="square" tIns="91425">
+          <a:bodyPr spcFirstLastPara="1" wrap="square" lIns="91425" tIns="91425" rIns="91425" bIns="91425" anchor="ctr" anchorCtr="0">
             <a:noAutofit/>
           </a:bodyPr>
           <a:lstStyle/>
           <a:p>
-            <a:pPr indent="0" lvl="0" marL="0" rtl="0" algn="ctr">
+            <a:pPr marL="0" lvl="0" indent="0" algn="ctr" rtl="0">
               <a:spcBef>
                 <a:spcPts val="0"/>
               </a:spcBef>
@@ -8472,23 +9149,23 @@
           </a:xfrm>
           <a:prstGeom prst="roundRect">
             <a:avLst>
-              <a:gd fmla="val 16667" name="adj"/>
+              <a:gd name="adj" fmla="val 16667"/>
             </a:avLst>
           </a:prstGeom>
           <a:solidFill>
             <a:srgbClr val="B6D7A8"/>
           </a:solidFill>
-          <a:ln cap="flat" cmpd="sng" w="9525">
+          <a:ln w="9525" cap="flat" cmpd="sng">
             <a:solidFill>
               <a:schemeClr val="dk2"/>
             </a:solidFill>
             <a:prstDash val="solid"/>
             <a:round/>
-            <a:headEnd len="sm" w="sm" type="none"/>
-            <a:tailEnd len="sm" w="sm" type="none"/>
+            <a:headEnd type="none" w="sm" len="sm"/>
+            <a:tailEnd type="none" w="sm" len="sm"/>
           </a:ln>
           <a:effectLst>
-            <a:outerShdw blurRad="57150" rotWithShape="0" algn="bl" dir="5400000" dist="19050">
+            <a:outerShdw blurRad="57150" dist="19050" dir="5400000" algn="bl" rotWithShape="0">
               <a:srgbClr val="000000">
                 <a:alpha val="50000"/>
               </a:srgbClr>
@@ -8496,12 +9173,12 @@
           </a:effectLst>
         </p:spPr>
         <p:txBody>
-          <a:bodyPr anchorCtr="0" anchor="ctr" bIns="91425" lIns="91425" spcFirstLastPara="1" rIns="91425" wrap="square" tIns="91425">
+          <a:bodyPr spcFirstLastPara="1" wrap="square" lIns="91425" tIns="91425" rIns="91425" bIns="91425" anchor="ctr" anchorCtr="0">
             <a:noAutofit/>
           </a:bodyPr>
           <a:lstStyle/>
           <a:p>
-            <a:pPr indent="0" lvl="0" marL="0" rtl="0" algn="l">
+            <a:pPr marL="0" lvl="0" indent="0" algn="l" rtl="0">
               <a:spcBef>
                 <a:spcPts val="0"/>
               </a:spcBef>
@@ -8510,9 +9187,6 @@
               </a:spcAft>
               <a:buNone/>
             </a:pPr>
-            <a:r>
-              <a:t/>
-            </a:r>
             <a:endParaRPr/>
           </a:p>
         </p:txBody>
@@ -8535,14 +9209,14 @@
             <a:avLst/>
           </a:prstGeom>
           <a:noFill/>
-          <a:ln cap="flat" cmpd="sng" w="9525">
+          <a:ln w="9525" cap="flat" cmpd="sng">
             <a:solidFill>
               <a:srgbClr val="0000FF"/>
             </a:solidFill>
             <a:prstDash val="solid"/>
             <a:round/>
-            <a:headEnd len="med" w="med" type="none"/>
-            <a:tailEnd len="med" w="med" type="none"/>
+            <a:headEnd type="none" w="med" len="med"/>
+            <a:tailEnd type="none" w="med" len="med"/>
           </a:ln>
         </p:spPr>
       </p:cxnSp>
@@ -8566,12 +9240,12 @@
           </a:ln>
         </p:spPr>
         <p:txBody>
-          <a:bodyPr anchorCtr="0" anchor="t" bIns="91425" lIns="91425" spcFirstLastPara="1" rIns="91425" wrap="square" tIns="91425">
+          <a:bodyPr spcFirstLastPara="1" wrap="square" lIns="91425" tIns="91425" rIns="91425" bIns="91425" anchor="t" anchorCtr="0">
             <a:noAutofit/>
           </a:bodyPr>
           <a:lstStyle/>
           <a:p>
-            <a:pPr indent="0" lvl="0" marL="0" rtl="0" algn="ctr">
+            <a:pPr marL="0" lvl="0" indent="0" algn="ctr" rtl="0">
               <a:spcBef>
                 <a:spcPts val="0"/>
               </a:spcBef>
@@ -8597,7 +9271,7 @@
             </a:endParaRPr>
           </a:p>
           <a:p>
-            <a:pPr indent="0" lvl="0" marL="0" rtl="0" algn="ctr">
+            <a:pPr marL="0" lvl="0" indent="0" algn="ctr" rtl="0">
               <a:spcBef>
                 <a:spcPts val="0"/>
               </a:spcBef>
@@ -8623,7 +9297,7 @@
             </a:endParaRPr>
           </a:p>
           <a:p>
-            <a:pPr indent="0" lvl="0" marL="0" rtl="0" algn="ctr">
+            <a:pPr marL="0" lvl="0" indent="0" algn="ctr" rtl="0">
               <a:spcBef>
                 <a:spcPts val="0"/>
               </a:spcBef>
@@ -8665,14 +9339,14 @@
             <a:avLst/>
           </a:prstGeom>
           <a:noFill/>
-          <a:ln cap="flat" cmpd="sng" w="9525">
+          <a:ln w="9525" cap="flat" cmpd="sng">
             <a:solidFill>
               <a:srgbClr val="0000FF"/>
             </a:solidFill>
             <a:prstDash val="solid"/>
             <a:round/>
-            <a:headEnd len="med" w="med" type="none"/>
-            <a:tailEnd len="med" w="med" type="none"/>
+            <a:headEnd type="none" w="med" len="med"/>
+            <a:tailEnd type="none" w="med" len="med"/>
           </a:ln>
         </p:spPr>
       </p:cxnSp>
@@ -8684,12 +9358,12 @@
 </p:sld>
 </file>
 
-<file path=ppt/slides/slide6.xml><?xml version="1.0" encoding="utf-8"?>
-<p:sld xmlns:a="http://schemas.openxmlformats.org/drawingml/2006/main" xmlns:r="http://schemas.openxmlformats.org/officeDocument/2006/relationships" xmlns:mc="http://schemas.openxmlformats.org/markup-compatibility/2006" xmlns:mv="urn:schemas-microsoft-com:mac:vml" xmlns:p="http://schemas.openxmlformats.org/presentationml/2006/main" xmlns:c="http://schemas.openxmlformats.org/drawingml/2006/chart" xmlns:dgm="http://schemas.openxmlformats.org/drawingml/2006/diagram" xmlns:o="urn:schemas-microsoft-com:office:office" xmlns:v="urn:schemas-microsoft-com:vml" xmlns:pvml="urn:schemas-microsoft-com:office:powerpoint" xmlns:com="http://schemas.openxmlformats.org/drawingml/2006/compatibility" xmlns:p14="http://schemas.microsoft.com/office/powerpoint/2010/main" xmlns:p15="http://schemas.microsoft.com/office/powerpoint/2012/main" xmlns:ahyp="http://schemas.microsoft.com/office/drawing/2018/hyperlinkcolor">
+<file path=ppt/slides/slide7.xml><?xml version="1.0" encoding="utf-8"?>
+<p:sld xmlns:a="http://schemas.openxmlformats.org/drawingml/2006/main" xmlns:r="http://schemas.openxmlformats.org/officeDocument/2006/relationships" xmlns:p="http://schemas.openxmlformats.org/presentationml/2006/main">
   <p:cSld>
     <p:spTree>
       <p:nvGrpSpPr>
-        <p:cNvPr id="115" name="Shape 115"/>
+        <p:cNvPr id="1" name="Shape 115"/>
         <p:cNvGrpSpPr/>
         <p:nvPr/>
       </p:nvGrpSpPr>
@@ -8718,17 +9392,17 @@
           <a:solidFill>
             <a:srgbClr val="FFFFFF"/>
           </a:solidFill>
-          <a:ln cap="flat" cmpd="sng" w="9525">
+          <a:ln w="9525" cap="flat" cmpd="sng">
             <a:solidFill>
               <a:srgbClr val="0000FF"/>
             </a:solidFill>
             <a:prstDash val="solid"/>
             <a:round/>
-            <a:headEnd len="sm" w="sm" type="none"/>
-            <a:tailEnd len="sm" w="sm" type="none"/>
+            <a:headEnd type="none" w="sm" len="sm"/>
+            <a:tailEnd type="none" w="sm" len="sm"/>
           </a:ln>
           <a:effectLst>
-            <a:outerShdw blurRad="114300" rotWithShape="0" algn="bl" dir="6540000" dist="57150">
+            <a:outerShdw blurRad="114300" dist="57150" dir="6540000" algn="bl" rotWithShape="0">
               <a:srgbClr val="000000">
                 <a:alpha val="50000"/>
               </a:srgbClr>
@@ -8736,12 +9410,12 @@
           </a:effectLst>
         </p:spPr>
         <p:txBody>
-          <a:bodyPr anchorCtr="0" anchor="ctr" bIns="91425" lIns="91425" spcFirstLastPara="1" rIns="91425" wrap="square" tIns="91425">
+          <a:bodyPr spcFirstLastPara="1" wrap="square" lIns="91425" tIns="91425" rIns="91425" bIns="91425" anchor="ctr" anchorCtr="0">
             <a:noAutofit/>
           </a:bodyPr>
           <a:lstStyle/>
           <a:p>
-            <a:pPr indent="0" lvl="0" marL="0" rtl="0" algn="ctr">
+            <a:pPr marL="0" lvl="0" indent="0" algn="ctr" rtl="0">
               <a:spcBef>
                 <a:spcPts val="0"/>
               </a:spcBef>
@@ -8750,9 +9424,6 @@
               </a:spcAft>
               <a:buNone/>
             </a:pPr>
-            <a:r>
-              <a:t/>
-            </a:r>
             <a:endParaRPr/>
           </a:p>
         </p:txBody>
@@ -8777,12 +9448,12 @@
           </a:ln>
         </p:spPr>
         <p:txBody>
-          <a:bodyPr anchorCtr="0" anchor="t" bIns="91425" lIns="91425" spcFirstLastPara="1" rIns="91425" wrap="square" tIns="91425">
+          <a:bodyPr spcFirstLastPara="1" wrap="square" lIns="91425" tIns="91425" rIns="91425" bIns="91425" anchor="t" anchorCtr="0">
             <a:noAutofit/>
           </a:bodyPr>
           <a:lstStyle/>
           <a:p>
-            <a:pPr indent="0" lvl="0" marL="0" rtl="0" algn="l">
+            <a:pPr marL="0" lvl="0" indent="0" algn="l" rtl="0">
               <a:spcBef>
                 <a:spcPts val="0"/>
               </a:spcBef>
@@ -8792,7 +9463,7 @@
               <a:buNone/>
             </a:pPr>
             <a:r>
-              <a:rPr b="1" lang="pt-BR" sz="2000">
+              <a:rPr lang="pt-BR" sz="2000" b="1">
                 <a:latin typeface="Times New Roman"/>
                 <a:ea typeface="Times New Roman"/>
                 <a:cs typeface="Times New Roman"/>
@@ -8800,7 +9471,7 @@
               </a:rPr>
               <a:t>Cenário: Solicitar Transferência</a:t>
             </a:r>
-            <a:endParaRPr b="1" sz="2000">
+            <a:endParaRPr sz="2000" b="1">
               <a:latin typeface="Times New Roman"/>
               <a:ea typeface="Times New Roman"/>
               <a:cs typeface="Times New Roman"/>
@@ -8826,17 +9497,17 @@
           <a:solidFill>
             <a:srgbClr val="0000FF"/>
           </a:solidFill>
-          <a:ln cap="flat" cmpd="sng" w="9525">
+          <a:ln w="9525" cap="flat" cmpd="sng">
             <a:solidFill>
               <a:schemeClr val="dk2"/>
             </a:solidFill>
             <a:prstDash val="solid"/>
             <a:round/>
-            <a:headEnd len="sm" w="sm" type="none"/>
-            <a:tailEnd len="sm" w="sm" type="none"/>
+            <a:headEnd type="none" w="sm" len="sm"/>
+            <a:tailEnd type="none" w="sm" len="sm"/>
           </a:ln>
           <a:effectLst>
-            <a:outerShdw blurRad="57150" rotWithShape="0" algn="bl" dir="5400000" dist="57150">
+            <a:outerShdw blurRad="57150" dist="57150" dir="5400000" algn="bl" rotWithShape="0">
               <a:srgbClr val="000000">
                 <a:alpha val="50000"/>
               </a:srgbClr>
@@ -8844,12 +9515,12 @@
           </a:effectLst>
         </p:spPr>
         <p:txBody>
-          <a:bodyPr anchorCtr="0" anchor="ctr" bIns="91425" lIns="91425" spcFirstLastPara="1" rIns="91425" wrap="square" tIns="91425">
+          <a:bodyPr spcFirstLastPara="1" wrap="square" lIns="91425" tIns="91425" rIns="91425" bIns="91425" anchor="ctr" anchorCtr="0">
             <a:noAutofit/>
           </a:bodyPr>
           <a:lstStyle/>
           <a:p>
-            <a:pPr indent="0" lvl="0" marL="0" rtl="0" algn="ctr">
+            <a:pPr marL="0" lvl="0" indent="0" algn="ctr" rtl="0">
               <a:spcBef>
                 <a:spcPts val="0"/>
               </a:spcBef>
@@ -8902,12 +9573,12 @@
           </a:ln>
         </p:spPr>
         <p:txBody>
-          <a:bodyPr anchorCtr="0" anchor="t" bIns="91425" lIns="91425" spcFirstLastPara="1" rIns="91425" wrap="square" tIns="91425">
+          <a:bodyPr spcFirstLastPara="1" wrap="square" lIns="91425" tIns="91425" rIns="91425" bIns="91425" anchor="t" anchorCtr="0">
             <a:noAutofit/>
           </a:bodyPr>
           <a:lstStyle/>
           <a:p>
-            <a:pPr indent="0" lvl="0" marL="0" rtl="0" algn="l">
+            <a:pPr marL="0" lvl="0" indent="0" algn="l" rtl="0">
               <a:spcBef>
                 <a:spcPts val="0"/>
               </a:spcBef>
@@ -8917,7 +9588,7 @@
               <a:buNone/>
             </a:pPr>
             <a:r>
-              <a:rPr b="1" lang="pt-BR" sz="1600">
+              <a:rPr lang="pt-BR" sz="1600" b="1">
                 <a:latin typeface="Times New Roman"/>
                 <a:ea typeface="Times New Roman"/>
                 <a:cs typeface="Times New Roman"/>
@@ -8925,7 +9596,7 @@
               </a:rPr>
               <a:t>Escola </a:t>
             </a:r>
-            <a:endParaRPr b="1" sz="1600">
+            <a:endParaRPr sz="1600" b="1">
               <a:latin typeface="Times New Roman"/>
               <a:ea typeface="Times New Roman"/>
               <a:cs typeface="Times New Roman"/>
@@ -8947,29 +9618,29 @@
           </a:xfrm>
           <a:prstGeom prst="cube">
             <a:avLst>
-              <a:gd fmla="val 25000" name="adj"/>
+              <a:gd name="adj" fmla="val 25000"/>
             </a:avLst>
           </a:prstGeom>
           <a:solidFill>
             <a:srgbClr val="4A86E8"/>
           </a:solidFill>
-          <a:ln cap="flat" cmpd="sng" w="9525">
+          <a:ln w="9525" cap="flat" cmpd="sng">
             <a:solidFill>
               <a:schemeClr val="dk2"/>
             </a:solidFill>
             <a:prstDash val="solid"/>
             <a:round/>
-            <a:headEnd len="sm" w="sm" type="none"/>
-            <a:tailEnd len="sm" w="sm" type="none"/>
+            <a:headEnd type="none" w="sm" len="sm"/>
+            <a:tailEnd type="none" w="sm" len="sm"/>
           </a:ln>
         </p:spPr>
         <p:txBody>
-          <a:bodyPr anchorCtr="0" anchor="ctr" bIns="91425" lIns="91425" spcFirstLastPara="1" rIns="91425" wrap="square" tIns="91425">
+          <a:bodyPr spcFirstLastPara="1" wrap="square" lIns="91425" tIns="91425" rIns="91425" bIns="91425" anchor="ctr" anchorCtr="0">
             <a:noAutofit/>
           </a:bodyPr>
           <a:lstStyle/>
           <a:p>
-            <a:pPr indent="0" lvl="0" marL="0" rtl="0" algn="ctr">
+            <a:pPr marL="0" lvl="0" indent="0" algn="ctr" rtl="0">
               <a:spcBef>
                 <a:spcPts val="0"/>
               </a:spcBef>
@@ -9038,23 +9709,23 @@
           </a:xfrm>
           <a:prstGeom prst="roundRect">
             <a:avLst>
-              <a:gd fmla="val 16667" name="adj"/>
+              <a:gd name="adj" fmla="val 16667"/>
             </a:avLst>
           </a:prstGeom>
           <a:solidFill>
             <a:srgbClr val="B6D7A8"/>
           </a:solidFill>
-          <a:ln cap="flat" cmpd="sng" w="9525">
+          <a:ln w="9525" cap="flat" cmpd="sng">
             <a:solidFill>
               <a:schemeClr val="dk2"/>
             </a:solidFill>
             <a:prstDash val="solid"/>
             <a:round/>
-            <a:headEnd len="sm" w="sm" type="none"/>
-            <a:tailEnd len="sm" w="sm" type="none"/>
+            <a:headEnd type="none" w="sm" len="sm"/>
+            <a:tailEnd type="none" w="sm" len="sm"/>
           </a:ln>
           <a:effectLst>
-            <a:outerShdw blurRad="57150" rotWithShape="0" algn="bl" dir="5400000" dist="19050">
+            <a:outerShdw blurRad="57150" dist="19050" dir="5400000" algn="bl" rotWithShape="0">
               <a:srgbClr val="000000">
                 <a:alpha val="50000"/>
               </a:srgbClr>
@@ -9062,12 +9733,12 @@
           </a:effectLst>
         </p:spPr>
         <p:txBody>
-          <a:bodyPr anchorCtr="0" anchor="ctr" bIns="91425" lIns="91425" spcFirstLastPara="1" rIns="91425" wrap="square" tIns="91425">
+          <a:bodyPr spcFirstLastPara="1" wrap="square" lIns="91425" tIns="91425" rIns="91425" bIns="91425" anchor="ctr" anchorCtr="0">
             <a:noAutofit/>
           </a:bodyPr>
           <a:lstStyle/>
           <a:p>
-            <a:pPr indent="0" lvl="0" marL="0" rtl="0" algn="l">
+            <a:pPr marL="0" lvl="0" indent="0" algn="l" rtl="0">
               <a:spcBef>
                 <a:spcPts val="0"/>
               </a:spcBef>
@@ -9076,9 +9747,6 @@
               </a:spcAft>
               <a:buNone/>
             </a:pPr>
-            <a:r>
-              <a:t/>
-            </a:r>
             <a:endParaRPr/>
           </a:p>
         </p:txBody>
@@ -9101,14 +9769,14 @@
             <a:avLst/>
           </a:prstGeom>
           <a:noFill/>
-          <a:ln cap="flat" cmpd="sng" w="9525">
+          <a:ln w="9525" cap="flat" cmpd="sng">
             <a:solidFill>
               <a:srgbClr val="0000FF"/>
             </a:solidFill>
             <a:prstDash val="solid"/>
             <a:round/>
-            <a:headEnd len="med" w="med" type="none"/>
-            <a:tailEnd len="med" w="med" type="none"/>
+            <a:headEnd type="none" w="med" len="med"/>
+            <a:tailEnd type="none" w="med" len="med"/>
           </a:ln>
         </p:spPr>
       </p:cxnSp>
@@ -9132,12 +9800,12 @@
           </a:ln>
         </p:spPr>
         <p:txBody>
-          <a:bodyPr anchorCtr="0" anchor="t" bIns="91425" lIns="91425" spcFirstLastPara="1" rIns="91425" wrap="square" tIns="91425">
+          <a:bodyPr spcFirstLastPara="1" wrap="square" lIns="91425" tIns="91425" rIns="91425" bIns="91425" anchor="t" anchorCtr="0">
             <a:noAutofit/>
           </a:bodyPr>
           <a:lstStyle/>
           <a:p>
-            <a:pPr indent="0" lvl="0" marL="0" rtl="0" algn="ctr">
+            <a:pPr marL="0" lvl="0" indent="0" algn="ctr" rtl="0">
               <a:spcBef>
                 <a:spcPts val="0"/>
               </a:spcBef>
@@ -9163,7 +9831,7 @@
             </a:endParaRPr>
           </a:p>
           <a:p>
-            <a:pPr indent="0" lvl="0" marL="0" rtl="0" algn="ctr">
+            <a:pPr marL="0" lvl="0" indent="0" algn="ctr" rtl="0">
               <a:spcBef>
                 <a:spcPts val="0"/>
               </a:spcBef>
@@ -9205,14 +9873,14 @@
             <a:avLst/>
           </a:prstGeom>
           <a:noFill/>
-          <a:ln cap="flat" cmpd="sng" w="9525">
+          <a:ln w="9525" cap="flat" cmpd="sng">
             <a:solidFill>
               <a:srgbClr val="0000FF"/>
             </a:solidFill>
             <a:prstDash val="solid"/>
             <a:round/>
-            <a:headEnd len="med" w="med" type="none"/>
-            <a:tailEnd len="med" w="med" type="none"/>
+            <a:headEnd type="none" w="med" len="med"/>
+            <a:tailEnd type="none" w="med" len="med"/>
           </a:ln>
         </p:spPr>
       </p:cxnSp>
@@ -9224,12 +9892,12 @@
 </p:sld>
 </file>
 
-<file path=ppt/slides/slide7.xml><?xml version="1.0" encoding="utf-8"?>
-<p:sld xmlns:a="http://schemas.openxmlformats.org/drawingml/2006/main" xmlns:r="http://schemas.openxmlformats.org/officeDocument/2006/relationships" xmlns:mc="http://schemas.openxmlformats.org/markup-compatibility/2006" xmlns:mv="urn:schemas-microsoft-com:mac:vml" xmlns:p="http://schemas.openxmlformats.org/presentationml/2006/main" xmlns:c="http://schemas.openxmlformats.org/drawingml/2006/chart" xmlns:dgm="http://schemas.openxmlformats.org/drawingml/2006/diagram" xmlns:o="urn:schemas-microsoft-com:office:office" xmlns:v="urn:schemas-microsoft-com:vml" xmlns:pvml="urn:schemas-microsoft-com:office:powerpoint" xmlns:com="http://schemas.openxmlformats.org/drawingml/2006/compatibility" xmlns:p14="http://schemas.microsoft.com/office/powerpoint/2010/main" xmlns:p15="http://schemas.microsoft.com/office/powerpoint/2012/main" xmlns:ahyp="http://schemas.microsoft.com/office/drawing/2018/hyperlinkcolor">
+<file path=ppt/slides/slide8.xml><?xml version="1.0" encoding="utf-8"?>
+<p:sld xmlns:a="http://schemas.openxmlformats.org/drawingml/2006/main" xmlns:r="http://schemas.openxmlformats.org/officeDocument/2006/relationships" xmlns:p="http://schemas.openxmlformats.org/presentationml/2006/main">
   <p:cSld>
     <p:spTree>
       <p:nvGrpSpPr>
-        <p:cNvPr id="128" name="Shape 128"/>
+        <p:cNvPr id="1" name="Shape 128"/>
         <p:cNvGrpSpPr/>
         <p:nvPr/>
       </p:nvGrpSpPr>
@@ -9261,12 +9929,12 @@
           </a:ln>
         </p:spPr>
         <p:txBody>
-          <a:bodyPr anchorCtr="0" anchor="t" bIns="91425" lIns="91425" spcFirstLastPara="1" rIns="91425" wrap="square" tIns="91425">
+          <a:bodyPr spcFirstLastPara="1" wrap="square" lIns="91425" tIns="91425" rIns="91425" bIns="91425" anchor="t" anchorCtr="0">
             <a:noAutofit/>
           </a:bodyPr>
           <a:lstStyle/>
           <a:p>
-            <a:pPr indent="0" lvl="0" marL="0" rtl="0" algn="l">
+            <a:pPr marL="0" lvl="0" indent="0" algn="l" rtl="0">
               <a:spcBef>
                 <a:spcPts val="0"/>
               </a:spcBef>
@@ -9281,7 +9949,7 @@
               <a:buNone/>
             </a:pPr>
             <a:r>
-              <a:rPr b="1" lang="pt-BR" sz="2100">
+              <a:rPr lang="pt-BR" sz="2100" b="1">
                 <a:solidFill>
                   <a:schemeClr val="dk1"/>
                 </a:solidFill>
@@ -9309,10 +9977,10 @@
         </p:nvGrpSpPr>
         <p:grpSpPr>
           <a:xfrm>
-            <a:off x="224650" y="2829797"/>
-            <a:ext cx="7726750" cy="1148229"/>
-            <a:chOff x="224650" y="2294400"/>
-            <a:chExt cx="7726750" cy="1214800"/>
+            <a:off x="4695477" y="3063492"/>
+            <a:ext cx="2783100" cy="1060373"/>
+            <a:chOff x="246575" y="2294400"/>
+            <a:chExt cx="2783100" cy="1121850"/>
           </a:xfrm>
         </p:grpSpPr>
         <p:sp>
@@ -9335,12 +10003,12 @@
             </a:ln>
           </p:spPr>
           <p:txBody>
-            <a:bodyPr anchorCtr="0" anchor="t" bIns="91425" lIns="91425" spcFirstLastPara="1" rIns="91425" wrap="square" tIns="91425">
+            <a:bodyPr spcFirstLastPara="1" wrap="square" lIns="91425" tIns="91425" rIns="91425" bIns="91425" anchor="t" anchorCtr="0">
               <a:noAutofit/>
             </a:bodyPr>
             <a:lstStyle/>
             <a:p>
-              <a:pPr indent="0" lvl="0" marL="0" rtl="0" algn="l">
+              <a:pPr marL="0" lvl="0" indent="0" algn="l" rtl="0">
                 <a:spcBef>
                   <a:spcPts val="0"/>
                 </a:spcBef>
@@ -9350,7 +10018,7 @@
                 <a:buNone/>
               </a:pPr>
               <a:r>
-                <a:rPr b="1" lang="pt-BR" sz="1700">
+                <a:rPr lang="pt-BR" sz="1700" b="1" dirty="0">
                   <a:latin typeface="Times New Roman"/>
                   <a:ea typeface="Times New Roman"/>
                   <a:cs typeface="Times New Roman"/>
@@ -9358,7 +10026,7 @@
                 </a:rPr>
                 <a:t>Cenário: Trancar matrícula</a:t>
               </a:r>
-              <a:endParaRPr b="1" sz="1700">
+              <a:endParaRPr sz="1700" b="1" dirty="0">
                 <a:latin typeface="Times New Roman"/>
                 <a:ea typeface="Times New Roman"/>
                 <a:cs typeface="Times New Roman"/>
@@ -9366,7 +10034,7 @@
               </a:endParaRPr>
             </a:p>
             <a:p>
-              <a:pPr indent="0" lvl="0" marL="0" rtl="0" algn="l">
+              <a:pPr marL="0" lvl="0" indent="0" algn="l" rtl="0">
                 <a:spcBef>
                   <a:spcPts val="0"/>
                 </a:spcBef>
@@ -9375,62 +10043,7 @@
                 </a:spcAft>
                 <a:buNone/>
               </a:pPr>
-              <a:r>
-                <a:t/>
-              </a:r>
-              <a:endParaRPr b="1"/>
-            </a:p>
-          </p:txBody>
-        </p:sp>
-        <p:sp>
-          <p:nvSpPr>
-            <p:cNvPr id="132" name="Google Shape;132;p19"/>
-            <p:cNvSpPr txBox="1"/>
-            <p:nvPr/>
-          </p:nvSpPr>
-          <p:spPr>
-            <a:xfrm>
-              <a:off x="5168300" y="2294400"/>
-              <a:ext cx="2783100" cy="554700"/>
-            </a:xfrm>
-            <a:prstGeom prst="rect">
-              <a:avLst/>
-            </a:prstGeom>
-            <a:noFill/>
-            <a:ln>
-              <a:noFill/>
-            </a:ln>
-          </p:spPr>
-          <p:txBody>
-            <a:bodyPr anchorCtr="0" anchor="t" bIns="91425" lIns="91425" spcFirstLastPara="1" rIns="91425" wrap="square" tIns="91425">
-              <a:noAutofit/>
-            </a:bodyPr>
-            <a:lstStyle/>
-            <a:p>
-              <a:pPr indent="0" lvl="0" marL="0" rtl="0" algn="l">
-                <a:spcBef>
-                  <a:spcPts val="0"/>
-                </a:spcBef>
-                <a:spcAft>
-                  <a:spcPts val="0"/>
-                </a:spcAft>
-                <a:buNone/>
-              </a:pPr>
-              <a:r>
-                <a:rPr b="1" lang="pt-BR" sz="1700">
-                  <a:latin typeface="Times New Roman"/>
-                  <a:ea typeface="Times New Roman"/>
-                  <a:cs typeface="Times New Roman"/>
-                  <a:sym typeface="Times New Roman"/>
-                </a:rPr>
-                <a:t>Cenário: Reabrir matrícula</a:t>
-              </a:r>
-              <a:endParaRPr b="1" sz="1700">
-                <a:latin typeface="Times New Roman"/>
-                <a:ea typeface="Times New Roman"/>
-                <a:cs typeface="Times New Roman"/>
-                <a:sym typeface="Times New Roman"/>
-              </a:endParaRPr>
+              <a:endParaRPr b="1" dirty="0"/>
             </a:p>
           </p:txBody>
         </p:sp>
@@ -9442,7 +10055,7 @@
           </p:nvSpPr>
           <p:spPr>
             <a:xfrm>
-              <a:off x="224650" y="2664700"/>
+              <a:off x="336853" y="2571750"/>
               <a:ext cx="2451600" cy="844500"/>
             </a:xfrm>
             <a:prstGeom prst="rect">
@@ -9454,12 +10067,12 @@
             </a:ln>
           </p:spPr>
           <p:txBody>
-            <a:bodyPr anchorCtr="0" anchor="t" bIns="91425" lIns="91425" spcFirstLastPara="1" rIns="91425" wrap="square" tIns="91425">
+            <a:bodyPr spcFirstLastPara="1" wrap="square" lIns="91425" tIns="91425" rIns="91425" bIns="91425" anchor="t" anchorCtr="0">
               <a:noAutofit/>
             </a:bodyPr>
             <a:lstStyle/>
             <a:p>
-              <a:pPr indent="0" lvl="0" marL="0" rtl="0" algn="just">
+              <a:pPr marL="0" lvl="0" indent="0" algn="just" rtl="0">
                 <a:spcBef>
                   <a:spcPts val="0"/>
                 </a:spcBef>
@@ -9474,7 +10087,7 @@
                 <a:buNone/>
               </a:pPr>
               <a:r>
-                <a:rPr lang="pt-BR">
+                <a:rPr lang="pt-BR" dirty="0">
                   <a:solidFill>
                     <a:schemeClr val="dk1"/>
                   </a:solidFill>
@@ -9485,7 +10098,7 @@
                 </a:rPr>
                 <a:t>Nó operacional: Secretaria</a:t>
               </a:r>
-              <a:endParaRPr>
+              <a:endParaRPr dirty="0">
                 <a:solidFill>
                   <a:schemeClr val="dk1"/>
                 </a:solidFill>
@@ -9496,7 +10109,7 @@
               </a:endParaRPr>
             </a:p>
             <a:p>
-              <a:pPr indent="0" lvl="0" marL="0" rtl="0" algn="just">
+              <a:pPr marL="0" lvl="0" indent="0" algn="just" rtl="0">
                 <a:spcBef>
                   <a:spcPts val="0"/>
                 </a:spcBef>
@@ -9506,7 +10119,7 @@
                 <a:buNone/>
               </a:pPr>
               <a:r>
-                <a:rPr lang="pt-BR">
+                <a:rPr lang="pt-BR" dirty="0">
                   <a:latin typeface="Times New Roman"/>
                   <a:ea typeface="Times New Roman"/>
                   <a:cs typeface="Times New Roman"/>
@@ -9514,7 +10127,7 @@
                 </a:rPr>
                 <a:t>Capacidades:</a:t>
               </a:r>
-              <a:endParaRPr>
+              <a:endParaRPr dirty="0">
                 <a:latin typeface="Times New Roman"/>
                 <a:ea typeface="Times New Roman"/>
                 <a:cs typeface="Times New Roman"/>
@@ -9522,7 +10135,7 @@
               </a:endParaRPr>
             </a:p>
             <a:p>
-              <a:pPr indent="-317500" lvl="0" marL="457200" rtl="0" algn="just">
+              <a:pPr marL="457200" lvl="0" indent="-317500" algn="just" rtl="0">
                 <a:spcBef>
                   <a:spcPts val="0"/>
                 </a:spcBef>
@@ -9534,7 +10147,7 @@
                 <a:buChar char="-"/>
               </a:pPr>
               <a:r>
-                <a:rPr lang="pt-BR">
+                <a:rPr lang="pt-BR" dirty="0">
                   <a:solidFill>
                     <a:schemeClr val="dk1"/>
                   </a:solidFill>
@@ -9545,134 +10158,7 @@
                 </a:rPr>
                 <a:t>Trancar matrícula</a:t>
               </a:r>
-              <a:endParaRPr>
-                <a:latin typeface="Times New Roman"/>
-                <a:ea typeface="Times New Roman"/>
-                <a:cs typeface="Times New Roman"/>
-                <a:sym typeface="Times New Roman"/>
-              </a:endParaRPr>
-            </a:p>
-          </p:txBody>
-        </p:sp>
-        <p:sp>
-          <p:nvSpPr>
-            <p:cNvPr id="134" name="Google Shape;134;p19"/>
-            <p:cNvSpPr txBox="1"/>
-            <p:nvPr/>
-          </p:nvSpPr>
-          <p:spPr>
-            <a:xfrm>
-              <a:off x="5168300" y="2664700"/>
-              <a:ext cx="2540100" cy="844500"/>
-            </a:xfrm>
-            <a:prstGeom prst="rect">
-              <a:avLst/>
-            </a:prstGeom>
-            <a:noFill/>
-            <a:ln>
-              <a:noFill/>
-            </a:ln>
-          </p:spPr>
-          <p:txBody>
-            <a:bodyPr anchorCtr="0" anchor="t" bIns="91425" lIns="91425" spcFirstLastPara="1" rIns="91425" wrap="square" tIns="91425">
-              <a:noAutofit/>
-            </a:bodyPr>
-            <a:lstStyle/>
-            <a:p>
-              <a:pPr indent="0" lvl="0" marL="0" rtl="0" algn="just">
-                <a:spcBef>
-                  <a:spcPts val="0"/>
-                </a:spcBef>
-                <a:spcAft>
-                  <a:spcPts val="0"/>
-                </a:spcAft>
-                <a:buNone/>
-              </a:pPr>
-              <a:r>
-                <a:rPr lang="pt-BR">
-                  <a:solidFill>
-                    <a:schemeClr val="dk1"/>
-                  </a:solidFill>
-                  <a:latin typeface="Times New Roman"/>
-                  <a:ea typeface="Times New Roman"/>
-                  <a:cs typeface="Times New Roman"/>
-                  <a:sym typeface="Times New Roman"/>
-                </a:rPr>
-                <a:t>Nó operacional: Secretaria</a:t>
-              </a:r>
-              <a:endParaRPr>
-                <a:solidFill>
-                  <a:schemeClr val="dk1"/>
-                </a:solidFill>
-                <a:latin typeface="Times New Roman"/>
-                <a:ea typeface="Times New Roman"/>
-                <a:cs typeface="Times New Roman"/>
-                <a:sym typeface="Times New Roman"/>
-              </a:endParaRPr>
-            </a:p>
-            <a:p>
-              <a:pPr indent="0" lvl="0" marL="0" rtl="0" algn="just">
-                <a:spcBef>
-                  <a:spcPts val="0"/>
-                </a:spcBef>
-                <a:spcAft>
-                  <a:spcPts val="0"/>
-                </a:spcAft>
-                <a:buNone/>
-              </a:pPr>
-              <a:r>
-                <a:rPr lang="pt-BR">
-                  <a:solidFill>
-                    <a:schemeClr val="dk1"/>
-                  </a:solidFill>
-                  <a:latin typeface="Times New Roman"/>
-                  <a:ea typeface="Times New Roman"/>
-                  <a:cs typeface="Times New Roman"/>
-                  <a:sym typeface="Times New Roman"/>
-                </a:rPr>
-                <a:t>Capacidades:</a:t>
-              </a:r>
-              <a:endParaRPr>
-                <a:solidFill>
-                  <a:schemeClr val="dk1"/>
-                </a:solidFill>
-                <a:latin typeface="Times New Roman"/>
-                <a:ea typeface="Times New Roman"/>
-                <a:cs typeface="Times New Roman"/>
-                <a:sym typeface="Times New Roman"/>
-              </a:endParaRPr>
-            </a:p>
-            <a:p>
-              <a:pPr indent="-317500" lvl="0" marL="457200" rtl="0" algn="just">
-                <a:spcBef>
-                  <a:spcPts val="0"/>
-                </a:spcBef>
-                <a:spcAft>
-                  <a:spcPts val="0"/>
-                </a:spcAft>
-                <a:buClr>
-                  <a:schemeClr val="dk1"/>
-                </a:buClr>
-                <a:buSzPts val="1400"/>
-                <a:buFont typeface="Times New Roman"/>
-                <a:buChar char="-"/>
-              </a:pPr>
-              <a:r>
-                <a:rPr lang="pt-BR">
-                  <a:solidFill>
-                    <a:schemeClr val="dk1"/>
-                  </a:solidFill>
-                  <a:latin typeface="Times New Roman"/>
-                  <a:ea typeface="Times New Roman"/>
-                  <a:cs typeface="Times New Roman"/>
-                  <a:sym typeface="Times New Roman"/>
-                </a:rPr>
-                <a:t>Reabrir matrícula</a:t>
-              </a:r>
-              <a:endParaRPr>
-                <a:solidFill>
-                  <a:schemeClr val="dk1"/>
-                </a:solidFill>
+              <a:endParaRPr dirty="0">
                 <a:latin typeface="Times New Roman"/>
                 <a:ea typeface="Times New Roman"/>
                 <a:cs typeface="Times New Roman"/>
@@ -9690,10 +10176,10 @@
         </p:nvGrpSpPr>
         <p:grpSpPr>
           <a:xfrm>
-            <a:off x="246575" y="1021397"/>
-            <a:ext cx="7357250" cy="1215628"/>
-            <a:chOff x="246575" y="785500"/>
-            <a:chExt cx="7357250" cy="1173613"/>
+            <a:off x="246575" y="975264"/>
+            <a:ext cx="7034152" cy="1188649"/>
+            <a:chOff x="246575" y="740962"/>
+            <a:chExt cx="7034152" cy="1147567"/>
           </a:xfrm>
         </p:grpSpPr>
         <p:sp>
@@ -9704,7 +10190,7 @@
           </p:nvSpPr>
           <p:spPr>
             <a:xfrm>
-              <a:off x="5106025" y="785500"/>
+              <a:off x="4744475" y="740962"/>
               <a:ext cx="2497800" cy="554700"/>
             </a:xfrm>
             <a:prstGeom prst="rect">
@@ -9716,12 +10202,12 @@
             </a:ln>
           </p:spPr>
           <p:txBody>
-            <a:bodyPr anchorCtr="0" anchor="t" bIns="91425" lIns="91425" spcFirstLastPara="1" rIns="91425" wrap="square" tIns="91425">
+            <a:bodyPr spcFirstLastPara="1" wrap="square" lIns="91425" tIns="91425" rIns="91425" bIns="91425" anchor="t" anchorCtr="0">
               <a:noAutofit/>
             </a:bodyPr>
             <a:lstStyle/>
             <a:p>
-              <a:pPr indent="0" lvl="0" marL="0" rtl="0" algn="l">
+              <a:pPr marL="0" lvl="0" indent="0" algn="l" rtl="0">
                 <a:spcBef>
                   <a:spcPts val="0"/>
                 </a:spcBef>
@@ -9731,7 +10217,7 @@
                 <a:buNone/>
               </a:pPr>
               <a:r>
-                <a:rPr b="1" lang="pt-BR" sz="1700">
+                <a:rPr lang="pt-BR" sz="1700" b="1" dirty="0">
                   <a:latin typeface="Times New Roman"/>
                   <a:ea typeface="Times New Roman"/>
                   <a:cs typeface="Times New Roman"/>
@@ -9739,7 +10225,7 @@
                 </a:rPr>
                 <a:t>Cenário: Assistir aula</a:t>
               </a:r>
-              <a:endParaRPr b="1" sz="1700">
+              <a:endParaRPr sz="1700" b="1" dirty="0">
                 <a:latin typeface="Times New Roman"/>
                 <a:ea typeface="Times New Roman"/>
                 <a:cs typeface="Times New Roman"/>
@@ -9768,12 +10254,12 @@
             </a:ln>
           </p:spPr>
           <p:txBody>
-            <a:bodyPr anchorCtr="0" anchor="t" bIns="91425" lIns="91425" spcFirstLastPara="1" rIns="91425" wrap="square" tIns="91425">
+            <a:bodyPr spcFirstLastPara="1" wrap="square" lIns="91425" tIns="91425" rIns="91425" bIns="91425" anchor="t" anchorCtr="0">
               <a:noAutofit/>
             </a:bodyPr>
             <a:lstStyle/>
             <a:p>
-              <a:pPr indent="0" lvl="0" marL="0" rtl="0" algn="l">
+              <a:pPr marL="0" lvl="0" indent="0" algn="l" rtl="0">
                 <a:spcBef>
                   <a:spcPts val="0"/>
                 </a:spcBef>
@@ -9783,7 +10269,7 @@
                 <a:buNone/>
               </a:pPr>
               <a:r>
-                <a:rPr b="1" lang="pt-BR" sz="1700">
+                <a:rPr lang="pt-BR" sz="1700" b="1">
                   <a:solidFill>
                     <a:schemeClr val="dk1"/>
                   </a:solidFill>
@@ -9811,7 +10297,7 @@
           </p:nvSpPr>
           <p:spPr>
             <a:xfrm>
-              <a:off x="256925" y="1153313"/>
+              <a:off x="333125" y="1082729"/>
               <a:ext cx="2637300" cy="805800"/>
             </a:xfrm>
             <a:prstGeom prst="rect">
@@ -9823,12 +10309,12 @@
             </a:ln>
           </p:spPr>
           <p:txBody>
-            <a:bodyPr anchorCtr="0" anchor="t" bIns="91425" lIns="91425" spcFirstLastPara="1" rIns="91425" wrap="square" tIns="91425">
+            <a:bodyPr spcFirstLastPara="1" wrap="square" lIns="91425" tIns="91425" rIns="91425" bIns="91425" anchor="t" anchorCtr="0">
               <a:noAutofit/>
             </a:bodyPr>
             <a:lstStyle/>
             <a:p>
-              <a:pPr indent="0" lvl="0" marL="0" rtl="0" algn="just">
+              <a:pPr marL="0" lvl="0" indent="0" algn="just" rtl="0">
                 <a:spcBef>
                   <a:spcPts val="0"/>
                 </a:spcBef>
@@ -9838,7 +10324,7 @@
                 <a:buNone/>
               </a:pPr>
               <a:r>
-                <a:rPr lang="pt-BR">
+                <a:rPr lang="pt-BR" dirty="0">
                   <a:solidFill>
                     <a:schemeClr val="dk1"/>
                   </a:solidFill>
@@ -9849,7 +10335,7 @@
                 </a:rPr>
                 <a:t>Nó operacional: Secretaria</a:t>
               </a:r>
-              <a:endParaRPr>
+              <a:endParaRPr dirty="0">
                 <a:solidFill>
                   <a:schemeClr val="dk1"/>
                 </a:solidFill>
@@ -9860,7 +10346,7 @@
               </a:endParaRPr>
             </a:p>
             <a:p>
-              <a:pPr indent="0" lvl="0" marL="0" rtl="0" algn="just">
+              <a:pPr marL="0" lvl="0" indent="0" algn="just" rtl="0">
                 <a:spcBef>
                   <a:spcPts val="0"/>
                 </a:spcBef>
@@ -9870,7 +10356,7 @@
                 <a:buNone/>
               </a:pPr>
               <a:r>
-                <a:rPr lang="pt-BR">
+                <a:rPr lang="pt-BR" dirty="0">
                   <a:solidFill>
                     <a:schemeClr val="dk1"/>
                   </a:solidFill>
@@ -9881,7 +10367,7 @@
                 </a:rPr>
                 <a:t>Capacidades:</a:t>
               </a:r>
-              <a:endParaRPr>
+              <a:endParaRPr dirty="0">
                 <a:solidFill>
                   <a:schemeClr val="dk1"/>
                 </a:solidFill>
@@ -9892,7 +10378,7 @@
               </a:endParaRPr>
             </a:p>
             <a:p>
-              <a:pPr indent="-317500" lvl="0" marL="457200" rtl="0" algn="just">
+              <a:pPr marL="457200" lvl="0" indent="-317500" algn="just" rtl="0">
                 <a:spcBef>
                   <a:spcPts val="0"/>
                 </a:spcBef>
@@ -9907,7 +10393,7 @@
                 <a:buChar char="-"/>
               </a:pPr>
               <a:r>
-                <a:rPr lang="pt-BR">
+                <a:rPr lang="pt-BR" dirty="0">
                   <a:solidFill>
                     <a:schemeClr val="dk1"/>
                   </a:solidFill>
@@ -9918,7 +10404,7 @@
                 </a:rPr>
                 <a:t>Realizar Matrícula</a:t>
               </a:r>
-              <a:endParaRPr>
+              <a:endParaRPr dirty="0">
                 <a:solidFill>
                   <a:schemeClr val="dk1"/>
                 </a:solidFill>
@@ -9929,7 +10415,7 @@
               </a:endParaRPr>
             </a:p>
             <a:p>
-              <a:pPr indent="0" lvl="0" marL="0" rtl="0" algn="l">
+              <a:pPr marL="0" lvl="0" indent="0" algn="l" rtl="0">
                 <a:spcBef>
                   <a:spcPts val="0"/>
                 </a:spcBef>
@@ -9938,10 +10424,7 @@
                 </a:spcAft>
                 <a:buNone/>
               </a:pPr>
-              <a:r>
-                <a:t/>
-              </a:r>
-              <a:endParaRPr sz="1200"/>
+              <a:endParaRPr sz="1200" dirty="0"/>
             </a:p>
           </p:txBody>
         </p:sp>
@@ -9953,7 +10436,7 @@
           </p:nvSpPr>
           <p:spPr>
             <a:xfrm>
-              <a:off x="5140175" y="1154475"/>
+              <a:off x="4893327" y="1128329"/>
               <a:ext cx="2387400" cy="714600"/>
             </a:xfrm>
             <a:prstGeom prst="rect">
@@ -9965,12 +10448,12 @@
             </a:ln>
           </p:spPr>
           <p:txBody>
-            <a:bodyPr anchorCtr="0" anchor="t" bIns="91425" lIns="91425" spcFirstLastPara="1" rIns="91425" wrap="square" tIns="91425">
+            <a:bodyPr spcFirstLastPara="1" wrap="square" lIns="91425" tIns="91425" rIns="91425" bIns="91425" anchor="t" anchorCtr="0">
               <a:noAutofit/>
             </a:bodyPr>
             <a:lstStyle/>
             <a:p>
-              <a:pPr indent="0" lvl="0" marL="0" rtl="0" algn="just">
+              <a:pPr marL="0" lvl="0" indent="0" algn="just" rtl="0">
                 <a:spcBef>
                   <a:spcPts val="0"/>
                 </a:spcBef>
@@ -9980,7 +10463,7 @@
                 <a:buNone/>
               </a:pPr>
               <a:r>
-                <a:rPr lang="pt-BR">
+                <a:rPr lang="pt-BR" dirty="0">
                   <a:solidFill>
                     <a:schemeClr val="dk1"/>
                   </a:solidFill>
@@ -9991,7 +10474,7 @@
                 </a:rPr>
                 <a:t>Nó operacional: Acadêmico</a:t>
               </a:r>
-              <a:endParaRPr>
+              <a:endParaRPr dirty="0">
                 <a:solidFill>
                   <a:schemeClr val="dk1"/>
                 </a:solidFill>
@@ -10002,7 +10485,7 @@
               </a:endParaRPr>
             </a:p>
             <a:p>
-              <a:pPr indent="0" lvl="0" marL="0" rtl="0" algn="just">
+              <a:pPr marL="0" lvl="0" indent="0" algn="just" rtl="0">
                 <a:spcBef>
                   <a:spcPts val="0"/>
                 </a:spcBef>
@@ -10012,7 +10495,7 @@
                 <a:buNone/>
               </a:pPr>
               <a:r>
-                <a:rPr lang="pt-BR">
+                <a:rPr lang="pt-BR" dirty="0">
                   <a:solidFill>
                     <a:schemeClr val="dk1"/>
                   </a:solidFill>
@@ -10023,7 +10506,7 @@
                 </a:rPr>
                 <a:t>Capacidades:</a:t>
               </a:r>
-              <a:endParaRPr>
+              <a:endParaRPr dirty="0">
                 <a:solidFill>
                   <a:schemeClr val="dk1"/>
                 </a:solidFill>
@@ -10034,7 +10517,7 @@
               </a:endParaRPr>
             </a:p>
             <a:p>
-              <a:pPr indent="-317500" lvl="0" marL="457200" rtl="0" algn="just">
+              <a:pPr marL="457200" lvl="0" indent="-317500" algn="just" rtl="0">
                 <a:spcBef>
                   <a:spcPts val="0"/>
                 </a:spcBef>
@@ -10049,7 +10532,7 @@
                 <a:buChar char="-"/>
               </a:pPr>
               <a:r>
-                <a:rPr lang="pt-BR">
+                <a:rPr lang="pt-BR" dirty="0">
                   <a:solidFill>
                     <a:schemeClr val="dk1"/>
                   </a:solidFill>
@@ -10060,7 +10543,7 @@
                 </a:rPr>
                 <a:t>Ministrar aulas </a:t>
               </a:r>
-              <a:endParaRPr>
+              <a:endParaRPr dirty="0">
                 <a:solidFill>
                   <a:schemeClr val="dk1"/>
                 </a:solidFill>
@@ -10073,6 +10556,197 @@
           </p:txBody>
         </p:sp>
       </p:grpSp>
+      <p:sp>
+        <p:nvSpPr>
+          <p:cNvPr id="13" name="Google Shape;132;p19">
+            <a:extLst>
+              <a:ext uri="{FF2B5EF4-FFF2-40B4-BE49-F238E27FC236}">
+                <a16:creationId xmlns:a16="http://schemas.microsoft.com/office/drawing/2014/main" id="{616CA73A-3858-4B13-83A1-876C6A4D7563}"/>
+              </a:ext>
+            </a:extLst>
+          </p:cNvPr>
+          <p:cNvSpPr txBox="1"/>
+          <p:nvPr/>
+        </p:nvSpPr>
+        <p:spPr>
+          <a:xfrm>
+            <a:off x="252412" y="2979588"/>
+            <a:ext cx="2783100" cy="524304"/>
+          </a:xfrm>
+          <a:prstGeom prst="rect">
+            <a:avLst/>
+          </a:prstGeom>
+          <a:noFill/>
+          <a:ln>
+            <a:noFill/>
+          </a:ln>
+        </p:spPr>
+        <p:txBody>
+          <a:bodyPr spcFirstLastPara="1" wrap="square" lIns="91425" tIns="91425" rIns="91425" bIns="91425" anchor="t" anchorCtr="0">
+            <a:noAutofit/>
+          </a:bodyPr>
+          <a:lstStyle/>
+          <a:p>
+            <a:pPr marL="0" lvl="0" indent="0" algn="l" rtl="0">
+              <a:spcBef>
+                <a:spcPts val="0"/>
+              </a:spcBef>
+              <a:spcAft>
+                <a:spcPts val="0"/>
+              </a:spcAft>
+              <a:buNone/>
+            </a:pPr>
+            <a:r>
+              <a:rPr lang="pt-BR" sz="1700" b="1" dirty="0">
+                <a:latin typeface="Times New Roman"/>
+                <a:ea typeface="Times New Roman"/>
+                <a:cs typeface="Times New Roman"/>
+                <a:sym typeface="Times New Roman"/>
+              </a:rPr>
+              <a:t>Cenário: negociação</a:t>
+            </a:r>
+            <a:endParaRPr sz="1700" b="1" dirty="0">
+              <a:latin typeface="Times New Roman"/>
+              <a:ea typeface="Times New Roman"/>
+              <a:cs typeface="Times New Roman"/>
+              <a:sym typeface="Times New Roman"/>
+            </a:endParaRPr>
+          </a:p>
+        </p:txBody>
+      </p:sp>
+      <p:sp>
+        <p:nvSpPr>
+          <p:cNvPr id="14" name="Google Shape;134;p19">
+            <a:extLst>
+              <a:ext uri="{FF2B5EF4-FFF2-40B4-BE49-F238E27FC236}">
+                <a16:creationId xmlns:a16="http://schemas.microsoft.com/office/drawing/2014/main" id="{6C331417-1534-4333-90DA-FA2A862A735E}"/>
+              </a:ext>
+            </a:extLst>
+          </p:cNvPr>
+          <p:cNvSpPr txBox="1"/>
+          <p:nvPr/>
+        </p:nvSpPr>
+        <p:spPr>
+          <a:xfrm>
+            <a:off x="401264" y="3287871"/>
+            <a:ext cx="2783099" cy="942299"/>
+          </a:xfrm>
+          <a:prstGeom prst="rect">
+            <a:avLst/>
+          </a:prstGeom>
+          <a:noFill/>
+          <a:ln>
+            <a:noFill/>
+          </a:ln>
+        </p:spPr>
+        <p:txBody>
+          <a:bodyPr spcFirstLastPara="1" wrap="square" lIns="91425" tIns="91425" rIns="91425" bIns="91425" anchor="t" anchorCtr="0">
+            <a:noAutofit/>
+          </a:bodyPr>
+          <a:lstStyle/>
+          <a:p>
+            <a:pPr marL="0" lvl="0" indent="0" algn="just" rtl="0">
+              <a:spcBef>
+                <a:spcPts val="0"/>
+              </a:spcBef>
+              <a:spcAft>
+                <a:spcPts val="0"/>
+              </a:spcAft>
+              <a:buNone/>
+            </a:pPr>
+            <a:r>
+              <a:rPr lang="pt-BR" dirty="0">
+                <a:solidFill>
+                  <a:schemeClr val="dk1"/>
+                </a:solidFill>
+                <a:latin typeface="Times New Roman"/>
+                <a:ea typeface="Times New Roman"/>
+                <a:cs typeface="Times New Roman"/>
+                <a:sym typeface="Times New Roman"/>
+              </a:rPr>
+              <a:t>Nó operacional: Secretaria</a:t>
+            </a:r>
+            <a:endParaRPr dirty="0">
+              <a:solidFill>
+                <a:schemeClr val="dk1"/>
+              </a:solidFill>
+              <a:latin typeface="Times New Roman"/>
+              <a:ea typeface="Times New Roman"/>
+              <a:cs typeface="Times New Roman"/>
+              <a:sym typeface="Times New Roman"/>
+            </a:endParaRPr>
+          </a:p>
+          <a:p>
+            <a:pPr marL="0" lvl="0" indent="0" algn="just" rtl="0">
+              <a:spcBef>
+                <a:spcPts val="0"/>
+              </a:spcBef>
+              <a:spcAft>
+                <a:spcPts val="0"/>
+              </a:spcAft>
+              <a:buNone/>
+            </a:pPr>
+            <a:r>
+              <a:rPr lang="pt-BR" dirty="0">
+                <a:solidFill>
+                  <a:schemeClr val="dk1"/>
+                </a:solidFill>
+                <a:latin typeface="Times New Roman"/>
+                <a:ea typeface="Times New Roman"/>
+                <a:cs typeface="Times New Roman"/>
+                <a:sym typeface="Times New Roman"/>
+              </a:rPr>
+              <a:t>Capacidades:</a:t>
+            </a:r>
+            <a:endParaRPr dirty="0">
+              <a:solidFill>
+                <a:schemeClr val="dk1"/>
+              </a:solidFill>
+              <a:latin typeface="Times New Roman"/>
+              <a:ea typeface="Times New Roman"/>
+              <a:cs typeface="Times New Roman"/>
+              <a:sym typeface="Times New Roman"/>
+            </a:endParaRPr>
+          </a:p>
+          <a:p>
+            <a:pPr marL="457200" lvl="0" indent="-317500" algn="just" rtl="0">
+              <a:spcBef>
+                <a:spcPts val="0"/>
+              </a:spcBef>
+              <a:spcAft>
+                <a:spcPts val="0"/>
+              </a:spcAft>
+              <a:buClr>
+                <a:schemeClr val="dk1"/>
+              </a:buClr>
+              <a:buSzPts val="1400"/>
+              <a:buFont typeface="Times New Roman"/>
+              <a:buChar char="-"/>
+            </a:pPr>
+            <a:r>
+              <a:rPr lang="pt-BR" dirty="0">
+                <a:solidFill>
+                  <a:schemeClr val="dk1"/>
+                </a:solidFill>
+                <a:latin typeface="Times New Roman"/>
+                <a:ea typeface="Times New Roman"/>
+                <a:cs typeface="Times New Roman"/>
+                <a:sym typeface="Times New Roman"/>
+              </a:rPr>
+              <a:t>Tratar negociação com Aluno</a:t>
+            </a:r>
+            <a:endParaRPr dirty="0">
+              <a:solidFill>
+                <a:schemeClr val="dk1"/>
+              </a:solidFill>
+              <a:latin typeface="Times New Roman"/>
+              <a:ea typeface="Times New Roman"/>
+              <a:cs typeface="Times New Roman"/>
+              <a:sym typeface="Times New Roman"/>
+            </a:endParaRPr>
+          </a:p>
+        </p:txBody>
+      </p:sp>
     </p:spTree>
   </p:cSld>
   <p:clrMapOvr>
@@ -10081,12 +10755,12 @@
 </p:sld>
 </file>
 
-<file path=ppt/slides/slide8.xml><?xml version="1.0" encoding="utf-8"?>
-<p:sld xmlns:a="http://schemas.openxmlformats.org/drawingml/2006/main" xmlns:r="http://schemas.openxmlformats.org/officeDocument/2006/relationships" xmlns:mc="http://schemas.openxmlformats.org/markup-compatibility/2006" xmlns:mv="urn:schemas-microsoft-com:mac:vml" xmlns:p="http://schemas.openxmlformats.org/presentationml/2006/main" xmlns:c="http://schemas.openxmlformats.org/drawingml/2006/chart" xmlns:dgm="http://schemas.openxmlformats.org/drawingml/2006/diagram" xmlns:o="urn:schemas-microsoft-com:office:office" xmlns:v="urn:schemas-microsoft-com:vml" xmlns:pvml="urn:schemas-microsoft-com:office:powerpoint" xmlns:com="http://schemas.openxmlformats.org/drawingml/2006/compatibility" xmlns:p14="http://schemas.microsoft.com/office/powerpoint/2010/main" xmlns:p15="http://schemas.microsoft.com/office/powerpoint/2012/main" xmlns:ahyp="http://schemas.microsoft.com/office/drawing/2018/hyperlinkcolor">
+<file path=ppt/slides/slide9.xml><?xml version="1.0" encoding="utf-8"?>
+<p:sld xmlns:a="http://schemas.openxmlformats.org/drawingml/2006/main" xmlns:r="http://schemas.openxmlformats.org/officeDocument/2006/relationships" xmlns:p="http://schemas.openxmlformats.org/presentationml/2006/main">
   <p:cSld>
     <p:spTree>
       <p:nvGrpSpPr>
-        <p:cNvPr id="143" name="Shape 143"/>
+        <p:cNvPr id="1" name="Shape 143"/>
         <p:cNvGrpSpPr/>
         <p:nvPr/>
       </p:nvGrpSpPr>
@@ -10106,10 +10780,10 @@
         </p:nvGrpSpPr>
         <p:grpSpPr>
           <a:xfrm>
-            <a:off x="196175" y="1034125"/>
-            <a:ext cx="3377400" cy="1204075"/>
+            <a:off x="4708391" y="1137279"/>
+            <a:ext cx="3377400" cy="1132816"/>
             <a:chOff x="196175" y="1034125"/>
-            <a:chExt cx="3377400" cy="1204075"/>
+            <a:chExt cx="3377400" cy="1132816"/>
           </a:xfrm>
         </p:grpSpPr>
         <p:sp>
@@ -10132,12 +10806,12 @@
             </a:ln>
           </p:spPr>
           <p:txBody>
-            <a:bodyPr anchorCtr="0" anchor="t" bIns="91425" lIns="91425" spcFirstLastPara="1" rIns="91425" wrap="square" tIns="91425">
+            <a:bodyPr spcFirstLastPara="1" wrap="square" lIns="91425" tIns="91425" rIns="91425" bIns="91425" anchor="t" anchorCtr="0">
               <a:noAutofit/>
             </a:bodyPr>
             <a:lstStyle/>
             <a:p>
-              <a:pPr indent="0" lvl="0" marL="0" rtl="0" algn="l">
+              <a:pPr marL="0" lvl="0" indent="0" algn="l" rtl="0">
                 <a:spcBef>
                   <a:spcPts val="0"/>
                 </a:spcBef>
@@ -10147,7 +10821,7 @@
                 <a:buNone/>
               </a:pPr>
               <a:r>
-                <a:rPr b="1" lang="pt-BR" sz="1700">
+                <a:rPr lang="pt-BR" sz="1700" b="1" dirty="0">
                   <a:latin typeface="Times New Roman"/>
                   <a:ea typeface="Times New Roman"/>
                   <a:cs typeface="Times New Roman"/>
@@ -10155,7 +10829,7 @@
                 </a:rPr>
                 <a:t>Cenário: Solicitar transferência</a:t>
               </a:r>
-              <a:endParaRPr b="1" sz="1700">
+              <a:endParaRPr sz="1700" b="1" dirty="0">
                 <a:latin typeface="Times New Roman"/>
                 <a:ea typeface="Times New Roman"/>
                 <a:cs typeface="Times New Roman"/>
@@ -10163,7 +10837,7 @@
               </a:endParaRPr>
             </a:p>
             <a:p>
-              <a:pPr indent="0" lvl="0" marL="0" rtl="0" algn="l">
+              <a:pPr marL="0" lvl="0" indent="0" algn="l" rtl="0">
                 <a:spcBef>
                   <a:spcPts val="0"/>
                 </a:spcBef>
@@ -10172,10 +10846,7 @@
                 </a:spcAft>
                 <a:buNone/>
               </a:pPr>
-              <a:r>
-                <a:t/>
-              </a:r>
-              <a:endParaRPr b="1"/>
+              <a:endParaRPr b="1" dirty="0"/>
             </a:p>
           </p:txBody>
         </p:sp>
@@ -10187,7 +10858,7 @@
           </p:nvSpPr>
           <p:spPr>
             <a:xfrm>
-              <a:off x="289900" y="1454900"/>
+              <a:off x="354111" y="1383641"/>
               <a:ext cx="2643900" cy="783300"/>
             </a:xfrm>
             <a:prstGeom prst="rect">
@@ -10199,12 +10870,12 @@
             </a:ln>
           </p:spPr>
           <p:txBody>
-            <a:bodyPr anchorCtr="0" anchor="t" bIns="91425" lIns="91425" spcFirstLastPara="1" rIns="91425" wrap="square" tIns="91425">
+            <a:bodyPr spcFirstLastPara="1" wrap="square" lIns="91425" tIns="91425" rIns="91425" bIns="91425" anchor="t" anchorCtr="0">
               <a:noAutofit/>
             </a:bodyPr>
             <a:lstStyle/>
             <a:p>
-              <a:pPr indent="0" lvl="0" marL="0" rtl="0" algn="just">
+              <a:pPr marL="0" lvl="0" indent="0" algn="just" rtl="0">
                 <a:spcBef>
                   <a:spcPts val="0"/>
                 </a:spcBef>
@@ -10214,7 +10885,7 @@
                 <a:buNone/>
               </a:pPr>
               <a:r>
-                <a:rPr lang="pt-BR">
+                <a:rPr lang="pt-BR" dirty="0">
                   <a:latin typeface="Times New Roman"/>
                   <a:ea typeface="Times New Roman"/>
                   <a:cs typeface="Times New Roman"/>
@@ -10222,7 +10893,7 @@
                 </a:rPr>
                 <a:t>Nó operacional: Secretaria</a:t>
               </a:r>
-              <a:endParaRPr>
+              <a:endParaRPr dirty="0">
                 <a:latin typeface="Times New Roman"/>
                 <a:ea typeface="Times New Roman"/>
                 <a:cs typeface="Times New Roman"/>
@@ -10230,7 +10901,7 @@
               </a:endParaRPr>
             </a:p>
             <a:p>
-              <a:pPr indent="0" lvl="0" marL="0" rtl="0" algn="just">
+              <a:pPr marL="0" lvl="0" indent="0" algn="just" rtl="0">
                 <a:spcBef>
                   <a:spcPts val="0"/>
                 </a:spcBef>
@@ -10240,7 +10911,7 @@
                 <a:buNone/>
               </a:pPr>
               <a:r>
-                <a:rPr lang="pt-BR">
+                <a:rPr lang="pt-BR" dirty="0">
                   <a:latin typeface="Times New Roman"/>
                   <a:ea typeface="Times New Roman"/>
                   <a:cs typeface="Times New Roman"/>
@@ -10248,7 +10919,7 @@
                 </a:rPr>
                 <a:t>Capacidade:</a:t>
               </a:r>
-              <a:endParaRPr>
+              <a:endParaRPr dirty="0">
                 <a:latin typeface="Times New Roman"/>
                 <a:ea typeface="Times New Roman"/>
                 <a:cs typeface="Times New Roman"/>
@@ -10256,7 +10927,7 @@
               </a:endParaRPr>
             </a:p>
             <a:p>
-              <a:pPr indent="-317500" lvl="0" marL="457200" rtl="0" algn="just">
+              <a:pPr marL="457200" lvl="0" indent="-317500" algn="just" rtl="0">
                 <a:spcBef>
                   <a:spcPts val="0"/>
                 </a:spcBef>
@@ -10268,7 +10939,7 @@
                 <a:buChar char="-"/>
               </a:pPr>
               <a:r>
-                <a:rPr lang="pt-BR">
+                <a:rPr lang="pt-BR" dirty="0">
                   <a:solidFill>
                     <a:schemeClr val="dk1"/>
                   </a:solidFill>
@@ -10279,7 +10950,7 @@
                 </a:rPr>
                 <a:t>Realizar transferência</a:t>
               </a:r>
-              <a:endParaRPr>
+              <a:endParaRPr dirty="0">
                 <a:latin typeface="Times New Roman"/>
                 <a:ea typeface="Times New Roman"/>
                 <a:cs typeface="Times New Roman"/>
@@ -10309,12 +10980,12 @@
           </a:ln>
         </p:spPr>
         <p:txBody>
-          <a:bodyPr anchorCtr="0" anchor="t" bIns="91425" lIns="91425" spcFirstLastPara="1" rIns="91425" wrap="square" tIns="91425">
+          <a:bodyPr spcFirstLastPara="1" wrap="square" lIns="91425" tIns="91425" rIns="91425" bIns="91425" anchor="t" anchorCtr="0">
             <a:noAutofit/>
           </a:bodyPr>
           <a:lstStyle/>
           <a:p>
-            <a:pPr indent="0" lvl="0" marL="0" rtl="0" algn="l">
+            <a:pPr marL="0" lvl="0" indent="0" algn="l" rtl="0">
               <a:spcBef>
                 <a:spcPts val="0"/>
               </a:spcBef>
@@ -10329,7 +11000,7 @@
               <a:buNone/>
             </a:pPr>
             <a:r>
-              <a:rPr b="1" lang="pt-BR" sz="2100">
+              <a:rPr lang="pt-BR" sz="2100" b="1">
                 <a:solidFill>
                   <a:schemeClr val="dk1"/>
                 </a:solidFill>
@@ -10349,6 +11020,197 @@
           </a:p>
         </p:txBody>
       </p:sp>
+      <p:sp>
+        <p:nvSpPr>
+          <p:cNvPr id="9" name="Google Shape;132;p19">
+            <a:extLst>
+              <a:ext uri="{FF2B5EF4-FFF2-40B4-BE49-F238E27FC236}">
+                <a16:creationId xmlns:a16="http://schemas.microsoft.com/office/drawing/2014/main" id="{B87F118B-78CF-4885-A418-1D4E4ADABF7A}"/>
+              </a:ext>
+            </a:extLst>
+          </p:cNvPr>
+          <p:cNvSpPr txBox="1"/>
+          <p:nvPr/>
+        </p:nvSpPr>
+        <p:spPr>
+          <a:xfrm>
+            <a:off x="196175" y="1129818"/>
+            <a:ext cx="2783100" cy="524302"/>
+          </a:xfrm>
+          <a:prstGeom prst="rect">
+            <a:avLst/>
+          </a:prstGeom>
+          <a:noFill/>
+          <a:ln>
+            <a:noFill/>
+          </a:ln>
+        </p:spPr>
+        <p:txBody>
+          <a:bodyPr spcFirstLastPara="1" wrap="square" lIns="91425" tIns="91425" rIns="91425" bIns="91425" anchor="t" anchorCtr="0">
+            <a:noAutofit/>
+          </a:bodyPr>
+          <a:lstStyle/>
+          <a:p>
+            <a:pPr marL="0" lvl="0" indent="0" algn="l" rtl="0">
+              <a:spcBef>
+                <a:spcPts val="0"/>
+              </a:spcBef>
+              <a:spcAft>
+                <a:spcPts val="0"/>
+              </a:spcAft>
+              <a:buNone/>
+            </a:pPr>
+            <a:r>
+              <a:rPr lang="pt-BR" sz="1700" b="1" dirty="0">
+                <a:latin typeface="Times New Roman"/>
+                <a:ea typeface="Times New Roman"/>
+                <a:cs typeface="Times New Roman"/>
+                <a:sym typeface="Times New Roman"/>
+              </a:rPr>
+              <a:t>Cenário: Reabrir matrícula</a:t>
+            </a:r>
+            <a:endParaRPr sz="1700" b="1" dirty="0">
+              <a:latin typeface="Times New Roman"/>
+              <a:ea typeface="Times New Roman"/>
+              <a:cs typeface="Times New Roman"/>
+              <a:sym typeface="Times New Roman"/>
+            </a:endParaRPr>
+          </a:p>
+        </p:txBody>
+      </p:sp>
+      <p:sp>
+        <p:nvSpPr>
+          <p:cNvPr id="10" name="Google Shape;134;p19">
+            <a:extLst>
+              <a:ext uri="{FF2B5EF4-FFF2-40B4-BE49-F238E27FC236}">
+                <a16:creationId xmlns:a16="http://schemas.microsoft.com/office/drawing/2014/main" id="{7F18E09D-A057-4CA8-B0F6-FF9EC1E2E8A6}"/>
+              </a:ext>
+            </a:extLst>
+          </p:cNvPr>
+          <p:cNvSpPr txBox="1"/>
+          <p:nvPr/>
+        </p:nvSpPr>
+        <p:spPr>
+          <a:xfrm>
+            <a:off x="281239" y="1471874"/>
+            <a:ext cx="2540100" cy="798221"/>
+          </a:xfrm>
+          <a:prstGeom prst="rect">
+            <a:avLst/>
+          </a:prstGeom>
+          <a:noFill/>
+          <a:ln>
+            <a:noFill/>
+          </a:ln>
+        </p:spPr>
+        <p:txBody>
+          <a:bodyPr spcFirstLastPara="1" wrap="square" lIns="91425" tIns="91425" rIns="91425" bIns="91425" anchor="t" anchorCtr="0">
+            <a:noAutofit/>
+          </a:bodyPr>
+          <a:lstStyle/>
+          <a:p>
+            <a:pPr marL="0" lvl="0" indent="0" algn="just" rtl="0">
+              <a:spcBef>
+                <a:spcPts val="0"/>
+              </a:spcBef>
+              <a:spcAft>
+                <a:spcPts val="0"/>
+              </a:spcAft>
+              <a:buNone/>
+            </a:pPr>
+            <a:r>
+              <a:rPr lang="pt-BR" dirty="0">
+                <a:solidFill>
+                  <a:schemeClr val="dk1"/>
+                </a:solidFill>
+                <a:latin typeface="Times New Roman"/>
+                <a:ea typeface="Times New Roman"/>
+                <a:cs typeface="Times New Roman"/>
+                <a:sym typeface="Times New Roman"/>
+              </a:rPr>
+              <a:t>Nó operacional: Secretaria</a:t>
+            </a:r>
+            <a:endParaRPr dirty="0">
+              <a:solidFill>
+                <a:schemeClr val="dk1"/>
+              </a:solidFill>
+              <a:latin typeface="Times New Roman"/>
+              <a:ea typeface="Times New Roman"/>
+              <a:cs typeface="Times New Roman"/>
+              <a:sym typeface="Times New Roman"/>
+            </a:endParaRPr>
+          </a:p>
+          <a:p>
+            <a:pPr marL="0" lvl="0" indent="0" algn="just" rtl="0">
+              <a:spcBef>
+                <a:spcPts val="0"/>
+              </a:spcBef>
+              <a:spcAft>
+                <a:spcPts val="0"/>
+              </a:spcAft>
+              <a:buNone/>
+            </a:pPr>
+            <a:r>
+              <a:rPr lang="pt-BR" dirty="0">
+                <a:solidFill>
+                  <a:schemeClr val="dk1"/>
+                </a:solidFill>
+                <a:latin typeface="Times New Roman"/>
+                <a:ea typeface="Times New Roman"/>
+                <a:cs typeface="Times New Roman"/>
+                <a:sym typeface="Times New Roman"/>
+              </a:rPr>
+              <a:t>Capacidades:</a:t>
+            </a:r>
+            <a:endParaRPr dirty="0">
+              <a:solidFill>
+                <a:schemeClr val="dk1"/>
+              </a:solidFill>
+              <a:latin typeface="Times New Roman"/>
+              <a:ea typeface="Times New Roman"/>
+              <a:cs typeface="Times New Roman"/>
+              <a:sym typeface="Times New Roman"/>
+            </a:endParaRPr>
+          </a:p>
+          <a:p>
+            <a:pPr marL="457200" lvl="0" indent="-317500" algn="just" rtl="0">
+              <a:spcBef>
+                <a:spcPts val="0"/>
+              </a:spcBef>
+              <a:spcAft>
+                <a:spcPts val="0"/>
+              </a:spcAft>
+              <a:buClr>
+                <a:schemeClr val="dk1"/>
+              </a:buClr>
+              <a:buSzPts val="1400"/>
+              <a:buFont typeface="Times New Roman"/>
+              <a:buChar char="-"/>
+            </a:pPr>
+            <a:r>
+              <a:rPr lang="pt-BR" dirty="0">
+                <a:solidFill>
+                  <a:schemeClr val="dk1"/>
+                </a:solidFill>
+                <a:latin typeface="Times New Roman"/>
+                <a:ea typeface="Times New Roman"/>
+                <a:cs typeface="Times New Roman"/>
+                <a:sym typeface="Times New Roman"/>
+              </a:rPr>
+              <a:t>Reabrir matrícula</a:t>
+            </a:r>
+            <a:endParaRPr dirty="0">
+              <a:solidFill>
+                <a:schemeClr val="dk1"/>
+              </a:solidFill>
+              <a:latin typeface="Times New Roman"/>
+              <a:ea typeface="Times New Roman"/>
+              <a:cs typeface="Times New Roman"/>
+              <a:sym typeface="Times New Roman"/>
+            </a:endParaRPr>
+          </a:p>
+        </p:txBody>
+      </p:sp>
     </p:spTree>
   </p:cSld>
   <p:clrMapOvr>
@@ -10358,7 +11220,7 @@
 </file>
 
 <file path=ppt/theme/theme1.xml><?xml version="1.0" encoding="utf-8"?>
-<a:theme xmlns:a="http://schemas.openxmlformats.org/drawingml/2006/main" xmlns:r="http://schemas.openxmlformats.org/officeDocument/2006/relationships" name="Simple Light">
+<a:theme xmlns:a="http://schemas.openxmlformats.org/drawingml/2006/main" name="Simple Light">
   <a:themeElements>
     <a:clrScheme name="Simple Light">
       <a:dk1>
@@ -10633,11 +11495,13 @@
       </a:bgFillStyleLst>
     </a:fmtScheme>
   </a:themeElements>
+  <a:objectDefaults/>
+  <a:extraClrSchemeLst/>
 </a:theme>
 </file>
 
 <file path=ppt/theme/theme2.xml><?xml version="1.0" encoding="utf-8"?>
-<a:theme xmlns:a="http://schemas.openxmlformats.org/drawingml/2006/main" xmlns:r="http://schemas.openxmlformats.org/officeDocument/2006/relationships">
+<a:theme xmlns:a="http://schemas.openxmlformats.org/drawingml/2006/main">
   <a:themeElements>
     <a:clrScheme name="Default">
       <a:dk1>
@@ -10912,5 +11776,7 @@
       </a:bgFillStyleLst>
     </a:fmtScheme>
   </a:themeElements>
+  <a:objectDefaults/>
+  <a:extraClrSchemeLst/>
 </a:theme>
 </file>
--- a/Artefatos/15. Arquitetura de negócio para cada cenário.pptx
+++ b/Artefatos/15. Arquitetura de negócio para cada cenário.pptx
@@ -6712,7 +6712,7 @@
                 <a:cs typeface="Times New Roman"/>
                 <a:sym typeface="Times New Roman"/>
               </a:rPr>
-              <a:t>Negociação</a:t>
+              <a:t>Negociar</a:t>
             </a:r>
             <a:endParaRPr dirty="0">
               <a:latin typeface="Times New Roman"/>
@@ -7928,7 +7928,7 @@
                 <a:cs typeface="Times New Roman"/>
                 <a:sym typeface="Times New Roman"/>
               </a:rPr>
-              <a:t>Cenário: Negociação</a:t>
+              <a:t>Cenário: Negociar</a:t>
             </a:r>
             <a:endParaRPr sz="2000" b="1" dirty="0">
               <a:latin typeface="Times New Roman"/>
@@ -10603,7 +10603,7 @@
                 <a:cs typeface="Times New Roman"/>
                 <a:sym typeface="Times New Roman"/>
               </a:rPr>
-              <a:t>Cenário: negociação</a:t>
+              <a:t>Cenário: Negociar</a:t>
             </a:r>
             <a:endParaRPr sz="1700" b="1" dirty="0">
               <a:latin typeface="Times New Roman"/>

--- a/Artefatos/15. Arquitetura de negócio para cada cenário.pptx
+++ b/Artefatos/15. Arquitetura de negócio para cada cenário.pptx
@@ -6599,7 +6599,7 @@
         </p:nvSpPr>
         <p:spPr>
           <a:xfrm>
-            <a:off x="2310425" y="2342626"/>
+            <a:off x="2310425" y="965575"/>
             <a:ext cx="2292300" cy="1441079"/>
           </a:xfrm>
           <a:prstGeom prst="rect">
@@ -6664,12 +6664,22 @@
               </a:rPr>
               <a:t>Assistir Aula</a:t>
             </a:r>
-            <a:endParaRPr dirty="0">
-              <a:latin typeface="Times New Roman"/>
-              <a:ea typeface="Times New Roman"/>
-              <a:cs typeface="Times New Roman"/>
-              <a:sym typeface="Times New Roman"/>
-            </a:endParaRPr>
+          </a:p>
+          <a:p>
+            <a:pPr marL="457200" indent="-317500" algn="just">
+              <a:buSzPts val="1400"/>
+              <a:buFont typeface="Times New Roman"/>
+              <a:buAutoNum type="arabicPeriod"/>
+            </a:pPr>
+            <a:r>
+              <a:rPr lang="pt-BR" dirty="0">
+                <a:latin typeface="Times New Roman"/>
+                <a:ea typeface="Times New Roman"/>
+                <a:cs typeface="Times New Roman"/>
+                <a:sym typeface="Times New Roman"/>
+              </a:rPr>
+              <a:t>Negociar</a:t>
+            </a:r>
           </a:p>
           <a:p>
             <a:pPr marL="457200" lvl="0" indent="-317500" algn="just" rtl="0">
@@ -6692,34 +6702,6 @@
               </a:rPr>
               <a:t>Trancar Matrícula</a:t>
             </a:r>
-          </a:p>
-          <a:p>
-            <a:pPr marL="457200" lvl="0" indent="-317500" algn="just" rtl="0">
-              <a:spcBef>
-                <a:spcPts val="0"/>
-              </a:spcBef>
-              <a:spcAft>
-                <a:spcPts val="0"/>
-              </a:spcAft>
-              <a:buSzPts val="1400"/>
-              <a:buFont typeface="Times New Roman"/>
-              <a:buAutoNum type="arabicPeriod"/>
-            </a:pPr>
-            <a:r>
-              <a:rPr lang="pt-BR" dirty="0">
-                <a:latin typeface="Times New Roman"/>
-                <a:ea typeface="Times New Roman"/>
-                <a:cs typeface="Times New Roman"/>
-                <a:sym typeface="Times New Roman"/>
-              </a:rPr>
-              <a:t>Negociar</a:t>
-            </a:r>
-            <a:endParaRPr dirty="0">
-              <a:latin typeface="Times New Roman"/>
-              <a:ea typeface="Times New Roman"/>
-              <a:cs typeface="Times New Roman"/>
-              <a:sym typeface="Times New Roman"/>
-            </a:endParaRPr>
           </a:p>
           <a:p>
             <a:pPr marL="457200" lvl="0" indent="-317500" algn="just" rtl="0">
